--- a/Clojure Vortrag .NET User Group.pptx
+++ b/Clojure Vortrag .NET User Group.pptx
@@ -5,7 +5,7 @@
     <p:sldMasterId id="2147483660" r:id="rId1"/>
   </p:sldMasterIdLst>
   <p:handoutMasterIdLst>
-    <p:handoutMasterId r:id="rId17"/>
+    <p:handoutMasterId r:id="rId19"/>
   </p:handoutMasterIdLst>
   <p:sldIdLst>
     <p:sldId id="256" r:id="rId2"/>
@@ -16,13 +16,15 @@
     <p:sldId id="268" r:id="rId7"/>
     <p:sldId id="269" r:id="rId8"/>
     <p:sldId id="270" r:id="rId9"/>
-    <p:sldId id="266" r:id="rId10"/>
-    <p:sldId id="257" r:id="rId11"/>
-    <p:sldId id="258" r:id="rId12"/>
-    <p:sldId id="259" r:id="rId13"/>
-    <p:sldId id="260" r:id="rId14"/>
-    <p:sldId id="261" r:id="rId15"/>
-    <p:sldId id="262" r:id="rId16"/>
+    <p:sldId id="271" r:id="rId10"/>
+    <p:sldId id="272" r:id="rId11"/>
+    <p:sldId id="266" r:id="rId12"/>
+    <p:sldId id="257" r:id="rId13"/>
+    <p:sldId id="258" r:id="rId14"/>
+    <p:sldId id="259" r:id="rId15"/>
+    <p:sldId id="260" r:id="rId16"/>
+    <p:sldId id="261" r:id="rId17"/>
+    <p:sldId id="262" r:id="rId18"/>
   </p:sldIdLst>
   <p:sldSz cx="9144000" cy="6858000" type="screen4x3"/>
   <p:notesSz cx="6794500" cy="9931400"/>
@@ -206,7 +208,7 @@
           <a:p>
             <a:fld id="{58A9EE8F-FFE1-47DD-9EB3-5670B774654C}" type="datetimeFigureOut">
               <a:rPr lang="de-DE" smtClean="0"/>
-              <a:t>16.09.2013</a:t>
+              <a:t>17.09.2013</a:t>
             </a:fld>
             <a:endParaRPr lang="de-DE"/>
           </a:p>
@@ -478,7 +480,7 @@
           <a:p>
             <a:fld id="{ED9750E0-CE15-4EC1-B1D0-C2B3694DFCFC}" type="datetimeFigureOut">
               <a:rPr lang="de-DE" smtClean="0"/>
-              <a:t>16.09.2013</a:t>
+              <a:t>17.09.2013</a:t>
             </a:fld>
             <a:endParaRPr lang="de-DE"/>
           </a:p>
@@ -655,7 +657,7 @@
           <a:p>
             <a:fld id="{ED9750E0-CE15-4EC1-B1D0-C2B3694DFCFC}" type="datetimeFigureOut">
               <a:rPr lang="de-DE" smtClean="0"/>
-              <a:t>16.09.2013</a:t>
+              <a:t>17.09.2013</a:t>
             </a:fld>
             <a:endParaRPr lang="de-DE"/>
           </a:p>
@@ -853,7 +855,7 @@
           <a:p>
             <a:fld id="{ED9750E0-CE15-4EC1-B1D0-C2B3694DFCFC}" type="datetimeFigureOut">
               <a:rPr lang="de-DE" smtClean="0"/>
-              <a:t>16.09.2013</a:t>
+              <a:t>17.09.2013</a:t>
             </a:fld>
             <a:endParaRPr lang="de-DE"/>
           </a:p>
@@ -1007,7 +1009,7 @@
           <a:p>
             <a:fld id="{ED9750E0-CE15-4EC1-B1D0-C2B3694DFCFC}" type="datetimeFigureOut">
               <a:rPr lang="de-DE" smtClean="0"/>
-              <a:t>16.09.2013</a:t>
+              <a:t>17.09.2013</a:t>
             </a:fld>
             <a:endParaRPr lang="de-DE"/>
           </a:p>
@@ -1282,7 +1284,7 @@
           <a:p>
             <a:fld id="{ED9750E0-CE15-4EC1-B1D0-C2B3694DFCFC}" type="datetimeFigureOut">
               <a:rPr lang="de-DE" smtClean="0"/>
-              <a:t>16.09.2013</a:t>
+              <a:t>17.09.2013</a:t>
             </a:fld>
             <a:endParaRPr lang="de-DE"/>
           </a:p>
@@ -1581,7 +1583,7 @@
           <a:p>
             <a:fld id="{ED9750E0-CE15-4EC1-B1D0-C2B3694DFCFC}" type="datetimeFigureOut">
               <a:rPr lang="de-DE" smtClean="0"/>
-              <a:t>16.09.2013</a:t>
+              <a:t>17.09.2013</a:t>
             </a:fld>
             <a:endParaRPr lang="de-DE"/>
           </a:p>
@@ -2023,7 +2025,7 @@
           <a:p>
             <a:fld id="{ED9750E0-CE15-4EC1-B1D0-C2B3694DFCFC}" type="datetimeFigureOut">
               <a:rPr lang="de-DE" smtClean="0"/>
-              <a:t>16.09.2013</a:t>
+              <a:t>17.09.2013</a:t>
             </a:fld>
             <a:endParaRPr lang="de-DE"/>
           </a:p>
@@ -2130,7 +2132,7 @@
           <a:p>
             <a:fld id="{ED9750E0-CE15-4EC1-B1D0-C2B3694DFCFC}" type="datetimeFigureOut">
               <a:rPr lang="de-DE" smtClean="0"/>
-              <a:t>16.09.2013</a:t>
+              <a:t>17.09.2013</a:t>
             </a:fld>
             <a:endParaRPr lang="de-DE"/>
           </a:p>
@@ -2250,7 +2252,7 @@
           <a:p>
             <a:fld id="{ED9750E0-CE15-4EC1-B1D0-C2B3694DFCFC}" type="datetimeFigureOut">
               <a:rPr lang="de-DE" smtClean="0"/>
-              <a:t>16.09.2013</a:t>
+              <a:t>17.09.2013</a:t>
             </a:fld>
             <a:endParaRPr lang="de-DE"/>
           </a:p>
@@ -2535,7 +2537,7 @@
           <a:p>
             <a:fld id="{ED9750E0-CE15-4EC1-B1D0-C2B3694DFCFC}" type="datetimeFigureOut">
               <a:rPr lang="de-DE" smtClean="0"/>
-              <a:t>16.09.2013</a:t>
+              <a:t>17.09.2013</a:t>
             </a:fld>
             <a:endParaRPr lang="de-DE"/>
           </a:p>
@@ -2806,7 +2808,7 @@
           <a:p>
             <a:fld id="{ED9750E0-CE15-4EC1-B1D0-C2B3694DFCFC}" type="datetimeFigureOut">
               <a:rPr lang="de-DE" smtClean="0"/>
-              <a:t>16.09.2013</a:t>
+              <a:t>17.09.2013</a:t>
             </a:fld>
             <a:endParaRPr lang="de-DE"/>
           </a:p>
@@ -3026,7 +3028,7 @@
           <a:p>
             <a:fld id="{ED9750E0-CE15-4EC1-B1D0-C2B3694DFCFC}" type="datetimeFigureOut">
               <a:rPr lang="de-DE" smtClean="0"/>
-              <a:t>16.09.2013</a:t>
+              <a:t>17.09.2013</a:t>
             </a:fld>
             <a:endParaRPr lang="de-DE"/>
           </a:p>
@@ -3611,14 +3613,14 @@
       </p:grpSpPr>
       <p:sp>
         <p:nvSpPr>
-          <p:cNvPr id="4" name="Textfeld 3"/>
+          <p:cNvPr id="4" name="TextBox 3"/>
           <p:cNvSpPr txBox="1"/>
           <p:nvPr/>
         </p:nvSpPr>
         <p:spPr>
           <a:xfrm>
-            <a:off x="827584" y="1196752"/>
-            <a:ext cx="4896544" cy="2585323"/>
+            <a:off x="683568" y="980728"/>
+            <a:ext cx="5544616" cy="369332"/>
           </a:xfrm>
           <a:prstGeom prst="rect">
             <a:avLst/>
@@ -3633,99 +3635,254 @@
           <a:p>
             <a:r>
               <a:rPr lang="de-DE" dirty="0" smtClean="0"/>
-              <a:t>Wie ist dieser Vortrag strukturiert</a:t>
-            </a:r>
-          </a:p>
-          <a:p>
-            <a:pPr marL="285750" indent="-285750">
-              <a:buFont typeface="Arial" pitchFamily="34" charset="0"/>
-              <a:buChar char="•"/>
-            </a:pPr>
-            <a:r>
-              <a:rPr lang="de-DE" dirty="0" smtClean="0"/>
-              <a:t>Einführung</a:t>
-            </a:r>
-          </a:p>
-          <a:p>
-            <a:pPr marL="285750" indent="-285750">
-              <a:buFont typeface="Arial" pitchFamily="34" charset="0"/>
-              <a:buChar char="•"/>
-            </a:pPr>
-            <a:r>
-              <a:rPr lang="de-DE" dirty="0" smtClean="0"/>
-              <a:t>Basics (Dynamic Language)</a:t>
-            </a:r>
-          </a:p>
-          <a:p>
-            <a:pPr marL="285750" indent="-285750">
-              <a:buFont typeface="Arial" pitchFamily="34" charset="0"/>
-              <a:buChar char="•"/>
-            </a:pPr>
-            <a:r>
-              <a:rPr lang="de-DE" dirty="0" smtClean="0"/>
-              <a:t>Lisp</a:t>
-            </a:r>
-          </a:p>
-          <a:p>
-            <a:pPr marL="285750" indent="-285750">
-              <a:buFont typeface="Arial" pitchFamily="34" charset="0"/>
-              <a:buChar char="•"/>
-            </a:pPr>
+              <a:t>Eigene Funktionen in </a:t>
+            </a:r>
             <a:r>
               <a:rPr lang="de-DE" dirty="0" err="1" smtClean="0"/>
-              <a:t>Functional</a:t>
-            </a:r>
-            <a:endParaRPr lang="de-DE" dirty="0" smtClean="0"/>
-          </a:p>
-          <a:p>
-            <a:pPr marL="285750" indent="-285750">
-              <a:buFont typeface="Arial" pitchFamily="34" charset="0"/>
-              <a:buChar char="•"/>
-            </a:pPr>
-            <a:r>
-              <a:rPr lang="de-DE" dirty="0" smtClean="0"/>
-              <a:t>Host Integration auf der JVM </a:t>
-            </a:r>
-            <a:r>
-              <a:rPr lang="de-DE" dirty="0" err="1" smtClean="0"/>
-              <a:t>and</a:t>
-            </a:r>
-            <a:r>
-              <a:rPr lang="de-DE" dirty="0" smtClean="0"/>
-              <a:t> CLR</a:t>
-            </a:r>
-          </a:p>
-          <a:p>
-            <a:pPr marL="285750" indent="-285750">
-              <a:buFont typeface="Arial" pitchFamily="34" charset="0"/>
-              <a:buChar char="•"/>
-            </a:pPr>
-            <a:r>
-              <a:rPr lang="de-DE" dirty="0" err="1" smtClean="0"/>
-              <a:t>Concurrency</a:t>
-            </a:r>
-            <a:endParaRPr lang="de-DE" dirty="0" smtClean="0"/>
-          </a:p>
-          <a:p>
-            <a:pPr marL="285750" indent="-285750">
-              <a:buFont typeface="Arial" pitchFamily="34" charset="0"/>
-              <a:buChar char="•"/>
-            </a:pPr>
-            <a:endParaRPr lang="de-DE" dirty="0" smtClean="0"/>
-          </a:p>
-          <a:p>
-            <a:pPr marL="285750" indent="-285750">
-              <a:buFont typeface="Arial" pitchFamily="34" charset="0"/>
-              <a:buChar char="•"/>
-            </a:pPr>
+              <a:t>Clojure</a:t>
+            </a:r>
+            <a:r>
+              <a:rPr lang="de-DE" dirty="0" smtClean="0"/>
+              <a:t> definieren!</a:t>
+            </a:r>
             <a:endParaRPr lang="de-DE" dirty="0"/>
+          </a:p>
+        </p:txBody>
+      </p:sp>
+      <p:sp>
+        <p:nvSpPr>
+          <p:cNvPr id="5" name="TextBox 4"/>
+          <p:cNvSpPr txBox="1"/>
+          <p:nvPr/>
+        </p:nvSpPr>
+        <p:spPr>
+          <a:xfrm>
+            <a:off x="755576" y="2060848"/>
+            <a:ext cx="5904656" cy="1323439"/>
+          </a:xfrm>
+          <a:prstGeom prst="rect">
+            <a:avLst/>
+          </a:prstGeom>
+          <a:noFill/>
+        </p:spPr>
+        <p:txBody>
+          <a:bodyPr wrap="square" rtlCol="0">
+            <a:spAutoFit/>
+          </a:bodyPr>
+          <a:lstStyle/>
+          <a:p>
+            <a:r>
+              <a:rPr lang="de-DE" sz="4000" dirty="0" smtClean="0"/>
+              <a:t>(</a:t>
+            </a:r>
+            <a:r>
+              <a:rPr lang="de-DE" sz="4000" dirty="0" err="1" smtClean="0"/>
+              <a:t>defn</a:t>
+            </a:r>
+            <a:r>
+              <a:rPr lang="de-DE" sz="4000" dirty="0" smtClean="0"/>
+              <a:t> </a:t>
+            </a:r>
+            <a:r>
+              <a:rPr lang="de-DE" sz="4000" dirty="0" err="1" smtClean="0"/>
+              <a:t>greetings</a:t>
+            </a:r>
+            <a:r>
+              <a:rPr lang="de-DE" sz="4000" dirty="0" smtClean="0"/>
+              <a:t> [</a:t>
+            </a:r>
+            <a:r>
+              <a:rPr lang="de-DE" sz="4000" dirty="0" err="1" smtClean="0"/>
+              <a:t>name</a:t>
+            </a:r>
+            <a:r>
+              <a:rPr lang="de-DE" sz="4000" dirty="0" smtClean="0"/>
+              <a:t>]</a:t>
+            </a:r>
+          </a:p>
+          <a:p>
+            <a:r>
+              <a:rPr lang="de-DE" sz="4000" dirty="0"/>
+              <a:t> </a:t>
+            </a:r>
+            <a:r>
+              <a:rPr lang="de-DE" sz="4000" dirty="0" smtClean="0"/>
+              <a:t>     (</a:t>
+            </a:r>
+            <a:r>
+              <a:rPr lang="de-DE" sz="4000" dirty="0" err="1" smtClean="0"/>
+              <a:t>str</a:t>
+            </a:r>
+            <a:r>
+              <a:rPr lang="de-DE" sz="4000" dirty="0" smtClean="0"/>
+              <a:t> „Hallo “ </a:t>
+            </a:r>
+            <a:r>
+              <a:rPr lang="de-DE" sz="4000" dirty="0" err="1" smtClean="0"/>
+              <a:t>name</a:t>
+            </a:r>
+            <a:r>
+              <a:rPr lang="de-DE" sz="4000" dirty="0" smtClean="0"/>
+              <a:t>))</a:t>
+            </a:r>
+            <a:endParaRPr lang="de-DE" sz="4000" dirty="0"/>
+          </a:p>
+        </p:txBody>
+      </p:sp>
+      <p:sp>
+        <p:nvSpPr>
+          <p:cNvPr id="6" name="TextBox 5"/>
+          <p:cNvSpPr txBox="1"/>
+          <p:nvPr/>
+        </p:nvSpPr>
+        <p:spPr>
+          <a:xfrm>
+            <a:off x="467544" y="6453336"/>
+            <a:ext cx="1296144" cy="369332"/>
+          </a:xfrm>
+          <a:prstGeom prst="rect">
+            <a:avLst/>
+          </a:prstGeom>
+          <a:noFill/>
+        </p:spPr>
+        <p:txBody>
+          <a:bodyPr wrap="square" rtlCol="0">
+            <a:spAutoFit/>
+          </a:bodyPr>
+          <a:lstStyle/>
+          <a:p>
+            <a:r>
+              <a:rPr lang="de-DE" dirty="0" smtClean="0">
+                <a:solidFill>
+                  <a:schemeClr val="bg1"/>
+                </a:solidFill>
+              </a:rPr>
+              <a:t>Funktion </a:t>
+            </a:r>
+            <a:r>
+              <a:rPr lang="de-DE" dirty="0" smtClean="0">
+                <a:solidFill>
+                  <a:schemeClr val="bg1"/>
+                </a:solidFill>
+              </a:rPr>
+              <a:t>2</a:t>
+            </a:r>
+            <a:endParaRPr lang="de-DE" dirty="0">
+              <a:solidFill>
+                <a:schemeClr val="bg1"/>
+              </a:solidFill>
+            </a:endParaRPr>
+          </a:p>
+        </p:txBody>
+      </p:sp>
+      <p:sp>
+        <p:nvSpPr>
+          <p:cNvPr id="7" name="TextBox 6"/>
+          <p:cNvSpPr txBox="1"/>
+          <p:nvPr/>
+        </p:nvSpPr>
+        <p:spPr>
+          <a:xfrm>
+            <a:off x="683568" y="1556792"/>
+            <a:ext cx="2520280" cy="369332"/>
+          </a:xfrm>
+          <a:prstGeom prst="rect">
+            <a:avLst/>
+          </a:prstGeom>
+          <a:noFill/>
+        </p:spPr>
+        <p:txBody>
+          <a:bodyPr wrap="square" rtlCol="0">
+            <a:spAutoFit/>
+          </a:bodyPr>
+          <a:lstStyle/>
+          <a:p>
+            <a:r>
+              <a:rPr lang="de-DE" dirty="0" smtClean="0"/>
+              <a:t>Definition!</a:t>
+            </a:r>
+            <a:endParaRPr lang="de-DE" dirty="0"/>
+          </a:p>
+        </p:txBody>
+      </p:sp>
+      <p:sp>
+        <p:nvSpPr>
+          <p:cNvPr id="8" name="TextBox 7"/>
+          <p:cNvSpPr txBox="1"/>
+          <p:nvPr/>
+        </p:nvSpPr>
+        <p:spPr>
+          <a:xfrm>
+            <a:off x="683568" y="4005064"/>
+            <a:ext cx="2520280" cy="369332"/>
+          </a:xfrm>
+          <a:prstGeom prst="rect">
+            <a:avLst/>
+          </a:prstGeom>
+          <a:noFill/>
+        </p:spPr>
+        <p:txBody>
+          <a:bodyPr wrap="square" rtlCol="0">
+            <a:spAutoFit/>
+          </a:bodyPr>
+          <a:lstStyle/>
+          <a:p>
+            <a:r>
+              <a:rPr lang="de-DE" dirty="0" smtClean="0"/>
+              <a:t>Benutzung</a:t>
+            </a:r>
+            <a:endParaRPr lang="de-DE" dirty="0"/>
+          </a:p>
+        </p:txBody>
+      </p:sp>
+      <p:sp>
+        <p:nvSpPr>
+          <p:cNvPr id="9" name="TextBox 8"/>
+          <p:cNvSpPr txBox="1"/>
+          <p:nvPr/>
+        </p:nvSpPr>
+        <p:spPr>
+          <a:xfrm>
+            <a:off x="789564" y="4581128"/>
+            <a:ext cx="7670868" cy="1323439"/>
+          </a:xfrm>
+          <a:prstGeom prst="rect">
+            <a:avLst/>
+          </a:prstGeom>
+          <a:noFill/>
+        </p:spPr>
+        <p:txBody>
+          <a:bodyPr wrap="square" rtlCol="0">
+            <a:spAutoFit/>
+          </a:bodyPr>
+          <a:lstStyle/>
+          <a:p>
+            <a:r>
+              <a:rPr lang="de-DE" sz="4000" dirty="0" smtClean="0"/>
+              <a:t>(</a:t>
+            </a:r>
+            <a:r>
+              <a:rPr lang="de-DE" sz="4000" dirty="0" err="1" smtClean="0"/>
+              <a:t>greetings</a:t>
+            </a:r>
+            <a:r>
+              <a:rPr lang="de-DE" sz="4000" dirty="0" smtClean="0"/>
+              <a:t> „Thomas“) </a:t>
+            </a:r>
+          </a:p>
+          <a:p>
+            <a:r>
+              <a:rPr lang="de-DE" sz="4000" dirty="0" smtClean="0"/>
+              <a:t>User=&gt;“Hallo Thomas“</a:t>
+            </a:r>
+            <a:endParaRPr lang="de-DE" sz="4000" dirty="0"/>
           </a:p>
         </p:txBody>
       </p:sp>
     </p:spTree>
     <p:extLst>
       <p:ext uri="{BB962C8B-B14F-4D97-AF65-F5344CB8AC3E}">
-        <p14:creationId xmlns:p14="http://schemas.microsoft.com/office/powerpoint/2010/main" val="2083045734"/>
+        <p14:creationId xmlns:p14="http://schemas.microsoft.com/office/powerpoint/2010/main" val="69168436"/>
       </p:ext>
     </p:extLst>
   </p:cSld>
@@ -3767,8 +3924,8 @@
         </p:nvSpPr>
         <p:spPr>
           <a:xfrm>
-            <a:off x="1043608" y="836712"/>
-            <a:ext cx="5040560" cy="1754326"/>
+            <a:off x="899592" y="548680"/>
+            <a:ext cx="6984776" cy="3416320"/>
           </a:xfrm>
           <a:prstGeom prst="rect">
             <a:avLst/>
@@ -3783,55 +3940,112 @@
           <a:p>
             <a:r>
               <a:rPr lang="de-DE" dirty="0" smtClean="0"/>
-              <a:t>Vorstellung 3-er Personen</a:t>
-            </a:r>
-          </a:p>
-          <a:p>
-            <a:r>
-              <a:rPr lang="de-DE" dirty="0" smtClean="0"/>
-              <a:t>Thomas Schulte</a:t>
-            </a:r>
-          </a:p>
-          <a:p>
-            <a:r>
-              <a:rPr lang="de-DE" dirty="0" smtClean="0"/>
-              <a:t>Andrew </a:t>
-            </a:r>
-            <a:r>
-              <a:rPr lang="de-DE" dirty="0" err="1" smtClean="0"/>
-              <a:t>Carthey</a:t>
-            </a:r>
-            <a:r>
-              <a:rPr lang="de-DE" dirty="0" smtClean="0"/>
-              <a:t>, Inventor von Lisp</a:t>
-            </a:r>
-          </a:p>
-          <a:p>
-            <a:r>
-              <a:rPr lang="de-DE" dirty="0" smtClean="0"/>
-              <a:t>Rich </a:t>
-            </a:r>
-            <a:r>
-              <a:rPr lang="de-DE" dirty="0" err="1" smtClean="0"/>
-              <a:t>Hickey</a:t>
-            </a:r>
-            <a:r>
-              <a:rPr lang="de-DE" dirty="0" smtClean="0"/>
-              <a:t> Inventor von </a:t>
-            </a:r>
-            <a:r>
-              <a:rPr lang="de-DE" dirty="0" err="1" smtClean="0"/>
-              <a:t>Clojure</a:t>
-            </a:r>
-            <a:endParaRPr lang="de-DE" dirty="0" smtClean="0"/>
-          </a:p>
-          <a:p>
-            <a:r>
-              <a:rPr lang="de-DE" dirty="0" smtClean="0"/>
-              <a:t>en.</a:t>
-            </a:r>
-          </a:p>
-          <a:p>
+              <a:t>Die verschiedenen Stufen des Lernens </a:t>
+            </a:r>
+            <a:r>
+              <a:rPr lang="de-DE" dirty="0" smtClean="0">
+                <a:sym typeface="Wingdings" pitchFamily="2" charset="2"/>
+              </a:rPr>
+              <a:t></a:t>
+            </a:r>
+          </a:p>
+          <a:p>
+            <a:endParaRPr lang="de-DE" dirty="0">
+              <a:sym typeface="Wingdings" pitchFamily="2" charset="2"/>
+            </a:endParaRPr>
+          </a:p>
+          <a:p>
+            <a:pPr marL="285750" indent="-285750">
+              <a:buFont typeface="Arial" pitchFamily="34" charset="0"/>
+              <a:buChar char="•"/>
+            </a:pPr>
+            <a:r>
+              <a:rPr lang="de-DE" dirty="0" smtClean="0">
+                <a:sym typeface="Wingdings" pitchFamily="2" charset="2"/>
+              </a:rPr>
+              <a:t>Was machen die da und warum geht das überhaupt???  (Verwirrung)</a:t>
+            </a:r>
+          </a:p>
+          <a:p>
+            <a:pPr marL="285750" indent="-285750">
+              <a:buFont typeface="Arial" pitchFamily="34" charset="0"/>
+              <a:buChar char="•"/>
+            </a:pPr>
+            <a:endParaRPr lang="de-DE" dirty="0" smtClean="0">
+              <a:sym typeface="Wingdings" pitchFamily="2" charset="2"/>
+            </a:endParaRPr>
+          </a:p>
+          <a:p>
+            <a:pPr marL="285750" indent="-285750">
+              <a:buFont typeface="Arial" pitchFamily="34" charset="0"/>
+              <a:buChar char="•"/>
+            </a:pPr>
+            <a:r>
+              <a:rPr lang="de-DE" dirty="0" smtClean="0">
+                <a:sym typeface="Wingdings" pitchFamily="2" charset="2"/>
+              </a:rPr>
+              <a:t>Die machen da was! </a:t>
+            </a:r>
+            <a:r>
+              <a:rPr lang="de-DE" dirty="0">
+                <a:sym typeface="Wingdings" pitchFamily="2" charset="2"/>
+              </a:rPr>
+              <a:t>D</a:t>
+            </a:r>
+            <a:r>
+              <a:rPr lang="de-DE" dirty="0" smtClean="0">
+                <a:sym typeface="Wingdings" pitchFamily="2" charset="2"/>
+              </a:rPr>
+              <a:t>as will ich auch. Ich weiß aber nicht so richtig wie!</a:t>
+            </a:r>
+          </a:p>
+          <a:p>
+            <a:pPr marL="285750" indent="-285750">
+              <a:buFont typeface="Arial" pitchFamily="34" charset="0"/>
+              <a:buChar char="•"/>
+            </a:pPr>
+            <a:endParaRPr lang="de-DE" dirty="0" smtClean="0">
+              <a:sym typeface="Wingdings" pitchFamily="2" charset="2"/>
+            </a:endParaRPr>
+          </a:p>
+          <a:p>
+            <a:pPr marL="285750" indent="-285750">
+              <a:buFont typeface="Arial" pitchFamily="34" charset="0"/>
+              <a:buChar char="•"/>
+            </a:pPr>
+            <a:r>
+              <a:rPr lang="de-DE" dirty="0" smtClean="0">
+                <a:sym typeface="Wingdings" pitchFamily="2" charset="2"/>
+              </a:rPr>
+              <a:t>Ich mache das jetzt auch, aber es ist noch schwierig!</a:t>
+            </a:r>
+          </a:p>
+          <a:p>
+            <a:pPr marL="285750" indent="-285750">
+              <a:buFont typeface="Arial" pitchFamily="34" charset="0"/>
+              <a:buChar char="•"/>
+            </a:pPr>
+            <a:endParaRPr lang="de-DE" dirty="0">
+              <a:sym typeface="Wingdings" pitchFamily="2" charset="2"/>
+            </a:endParaRPr>
+          </a:p>
+          <a:p>
+            <a:pPr marL="285750" indent="-285750">
+              <a:buFont typeface="Arial" pitchFamily="34" charset="0"/>
+              <a:buChar char="•"/>
+            </a:pPr>
+            <a:r>
+              <a:rPr lang="de-DE" dirty="0" smtClean="0">
+                <a:sym typeface="Wingdings" pitchFamily="2" charset="2"/>
+              </a:rPr>
+              <a:t>Ich mache das jetzt auch und zwar ganz selbstverständlich!</a:t>
+            </a:r>
+          </a:p>
+          <a:p>
+            <a:pPr marL="285750" indent="-285750">
+              <a:buFont typeface="Arial" pitchFamily="34" charset="0"/>
+              <a:buChar char="•"/>
+            </a:pPr>
             <a:endParaRPr lang="de-DE" dirty="0"/>
           </a:p>
         </p:txBody>
@@ -3839,7 +4053,7 @@
     </p:spTree>
     <p:extLst>
       <p:ext uri="{BB962C8B-B14F-4D97-AF65-F5344CB8AC3E}">
-        <p14:creationId xmlns:p14="http://schemas.microsoft.com/office/powerpoint/2010/main" val="3086717305"/>
+        <p14:creationId xmlns:p14="http://schemas.microsoft.com/office/powerpoint/2010/main" val="4274948650"/>
       </p:ext>
     </p:extLst>
   </p:cSld>
@@ -3881,8 +4095,8 @@
         </p:nvSpPr>
         <p:spPr>
           <a:xfrm>
-            <a:off x="683568" y="692696"/>
-            <a:ext cx="6696744" cy="4524315"/>
+            <a:off x="827584" y="1196752"/>
+            <a:ext cx="4896544" cy="2585323"/>
           </a:xfrm>
           <a:prstGeom prst="rect">
             <a:avLst/>
@@ -3897,42 +4111,7 @@
           <a:p>
             <a:r>
               <a:rPr lang="de-DE" dirty="0" smtClean="0"/>
-              <a:t>Erste Schritte mit </a:t>
-            </a:r>
-            <a:r>
-              <a:rPr lang="de-DE" dirty="0" err="1" smtClean="0"/>
-              <a:t>Clojure</a:t>
-            </a:r>
-            <a:endParaRPr lang="de-DE" dirty="0" smtClean="0"/>
-          </a:p>
-          <a:p>
-            <a:endParaRPr lang="de-DE" dirty="0"/>
-          </a:p>
-          <a:p>
-            <a:r>
-              <a:rPr lang="de-DE" dirty="0" err="1" smtClean="0"/>
-              <a:t>Clojure</a:t>
-            </a:r>
-            <a:r>
-              <a:rPr lang="de-DE" dirty="0" smtClean="0"/>
-              <a:t> Programme sind Listen. Eine der wichtigsten Symbole hierfür sind ()</a:t>
-            </a:r>
-          </a:p>
-          <a:p>
-            <a:endParaRPr lang="de-DE" dirty="0"/>
-          </a:p>
-          <a:p>
-            <a:r>
-              <a:rPr lang="de-DE" dirty="0" smtClean="0"/>
-              <a:t>Das Tool der Wahl um </a:t>
-            </a:r>
-            <a:r>
-              <a:rPr lang="de-DE" dirty="0" err="1" smtClean="0"/>
-              <a:t>Clojure</a:t>
-            </a:r>
-            <a:r>
-              <a:rPr lang="de-DE" dirty="0" smtClean="0"/>
-              <a:t> Programme auszuführen ist die REPL</a:t>
+              <a:t>Wie ist dieser Vortrag strukturiert</a:t>
             </a:r>
           </a:p>
           <a:p>
@@ -3942,13 +4121,8 @@
             </a:pPr>
             <a:r>
               <a:rPr lang="de-DE" dirty="0" smtClean="0"/>
-              <a:t>R </a:t>
-            </a:r>
-            <a:r>
-              <a:rPr lang="de-DE" dirty="0" err="1" smtClean="0"/>
-              <a:t>ead</a:t>
-            </a:r>
-            <a:endParaRPr lang="de-DE" dirty="0" smtClean="0"/>
+              <a:t>Einführung</a:t>
+            </a:r>
           </a:p>
           <a:p>
             <a:pPr marL="285750" indent="-285750">
@@ -3957,13 +4131,8 @@
             </a:pPr>
             <a:r>
               <a:rPr lang="de-DE" dirty="0" smtClean="0"/>
-              <a:t>E </a:t>
-            </a:r>
-            <a:r>
-              <a:rPr lang="de-DE" dirty="0" err="1" smtClean="0"/>
-              <a:t>val</a:t>
-            </a:r>
-            <a:endParaRPr lang="de-DE" dirty="0" smtClean="0"/>
+              <a:t>Basics (Dynamic Language)</a:t>
+            </a:r>
           </a:p>
           <a:p>
             <a:pPr marL="285750" indent="-285750">
@@ -3972,13 +4141,8 @@
             </a:pPr>
             <a:r>
               <a:rPr lang="de-DE" dirty="0" smtClean="0"/>
-              <a:t>P </a:t>
-            </a:r>
-            <a:r>
-              <a:rPr lang="de-DE" dirty="0" err="1" smtClean="0"/>
-              <a:t>rint</a:t>
-            </a:r>
-            <a:endParaRPr lang="de-DE" dirty="0" smtClean="0"/>
+              <a:t>Lisp</a:t>
+            </a:r>
           </a:p>
           <a:p>
             <a:pPr marL="285750" indent="-285750">
@@ -3986,13 +4150,45 @@
               <a:buChar char="•"/>
             </a:pPr>
             <a:r>
-              <a:rPr lang="de-DE" dirty="0" smtClean="0"/>
-              <a:t>L </a:t>
-            </a:r>
-            <a:r>
               <a:rPr lang="de-DE" dirty="0" err="1" smtClean="0"/>
-              <a:t>oop</a:t>
-            </a:r>
+              <a:t>Functional</a:t>
+            </a:r>
+            <a:endParaRPr lang="de-DE" dirty="0" smtClean="0"/>
+          </a:p>
+          <a:p>
+            <a:pPr marL="285750" indent="-285750">
+              <a:buFont typeface="Arial" pitchFamily="34" charset="0"/>
+              <a:buChar char="•"/>
+            </a:pPr>
+            <a:r>
+              <a:rPr lang="de-DE" dirty="0" smtClean="0"/>
+              <a:t>Host Integration auf der JVM </a:t>
+            </a:r>
+            <a:r>
+              <a:rPr lang="de-DE" dirty="0" err="1" smtClean="0"/>
+              <a:t>and</a:t>
+            </a:r>
+            <a:r>
+              <a:rPr lang="de-DE" dirty="0" smtClean="0"/>
+              <a:t> CLR</a:t>
+            </a:r>
+          </a:p>
+          <a:p>
+            <a:pPr marL="285750" indent="-285750">
+              <a:buFont typeface="Arial" pitchFamily="34" charset="0"/>
+              <a:buChar char="•"/>
+            </a:pPr>
+            <a:r>
+              <a:rPr lang="de-DE" dirty="0" err="1" smtClean="0"/>
+              <a:t>Concurrency</a:t>
+            </a:r>
+            <a:endParaRPr lang="de-DE" dirty="0" smtClean="0"/>
+          </a:p>
+          <a:p>
+            <a:pPr marL="285750" indent="-285750">
+              <a:buFont typeface="Arial" pitchFamily="34" charset="0"/>
+              <a:buChar char="•"/>
+            </a:pPr>
             <a:endParaRPr lang="de-DE" dirty="0" smtClean="0"/>
           </a:p>
           <a:p>
@@ -4002,48 +4198,12 @@
             </a:pPr>
             <a:endParaRPr lang="de-DE" dirty="0"/>
           </a:p>
-          <a:p>
-            <a:r>
-              <a:rPr lang="de-DE" dirty="0" smtClean="0"/>
-              <a:t>Was wir eingeben wird gelesen, evaluiert, das Ergebnis wird ausgegeben und dann das ganze von vorne (Loop)</a:t>
-            </a:r>
-          </a:p>
-          <a:p>
-            <a:pPr marL="285750" indent="-285750">
-              <a:buFont typeface="Arial" pitchFamily="34" charset="0"/>
-              <a:buChar char="•"/>
-            </a:pPr>
-            <a:endParaRPr lang="de-DE" dirty="0"/>
-          </a:p>
-          <a:p>
-            <a:r>
-              <a:rPr lang="de-DE" dirty="0" smtClean="0"/>
-              <a:t>Aber bitte nicht </a:t>
-            </a:r>
-            <a:r>
-              <a:rPr lang="de-DE" dirty="0" err="1" smtClean="0"/>
-              <a:t>entäuscht</a:t>
-            </a:r>
-            <a:r>
-              <a:rPr lang="de-DE" dirty="0" smtClean="0"/>
-              <a:t> sein, eine </a:t>
-            </a:r>
-            <a:r>
-              <a:rPr lang="de-DE" dirty="0" err="1" smtClean="0"/>
-              <a:t>Repl</a:t>
-            </a:r>
-            <a:r>
-              <a:rPr lang="de-DE" dirty="0" smtClean="0"/>
-              <a:t> ist in Prinzip eine Command Shell (oder auch Dos Box)</a:t>
-            </a:r>
-            <a:endParaRPr lang="de-DE" dirty="0"/>
-          </a:p>
         </p:txBody>
       </p:sp>
     </p:spTree>
     <p:extLst>
       <p:ext uri="{BB962C8B-B14F-4D97-AF65-F5344CB8AC3E}">
-        <p14:creationId xmlns:p14="http://schemas.microsoft.com/office/powerpoint/2010/main" val="2572391225"/>
+        <p14:creationId xmlns:p14="http://schemas.microsoft.com/office/powerpoint/2010/main" val="2083045734"/>
       </p:ext>
     </p:extLst>
   </p:cSld>
@@ -4079,14 +4239,14 @@
       </p:grpSpPr>
       <p:sp>
         <p:nvSpPr>
-          <p:cNvPr id="2" name="Textfeld 1"/>
+          <p:cNvPr id="4" name="Textfeld 3"/>
           <p:cNvSpPr txBox="1"/>
           <p:nvPr/>
         </p:nvSpPr>
         <p:spPr>
           <a:xfrm>
-            <a:off x="1115616" y="620688"/>
-            <a:ext cx="7560840" cy="2862322"/>
+            <a:off x="1043608" y="836712"/>
+            <a:ext cx="5040560" cy="1754326"/>
           </a:xfrm>
           <a:prstGeom prst="rect">
             <a:avLst/>
@@ -4101,82 +4261,52 @@
           <a:p>
             <a:r>
               <a:rPr lang="de-DE" dirty="0" smtClean="0"/>
-              <a:t>Erste Schritte an der </a:t>
+              <a:t>Vorstellung 3-er Personen</a:t>
+            </a:r>
+          </a:p>
+          <a:p>
+            <a:r>
+              <a:rPr lang="de-DE" dirty="0" smtClean="0"/>
+              <a:t>Thomas Schulte</a:t>
+            </a:r>
+          </a:p>
+          <a:p>
+            <a:r>
+              <a:rPr lang="de-DE" dirty="0" smtClean="0"/>
+              <a:t>Andrew </a:t>
+            </a:r>
+            <a:r>
+              <a:rPr lang="de-DE" dirty="0" err="1" smtClean="0"/>
+              <a:t>Carthey</a:t>
+            </a:r>
+            <a:r>
+              <a:rPr lang="de-DE" dirty="0" smtClean="0"/>
+              <a:t>, Inventor von Lisp</a:t>
+            </a:r>
+          </a:p>
+          <a:p>
+            <a:r>
+              <a:rPr lang="de-DE" dirty="0" smtClean="0"/>
+              <a:t>Rich </a:t>
+            </a:r>
+            <a:r>
+              <a:rPr lang="de-DE" dirty="0" err="1" smtClean="0"/>
+              <a:t>Hickey</a:t>
+            </a:r>
+            <a:r>
+              <a:rPr lang="de-DE" dirty="0" smtClean="0"/>
+              <a:t> Inventor von </a:t>
             </a:r>
             <a:r>
               <a:rPr lang="de-DE" dirty="0" err="1" smtClean="0"/>
               <a:t>Clojure</a:t>
             </a:r>
-            <a:r>
-              <a:rPr lang="de-DE" dirty="0" smtClean="0"/>
-              <a:t> </a:t>
-            </a:r>
-            <a:r>
-              <a:rPr lang="de-DE" dirty="0" err="1" smtClean="0"/>
-              <a:t>Repl</a:t>
-            </a:r>
             <a:endParaRPr lang="de-DE" dirty="0" smtClean="0"/>
           </a:p>
           <a:p>
-            <a:endParaRPr lang="de-DE" dirty="0" smtClean="0"/>
-          </a:p>
-          <a:p>
-            <a:r>
-              <a:rPr lang="de-DE" dirty="0" smtClean="0"/>
-              <a:t>Vereinfachung</a:t>
-            </a:r>
-            <a:endParaRPr lang="de-DE" dirty="0"/>
-          </a:p>
-          <a:p>
-            <a:r>
-              <a:rPr lang="de-DE" dirty="0" smtClean="0"/>
-              <a:t>Ein </a:t>
-            </a:r>
-            <a:r>
-              <a:rPr lang="de-DE" dirty="0"/>
-              <a:t>P</a:t>
-            </a:r>
-            <a:r>
-              <a:rPr lang="de-DE" dirty="0" smtClean="0"/>
-              <a:t>rogramm ist eine Liste, der erste Eintrag dieser List ist ein Befehl, alle weiteren Parameter.</a:t>
-            </a:r>
-          </a:p>
-          <a:p>
-            <a:endParaRPr lang="de-DE" dirty="0"/>
-          </a:p>
-          <a:p>
-            <a:r>
-              <a:rPr lang="de-DE" dirty="0" err="1" smtClean="0"/>
-              <a:t>Bsp</a:t>
-            </a:r>
-            <a:r>
-              <a:rPr lang="de-DE" dirty="0" smtClean="0"/>
-              <a:t>:</a:t>
-            </a:r>
-          </a:p>
-          <a:p>
-            <a:endParaRPr lang="de-DE" dirty="0"/>
-          </a:p>
-          <a:p>
-            <a:r>
-              <a:rPr lang="de-DE" dirty="0" smtClean="0"/>
-              <a:t>(</a:t>
-            </a:r>
-            <a:r>
-              <a:rPr lang="de-DE" dirty="0" err="1" smtClean="0"/>
-              <a:t>println</a:t>
-            </a:r>
-            <a:r>
-              <a:rPr lang="de-DE" dirty="0" smtClean="0"/>
-              <a:t> „</a:t>
-            </a:r>
-            <a:r>
-              <a:rPr lang="de-DE" dirty="0" err="1" smtClean="0"/>
-              <a:t>Hello</a:t>
-            </a:r>
-            <a:r>
-              <a:rPr lang="de-DE" dirty="0" smtClean="0"/>
-              <a:t>“ „World“)</a:t>
+            <a:r>
+              <a:rPr lang="de-DE" dirty="0" smtClean="0"/>
+              <a:t>en.</a:t>
             </a:r>
           </a:p>
           <a:p>
@@ -4187,7 +4317,7 @@
     </p:spTree>
     <p:extLst>
       <p:ext uri="{BB962C8B-B14F-4D97-AF65-F5344CB8AC3E}">
-        <p14:creationId xmlns:p14="http://schemas.microsoft.com/office/powerpoint/2010/main" val="1716392080"/>
+        <p14:creationId xmlns:p14="http://schemas.microsoft.com/office/powerpoint/2010/main" val="3086717305"/>
       </p:ext>
     </p:extLst>
   </p:cSld>
@@ -4229,6 +4359,354 @@
         </p:nvSpPr>
         <p:spPr>
           <a:xfrm>
+            <a:off x="683568" y="692696"/>
+            <a:ext cx="6696744" cy="4524315"/>
+          </a:xfrm>
+          <a:prstGeom prst="rect">
+            <a:avLst/>
+          </a:prstGeom>
+          <a:noFill/>
+        </p:spPr>
+        <p:txBody>
+          <a:bodyPr wrap="square" rtlCol="0">
+            <a:spAutoFit/>
+          </a:bodyPr>
+          <a:lstStyle/>
+          <a:p>
+            <a:r>
+              <a:rPr lang="de-DE" dirty="0" smtClean="0"/>
+              <a:t>Erste Schritte mit </a:t>
+            </a:r>
+            <a:r>
+              <a:rPr lang="de-DE" dirty="0" err="1" smtClean="0"/>
+              <a:t>Clojure</a:t>
+            </a:r>
+            <a:endParaRPr lang="de-DE" dirty="0" smtClean="0"/>
+          </a:p>
+          <a:p>
+            <a:endParaRPr lang="de-DE" dirty="0"/>
+          </a:p>
+          <a:p>
+            <a:r>
+              <a:rPr lang="de-DE" dirty="0" err="1" smtClean="0"/>
+              <a:t>Clojure</a:t>
+            </a:r>
+            <a:r>
+              <a:rPr lang="de-DE" dirty="0" smtClean="0"/>
+              <a:t> Programme sind Listen. Eine der wichtigsten Symbole hierfür sind ()</a:t>
+            </a:r>
+          </a:p>
+          <a:p>
+            <a:endParaRPr lang="de-DE" dirty="0"/>
+          </a:p>
+          <a:p>
+            <a:r>
+              <a:rPr lang="de-DE" dirty="0" smtClean="0"/>
+              <a:t>Das Tool der Wahl um </a:t>
+            </a:r>
+            <a:r>
+              <a:rPr lang="de-DE" dirty="0" err="1" smtClean="0"/>
+              <a:t>Clojure</a:t>
+            </a:r>
+            <a:r>
+              <a:rPr lang="de-DE" dirty="0" smtClean="0"/>
+              <a:t> Programme auszuführen ist die REPL</a:t>
+            </a:r>
+          </a:p>
+          <a:p>
+            <a:pPr marL="285750" indent="-285750">
+              <a:buFont typeface="Arial" pitchFamily="34" charset="0"/>
+              <a:buChar char="•"/>
+            </a:pPr>
+            <a:r>
+              <a:rPr lang="de-DE" dirty="0" smtClean="0"/>
+              <a:t>R </a:t>
+            </a:r>
+            <a:r>
+              <a:rPr lang="de-DE" dirty="0" err="1" smtClean="0"/>
+              <a:t>ead</a:t>
+            </a:r>
+            <a:endParaRPr lang="de-DE" dirty="0" smtClean="0"/>
+          </a:p>
+          <a:p>
+            <a:pPr marL="285750" indent="-285750">
+              <a:buFont typeface="Arial" pitchFamily="34" charset="0"/>
+              <a:buChar char="•"/>
+            </a:pPr>
+            <a:r>
+              <a:rPr lang="de-DE" dirty="0" smtClean="0"/>
+              <a:t>E </a:t>
+            </a:r>
+            <a:r>
+              <a:rPr lang="de-DE" dirty="0" err="1" smtClean="0"/>
+              <a:t>val</a:t>
+            </a:r>
+            <a:endParaRPr lang="de-DE" dirty="0" smtClean="0"/>
+          </a:p>
+          <a:p>
+            <a:pPr marL="285750" indent="-285750">
+              <a:buFont typeface="Arial" pitchFamily="34" charset="0"/>
+              <a:buChar char="•"/>
+            </a:pPr>
+            <a:r>
+              <a:rPr lang="de-DE" dirty="0" smtClean="0"/>
+              <a:t>P </a:t>
+            </a:r>
+            <a:r>
+              <a:rPr lang="de-DE" dirty="0" err="1" smtClean="0"/>
+              <a:t>rint</a:t>
+            </a:r>
+            <a:endParaRPr lang="de-DE" dirty="0" smtClean="0"/>
+          </a:p>
+          <a:p>
+            <a:pPr marL="285750" indent="-285750">
+              <a:buFont typeface="Arial" pitchFamily="34" charset="0"/>
+              <a:buChar char="•"/>
+            </a:pPr>
+            <a:r>
+              <a:rPr lang="de-DE" dirty="0" smtClean="0"/>
+              <a:t>L </a:t>
+            </a:r>
+            <a:r>
+              <a:rPr lang="de-DE" dirty="0" err="1" smtClean="0"/>
+              <a:t>oop</a:t>
+            </a:r>
+            <a:endParaRPr lang="de-DE" dirty="0" smtClean="0"/>
+          </a:p>
+          <a:p>
+            <a:pPr marL="285750" indent="-285750">
+              <a:buFont typeface="Arial" pitchFamily="34" charset="0"/>
+              <a:buChar char="•"/>
+            </a:pPr>
+            <a:endParaRPr lang="de-DE" dirty="0"/>
+          </a:p>
+          <a:p>
+            <a:r>
+              <a:rPr lang="de-DE" dirty="0" smtClean="0"/>
+              <a:t>Was wir eingeben wird gelesen, evaluiert, das Ergebnis wird ausgegeben und dann das ganze von vorne (Loop)</a:t>
+            </a:r>
+          </a:p>
+          <a:p>
+            <a:pPr marL="285750" indent="-285750">
+              <a:buFont typeface="Arial" pitchFamily="34" charset="0"/>
+              <a:buChar char="•"/>
+            </a:pPr>
+            <a:endParaRPr lang="de-DE" dirty="0"/>
+          </a:p>
+          <a:p>
+            <a:r>
+              <a:rPr lang="de-DE" dirty="0" smtClean="0"/>
+              <a:t>Aber bitte nicht </a:t>
+            </a:r>
+            <a:r>
+              <a:rPr lang="de-DE" dirty="0" err="1" smtClean="0"/>
+              <a:t>entäuscht</a:t>
+            </a:r>
+            <a:r>
+              <a:rPr lang="de-DE" dirty="0" smtClean="0"/>
+              <a:t> sein, eine </a:t>
+            </a:r>
+            <a:r>
+              <a:rPr lang="de-DE" dirty="0" err="1" smtClean="0"/>
+              <a:t>Repl</a:t>
+            </a:r>
+            <a:r>
+              <a:rPr lang="de-DE" dirty="0" smtClean="0"/>
+              <a:t> ist in Prinzip eine Command Shell (oder auch Dos Box)</a:t>
+            </a:r>
+            <a:endParaRPr lang="de-DE" dirty="0"/>
+          </a:p>
+        </p:txBody>
+      </p:sp>
+    </p:spTree>
+    <p:extLst>
+      <p:ext uri="{BB962C8B-B14F-4D97-AF65-F5344CB8AC3E}">
+        <p14:creationId xmlns:p14="http://schemas.microsoft.com/office/powerpoint/2010/main" val="2572391225"/>
+      </p:ext>
+    </p:extLst>
+  </p:cSld>
+  <p:clrMapOvr>
+    <a:masterClrMapping/>
+  </p:clrMapOvr>
+  <p:timing>
+    <p:tnLst>
+      <p:par>
+        <p:cTn id="1" dur="indefinite" restart="never" nodeType="tmRoot"/>
+      </p:par>
+    </p:tnLst>
+  </p:timing>
+</p:sld>
+</file>
+
+<file path=ppt/slides/slide15.xml><?xml version="1.0" encoding="utf-8"?>
+<p:sld xmlns:a="http://schemas.openxmlformats.org/drawingml/2006/main" xmlns:r="http://schemas.openxmlformats.org/officeDocument/2006/relationships" xmlns:p="http://schemas.openxmlformats.org/presentationml/2006/main">
+  <p:cSld>
+    <p:spTree>
+      <p:nvGrpSpPr>
+        <p:cNvPr id="1" name=""/>
+        <p:cNvGrpSpPr/>
+        <p:nvPr/>
+      </p:nvGrpSpPr>
+      <p:grpSpPr>
+        <a:xfrm>
+          <a:off x="0" y="0"/>
+          <a:ext cx="0" cy="0"/>
+          <a:chOff x="0" y="0"/>
+          <a:chExt cx="0" cy="0"/>
+        </a:xfrm>
+      </p:grpSpPr>
+      <p:sp>
+        <p:nvSpPr>
+          <p:cNvPr id="2" name="Textfeld 1"/>
+          <p:cNvSpPr txBox="1"/>
+          <p:nvPr/>
+        </p:nvSpPr>
+        <p:spPr>
+          <a:xfrm>
+            <a:off x="1115616" y="620688"/>
+            <a:ext cx="7560840" cy="2862322"/>
+          </a:xfrm>
+          <a:prstGeom prst="rect">
+            <a:avLst/>
+          </a:prstGeom>
+          <a:noFill/>
+        </p:spPr>
+        <p:txBody>
+          <a:bodyPr wrap="square" rtlCol="0">
+            <a:spAutoFit/>
+          </a:bodyPr>
+          <a:lstStyle/>
+          <a:p>
+            <a:r>
+              <a:rPr lang="de-DE" dirty="0" smtClean="0"/>
+              <a:t>Erste Schritte an der </a:t>
+            </a:r>
+            <a:r>
+              <a:rPr lang="de-DE" dirty="0" err="1" smtClean="0"/>
+              <a:t>Clojure</a:t>
+            </a:r>
+            <a:r>
+              <a:rPr lang="de-DE" dirty="0" smtClean="0"/>
+              <a:t> </a:t>
+            </a:r>
+            <a:r>
+              <a:rPr lang="de-DE" dirty="0" err="1" smtClean="0"/>
+              <a:t>Repl</a:t>
+            </a:r>
+            <a:endParaRPr lang="de-DE" dirty="0" smtClean="0"/>
+          </a:p>
+          <a:p>
+            <a:endParaRPr lang="de-DE" dirty="0" smtClean="0"/>
+          </a:p>
+          <a:p>
+            <a:r>
+              <a:rPr lang="de-DE" dirty="0" smtClean="0"/>
+              <a:t>Vereinfachung</a:t>
+            </a:r>
+            <a:endParaRPr lang="de-DE" dirty="0"/>
+          </a:p>
+          <a:p>
+            <a:r>
+              <a:rPr lang="de-DE" dirty="0" smtClean="0"/>
+              <a:t>Ein </a:t>
+            </a:r>
+            <a:r>
+              <a:rPr lang="de-DE" dirty="0"/>
+              <a:t>P</a:t>
+            </a:r>
+            <a:r>
+              <a:rPr lang="de-DE" dirty="0" smtClean="0"/>
+              <a:t>rogramm ist eine Liste, der erste Eintrag dieser List ist ein Befehl, alle weiteren Parameter.</a:t>
+            </a:r>
+          </a:p>
+          <a:p>
+            <a:endParaRPr lang="de-DE" dirty="0"/>
+          </a:p>
+          <a:p>
+            <a:r>
+              <a:rPr lang="de-DE" dirty="0" err="1" smtClean="0"/>
+              <a:t>Bsp</a:t>
+            </a:r>
+            <a:r>
+              <a:rPr lang="de-DE" dirty="0" smtClean="0"/>
+              <a:t>:</a:t>
+            </a:r>
+          </a:p>
+          <a:p>
+            <a:endParaRPr lang="de-DE" dirty="0"/>
+          </a:p>
+          <a:p>
+            <a:r>
+              <a:rPr lang="de-DE" dirty="0" smtClean="0"/>
+              <a:t>(</a:t>
+            </a:r>
+            <a:r>
+              <a:rPr lang="de-DE" dirty="0" err="1" smtClean="0"/>
+              <a:t>println</a:t>
+            </a:r>
+            <a:r>
+              <a:rPr lang="de-DE" dirty="0" smtClean="0"/>
+              <a:t> „</a:t>
+            </a:r>
+            <a:r>
+              <a:rPr lang="de-DE" dirty="0" err="1" smtClean="0"/>
+              <a:t>Hello</a:t>
+            </a:r>
+            <a:r>
+              <a:rPr lang="de-DE" dirty="0" smtClean="0"/>
+              <a:t>“ „World“)</a:t>
+            </a:r>
+          </a:p>
+          <a:p>
+            <a:endParaRPr lang="de-DE" dirty="0"/>
+          </a:p>
+        </p:txBody>
+      </p:sp>
+    </p:spTree>
+    <p:extLst>
+      <p:ext uri="{BB962C8B-B14F-4D97-AF65-F5344CB8AC3E}">
+        <p14:creationId xmlns:p14="http://schemas.microsoft.com/office/powerpoint/2010/main" val="1716392080"/>
+      </p:ext>
+    </p:extLst>
+  </p:cSld>
+  <p:clrMapOvr>
+    <a:masterClrMapping/>
+  </p:clrMapOvr>
+  <p:timing>
+    <p:tnLst>
+      <p:par>
+        <p:cTn id="1" dur="indefinite" restart="never" nodeType="tmRoot"/>
+      </p:par>
+    </p:tnLst>
+  </p:timing>
+</p:sld>
+</file>
+
+<file path=ppt/slides/slide16.xml><?xml version="1.0" encoding="utf-8"?>
+<p:sld xmlns:a="http://schemas.openxmlformats.org/drawingml/2006/main" xmlns:r="http://schemas.openxmlformats.org/officeDocument/2006/relationships" xmlns:p="http://schemas.openxmlformats.org/presentationml/2006/main">
+  <p:cSld>
+    <p:spTree>
+      <p:nvGrpSpPr>
+        <p:cNvPr id="1" name=""/>
+        <p:cNvGrpSpPr/>
+        <p:nvPr/>
+      </p:nvGrpSpPr>
+      <p:grpSpPr>
+        <a:xfrm>
+          <a:off x="0" y="0"/>
+          <a:ext cx="0" cy="0"/>
+          <a:chOff x="0" y="0"/>
+          <a:chExt cx="0" cy="0"/>
+        </a:xfrm>
+      </p:grpSpPr>
+      <p:sp>
+        <p:nvSpPr>
+          <p:cNvPr id="4" name="Textfeld 3"/>
+          <p:cNvSpPr txBox="1"/>
+          <p:nvPr/>
+        </p:nvSpPr>
+        <p:spPr>
+          <a:xfrm>
             <a:off x="899592" y="836712"/>
             <a:ext cx="5256584" cy="4801314"/>
           </a:xfrm>
@@ -4493,7 +4971,7 @@
 </p:sld>
 </file>
 
-<file path=ppt/slides/slide15.xml><?xml version="1.0" encoding="utf-8"?>
+<file path=ppt/slides/slide17.xml><?xml version="1.0" encoding="utf-8"?>
 <p:sld xmlns:a="http://schemas.openxmlformats.org/drawingml/2006/main" xmlns:r="http://schemas.openxmlformats.org/officeDocument/2006/relationships" xmlns:p="http://schemas.openxmlformats.org/presentationml/2006/main">
   <p:cSld>
     <p:spTree>
@@ -4579,11 +5057,7 @@
             </a:r>
             <a:r>
               <a:rPr lang="de-DE" dirty="0" smtClean="0"/>
-              <a:t> </a:t>
-            </a:r>
-            <a:r>
-              <a:rPr lang="de-DE" dirty="0" smtClean="0"/>
-              <a:t>erfunden?</a:t>
+              <a:t> erfunden?</a:t>
             </a:r>
             <a:endParaRPr lang="de-DE" dirty="0"/>
           </a:p>
@@ -4732,17 +5206,8 @@
           <a:p>
             <a:r>
               <a:rPr lang="de-DE" dirty="0" smtClean="0"/>
-              <a:t>Erfinder </a:t>
-            </a:r>
-            <a:r>
-              <a:rPr lang="de-DE" dirty="0" smtClean="0"/>
-              <a:t>von List in Jahre </a:t>
-            </a:r>
-            <a:r>
-              <a:rPr lang="de-DE" dirty="0" smtClean="0"/>
-              <a:t>1958</a:t>
-            </a:r>
-            <a:endParaRPr lang="de-DE" dirty="0" smtClean="0"/>
+              <a:t>Erfinder von List in Jahre 1958</a:t>
+            </a:r>
           </a:p>
         </p:txBody>
       </p:sp>
@@ -4855,7 +5320,6 @@
               <a:rPr lang="de-DE" dirty="0" smtClean="0"/>
               <a:t>?</a:t>
             </a:r>
-            <a:endParaRPr lang="de-DE" dirty="0" smtClean="0"/>
           </a:p>
         </p:txBody>
       </p:sp>
@@ -4867,8 +5331,8 @@
         </p:nvSpPr>
         <p:spPr>
           <a:xfrm>
-            <a:off x="545617" y="3356992"/>
-            <a:ext cx="4176464" cy="1200329"/>
+            <a:off x="575556" y="3910990"/>
+            <a:ext cx="4176464" cy="369332"/>
           </a:xfrm>
           <a:prstGeom prst="rect">
             <a:avLst/>
@@ -4886,49 +5350,6 @@
               <a:t>Interopability</a:t>
             </a:r>
             <a:endParaRPr lang="de-DE" dirty="0" smtClean="0"/>
-          </a:p>
-          <a:p>
-            <a:pPr marL="742950" lvl="1" indent="-285750">
-              <a:buFont typeface="Arial" pitchFamily="34" charset="0"/>
-              <a:buChar char="•"/>
-            </a:pPr>
-            <a:r>
-              <a:rPr lang="de-DE" dirty="0" smtClean="0"/>
-              <a:t>JAVA</a:t>
-            </a:r>
-          </a:p>
-          <a:p>
-            <a:pPr marL="742950" lvl="1" indent="-285750">
-              <a:buFont typeface="Arial" pitchFamily="34" charset="0"/>
-              <a:buChar char="•"/>
-            </a:pPr>
-            <a:r>
-              <a:rPr lang="de-DE" dirty="0" smtClean="0"/>
-              <a:t>CLR</a:t>
-            </a:r>
-          </a:p>
-          <a:p>
-            <a:pPr marL="742950" lvl="1" indent="-285750">
-              <a:buFont typeface="Arial" pitchFamily="34" charset="0"/>
-              <a:buChar char="•"/>
-            </a:pPr>
-            <a:r>
-              <a:rPr lang="de-DE" dirty="0" err="1" smtClean="0"/>
-              <a:t>Javascript</a:t>
-            </a:r>
-            <a:r>
-              <a:rPr lang="de-DE" dirty="0" smtClean="0"/>
-              <a:t> (</a:t>
-            </a:r>
-            <a:r>
-              <a:rPr lang="de-DE" dirty="0" err="1" smtClean="0"/>
-              <a:t>Clojurescript</a:t>
-            </a:r>
-            <a:r>
-              <a:rPr lang="de-DE" dirty="0" smtClean="0"/>
-              <a:t>)</a:t>
-            </a:r>
-            <a:endParaRPr lang="de-DE" dirty="0"/>
           </a:p>
         </p:txBody>
       </p:sp>
@@ -5098,7 +5519,7 @@
         </p:nvSpPr>
         <p:spPr>
           <a:xfrm>
-            <a:off x="575556" y="1502786"/>
+            <a:off x="575556" y="1529112"/>
             <a:ext cx="2160240" cy="369332"/>
           </a:xfrm>
           <a:prstGeom prst="rect">
@@ -5128,7 +5549,7 @@
         </p:nvSpPr>
         <p:spPr>
           <a:xfrm>
-            <a:off x="575556" y="1952836"/>
+            <a:off x="575556" y="2005488"/>
             <a:ext cx="3019184" cy="369332"/>
           </a:xfrm>
           <a:prstGeom prst="rect">
@@ -5166,7 +5587,7 @@
         </p:nvSpPr>
         <p:spPr>
           <a:xfrm>
-            <a:off x="575556" y="2402886"/>
+            <a:off x="575556" y="2481864"/>
             <a:ext cx="2160240" cy="369332"/>
           </a:xfrm>
           <a:prstGeom prst="rect">
@@ -5196,7 +5617,7 @@
         </p:nvSpPr>
         <p:spPr>
           <a:xfrm>
-            <a:off x="575556" y="2852936"/>
+            <a:off x="575556" y="2958240"/>
             <a:ext cx="2160240" cy="369332"/>
           </a:xfrm>
           <a:prstGeom prst="rect">
@@ -5217,6 +5638,36 @@
             <a:r>
               <a:rPr lang="de-DE" dirty="0" err="1" smtClean="0"/>
               <a:t>Based</a:t>
+            </a:r>
+            <a:endParaRPr lang="de-DE" dirty="0"/>
+          </a:p>
+        </p:txBody>
+      </p:sp>
+      <p:sp>
+        <p:nvSpPr>
+          <p:cNvPr id="3" name="TextBox 2"/>
+          <p:cNvSpPr txBox="1"/>
+          <p:nvPr/>
+        </p:nvSpPr>
+        <p:spPr>
+          <a:xfrm>
+            <a:off x="575556" y="3434616"/>
+            <a:ext cx="2160240" cy="369332"/>
+          </a:xfrm>
+          <a:prstGeom prst="rect">
+            <a:avLst/>
+          </a:prstGeom>
+          <a:noFill/>
+        </p:spPr>
+        <p:txBody>
+          <a:bodyPr wrap="square" rtlCol="0">
+            <a:spAutoFit/>
+          </a:bodyPr>
+          <a:lstStyle/>
+          <a:p>
+            <a:r>
+              <a:rPr lang="de-DE" dirty="0" smtClean="0"/>
+              <a:t>Dynamisch</a:t>
             </a:r>
             <a:endParaRPr lang="de-DE" dirty="0"/>
           </a:p>
@@ -5491,7 +5942,7 @@
                                           </p:stCondLst>
                                         </p:cTn>
                                         <p:tgtEl>
-                                          <p:spTgt spid="5"/>
+                                          <p:spTgt spid="3"/>
                                         </p:tgtEl>
                                         <p:attrNameLst>
                                           <p:attrName>style.visibility</p:attrName>
@@ -5523,7 +5974,7 @@
                             </p:stCondLst>
                             <p:childTnLst>
                               <p:par>
-                                <p:cTn id="29" presetID="1" presetClass="entr" presetSubtype="0" fill="hold" nodeType="clickEffect">
+                                <p:cTn id="29" presetID="1" presetClass="entr" presetSubtype="0" fill="hold" grpId="0" nodeType="clickEffect">
                                   <p:stCondLst>
                                     <p:cond delay="0"/>
                                   </p:stCondLst>
@@ -5536,7 +5987,7 @@
                                           </p:stCondLst>
                                         </p:cTn>
                                         <p:tgtEl>
-                                          <p:spTgt spid="7"/>
+                                          <p:spTgt spid="5"/>
                                         </p:tgtEl>
                                         <p:attrNameLst>
                                           <p:attrName>style.visibility</p:attrName>
@@ -5581,7 +6032,7 @@
                                           </p:stCondLst>
                                         </p:cTn>
                                         <p:tgtEl>
-                                          <p:spTgt spid="8"/>
+                                          <p:spTgt spid="7"/>
                                         </p:tgtEl>
                                         <p:attrNameLst>
                                           <p:attrName>style.visibility</p:attrName>
@@ -5621,6 +6072,51 @@
                                     <p:set>
                                       <p:cBhvr>
                                         <p:cTn id="38" dur="1" fill="hold">
+                                          <p:stCondLst>
+                                            <p:cond delay="0"/>
+                                          </p:stCondLst>
+                                        </p:cTn>
+                                        <p:tgtEl>
+                                          <p:spTgt spid="8"/>
+                                        </p:tgtEl>
+                                        <p:attrNameLst>
+                                          <p:attrName>style.visibility</p:attrName>
+                                        </p:attrNameLst>
+                                      </p:cBhvr>
+                                      <p:to>
+                                        <p:strVal val="visible"/>
+                                      </p:to>
+                                    </p:set>
+                                  </p:childTnLst>
+                                </p:cTn>
+                              </p:par>
+                            </p:childTnLst>
+                          </p:cTn>
+                        </p:par>
+                      </p:childTnLst>
+                    </p:cTn>
+                  </p:par>
+                  <p:par>
+                    <p:cTn id="39" fill="hold">
+                      <p:stCondLst>
+                        <p:cond delay="indefinite"/>
+                      </p:stCondLst>
+                      <p:childTnLst>
+                        <p:par>
+                          <p:cTn id="40" fill="hold">
+                            <p:stCondLst>
+                              <p:cond delay="0"/>
+                            </p:stCondLst>
+                            <p:childTnLst>
+                              <p:par>
+                                <p:cTn id="41" presetID="1" presetClass="entr" presetSubtype="0" fill="hold" nodeType="clickEffect">
+                                  <p:stCondLst>
+                                    <p:cond delay="0"/>
+                                  </p:stCondLst>
+                                  <p:childTnLst>
+                                    <p:set>
+                                      <p:cBhvr>
+                                        <p:cTn id="42" dur="1" fill="hold">
                                           <p:stCondLst>
                                             <p:cond delay="0"/>
                                           </p:stCondLst>
@@ -5673,6 +6169,7 @@
       <p:bldP spid="12" grpId="0"/>
       <p:bldP spid="13" grpId="0"/>
       <p:bldP spid="14" grpId="0"/>
+      <p:bldP spid="3" grpId="0"/>
     </p:bldLst>
   </p:timing>
 </p:sld>
@@ -6465,7 +6962,7 @@
         </p:nvSpPr>
         <p:spPr>
           <a:xfrm>
-            <a:off x="899592" y="1340768"/>
+            <a:off x="683568" y="692696"/>
             <a:ext cx="3672408" cy="369332"/>
           </a:xfrm>
           <a:prstGeom prst="rect">
@@ -6487,6 +6984,218 @@
               <a:rPr lang="de-DE" dirty="0" err="1" smtClean="0"/>
               <a:t>Clojure</a:t>
             </a:r>
+            <a:endParaRPr lang="de-DE" dirty="0"/>
+          </a:p>
+        </p:txBody>
+      </p:sp>
+      <p:sp>
+        <p:nvSpPr>
+          <p:cNvPr id="3" name="TextBox 2"/>
+          <p:cNvSpPr txBox="1"/>
+          <p:nvPr/>
+        </p:nvSpPr>
+        <p:spPr>
+          <a:xfrm>
+            <a:off x="467544" y="6453336"/>
+            <a:ext cx="1728192" cy="369332"/>
+          </a:xfrm>
+          <a:prstGeom prst="rect">
+            <a:avLst/>
+          </a:prstGeom>
+          <a:noFill/>
+        </p:spPr>
+        <p:txBody>
+          <a:bodyPr wrap="square" rtlCol="0">
+            <a:spAutoFit/>
+          </a:bodyPr>
+          <a:lstStyle/>
+          <a:p>
+            <a:r>
+              <a:rPr lang="de-DE" dirty="0" smtClean="0">
+                <a:solidFill>
+                  <a:schemeClr val="bg1"/>
+                </a:solidFill>
+              </a:rPr>
+              <a:t>Datentypen</a:t>
+            </a:r>
+            <a:endParaRPr lang="de-DE" dirty="0">
+              <a:solidFill>
+                <a:schemeClr val="bg1"/>
+              </a:solidFill>
+            </a:endParaRPr>
+          </a:p>
+        </p:txBody>
+      </p:sp>
+      <p:sp>
+        <p:nvSpPr>
+          <p:cNvPr id="2" name="TextBox 1"/>
+          <p:cNvSpPr txBox="1"/>
+          <p:nvPr/>
+        </p:nvSpPr>
+        <p:spPr>
+          <a:xfrm>
+            <a:off x="683568" y="1484784"/>
+            <a:ext cx="4464496" cy="3139321"/>
+          </a:xfrm>
+          <a:prstGeom prst="rect">
+            <a:avLst/>
+          </a:prstGeom>
+          <a:noFill/>
+        </p:spPr>
+        <p:txBody>
+          <a:bodyPr wrap="square" rtlCol="0">
+            <a:spAutoFit/>
+          </a:bodyPr>
+          <a:lstStyle/>
+          <a:p>
+            <a:pPr marL="285750" indent="-285750">
+              <a:buFont typeface="Arial" pitchFamily="34" charset="0"/>
+              <a:buChar char="•"/>
+            </a:pPr>
+            <a:r>
+              <a:rPr lang="de-DE" dirty="0" smtClean="0"/>
+              <a:t>Integer: 123 </a:t>
+            </a:r>
+          </a:p>
+          <a:p>
+            <a:pPr marL="285750" indent="-285750">
+              <a:buFont typeface="Arial" pitchFamily="34" charset="0"/>
+              <a:buChar char="•"/>
+            </a:pPr>
+            <a:r>
+              <a:rPr lang="de-DE" dirty="0" smtClean="0"/>
+              <a:t>Double: 3.14</a:t>
+            </a:r>
+          </a:p>
+          <a:p>
+            <a:pPr marL="285750" indent="-285750">
+              <a:buFont typeface="Arial" pitchFamily="34" charset="0"/>
+              <a:buChar char="•"/>
+            </a:pPr>
+            <a:r>
+              <a:rPr lang="de-DE" dirty="0" smtClean="0"/>
+              <a:t>Big </a:t>
+            </a:r>
+            <a:r>
+              <a:rPr lang="de-DE" dirty="0" err="1" smtClean="0"/>
+              <a:t>Decimal</a:t>
+            </a:r>
+            <a:r>
+              <a:rPr lang="de-DE" dirty="0" smtClean="0"/>
+              <a:t>: 1.2M</a:t>
+            </a:r>
+          </a:p>
+          <a:p>
+            <a:pPr marL="285750" indent="-285750">
+              <a:buFont typeface="Arial" pitchFamily="34" charset="0"/>
+              <a:buChar char="•"/>
+            </a:pPr>
+            <a:r>
+              <a:rPr lang="de-DE" dirty="0" smtClean="0"/>
+              <a:t>String: „</a:t>
+            </a:r>
+            <a:r>
+              <a:rPr lang="de-DE" dirty="0" err="1" smtClean="0"/>
+              <a:t>Hello</a:t>
+            </a:r>
+            <a:r>
+              <a:rPr lang="de-DE" dirty="0" smtClean="0"/>
+              <a:t>“</a:t>
+            </a:r>
+          </a:p>
+          <a:p>
+            <a:pPr marL="285750" indent="-285750">
+              <a:buFont typeface="Arial" pitchFamily="34" charset="0"/>
+              <a:buChar char="•"/>
+            </a:pPr>
+            <a:r>
+              <a:rPr lang="de-DE" dirty="0" smtClean="0"/>
+              <a:t>Symbol: </a:t>
+            </a:r>
+            <a:r>
+              <a:rPr lang="de-DE" dirty="0" err="1" smtClean="0"/>
+              <a:t>foo</a:t>
+            </a:r>
+            <a:endParaRPr lang="de-DE" dirty="0" smtClean="0"/>
+          </a:p>
+          <a:p>
+            <a:pPr marL="285750" indent="-285750">
+              <a:buFont typeface="Arial" pitchFamily="34" charset="0"/>
+              <a:buChar char="•"/>
+            </a:pPr>
+            <a:r>
+              <a:rPr lang="de-DE" dirty="0" err="1" smtClean="0"/>
+              <a:t>Keyword</a:t>
+            </a:r>
+            <a:r>
+              <a:rPr lang="de-DE" dirty="0" smtClean="0"/>
+              <a:t>: :</a:t>
+            </a:r>
+            <a:r>
+              <a:rPr lang="de-DE" dirty="0" err="1" smtClean="0"/>
+              <a:t>firstname</a:t>
+            </a:r>
+            <a:endParaRPr lang="de-DE" dirty="0" smtClean="0"/>
+          </a:p>
+          <a:p>
+            <a:pPr marL="285750" indent="-285750">
+              <a:buFont typeface="Arial" pitchFamily="34" charset="0"/>
+              <a:buChar char="•"/>
+            </a:pPr>
+            <a:r>
+              <a:rPr lang="de-DE" dirty="0" smtClean="0"/>
+              <a:t>Boolean: </a:t>
+            </a:r>
+            <a:r>
+              <a:rPr lang="de-DE" dirty="0" err="1" smtClean="0"/>
+              <a:t>true,false</a:t>
+            </a:r>
+            <a:endParaRPr lang="de-DE" dirty="0" smtClean="0"/>
+          </a:p>
+          <a:p>
+            <a:pPr marL="285750" indent="-285750">
+              <a:buFont typeface="Arial" pitchFamily="34" charset="0"/>
+              <a:buChar char="•"/>
+            </a:pPr>
+            <a:r>
+              <a:rPr lang="de-DE" dirty="0" smtClean="0"/>
+              <a:t>Null Value: </a:t>
+            </a:r>
+            <a:r>
+              <a:rPr lang="de-DE" dirty="0" err="1" smtClean="0"/>
+              <a:t>nil</a:t>
+            </a:r>
+            <a:endParaRPr lang="de-DE" dirty="0" smtClean="0"/>
+          </a:p>
+          <a:p>
+            <a:pPr marL="285750" indent="-285750">
+              <a:buFont typeface="Arial" pitchFamily="34" charset="0"/>
+              <a:buChar char="•"/>
+            </a:pPr>
+            <a:r>
+              <a:rPr lang="de-DE" dirty="0" smtClean="0"/>
+              <a:t>Rational: 1/3</a:t>
+            </a:r>
+          </a:p>
+          <a:p>
+            <a:pPr marL="285750" indent="-285750">
+              <a:buFont typeface="Arial" pitchFamily="34" charset="0"/>
+              <a:buChar char="•"/>
+            </a:pPr>
+            <a:r>
+              <a:rPr lang="de-DE" dirty="0" err="1" smtClean="0"/>
+              <a:t>Regex</a:t>
+            </a:r>
+            <a:r>
+              <a:rPr lang="de-DE" dirty="0" smtClean="0"/>
+              <a:t>: #“[a-zA-Z0-9]“</a:t>
+            </a:r>
+          </a:p>
+          <a:p>
+            <a:pPr marL="285750" indent="-285750">
+              <a:buFont typeface="Arial" pitchFamily="34" charset="0"/>
+              <a:buChar char="•"/>
+            </a:pPr>
             <a:endParaRPr lang="de-DE" dirty="0"/>
           </a:p>
         </p:txBody>
@@ -6562,6 +7271,323 @@
           </a:p>
         </p:txBody>
       </p:sp>
+      <p:cxnSp>
+        <p:nvCxnSpPr>
+          <p:cNvPr id="3" name="Straight Connector 2"/>
+          <p:cNvCxnSpPr/>
+          <p:nvPr/>
+        </p:nvCxnSpPr>
+        <p:spPr>
+          <a:xfrm>
+            <a:off x="899592" y="3717032"/>
+            <a:ext cx="6408712" cy="0"/>
+          </a:xfrm>
+          <a:prstGeom prst="line">
+            <a:avLst/>
+          </a:prstGeom>
+          <a:ln w="19050">
+            <a:solidFill>
+              <a:schemeClr val="bg1"/>
+            </a:solidFill>
+          </a:ln>
+        </p:spPr>
+        <p:style>
+          <a:lnRef idx="1">
+            <a:schemeClr val="accent1"/>
+          </a:lnRef>
+          <a:fillRef idx="0">
+            <a:schemeClr val="accent1"/>
+          </a:fillRef>
+          <a:effectRef idx="0">
+            <a:schemeClr val="accent1"/>
+          </a:effectRef>
+          <a:fontRef idx="minor">
+            <a:schemeClr val="tx1"/>
+          </a:fontRef>
+        </p:style>
+      </p:cxnSp>
+      <p:cxnSp>
+        <p:nvCxnSpPr>
+          <p:cNvPr id="5" name="Straight Connector 4"/>
+          <p:cNvCxnSpPr/>
+          <p:nvPr/>
+        </p:nvCxnSpPr>
+        <p:spPr>
+          <a:xfrm flipV="1">
+            <a:off x="4256348" y="1988840"/>
+            <a:ext cx="0" cy="3528392"/>
+          </a:xfrm>
+          <a:prstGeom prst="line">
+            <a:avLst/>
+          </a:prstGeom>
+          <a:ln w="19050">
+            <a:solidFill>
+              <a:schemeClr val="bg1"/>
+            </a:solidFill>
+          </a:ln>
+        </p:spPr>
+        <p:style>
+          <a:lnRef idx="1">
+            <a:schemeClr val="accent1"/>
+          </a:lnRef>
+          <a:fillRef idx="0">
+            <a:schemeClr val="accent1"/>
+          </a:fillRef>
+          <a:effectRef idx="0">
+            <a:schemeClr val="accent1"/>
+          </a:effectRef>
+          <a:fontRef idx="minor">
+            <a:schemeClr val="tx1"/>
+          </a:fontRef>
+        </p:style>
+      </p:cxnSp>
+      <p:sp>
+        <p:nvSpPr>
+          <p:cNvPr id="8" name="TextBox 7"/>
+          <p:cNvSpPr txBox="1"/>
+          <p:nvPr/>
+        </p:nvSpPr>
+        <p:spPr>
+          <a:xfrm>
+            <a:off x="1187624" y="2276872"/>
+            <a:ext cx="2592288" cy="923330"/>
+          </a:xfrm>
+          <a:prstGeom prst="rect">
+            <a:avLst/>
+          </a:prstGeom>
+          <a:noFill/>
+        </p:spPr>
+        <p:txBody>
+          <a:bodyPr wrap="square" rtlCol="0">
+            <a:spAutoFit/>
+          </a:bodyPr>
+          <a:lstStyle/>
+          <a:p>
+            <a:r>
+              <a:rPr lang="de-DE" dirty="0" smtClean="0"/>
+              <a:t>List</a:t>
+            </a:r>
+          </a:p>
+          <a:p>
+            <a:r>
+              <a:rPr lang="de-DE" dirty="0" smtClean="0"/>
+              <a:t>(</a:t>
+            </a:r>
+            <a:r>
+              <a:rPr lang="de-DE" dirty="0" err="1" smtClean="0"/>
+              <a:t>foo</a:t>
+            </a:r>
+            <a:r>
+              <a:rPr lang="de-DE" dirty="0" smtClean="0"/>
+              <a:t> bar </a:t>
+            </a:r>
+            <a:r>
+              <a:rPr lang="de-DE" dirty="0" err="1" smtClean="0"/>
+              <a:t>baz</a:t>
+            </a:r>
+            <a:r>
+              <a:rPr lang="de-DE" dirty="0" smtClean="0"/>
+              <a:t>)</a:t>
+            </a:r>
+          </a:p>
+          <a:p>
+            <a:endParaRPr lang="de-DE" dirty="0"/>
+          </a:p>
+        </p:txBody>
+      </p:sp>
+      <p:sp>
+        <p:nvSpPr>
+          <p:cNvPr id="9" name="TextBox 8"/>
+          <p:cNvSpPr txBox="1"/>
+          <p:nvPr/>
+        </p:nvSpPr>
+        <p:spPr>
+          <a:xfrm>
+            <a:off x="4598250" y="2429271"/>
+            <a:ext cx="2592288" cy="1200329"/>
+          </a:xfrm>
+          <a:prstGeom prst="rect">
+            <a:avLst/>
+          </a:prstGeom>
+          <a:noFill/>
+        </p:spPr>
+        <p:txBody>
+          <a:bodyPr wrap="square" rtlCol="0">
+            <a:spAutoFit/>
+          </a:bodyPr>
+          <a:lstStyle/>
+          <a:p>
+            <a:r>
+              <a:rPr lang="de-DE" dirty="0" smtClean="0"/>
+              <a:t>Vektoren</a:t>
+            </a:r>
+          </a:p>
+          <a:p>
+            <a:r>
+              <a:rPr lang="de-DE" dirty="0" smtClean="0"/>
+              <a:t>[1 2 3 4]</a:t>
+            </a:r>
+          </a:p>
+          <a:p>
+            <a:endParaRPr lang="de-DE" dirty="0" smtClean="0"/>
+          </a:p>
+          <a:p>
+            <a:endParaRPr lang="de-DE" dirty="0"/>
+          </a:p>
+        </p:txBody>
+      </p:sp>
+      <p:sp>
+        <p:nvSpPr>
+          <p:cNvPr id="10" name="TextBox 9"/>
+          <p:cNvSpPr txBox="1"/>
+          <p:nvPr/>
+        </p:nvSpPr>
+        <p:spPr>
+          <a:xfrm>
+            <a:off x="1259632" y="3996478"/>
+            <a:ext cx="2592288" cy="1477328"/>
+          </a:xfrm>
+          <a:prstGeom prst="rect">
+            <a:avLst/>
+          </a:prstGeom>
+          <a:noFill/>
+        </p:spPr>
+        <p:txBody>
+          <a:bodyPr wrap="square" rtlCol="0">
+            <a:spAutoFit/>
+          </a:bodyPr>
+          <a:lstStyle/>
+          <a:p>
+            <a:r>
+              <a:rPr lang="de-DE" dirty="0" err="1" smtClean="0"/>
+              <a:t>Map</a:t>
+            </a:r>
+            <a:endParaRPr lang="de-DE" dirty="0" smtClean="0"/>
+          </a:p>
+          <a:p>
+            <a:r>
+              <a:rPr lang="de-DE" dirty="0" smtClean="0"/>
+              <a:t>{ :</a:t>
+            </a:r>
+            <a:r>
+              <a:rPr lang="de-DE" dirty="0" err="1" smtClean="0"/>
+              <a:t>firstname</a:t>
+            </a:r>
+            <a:r>
+              <a:rPr lang="de-DE" dirty="0" smtClean="0"/>
+              <a:t> „Thomas“</a:t>
+            </a:r>
+          </a:p>
+          <a:p>
+            <a:r>
+              <a:rPr lang="de-DE" dirty="0"/>
+              <a:t> </a:t>
+            </a:r>
+            <a:r>
+              <a:rPr lang="de-DE" dirty="0" smtClean="0"/>
+              <a:t> :</a:t>
+            </a:r>
+            <a:r>
+              <a:rPr lang="de-DE" dirty="0" err="1" smtClean="0"/>
+              <a:t>lastname</a:t>
+            </a:r>
+            <a:r>
+              <a:rPr lang="de-DE" dirty="0" smtClean="0"/>
+              <a:t> „Schulte“}</a:t>
+            </a:r>
+          </a:p>
+          <a:p>
+            <a:endParaRPr lang="de-DE" dirty="0" smtClean="0"/>
+          </a:p>
+          <a:p>
+            <a:endParaRPr lang="de-DE" dirty="0"/>
+          </a:p>
+        </p:txBody>
+      </p:sp>
+      <p:sp>
+        <p:nvSpPr>
+          <p:cNvPr id="12" name="TextBox 11"/>
+          <p:cNvSpPr txBox="1"/>
+          <p:nvPr/>
+        </p:nvSpPr>
+        <p:spPr>
+          <a:xfrm>
+            <a:off x="4427984" y="3996478"/>
+            <a:ext cx="3312368" cy="923330"/>
+          </a:xfrm>
+          <a:prstGeom prst="rect">
+            <a:avLst/>
+          </a:prstGeom>
+          <a:noFill/>
+        </p:spPr>
+        <p:txBody>
+          <a:bodyPr wrap="square" rtlCol="0">
+            <a:spAutoFit/>
+          </a:bodyPr>
+          <a:lstStyle/>
+          <a:p>
+            <a:r>
+              <a:rPr lang="de-DE" dirty="0" smtClean="0"/>
+              <a:t>Set</a:t>
+            </a:r>
+          </a:p>
+          <a:p>
+            <a:r>
+              <a:rPr lang="de-DE" dirty="0" smtClean="0"/>
+              <a:t>#{ „C“ „C++“ „C#“ „</a:t>
+            </a:r>
+            <a:r>
+              <a:rPr lang="de-DE" dirty="0" err="1" smtClean="0"/>
+              <a:t>Clojure</a:t>
+            </a:r>
+            <a:r>
+              <a:rPr lang="de-DE" dirty="0" smtClean="0"/>
+              <a:t>“}</a:t>
+            </a:r>
+          </a:p>
+          <a:p>
+            <a:endParaRPr lang="de-DE" dirty="0"/>
+          </a:p>
+        </p:txBody>
+      </p:sp>
+      <p:sp>
+        <p:nvSpPr>
+          <p:cNvPr id="13" name="TextBox 12"/>
+          <p:cNvSpPr txBox="1"/>
+          <p:nvPr/>
+        </p:nvSpPr>
+        <p:spPr>
+          <a:xfrm>
+            <a:off x="467544" y="6453336"/>
+            <a:ext cx="2268252" cy="369332"/>
+          </a:xfrm>
+          <a:prstGeom prst="rect">
+            <a:avLst/>
+          </a:prstGeom>
+          <a:noFill/>
+        </p:spPr>
+        <p:txBody>
+          <a:bodyPr wrap="square" rtlCol="0">
+            <a:spAutoFit/>
+          </a:bodyPr>
+          <a:lstStyle/>
+          <a:p>
+            <a:r>
+              <a:rPr lang="de-DE" dirty="0" smtClean="0">
+                <a:solidFill>
+                  <a:schemeClr val="bg1"/>
+                </a:solidFill>
+              </a:rPr>
+              <a:t>Datenstrukturen</a:t>
+            </a:r>
+            <a:endParaRPr lang="de-DE" dirty="0">
+              <a:solidFill>
+                <a:schemeClr val="bg1"/>
+              </a:solidFill>
+            </a:endParaRPr>
+          </a:p>
+        </p:txBody>
+      </p:sp>
     </p:spTree>
     <p:extLst>
       <p:ext uri="{BB962C8B-B14F-4D97-AF65-F5344CB8AC3E}">
@@ -6601,14 +7627,14 @@
       </p:grpSpPr>
       <p:sp>
         <p:nvSpPr>
-          <p:cNvPr id="4" name="Textfeld 3"/>
+          <p:cNvPr id="4" name="TextBox 3"/>
           <p:cNvSpPr txBox="1"/>
           <p:nvPr/>
         </p:nvSpPr>
         <p:spPr>
           <a:xfrm>
-            <a:off x="899592" y="548680"/>
-            <a:ext cx="6984776" cy="3416320"/>
+            <a:off x="1691680" y="2132856"/>
+            <a:ext cx="6912768" cy="1446550"/>
           </a:xfrm>
           <a:prstGeom prst="rect">
             <a:avLst/>
@@ -6622,121 +7648,61 @@
           <a:lstStyle/>
           <a:p>
             <a:r>
-              <a:rPr lang="de-DE" dirty="0" smtClean="0"/>
-              <a:t>Die verschiedenen Stufen des Lernens </a:t>
-            </a:r>
+              <a:rPr lang="de-DE" sz="4400" dirty="0" smtClean="0"/>
+              <a:t>Demo </a:t>
+            </a:r>
+          </a:p>
+          <a:p>
+            <a:r>
+              <a:rPr lang="de-DE" sz="4400" dirty="0" smtClean="0"/>
+              <a:t>Datentypen und Strukturen</a:t>
+            </a:r>
+            <a:endParaRPr lang="de-DE" sz="4400" dirty="0"/>
+          </a:p>
+        </p:txBody>
+      </p:sp>
+      <p:sp>
+        <p:nvSpPr>
+          <p:cNvPr id="5" name="TextBox 4"/>
+          <p:cNvSpPr txBox="1"/>
+          <p:nvPr/>
+        </p:nvSpPr>
+        <p:spPr>
+          <a:xfrm>
+            <a:off x="467544" y="6453336"/>
+            <a:ext cx="1296144" cy="369332"/>
+          </a:xfrm>
+          <a:prstGeom prst="rect">
+            <a:avLst/>
+          </a:prstGeom>
+          <a:noFill/>
+        </p:spPr>
+        <p:txBody>
+          <a:bodyPr wrap="square" rtlCol="0">
+            <a:spAutoFit/>
+          </a:bodyPr>
+          <a:lstStyle/>
+          <a:p>
             <a:r>
               <a:rPr lang="de-DE" dirty="0" smtClean="0">
-                <a:sym typeface="Wingdings" pitchFamily="2" charset="2"/>
+                <a:solidFill>
+                  <a:schemeClr val="bg1"/>
+                </a:solidFill>
               </a:rPr>
-              <a:t></a:t>
-            </a:r>
-          </a:p>
-          <a:p>
+              <a:t>Funktion 1</a:t>
+            </a:r>
             <a:endParaRPr lang="de-DE" dirty="0">
-              <a:sym typeface="Wingdings" pitchFamily="2" charset="2"/>
+              <a:solidFill>
+                <a:schemeClr val="bg1"/>
+              </a:solidFill>
             </a:endParaRPr>
-          </a:p>
-          <a:p>
-            <a:pPr marL="285750" indent="-285750">
-              <a:buFont typeface="Arial" pitchFamily="34" charset="0"/>
-              <a:buChar char="•"/>
-            </a:pPr>
-            <a:r>
-              <a:rPr lang="de-DE" dirty="0" smtClean="0">
-                <a:sym typeface="Wingdings" pitchFamily="2" charset="2"/>
-              </a:rPr>
-              <a:t>Was machen die da und warum geht das überhaupt???  (Verwirrung)</a:t>
-            </a:r>
-          </a:p>
-          <a:p>
-            <a:pPr marL="285750" indent="-285750">
-              <a:buFont typeface="Arial" pitchFamily="34" charset="0"/>
-              <a:buChar char="•"/>
-            </a:pPr>
-            <a:endParaRPr lang="de-DE" dirty="0" smtClean="0">
-              <a:sym typeface="Wingdings" pitchFamily="2" charset="2"/>
-            </a:endParaRPr>
-          </a:p>
-          <a:p>
-            <a:pPr marL="285750" indent="-285750">
-              <a:buFont typeface="Arial" pitchFamily="34" charset="0"/>
-              <a:buChar char="•"/>
-            </a:pPr>
-            <a:r>
-              <a:rPr lang="de-DE" dirty="0" smtClean="0">
-                <a:sym typeface="Wingdings" pitchFamily="2" charset="2"/>
-              </a:rPr>
-              <a:t>Die machen da was! </a:t>
-            </a:r>
-            <a:r>
-              <a:rPr lang="de-DE" dirty="0">
-                <a:sym typeface="Wingdings" pitchFamily="2" charset="2"/>
-              </a:rPr>
-              <a:t>D</a:t>
-            </a:r>
-            <a:r>
-              <a:rPr lang="de-DE" dirty="0" smtClean="0">
-                <a:sym typeface="Wingdings" pitchFamily="2" charset="2"/>
-              </a:rPr>
-              <a:t>as will ich auch. Ich weiß aber nicht so richtig wie!</a:t>
-            </a:r>
-          </a:p>
-          <a:p>
-            <a:pPr marL="285750" indent="-285750">
-              <a:buFont typeface="Arial" pitchFamily="34" charset="0"/>
-              <a:buChar char="•"/>
-            </a:pPr>
-            <a:endParaRPr lang="de-DE" dirty="0" smtClean="0">
-              <a:sym typeface="Wingdings" pitchFamily="2" charset="2"/>
-            </a:endParaRPr>
-          </a:p>
-          <a:p>
-            <a:pPr marL="285750" indent="-285750">
-              <a:buFont typeface="Arial" pitchFamily="34" charset="0"/>
-              <a:buChar char="•"/>
-            </a:pPr>
-            <a:r>
-              <a:rPr lang="de-DE" dirty="0" smtClean="0">
-                <a:sym typeface="Wingdings" pitchFamily="2" charset="2"/>
-              </a:rPr>
-              <a:t>Ich mache das jetzt auch, aber es ist noch schwierig!</a:t>
-            </a:r>
-          </a:p>
-          <a:p>
-            <a:pPr marL="285750" indent="-285750">
-              <a:buFont typeface="Arial" pitchFamily="34" charset="0"/>
-              <a:buChar char="•"/>
-            </a:pPr>
-            <a:endParaRPr lang="de-DE" dirty="0">
-              <a:sym typeface="Wingdings" pitchFamily="2" charset="2"/>
-            </a:endParaRPr>
-          </a:p>
-          <a:p>
-            <a:pPr marL="285750" indent="-285750">
-              <a:buFont typeface="Arial" pitchFamily="34" charset="0"/>
-              <a:buChar char="•"/>
-            </a:pPr>
-            <a:r>
-              <a:rPr lang="de-DE" dirty="0" smtClean="0">
-                <a:sym typeface="Wingdings" pitchFamily="2" charset="2"/>
-              </a:rPr>
-              <a:t>Ich mache das jetzt auch und zwar ganz selbstverständlich!</a:t>
-            </a:r>
-          </a:p>
-          <a:p>
-            <a:pPr marL="285750" indent="-285750">
-              <a:buFont typeface="Arial" pitchFamily="34" charset="0"/>
-              <a:buChar char="•"/>
-            </a:pPr>
-            <a:endParaRPr lang="de-DE" dirty="0"/>
           </a:p>
         </p:txBody>
       </p:sp>
     </p:spTree>
     <p:extLst>
       <p:ext uri="{BB962C8B-B14F-4D97-AF65-F5344CB8AC3E}">
-        <p14:creationId xmlns:p14="http://schemas.microsoft.com/office/powerpoint/2010/main" val="4274948650"/>
+        <p14:creationId xmlns:p14="http://schemas.microsoft.com/office/powerpoint/2010/main" val="3304431302"/>
       </p:ext>
     </p:extLst>
   </p:cSld>

--- a/Clojure Vortrag .NET User Group.pptx
+++ b/Clojure Vortrag .NET User Group.pptx
@@ -18,13 +18,13 @@
     <p:sldId id="270" r:id="rId9"/>
     <p:sldId id="271" r:id="rId10"/>
     <p:sldId id="272" r:id="rId11"/>
-    <p:sldId id="266" r:id="rId12"/>
-    <p:sldId id="257" r:id="rId13"/>
-    <p:sldId id="258" r:id="rId14"/>
-    <p:sldId id="259" r:id="rId15"/>
-    <p:sldId id="260" r:id="rId16"/>
-    <p:sldId id="261" r:id="rId17"/>
-    <p:sldId id="262" r:id="rId18"/>
+    <p:sldId id="273" r:id="rId12"/>
+    <p:sldId id="274" r:id="rId13"/>
+    <p:sldId id="275" r:id="rId14"/>
+    <p:sldId id="276" r:id="rId15"/>
+    <p:sldId id="277" r:id="rId16"/>
+    <p:sldId id="266" r:id="rId17"/>
+    <p:sldId id="261" r:id="rId18"/>
   </p:sldIdLst>
   <p:sldSz cx="9144000" cy="6858000" type="screen4x3"/>
   <p:notesSz cx="6794500" cy="9931400"/>
@@ -208,7 +208,7 @@
           <a:p>
             <a:fld id="{58A9EE8F-FFE1-47DD-9EB3-5670B774654C}" type="datetimeFigureOut">
               <a:rPr lang="de-DE" smtClean="0"/>
-              <a:t>17.09.2013</a:t>
+              <a:t>18.09.2013</a:t>
             </a:fld>
             <a:endParaRPr lang="de-DE"/>
           </a:p>
@@ -480,7 +480,7 @@
           <a:p>
             <a:fld id="{ED9750E0-CE15-4EC1-B1D0-C2B3694DFCFC}" type="datetimeFigureOut">
               <a:rPr lang="de-DE" smtClean="0"/>
-              <a:t>17.09.2013</a:t>
+              <a:t>18.09.2013</a:t>
             </a:fld>
             <a:endParaRPr lang="de-DE"/>
           </a:p>
@@ -657,7 +657,7 @@
           <a:p>
             <a:fld id="{ED9750E0-CE15-4EC1-B1D0-C2B3694DFCFC}" type="datetimeFigureOut">
               <a:rPr lang="de-DE" smtClean="0"/>
-              <a:t>17.09.2013</a:t>
+              <a:t>18.09.2013</a:t>
             </a:fld>
             <a:endParaRPr lang="de-DE"/>
           </a:p>
@@ -855,7 +855,7 @@
           <a:p>
             <a:fld id="{ED9750E0-CE15-4EC1-B1D0-C2B3694DFCFC}" type="datetimeFigureOut">
               <a:rPr lang="de-DE" smtClean="0"/>
-              <a:t>17.09.2013</a:t>
+              <a:t>18.09.2013</a:t>
             </a:fld>
             <a:endParaRPr lang="de-DE"/>
           </a:p>
@@ -1009,7 +1009,7 @@
           <a:p>
             <a:fld id="{ED9750E0-CE15-4EC1-B1D0-C2B3694DFCFC}" type="datetimeFigureOut">
               <a:rPr lang="de-DE" smtClean="0"/>
-              <a:t>17.09.2013</a:t>
+              <a:t>18.09.2013</a:t>
             </a:fld>
             <a:endParaRPr lang="de-DE"/>
           </a:p>
@@ -1284,7 +1284,7 @@
           <a:p>
             <a:fld id="{ED9750E0-CE15-4EC1-B1D0-C2B3694DFCFC}" type="datetimeFigureOut">
               <a:rPr lang="de-DE" smtClean="0"/>
-              <a:t>17.09.2013</a:t>
+              <a:t>18.09.2013</a:t>
             </a:fld>
             <a:endParaRPr lang="de-DE"/>
           </a:p>
@@ -1583,7 +1583,7 @@
           <a:p>
             <a:fld id="{ED9750E0-CE15-4EC1-B1D0-C2B3694DFCFC}" type="datetimeFigureOut">
               <a:rPr lang="de-DE" smtClean="0"/>
-              <a:t>17.09.2013</a:t>
+              <a:t>18.09.2013</a:t>
             </a:fld>
             <a:endParaRPr lang="de-DE"/>
           </a:p>
@@ -2025,7 +2025,7 @@
           <a:p>
             <a:fld id="{ED9750E0-CE15-4EC1-B1D0-C2B3694DFCFC}" type="datetimeFigureOut">
               <a:rPr lang="de-DE" smtClean="0"/>
-              <a:t>17.09.2013</a:t>
+              <a:t>18.09.2013</a:t>
             </a:fld>
             <a:endParaRPr lang="de-DE"/>
           </a:p>
@@ -2132,7 +2132,7 @@
           <a:p>
             <a:fld id="{ED9750E0-CE15-4EC1-B1D0-C2B3694DFCFC}" type="datetimeFigureOut">
               <a:rPr lang="de-DE" smtClean="0"/>
-              <a:t>17.09.2013</a:t>
+              <a:t>18.09.2013</a:t>
             </a:fld>
             <a:endParaRPr lang="de-DE"/>
           </a:p>
@@ -2252,7 +2252,7 @@
           <a:p>
             <a:fld id="{ED9750E0-CE15-4EC1-B1D0-C2B3694DFCFC}" type="datetimeFigureOut">
               <a:rPr lang="de-DE" smtClean="0"/>
-              <a:t>17.09.2013</a:t>
+              <a:t>18.09.2013</a:t>
             </a:fld>
             <a:endParaRPr lang="de-DE"/>
           </a:p>
@@ -2537,7 +2537,7 @@
           <a:p>
             <a:fld id="{ED9750E0-CE15-4EC1-B1D0-C2B3694DFCFC}" type="datetimeFigureOut">
               <a:rPr lang="de-DE" smtClean="0"/>
-              <a:t>17.09.2013</a:t>
+              <a:t>18.09.2013</a:t>
             </a:fld>
             <a:endParaRPr lang="de-DE"/>
           </a:p>
@@ -2808,7 +2808,7 @@
           <a:p>
             <a:fld id="{ED9750E0-CE15-4EC1-B1D0-C2B3694DFCFC}" type="datetimeFigureOut">
               <a:rPr lang="de-DE" smtClean="0"/>
-              <a:t>17.09.2013</a:t>
+              <a:t>18.09.2013</a:t>
             </a:fld>
             <a:endParaRPr lang="de-DE"/>
           </a:p>
@@ -3028,7 +3028,7 @@
           <a:p>
             <a:fld id="{ED9750E0-CE15-4EC1-B1D0-C2B3694DFCFC}" type="datetimeFigureOut">
               <a:rPr lang="de-DE" smtClean="0"/>
-              <a:t>17.09.2013</a:t>
+              <a:t>18.09.2013</a:t>
             </a:fld>
             <a:endParaRPr lang="de-DE"/>
           </a:p>
@@ -3757,15 +3757,7 @@
                   <a:schemeClr val="bg1"/>
                 </a:solidFill>
               </a:rPr>
-              <a:t>Funktion </a:t>
-            </a:r>
-            <a:r>
-              <a:rPr lang="de-DE" dirty="0" smtClean="0">
-                <a:solidFill>
-                  <a:schemeClr val="bg1"/>
-                </a:solidFill>
-              </a:rPr>
-              <a:t>2</a:t>
+              <a:t>Funktion 2</a:t>
             </a:r>
             <a:endParaRPr lang="de-DE" dirty="0">
               <a:solidFill>
@@ -3918,14 +3910,14 @@
       </p:grpSpPr>
       <p:sp>
         <p:nvSpPr>
-          <p:cNvPr id="4" name="Textfeld 3"/>
+          <p:cNvPr id="4" name="TextBox 3"/>
           <p:cNvSpPr txBox="1"/>
           <p:nvPr/>
         </p:nvSpPr>
         <p:spPr>
           <a:xfrm>
-            <a:off x="899592" y="548680"/>
-            <a:ext cx="6984776" cy="3416320"/>
+            <a:off x="755576" y="1052736"/>
+            <a:ext cx="5616624" cy="1200329"/>
           </a:xfrm>
           <a:prstGeom prst="rect">
             <a:avLst/>
@@ -3939,134 +3931,208 @@
           <a:lstStyle/>
           <a:p>
             <a:r>
-              <a:rPr lang="de-DE" dirty="0" smtClean="0"/>
-              <a:t>Die verschiedenen Stufen des Lernens </a:t>
-            </a:r>
-            <a:r>
-              <a:rPr lang="de-DE" dirty="0" smtClean="0">
-                <a:sym typeface="Wingdings" pitchFamily="2" charset="2"/>
+              <a:rPr lang="de-DE" dirty="0" err="1" smtClean="0"/>
+              <a:t>Interop</a:t>
+            </a:r>
+            <a:r>
+              <a:rPr lang="de-DE" dirty="0" smtClean="0"/>
+              <a:t> mit .NET</a:t>
+            </a:r>
+          </a:p>
+          <a:p>
+            <a:endParaRPr lang="de-DE" dirty="0"/>
+          </a:p>
+          <a:p>
+            <a:r>
+              <a:rPr lang="de-DE" dirty="0" smtClean="0"/>
+              <a:t>Aufruf von Funktionen ohne Parameter</a:t>
+            </a:r>
+          </a:p>
+          <a:p>
+            <a:r>
+              <a:rPr lang="de-DE" dirty="0"/>
+              <a:t>(.</a:t>
+            </a:r>
+            <a:r>
+              <a:rPr lang="de-DE" dirty="0" err="1"/>
+              <a:t>instanceMember</a:t>
+            </a:r>
+            <a:r>
+              <a:rPr lang="de-DE" dirty="0"/>
+              <a:t> </a:t>
+            </a:r>
+            <a:r>
+              <a:rPr lang="de-DE" dirty="0" err="1"/>
+              <a:t>instance</a:t>
+            </a:r>
+            <a:r>
+              <a:rPr lang="de-DE" dirty="0" smtClean="0"/>
+              <a:t>)</a:t>
+            </a:r>
+            <a:endParaRPr lang="de-DE" dirty="0"/>
+          </a:p>
+        </p:txBody>
+      </p:sp>
+      <p:sp>
+        <p:nvSpPr>
+          <p:cNvPr id="5" name="TextBox 4"/>
+          <p:cNvSpPr txBox="1"/>
+          <p:nvPr/>
+        </p:nvSpPr>
+        <p:spPr>
+          <a:xfrm>
+            <a:off x="755576" y="2636912"/>
+            <a:ext cx="4536504" cy="2862322"/>
+          </a:xfrm>
+          <a:prstGeom prst="rect">
+            <a:avLst/>
+          </a:prstGeom>
+          <a:noFill/>
+        </p:spPr>
+        <p:txBody>
+          <a:bodyPr wrap="square" rtlCol="0">
+            <a:spAutoFit/>
+          </a:bodyPr>
+          <a:lstStyle/>
+          <a:p>
+            <a:r>
+              <a:rPr lang="de-DE" dirty="0" smtClean="0"/>
+              <a:t>Beispiel</a:t>
+            </a:r>
+          </a:p>
+          <a:p>
+            <a:endParaRPr lang="de-DE" dirty="0"/>
+          </a:p>
+          <a:p>
+            <a:r>
+              <a:rPr lang="de-DE" dirty="0" smtClean="0"/>
+              <a:t>In C#</a:t>
+            </a:r>
+            <a:endParaRPr lang="de-DE" dirty="0"/>
+          </a:p>
+          <a:p>
+            <a:r>
+              <a:rPr lang="de-DE" dirty="0"/>
+              <a:t>String s = </a:t>
+            </a:r>
+            <a:r>
+              <a:rPr lang="de-DE" dirty="0"/>
+              <a:t>" </a:t>
+            </a:r>
+            <a:r>
+              <a:rPr lang="de-DE" dirty="0" smtClean="0"/>
+              <a:t>Hallo</a:t>
+            </a:r>
+            <a:r>
+              <a:rPr lang="de-DE" dirty="0"/>
+              <a:t>";</a:t>
+            </a:r>
+          </a:p>
+          <a:p>
+            <a:r>
+              <a:rPr lang="de-DE" dirty="0" err="1" smtClean="0"/>
+              <a:t>s.ToUpper</a:t>
+            </a:r>
+            <a:r>
+              <a:rPr lang="de-DE" dirty="0" smtClean="0"/>
+              <a:t>();</a:t>
+            </a:r>
+          </a:p>
+          <a:p>
+            <a:endParaRPr lang="de-DE" dirty="0"/>
+          </a:p>
+          <a:p>
+            <a:r>
+              <a:rPr lang="de-DE" dirty="0" smtClean="0"/>
+              <a:t>In </a:t>
+            </a:r>
+            <a:r>
+              <a:rPr lang="de-DE" dirty="0" err="1" smtClean="0"/>
+              <a:t>Clojure</a:t>
+            </a:r>
+            <a:endParaRPr lang="de-DE" dirty="0" smtClean="0"/>
+          </a:p>
+          <a:p>
+            <a:r>
+              <a:rPr lang="de-DE" dirty="0" smtClean="0"/>
+              <a:t>(</a:t>
+            </a:r>
+            <a:r>
+              <a:rPr lang="de-DE" dirty="0" err="1" smtClean="0"/>
+              <a:t>def</a:t>
+            </a:r>
+            <a:r>
+              <a:rPr lang="de-DE" dirty="0" smtClean="0"/>
+              <a:t> s "Hallo")</a:t>
+            </a:r>
+          </a:p>
+          <a:p>
+            <a:r>
+              <a:rPr lang="de-DE" dirty="0" smtClean="0"/>
+              <a:t>(.</a:t>
+            </a:r>
+            <a:r>
+              <a:rPr lang="de-DE" dirty="0" err="1" smtClean="0"/>
+              <a:t>TuUpper</a:t>
+            </a:r>
+            <a:r>
+              <a:rPr lang="de-DE" dirty="0" smtClean="0"/>
+              <a:t> s)</a:t>
+            </a:r>
+          </a:p>
+          <a:p>
+            <a:endParaRPr lang="de-DE" dirty="0"/>
+          </a:p>
+        </p:txBody>
+      </p:sp>
+      <p:sp>
+        <p:nvSpPr>
+          <p:cNvPr id="6" name="TextBox 5"/>
+          <p:cNvSpPr txBox="1"/>
+          <p:nvPr/>
+        </p:nvSpPr>
+        <p:spPr>
+          <a:xfrm>
+            <a:off x="467544" y="6453336"/>
+            <a:ext cx="1296144" cy="369332"/>
+          </a:xfrm>
+          <a:prstGeom prst="rect">
+            <a:avLst/>
+          </a:prstGeom>
+          <a:noFill/>
+        </p:spPr>
+        <p:txBody>
+          <a:bodyPr wrap="square" rtlCol="0">
+            <a:spAutoFit/>
+          </a:bodyPr>
+          <a:lstStyle/>
+          <a:p>
+            <a:r>
+              <a:rPr lang="de-DE" dirty="0" err="1" smtClean="0">
+                <a:solidFill>
+                  <a:schemeClr val="bg1"/>
+                </a:solidFill>
               </a:rPr>
-              <a:t></a:t>
-            </a:r>
-          </a:p>
-          <a:p>
+              <a:t>Interop</a:t>
+            </a:r>
             <a:endParaRPr lang="de-DE" dirty="0">
-              <a:sym typeface="Wingdings" pitchFamily="2" charset="2"/>
+              <a:solidFill>
+                <a:schemeClr val="bg1"/>
+              </a:solidFill>
             </a:endParaRPr>
-          </a:p>
-          <a:p>
-            <a:pPr marL="285750" indent="-285750">
-              <a:buFont typeface="Arial" pitchFamily="34" charset="0"/>
-              <a:buChar char="•"/>
-            </a:pPr>
-            <a:r>
-              <a:rPr lang="de-DE" dirty="0" smtClean="0">
-                <a:sym typeface="Wingdings" pitchFamily="2" charset="2"/>
-              </a:rPr>
-              <a:t>Was machen die da und warum geht das überhaupt???  (Verwirrung)</a:t>
-            </a:r>
-          </a:p>
-          <a:p>
-            <a:pPr marL="285750" indent="-285750">
-              <a:buFont typeface="Arial" pitchFamily="34" charset="0"/>
-              <a:buChar char="•"/>
-            </a:pPr>
-            <a:endParaRPr lang="de-DE" dirty="0" smtClean="0">
-              <a:sym typeface="Wingdings" pitchFamily="2" charset="2"/>
-            </a:endParaRPr>
-          </a:p>
-          <a:p>
-            <a:pPr marL="285750" indent="-285750">
-              <a:buFont typeface="Arial" pitchFamily="34" charset="0"/>
-              <a:buChar char="•"/>
-            </a:pPr>
-            <a:r>
-              <a:rPr lang="de-DE" dirty="0" smtClean="0">
-                <a:sym typeface="Wingdings" pitchFamily="2" charset="2"/>
-              </a:rPr>
-              <a:t>Die machen da was! </a:t>
-            </a:r>
-            <a:r>
-              <a:rPr lang="de-DE" dirty="0">
-                <a:sym typeface="Wingdings" pitchFamily="2" charset="2"/>
-              </a:rPr>
-              <a:t>D</a:t>
-            </a:r>
-            <a:r>
-              <a:rPr lang="de-DE" dirty="0" smtClean="0">
-                <a:sym typeface="Wingdings" pitchFamily="2" charset="2"/>
-              </a:rPr>
-              <a:t>as will ich auch. Ich weiß aber nicht so richtig wie!</a:t>
-            </a:r>
-          </a:p>
-          <a:p>
-            <a:pPr marL="285750" indent="-285750">
-              <a:buFont typeface="Arial" pitchFamily="34" charset="0"/>
-              <a:buChar char="•"/>
-            </a:pPr>
-            <a:endParaRPr lang="de-DE" dirty="0" smtClean="0">
-              <a:sym typeface="Wingdings" pitchFamily="2" charset="2"/>
-            </a:endParaRPr>
-          </a:p>
-          <a:p>
-            <a:pPr marL="285750" indent="-285750">
-              <a:buFont typeface="Arial" pitchFamily="34" charset="0"/>
-              <a:buChar char="•"/>
-            </a:pPr>
-            <a:r>
-              <a:rPr lang="de-DE" dirty="0" smtClean="0">
-                <a:sym typeface="Wingdings" pitchFamily="2" charset="2"/>
-              </a:rPr>
-              <a:t>Ich mache das jetzt auch, aber es ist noch schwierig!</a:t>
-            </a:r>
-          </a:p>
-          <a:p>
-            <a:pPr marL="285750" indent="-285750">
-              <a:buFont typeface="Arial" pitchFamily="34" charset="0"/>
-              <a:buChar char="•"/>
-            </a:pPr>
-            <a:endParaRPr lang="de-DE" dirty="0">
-              <a:sym typeface="Wingdings" pitchFamily="2" charset="2"/>
-            </a:endParaRPr>
-          </a:p>
-          <a:p>
-            <a:pPr marL="285750" indent="-285750">
-              <a:buFont typeface="Arial" pitchFamily="34" charset="0"/>
-              <a:buChar char="•"/>
-            </a:pPr>
-            <a:r>
-              <a:rPr lang="de-DE" dirty="0" smtClean="0">
-                <a:sym typeface="Wingdings" pitchFamily="2" charset="2"/>
-              </a:rPr>
-              <a:t>Ich mache das jetzt auch und zwar ganz selbstverständlich!</a:t>
-            </a:r>
-          </a:p>
-          <a:p>
-            <a:pPr marL="285750" indent="-285750">
-              <a:buFont typeface="Arial" pitchFamily="34" charset="0"/>
-              <a:buChar char="•"/>
-            </a:pPr>
-            <a:endParaRPr lang="de-DE" dirty="0"/>
           </a:p>
         </p:txBody>
       </p:sp>
     </p:spTree>
     <p:extLst>
       <p:ext uri="{BB962C8B-B14F-4D97-AF65-F5344CB8AC3E}">
-        <p14:creationId xmlns:p14="http://schemas.microsoft.com/office/powerpoint/2010/main" val="4274948650"/>
+        <p14:creationId xmlns:p14="http://schemas.microsoft.com/office/powerpoint/2010/main" val="2667359134"/>
       </p:ext>
     </p:extLst>
   </p:cSld>
   <p:clrMapOvr>
     <a:masterClrMapping/>
   </p:clrMapOvr>
-  <p:timing>
-    <p:tnLst>
-      <p:par>
-        <p:cTn id="1" dur="indefinite" restart="never" nodeType="tmRoot"/>
-      </p:par>
-    </p:tnLst>
-  </p:timing>
 </p:sld>
 </file>
 
@@ -4089,14 +4155,14 @@
       </p:grpSpPr>
       <p:sp>
         <p:nvSpPr>
-          <p:cNvPr id="4" name="Textfeld 3"/>
+          <p:cNvPr id="4" name="TextBox 3"/>
           <p:cNvSpPr txBox="1"/>
           <p:nvPr/>
         </p:nvSpPr>
         <p:spPr>
           <a:xfrm>
-            <a:off x="827584" y="1196752"/>
-            <a:ext cx="4896544" cy="2585323"/>
+            <a:off x="755576" y="1052736"/>
+            <a:ext cx="5616624" cy="1200329"/>
           </a:xfrm>
           <a:prstGeom prst="rect">
             <a:avLst/>
@@ -4110,113 +4176,224 @@
           <a:lstStyle/>
           <a:p>
             <a:r>
-              <a:rPr lang="de-DE" dirty="0" smtClean="0"/>
-              <a:t>Wie ist dieser Vortrag strukturiert</a:t>
-            </a:r>
-          </a:p>
-          <a:p>
-            <a:pPr marL="285750" indent="-285750">
-              <a:buFont typeface="Arial" pitchFamily="34" charset="0"/>
-              <a:buChar char="•"/>
-            </a:pPr>
-            <a:r>
-              <a:rPr lang="de-DE" dirty="0" smtClean="0"/>
-              <a:t>Einführung</a:t>
-            </a:r>
-          </a:p>
-          <a:p>
-            <a:pPr marL="285750" indent="-285750">
-              <a:buFont typeface="Arial" pitchFamily="34" charset="0"/>
-              <a:buChar char="•"/>
-            </a:pPr>
-            <a:r>
-              <a:rPr lang="de-DE" dirty="0" smtClean="0"/>
-              <a:t>Basics (Dynamic Language)</a:t>
-            </a:r>
-          </a:p>
-          <a:p>
-            <a:pPr marL="285750" indent="-285750">
-              <a:buFont typeface="Arial" pitchFamily="34" charset="0"/>
-              <a:buChar char="•"/>
-            </a:pPr>
-            <a:r>
-              <a:rPr lang="de-DE" dirty="0" smtClean="0"/>
-              <a:t>Lisp</a:t>
-            </a:r>
-          </a:p>
-          <a:p>
-            <a:pPr marL="285750" indent="-285750">
-              <a:buFont typeface="Arial" pitchFamily="34" charset="0"/>
-              <a:buChar char="•"/>
-            </a:pPr>
-            <a:r>
               <a:rPr lang="de-DE" dirty="0" err="1" smtClean="0"/>
-              <a:t>Functional</a:t>
+              <a:t>Interop</a:t>
+            </a:r>
+            <a:r>
+              <a:rPr lang="de-DE" dirty="0" smtClean="0"/>
+              <a:t> mit .NET</a:t>
+            </a:r>
+          </a:p>
+          <a:p>
+            <a:endParaRPr lang="de-DE" dirty="0"/>
+          </a:p>
+          <a:p>
+            <a:r>
+              <a:rPr lang="de-DE" dirty="0" smtClean="0"/>
+              <a:t>Aufruf von Funktionen mit Parameter</a:t>
+            </a:r>
+          </a:p>
+          <a:p>
+            <a:r>
+              <a:rPr lang="de-DE" dirty="0"/>
+              <a:t>(.</a:t>
+            </a:r>
+            <a:r>
+              <a:rPr lang="de-DE" dirty="0" err="1"/>
+              <a:t>instanceMember</a:t>
+            </a:r>
+            <a:r>
+              <a:rPr lang="de-DE" dirty="0"/>
+              <a:t> </a:t>
+            </a:r>
+            <a:r>
+              <a:rPr lang="de-DE" dirty="0" err="1" smtClean="0"/>
+              <a:t>instance</a:t>
+            </a:r>
+            <a:r>
+              <a:rPr lang="de-DE" dirty="0" smtClean="0"/>
+              <a:t> </a:t>
+            </a:r>
+            <a:r>
+              <a:rPr lang="de-DE" dirty="0" err="1" smtClean="0"/>
+              <a:t>args</a:t>
+            </a:r>
+            <a:r>
+              <a:rPr lang="de-DE" dirty="0" smtClean="0"/>
+              <a:t>)</a:t>
+            </a:r>
+            <a:endParaRPr lang="de-DE" dirty="0"/>
+          </a:p>
+        </p:txBody>
+      </p:sp>
+      <p:sp>
+        <p:nvSpPr>
+          <p:cNvPr id="5" name="TextBox 4"/>
+          <p:cNvSpPr txBox="1"/>
+          <p:nvPr/>
+        </p:nvSpPr>
+        <p:spPr>
+          <a:xfrm>
+            <a:off x="755576" y="2636912"/>
+            <a:ext cx="4536504" cy="2862322"/>
+          </a:xfrm>
+          <a:prstGeom prst="rect">
+            <a:avLst/>
+          </a:prstGeom>
+          <a:noFill/>
+        </p:spPr>
+        <p:txBody>
+          <a:bodyPr wrap="square" rtlCol="0">
+            <a:spAutoFit/>
+          </a:bodyPr>
+          <a:lstStyle/>
+          <a:p>
+            <a:r>
+              <a:rPr lang="de-DE" dirty="0" smtClean="0"/>
+              <a:t>Beispiel</a:t>
+            </a:r>
+          </a:p>
+          <a:p>
+            <a:endParaRPr lang="de-DE" dirty="0"/>
+          </a:p>
+          <a:p>
+            <a:r>
+              <a:rPr lang="de-DE" dirty="0" smtClean="0"/>
+              <a:t>In C#</a:t>
+            </a:r>
+            <a:endParaRPr lang="de-DE" dirty="0"/>
+          </a:p>
+          <a:p>
+            <a:r>
+              <a:rPr lang="de-DE" dirty="0"/>
+              <a:t>String s = </a:t>
+            </a:r>
+            <a:r>
+              <a:rPr lang="de-DE" dirty="0"/>
+              <a:t>" </a:t>
+            </a:r>
+            <a:r>
+              <a:rPr lang="de-DE" dirty="0" smtClean="0"/>
+              <a:t>Hallo</a:t>
+            </a:r>
+            <a:r>
+              <a:rPr lang="de-DE" dirty="0"/>
+              <a:t>";</a:t>
+            </a:r>
+          </a:p>
+          <a:p>
+            <a:r>
+              <a:rPr lang="de-DE" dirty="0" err="1"/>
+              <a:t>s.Replace</a:t>
+            </a:r>
+            <a:r>
+              <a:rPr lang="de-DE" dirty="0" smtClean="0"/>
+              <a:t>(</a:t>
+            </a:r>
+            <a:r>
+              <a:rPr lang="de-DE" dirty="0"/>
+              <a:t>"a" ,"e"</a:t>
+            </a:r>
+            <a:r>
+              <a:rPr lang="de-DE" dirty="0" smtClean="0"/>
+              <a:t>);</a:t>
+            </a:r>
+          </a:p>
+          <a:p>
+            <a:endParaRPr lang="de-DE" dirty="0"/>
+          </a:p>
+          <a:p>
+            <a:r>
+              <a:rPr lang="de-DE" dirty="0" smtClean="0"/>
+              <a:t>In </a:t>
+            </a:r>
+            <a:r>
+              <a:rPr lang="de-DE" dirty="0" err="1" smtClean="0"/>
+              <a:t>Clojure</a:t>
             </a:r>
             <a:endParaRPr lang="de-DE" dirty="0" smtClean="0"/>
           </a:p>
           <a:p>
-            <a:pPr marL="285750" indent="-285750">
-              <a:buFont typeface="Arial" pitchFamily="34" charset="0"/>
-              <a:buChar char="•"/>
-            </a:pPr>
-            <a:r>
-              <a:rPr lang="de-DE" dirty="0" smtClean="0"/>
-              <a:t>Host Integration auf der JVM </a:t>
+            <a:r>
+              <a:rPr lang="de-DE" dirty="0" smtClean="0"/>
+              <a:t>(</a:t>
             </a:r>
             <a:r>
               <a:rPr lang="de-DE" dirty="0" err="1" smtClean="0"/>
-              <a:t>and</a:t>
-            </a:r>
-            <a:r>
-              <a:rPr lang="de-DE" dirty="0" smtClean="0"/>
-              <a:t> CLR</a:t>
-            </a:r>
-          </a:p>
-          <a:p>
-            <a:pPr marL="285750" indent="-285750">
-              <a:buFont typeface="Arial" pitchFamily="34" charset="0"/>
-              <a:buChar char="•"/>
-            </a:pPr>
-            <a:r>
-              <a:rPr lang="de-DE" dirty="0" err="1" smtClean="0"/>
-              <a:t>Concurrency</a:t>
-            </a:r>
-            <a:endParaRPr lang="de-DE" dirty="0" smtClean="0"/>
-          </a:p>
-          <a:p>
-            <a:pPr marL="285750" indent="-285750">
-              <a:buFont typeface="Arial" pitchFamily="34" charset="0"/>
-              <a:buChar char="•"/>
-            </a:pPr>
-            <a:endParaRPr lang="de-DE" dirty="0" smtClean="0"/>
-          </a:p>
-          <a:p>
-            <a:pPr marL="285750" indent="-285750">
-              <a:buFont typeface="Arial" pitchFamily="34" charset="0"/>
-              <a:buChar char="•"/>
-            </a:pPr>
+              <a:t>def</a:t>
+            </a:r>
+            <a:r>
+              <a:rPr lang="de-DE" dirty="0" smtClean="0"/>
+              <a:t> s "Hallo")</a:t>
+            </a:r>
+          </a:p>
+          <a:p>
+            <a:r>
+              <a:rPr lang="de-DE" dirty="0"/>
+              <a:t>(.</a:t>
+            </a:r>
+            <a:r>
+              <a:rPr lang="de-DE" dirty="0" err="1"/>
+              <a:t>Replace</a:t>
+            </a:r>
+            <a:r>
+              <a:rPr lang="de-DE" dirty="0"/>
+              <a:t> s "a"  "e")</a:t>
+            </a:r>
+          </a:p>
+          <a:p>
             <a:endParaRPr lang="de-DE" dirty="0"/>
+          </a:p>
+        </p:txBody>
+      </p:sp>
+      <p:sp>
+        <p:nvSpPr>
+          <p:cNvPr id="6" name="TextBox 5"/>
+          <p:cNvSpPr txBox="1"/>
+          <p:nvPr/>
+        </p:nvSpPr>
+        <p:spPr>
+          <a:xfrm>
+            <a:off x="467544" y="6453336"/>
+            <a:ext cx="1296144" cy="369332"/>
+          </a:xfrm>
+          <a:prstGeom prst="rect">
+            <a:avLst/>
+          </a:prstGeom>
+          <a:noFill/>
+        </p:spPr>
+        <p:txBody>
+          <a:bodyPr wrap="square" rtlCol="0">
+            <a:spAutoFit/>
+          </a:bodyPr>
+          <a:lstStyle/>
+          <a:p>
+            <a:r>
+              <a:rPr lang="de-DE" dirty="0" err="1" smtClean="0">
+                <a:solidFill>
+                  <a:schemeClr val="bg1"/>
+                </a:solidFill>
+              </a:rPr>
+              <a:t>Interop</a:t>
+            </a:r>
+            <a:endParaRPr lang="de-DE" dirty="0">
+              <a:solidFill>
+                <a:schemeClr val="bg1"/>
+              </a:solidFill>
+            </a:endParaRPr>
           </a:p>
         </p:txBody>
       </p:sp>
     </p:spTree>
     <p:extLst>
       <p:ext uri="{BB962C8B-B14F-4D97-AF65-F5344CB8AC3E}">
-        <p14:creationId xmlns:p14="http://schemas.microsoft.com/office/powerpoint/2010/main" val="2083045734"/>
+        <p14:creationId xmlns:p14="http://schemas.microsoft.com/office/powerpoint/2010/main" val="3871628842"/>
       </p:ext>
     </p:extLst>
   </p:cSld>
   <p:clrMapOvr>
     <a:masterClrMapping/>
   </p:clrMapOvr>
-  <p:timing>
-    <p:tnLst>
-      <p:par>
-        <p:cTn id="1" dur="indefinite" restart="never" nodeType="tmRoot"/>
-      </p:par>
-    </p:tnLst>
-  </p:timing>
 </p:sld>
 </file>
 
@@ -4239,14 +4416,14 @@
       </p:grpSpPr>
       <p:sp>
         <p:nvSpPr>
-          <p:cNvPr id="4" name="Textfeld 3"/>
+          <p:cNvPr id="4" name="TextBox 3"/>
           <p:cNvSpPr txBox="1"/>
           <p:nvPr/>
         </p:nvSpPr>
         <p:spPr>
           <a:xfrm>
-            <a:off x="1043608" y="836712"/>
-            <a:ext cx="5040560" cy="1754326"/>
+            <a:off x="755576" y="1052736"/>
+            <a:ext cx="5616624" cy="1200329"/>
           </a:xfrm>
           <a:prstGeom prst="rect">
             <a:avLst/>
@@ -4260,42 +4437,117 @@
           <a:lstStyle/>
           <a:p>
             <a:r>
-              <a:rPr lang="de-DE" dirty="0" smtClean="0"/>
-              <a:t>Vorstellung 3-er Personen</a:t>
-            </a:r>
-          </a:p>
-          <a:p>
-            <a:r>
-              <a:rPr lang="de-DE" dirty="0" smtClean="0"/>
-              <a:t>Thomas Schulte</a:t>
-            </a:r>
-          </a:p>
-          <a:p>
-            <a:r>
-              <a:rPr lang="de-DE" dirty="0" smtClean="0"/>
-              <a:t>Andrew </a:t>
-            </a:r>
-            <a:r>
               <a:rPr lang="de-DE" dirty="0" err="1" smtClean="0"/>
-              <a:t>Carthey</a:t>
-            </a:r>
-            <a:r>
-              <a:rPr lang="de-DE" dirty="0" smtClean="0"/>
-              <a:t>, Inventor von Lisp</a:t>
-            </a:r>
-          </a:p>
-          <a:p>
-            <a:r>
-              <a:rPr lang="de-DE" dirty="0" smtClean="0"/>
-              <a:t>Rich </a:t>
-            </a:r>
-            <a:r>
-              <a:rPr lang="de-DE" dirty="0" err="1" smtClean="0"/>
-              <a:t>Hickey</a:t>
-            </a:r>
-            <a:r>
-              <a:rPr lang="de-DE" dirty="0" smtClean="0"/>
-              <a:t> Inventor von </a:t>
+              <a:t>Interop</a:t>
+            </a:r>
+            <a:r>
+              <a:rPr lang="de-DE" dirty="0" smtClean="0"/>
+              <a:t> mit .NET</a:t>
+            </a:r>
+          </a:p>
+          <a:p>
+            <a:endParaRPr lang="de-DE" dirty="0"/>
+          </a:p>
+          <a:p>
+            <a:r>
+              <a:rPr lang="de-DE" dirty="0" smtClean="0"/>
+              <a:t>Aufruf von statischen Funktionen mit Parameter</a:t>
+            </a:r>
+          </a:p>
+          <a:p>
+            <a:r>
+              <a:rPr lang="de-DE" dirty="0"/>
+              <a:t>(</a:t>
+            </a:r>
+            <a:r>
+              <a:rPr lang="de-DE" dirty="0" err="1"/>
+              <a:t>Classname</a:t>
+            </a:r>
+            <a:r>
+              <a:rPr lang="de-DE" dirty="0"/>
+              <a:t>/</a:t>
+            </a:r>
+            <a:r>
+              <a:rPr lang="de-DE" dirty="0" err="1"/>
+              <a:t>staticMethod</a:t>
+            </a:r>
+            <a:r>
+              <a:rPr lang="de-DE" dirty="0"/>
+              <a:t> </a:t>
+            </a:r>
+            <a:r>
+              <a:rPr lang="de-DE" dirty="0" err="1"/>
+              <a:t>args</a:t>
+            </a:r>
+            <a:r>
+              <a:rPr lang="de-DE" dirty="0"/>
+              <a:t>*)</a:t>
+            </a:r>
+            <a:endParaRPr lang="de-DE" dirty="0"/>
+          </a:p>
+        </p:txBody>
+      </p:sp>
+      <p:sp>
+        <p:nvSpPr>
+          <p:cNvPr id="5" name="TextBox 4"/>
+          <p:cNvSpPr txBox="1"/>
+          <p:nvPr/>
+        </p:nvSpPr>
+        <p:spPr>
+          <a:xfrm>
+            <a:off x="755576" y="2636912"/>
+            <a:ext cx="4536504" cy="2585323"/>
+          </a:xfrm>
+          <a:prstGeom prst="rect">
+            <a:avLst/>
+          </a:prstGeom>
+          <a:noFill/>
+        </p:spPr>
+        <p:txBody>
+          <a:bodyPr wrap="square" rtlCol="0">
+            <a:spAutoFit/>
+          </a:bodyPr>
+          <a:lstStyle/>
+          <a:p>
+            <a:r>
+              <a:rPr lang="de-DE" dirty="0" smtClean="0"/>
+              <a:t>Beispiel</a:t>
+            </a:r>
+          </a:p>
+          <a:p>
+            <a:endParaRPr lang="de-DE" dirty="0"/>
+          </a:p>
+          <a:p>
+            <a:r>
+              <a:rPr lang="de-DE" dirty="0" smtClean="0"/>
+              <a:t>In C#</a:t>
+            </a:r>
+            <a:endParaRPr lang="de-DE" dirty="0"/>
+          </a:p>
+          <a:p>
+            <a:r>
+              <a:rPr lang="de-DE" dirty="0" err="1"/>
+              <a:t>String.Format</a:t>
+            </a:r>
+            <a:r>
+              <a:rPr lang="de-DE" dirty="0"/>
+              <a:t>("Value={0}", 1</a:t>
+            </a:r>
+            <a:r>
+              <a:rPr lang="de-DE" dirty="0" smtClean="0"/>
+              <a:t>);</a:t>
+            </a:r>
+          </a:p>
+          <a:p>
+            <a:endParaRPr lang="de-DE" dirty="0" smtClean="0"/>
+          </a:p>
+          <a:p>
+            <a:endParaRPr lang="de-DE" dirty="0"/>
+          </a:p>
+          <a:p>
+            <a:r>
+              <a:rPr lang="de-DE" dirty="0" smtClean="0"/>
+              <a:t>In </a:t>
             </a:r>
             <a:r>
               <a:rPr lang="de-DE" dirty="0" err="1" smtClean="0"/>
@@ -4305,32 +4557,63 @@
           </a:p>
           <a:p>
             <a:r>
-              <a:rPr lang="de-DE" dirty="0" smtClean="0"/>
-              <a:t>en.</a:t>
+              <a:rPr lang="de-DE" dirty="0"/>
+              <a:t>(String/Format "Value={0}"  1)</a:t>
             </a:r>
           </a:p>
           <a:p>
             <a:endParaRPr lang="de-DE" dirty="0"/>
+          </a:p>
+        </p:txBody>
+      </p:sp>
+      <p:sp>
+        <p:nvSpPr>
+          <p:cNvPr id="6" name="TextBox 5"/>
+          <p:cNvSpPr txBox="1"/>
+          <p:nvPr/>
+        </p:nvSpPr>
+        <p:spPr>
+          <a:xfrm>
+            <a:off x="467544" y="6453336"/>
+            <a:ext cx="1296144" cy="369332"/>
+          </a:xfrm>
+          <a:prstGeom prst="rect">
+            <a:avLst/>
+          </a:prstGeom>
+          <a:noFill/>
+        </p:spPr>
+        <p:txBody>
+          <a:bodyPr wrap="square" rtlCol="0">
+            <a:spAutoFit/>
+          </a:bodyPr>
+          <a:lstStyle/>
+          <a:p>
+            <a:r>
+              <a:rPr lang="de-DE" dirty="0" err="1" smtClean="0">
+                <a:solidFill>
+                  <a:schemeClr val="bg1"/>
+                </a:solidFill>
+              </a:rPr>
+              <a:t>Interop</a:t>
+            </a:r>
+            <a:endParaRPr lang="de-DE" dirty="0">
+              <a:solidFill>
+                <a:schemeClr val="bg1"/>
+              </a:solidFill>
+            </a:endParaRPr>
           </a:p>
         </p:txBody>
       </p:sp>
     </p:spTree>
     <p:extLst>
       <p:ext uri="{BB962C8B-B14F-4D97-AF65-F5344CB8AC3E}">
-        <p14:creationId xmlns:p14="http://schemas.microsoft.com/office/powerpoint/2010/main" val="3086717305"/>
+        <p14:creationId xmlns:p14="http://schemas.microsoft.com/office/powerpoint/2010/main" val="2988286233"/>
       </p:ext>
     </p:extLst>
   </p:cSld>
   <p:clrMapOvr>
     <a:masterClrMapping/>
   </p:clrMapOvr>
-  <p:timing>
-    <p:tnLst>
-      <p:par>
-        <p:cTn id="1" dur="indefinite" restart="never" nodeType="tmRoot"/>
-      </p:par>
-    </p:tnLst>
-  </p:timing>
 </p:sld>
 </file>
 
@@ -4353,14 +4636,14 @@
       </p:grpSpPr>
       <p:sp>
         <p:nvSpPr>
-          <p:cNvPr id="4" name="Textfeld 3"/>
+          <p:cNvPr id="4" name="TextBox 3"/>
           <p:cNvSpPr txBox="1"/>
           <p:nvPr/>
         </p:nvSpPr>
         <p:spPr>
           <a:xfrm>
-            <a:off x="683568" y="692696"/>
-            <a:ext cx="6696744" cy="4524315"/>
+            <a:off x="755576" y="1052736"/>
+            <a:ext cx="5616624" cy="923330"/>
           </a:xfrm>
           <a:prstGeom prst="rect">
             <a:avLst/>
@@ -4374,8 +4657,106 @@
           <a:lstStyle/>
           <a:p>
             <a:r>
-              <a:rPr lang="de-DE" dirty="0" smtClean="0"/>
-              <a:t>Erste Schritte mit </a:t>
+              <a:rPr lang="de-DE" dirty="0" err="1" smtClean="0"/>
+              <a:t>Interop</a:t>
+            </a:r>
+            <a:r>
+              <a:rPr lang="de-DE" dirty="0" smtClean="0"/>
+              <a:t> mit .NET</a:t>
+            </a:r>
+          </a:p>
+          <a:p>
+            <a:endParaRPr lang="de-DE" dirty="0"/>
+          </a:p>
+          <a:p>
+            <a:r>
+              <a:rPr lang="de-DE" dirty="0" smtClean="0"/>
+              <a:t>Aufruf von statischen Feldern</a:t>
+            </a:r>
+          </a:p>
+        </p:txBody>
+      </p:sp>
+      <p:sp>
+        <p:nvSpPr>
+          <p:cNvPr id="5" name="TextBox 4"/>
+          <p:cNvSpPr txBox="1"/>
+          <p:nvPr/>
+        </p:nvSpPr>
+        <p:spPr>
+          <a:xfrm>
+            <a:off x="755576" y="2636912"/>
+            <a:ext cx="4536504" cy="2585323"/>
+          </a:xfrm>
+          <a:prstGeom prst="rect">
+            <a:avLst/>
+          </a:prstGeom>
+          <a:noFill/>
+        </p:spPr>
+        <p:txBody>
+          <a:bodyPr wrap="square" rtlCol="0">
+            <a:spAutoFit/>
+          </a:bodyPr>
+          <a:lstStyle/>
+          <a:p>
+            <a:r>
+              <a:rPr lang="de-DE" dirty="0" smtClean="0"/>
+              <a:t>Beispiel</a:t>
+            </a:r>
+          </a:p>
+          <a:p>
+            <a:endParaRPr lang="de-DE" dirty="0"/>
+          </a:p>
+          <a:p>
+            <a:r>
+              <a:rPr lang="de-DE" dirty="0" smtClean="0"/>
+              <a:t>In C#</a:t>
+            </a:r>
+            <a:endParaRPr lang="de-DE" dirty="0"/>
+          </a:p>
+          <a:p>
+            <a:r>
+              <a:rPr lang="de-DE" dirty="0"/>
+              <a:t>Double d =</a:t>
+            </a:r>
+            <a:r>
+              <a:rPr lang="de-DE" dirty="0" err="1"/>
+              <a:t>Math.PI</a:t>
+            </a:r>
+            <a:r>
+              <a:rPr lang="de-DE" dirty="0"/>
+              <a:t>;</a:t>
+            </a:r>
+          </a:p>
+          <a:p>
+            <a:r>
+              <a:rPr lang="de-DE" dirty="0" smtClean="0"/>
+              <a:t>String </a:t>
+            </a:r>
+            <a:r>
+              <a:rPr lang="de-DE" dirty="0" err="1"/>
+              <a:t>emp</a:t>
+            </a:r>
+            <a:r>
+              <a:rPr lang="de-DE" dirty="0"/>
+              <a:t> = </a:t>
+            </a:r>
+            <a:r>
+              <a:rPr lang="de-DE" dirty="0" err="1"/>
+              <a:t>String.Empty</a:t>
+            </a:r>
+            <a:r>
+              <a:rPr lang="de-DE" dirty="0"/>
+              <a:t>;</a:t>
+            </a:r>
+            <a:endParaRPr lang="de-DE" dirty="0" smtClean="0"/>
+          </a:p>
+          <a:p>
+            <a:endParaRPr lang="de-DE" dirty="0"/>
+          </a:p>
+          <a:p>
+            <a:r>
+              <a:rPr lang="de-DE" dirty="0" smtClean="0"/>
+              <a:t>In </a:t>
             </a:r>
             <a:r>
               <a:rPr lang="de-DE" dirty="0" err="1" smtClean="0"/>
@@ -4384,157 +4765,72 @@
             <a:endParaRPr lang="de-DE" dirty="0" smtClean="0"/>
           </a:p>
           <a:p>
+            <a:r>
+              <a:rPr lang="de-DE" dirty="0" err="1"/>
+              <a:t>Math</a:t>
+            </a:r>
+            <a:r>
+              <a:rPr lang="de-DE" dirty="0"/>
+              <a:t>/PI</a:t>
+            </a:r>
+          </a:p>
+          <a:p>
+            <a:r>
+              <a:rPr lang="de-DE" dirty="0" smtClean="0"/>
+              <a:t>String/Empty</a:t>
+            </a:r>
             <a:endParaRPr lang="de-DE" dirty="0"/>
           </a:p>
-          <a:p>
-            <a:r>
-              <a:rPr lang="de-DE" dirty="0" err="1" smtClean="0"/>
-              <a:t>Clojure</a:t>
-            </a:r>
-            <a:r>
-              <a:rPr lang="de-DE" dirty="0" smtClean="0"/>
-              <a:t> Programme sind Listen. Eine der wichtigsten Symbole hierfür sind ()</a:t>
-            </a:r>
-          </a:p>
-          <a:p>
-            <a:endParaRPr lang="de-DE" dirty="0"/>
-          </a:p>
-          <a:p>
-            <a:r>
-              <a:rPr lang="de-DE" dirty="0" smtClean="0"/>
-              <a:t>Das Tool der Wahl um </a:t>
-            </a:r>
-            <a:r>
-              <a:rPr lang="de-DE" dirty="0" err="1" smtClean="0"/>
-              <a:t>Clojure</a:t>
-            </a:r>
-            <a:r>
-              <a:rPr lang="de-DE" dirty="0" smtClean="0"/>
-              <a:t> Programme auszuführen ist die REPL</a:t>
-            </a:r>
-          </a:p>
-          <a:p>
-            <a:pPr marL="285750" indent="-285750">
-              <a:buFont typeface="Arial" pitchFamily="34" charset="0"/>
-              <a:buChar char="•"/>
-            </a:pPr>
-            <a:r>
-              <a:rPr lang="de-DE" dirty="0" smtClean="0"/>
-              <a:t>R </a:t>
-            </a:r>
-            <a:r>
-              <a:rPr lang="de-DE" dirty="0" err="1" smtClean="0"/>
-              <a:t>ead</a:t>
-            </a:r>
-            <a:endParaRPr lang="de-DE" dirty="0" smtClean="0"/>
-          </a:p>
-          <a:p>
-            <a:pPr marL="285750" indent="-285750">
-              <a:buFont typeface="Arial" pitchFamily="34" charset="0"/>
-              <a:buChar char="•"/>
-            </a:pPr>
-            <a:r>
-              <a:rPr lang="de-DE" dirty="0" smtClean="0"/>
-              <a:t>E </a:t>
-            </a:r>
-            <a:r>
-              <a:rPr lang="de-DE" dirty="0" err="1" smtClean="0"/>
-              <a:t>val</a:t>
-            </a:r>
-            <a:endParaRPr lang="de-DE" dirty="0" smtClean="0"/>
-          </a:p>
-          <a:p>
-            <a:pPr marL="285750" indent="-285750">
-              <a:buFont typeface="Arial" pitchFamily="34" charset="0"/>
-              <a:buChar char="•"/>
-            </a:pPr>
-            <a:r>
-              <a:rPr lang="de-DE" dirty="0" smtClean="0"/>
-              <a:t>P </a:t>
-            </a:r>
-            <a:r>
-              <a:rPr lang="de-DE" dirty="0" err="1" smtClean="0"/>
-              <a:t>rint</a:t>
-            </a:r>
-            <a:endParaRPr lang="de-DE" dirty="0" smtClean="0"/>
-          </a:p>
-          <a:p>
-            <a:pPr marL="285750" indent="-285750">
-              <a:buFont typeface="Arial" pitchFamily="34" charset="0"/>
-              <a:buChar char="•"/>
-            </a:pPr>
-            <a:r>
-              <a:rPr lang="de-DE" dirty="0" smtClean="0"/>
-              <a:t>L </a:t>
-            </a:r>
-            <a:r>
-              <a:rPr lang="de-DE" dirty="0" err="1" smtClean="0"/>
-              <a:t>oop</a:t>
-            </a:r>
-            <a:endParaRPr lang="de-DE" dirty="0" smtClean="0"/>
-          </a:p>
-          <a:p>
-            <a:pPr marL="285750" indent="-285750">
-              <a:buFont typeface="Arial" pitchFamily="34" charset="0"/>
-              <a:buChar char="•"/>
-            </a:pPr>
-            <a:endParaRPr lang="de-DE" dirty="0"/>
-          </a:p>
-          <a:p>
-            <a:r>
-              <a:rPr lang="de-DE" dirty="0" smtClean="0"/>
-              <a:t>Was wir eingeben wird gelesen, evaluiert, das Ergebnis wird ausgegeben und dann das ganze von vorne (Loop)</a:t>
-            </a:r>
-          </a:p>
-          <a:p>
-            <a:pPr marL="285750" indent="-285750">
-              <a:buFont typeface="Arial" pitchFamily="34" charset="0"/>
-              <a:buChar char="•"/>
-            </a:pPr>
-            <a:endParaRPr lang="de-DE" dirty="0"/>
-          </a:p>
-          <a:p>
-            <a:r>
-              <a:rPr lang="de-DE" dirty="0" smtClean="0"/>
-              <a:t>Aber bitte nicht </a:t>
-            </a:r>
-            <a:r>
-              <a:rPr lang="de-DE" dirty="0" err="1" smtClean="0"/>
-              <a:t>entäuscht</a:t>
-            </a:r>
-            <a:r>
-              <a:rPr lang="de-DE" dirty="0" smtClean="0"/>
-              <a:t> sein, eine </a:t>
-            </a:r>
-            <a:r>
-              <a:rPr lang="de-DE" dirty="0" err="1" smtClean="0"/>
-              <a:t>Repl</a:t>
-            </a:r>
-            <a:r>
-              <a:rPr lang="de-DE" dirty="0" smtClean="0"/>
-              <a:t> ist in Prinzip eine Command Shell (oder auch Dos Box)</a:t>
-            </a:r>
-            <a:endParaRPr lang="de-DE" dirty="0"/>
+        </p:txBody>
+      </p:sp>
+      <p:sp>
+        <p:nvSpPr>
+          <p:cNvPr id="6" name="TextBox 5"/>
+          <p:cNvSpPr txBox="1"/>
+          <p:nvPr/>
+        </p:nvSpPr>
+        <p:spPr>
+          <a:xfrm>
+            <a:off x="467544" y="6453336"/>
+            <a:ext cx="1296144" cy="369332"/>
+          </a:xfrm>
+          <a:prstGeom prst="rect">
+            <a:avLst/>
+          </a:prstGeom>
+          <a:noFill/>
+        </p:spPr>
+        <p:txBody>
+          <a:bodyPr wrap="square" rtlCol="0">
+            <a:spAutoFit/>
+          </a:bodyPr>
+          <a:lstStyle/>
+          <a:p>
+            <a:r>
+              <a:rPr lang="de-DE" dirty="0" err="1" smtClean="0">
+                <a:solidFill>
+                  <a:schemeClr val="bg1"/>
+                </a:solidFill>
+              </a:rPr>
+              <a:t>Interop</a:t>
+            </a:r>
+            <a:endParaRPr lang="de-DE" dirty="0">
+              <a:solidFill>
+                <a:schemeClr val="bg1"/>
+              </a:solidFill>
+            </a:endParaRPr>
           </a:p>
         </p:txBody>
       </p:sp>
     </p:spTree>
     <p:extLst>
       <p:ext uri="{BB962C8B-B14F-4D97-AF65-F5344CB8AC3E}">
-        <p14:creationId xmlns:p14="http://schemas.microsoft.com/office/powerpoint/2010/main" val="2572391225"/>
+        <p14:creationId xmlns:p14="http://schemas.microsoft.com/office/powerpoint/2010/main" val="1116431559"/>
       </p:ext>
     </p:extLst>
   </p:cSld>
   <p:clrMapOvr>
     <a:masterClrMapping/>
   </p:clrMapOvr>
-  <p:timing>
-    <p:tnLst>
-      <p:par>
-        <p:cTn id="1" dur="indefinite" restart="never" nodeType="tmRoot"/>
-      </p:par>
-    </p:tnLst>
-  </p:timing>
 </p:sld>
 </file>
 
@@ -4557,14 +4853,14 @@
       </p:grpSpPr>
       <p:sp>
         <p:nvSpPr>
-          <p:cNvPr id="2" name="Textfeld 1"/>
+          <p:cNvPr id="4" name="TextBox 3"/>
           <p:cNvSpPr txBox="1"/>
           <p:nvPr/>
         </p:nvSpPr>
         <p:spPr>
           <a:xfrm>
-            <a:off x="1115616" y="620688"/>
-            <a:ext cx="7560840" cy="2862322"/>
+            <a:off x="755576" y="1052736"/>
+            <a:ext cx="5616624" cy="1200329"/>
           </a:xfrm>
           <a:prstGeom prst="rect">
             <a:avLst/>
@@ -4578,107 +4874,176 @@
           <a:lstStyle/>
           <a:p>
             <a:r>
-              <a:rPr lang="de-DE" dirty="0" smtClean="0"/>
-              <a:t>Erste Schritte an der </a:t>
+              <a:rPr lang="de-DE" dirty="0" err="1" smtClean="0"/>
+              <a:t>Interop</a:t>
+            </a:r>
+            <a:r>
+              <a:rPr lang="de-DE" dirty="0" smtClean="0"/>
+              <a:t> mit .NET</a:t>
+            </a:r>
+          </a:p>
+          <a:p>
+            <a:endParaRPr lang="de-DE" dirty="0"/>
+          </a:p>
+          <a:p>
+            <a:r>
+              <a:rPr lang="de-DE" dirty="0" smtClean="0"/>
+              <a:t>Aufruf von </a:t>
+            </a:r>
+            <a:r>
+              <a:rPr lang="de-DE" dirty="0" err="1" smtClean="0"/>
+              <a:t>Konstruktoren</a:t>
+            </a:r>
+            <a:endParaRPr lang="de-DE" dirty="0" smtClean="0"/>
+          </a:p>
+          <a:p>
+            <a:r>
+              <a:rPr lang="de-DE" dirty="0"/>
+              <a:t>(</a:t>
+            </a:r>
+            <a:r>
+              <a:rPr lang="de-DE" dirty="0" err="1" smtClean="0"/>
+              <a:t>Classname</a:t>
+            </a:r>
+            <a:r>
+              <a:rPr lang="de-DE" dirty="0"/>
+              <a:t>.</a:t>
+            </a:r>
+            <a:r>
+              <a:rPr lang="de-DE" dirty="0" smtClean="0"/>
+              <a:t> </a:t>
+            </a:r>
+            <a:r>
+              <a:rPr lang="de-DE" dirty="0" err="1"/>
+              <a:t>args</a:t>
+            </a:r>
+            <a:r>
+              <a:rPr lang="de-DE" dirty="0"/>
+              <a:t>*)</a:t>
+            </a:r>
+            <a:endParaRPr lang="de-DE" dirty="0"/>
+          </a:p>
+        </p:txBody>
+      </p:sp>
+      <p:sp>
+        <p:nvSpPr>
+          <p:cNvPr id="5" name="TextBox 4"/>
+          <p:cNvSpPr txBox="1"/>
+          <p:nvPr/>
+        </p:nvSpPr>
+        <p:spPr>
+          <a:xfrm>
+            <a:off x="755576" y="2636912"/>
+            <a:ext cx="4536504" cy="2031325"/>
+          </a:xfrm>
+          <a:prstGeom prst="rect">
+            <a:avLst/>
+          </a:prstGeom>
+          <a:noFill/>
+        </p:spPr>
+        <p:txBody>
+          <a:bodyPr wrap="square" rtlCol="0">
+            <a:spAutoFit/>
+          </a:bodyPr>
+          <a:lstStyle/>
+          <a:p>
+            <a:r>
+              <a:rPr lang="de-DE" dirty="0" smtClean="0"/>
+              <a:t>Beispiel</a:t>
+            </a:r>
+          </a:p>
+          <a:p>
+            <a:endParaRPr lang="de-DE" dirty="0"/>
+          </a:p>
+          <a:p>
+            <a:r>
+              <a:rPr lang="de-DE" dirty="0" smtClean="0"/>
+              <a:t>In C#</a:t>
+            </a:r>
+            <a:endParaRPr lang="de-DE" dirty="0"/>
+          </a:p>
+          <a:p>
+            <a:r>
+              <a:rPr lang="pl-PL" dirty="0"/>
+              <a:t>Uri u = new Uri("http://google.de");</a:t>
+            </a:r>
+            <a:endParaRPr lang="de-DE" dirty="0" smtClean="0"/>
+          </a:p>
+          <a:p>
+            <a:endParaRPr lang="de-DE" dirty="0"/>
+          </a:p>
+          <a:p>
+            <a:r>
+              <a:rPr lang="de-DE" dirty="0" smtClean="0"/>
+              <a:t>In </a:t>
             </a:r>
             <a:r>
               <a:rPr lang="de-DE" dirty="0" err="1" smtClean="0"/>
               <a:t>Clojure</a:t>
             </a:r>
-            <a:r>
-              <a:rPr lang="de-DE" dirty="0" smtClean="0"/>
-              <a:t> </a:t>
-            </a:r>
-            <a:r>
-              <a:rPr lang="de-DE" dirty="0" err="1" smtClean="0"/>
-              <a:t>Repl</a:t>
-            </a:r>
             <a:endParaRPr lang="de-DE" dirty="0" smtClean="0"/>
           </a:p>
           <a:p>
-            <a:endParaRPr lang="de-DE" dirty="0" smtClean="0"/>
-          </a:p>
-          <a:p>
-            <a:r>
-              <a:rPr lang="de-DE" dirty="0" smtClean="0"/>
-              <a:t>Vereinfachung</a:t>
+            <a:r>
+              <a:rPr lang="de-DE" dirty="0"/>
+              <a:t>(Uri. </a:t>
+            </a:r>
+            <a:r>
+              <a:rPr lang="de-DE"/>
+              <a:t>"http://www.google.de")</a:t>
             </a:r>
             <a:endParaRPr lang="de-DE" dirty="0"/>
           </a:p>
-          <a:p>
-            <a:r>
-              <a:rPr lang="de-DE" dirty="0" smtClean="0"/>
-              <a:t>Ein </a:t>
-            </a:r>
-            <a:r>
-              <a:rPr lang="de-DE" dirty="0"/>
-              <a:t>P</a:t>
-            </a:r>
-            <a:r>
-              <a:rPr lang="de-DE" dirty="0" smtClean="0"/>
-              <a:t>rogramm ist eine Liste, der erste Eintrag dieser List ist ein Befehl, alle weiteren Parameter.</a:t>
-            </a:r>
-          </a:p>
-          <a:p>
-            <a:endParaRPr lang="de-DE" dirty="0"/>
-          </a:p>
-          <a:p>
-            <a:r>
-              <a:rPr lang="de-DE" dirty="0" err="1" smtClean="0"/>
-              <a:t>Bsp</a:t>
-            </a:r>
-            <a:r>
-              <a:rPr lang="de-DE" dirty="0" smtClean="0"/>
-              <a:t>:</a:t>
-            </a:r>
-          </a:p>
-          <a:p>
-            <a:endParaRPr lang="de-DE" dirty="0"/>
-          </a:p>
-          <a:p>
-            <a:r>
-              <a:rPr lang="de-DE" dirty="0" smtClean="0"/>
-              <a:t>(</a:t>
-            </a:r>
-            <a:r>
-              <a:rPr lang="de-DE" dirty="0" err="1" smtClean="0"/>
-              <a:t>println</a:t>
-            </a:r>
-            <a:r>
-              <a:rPr lang="de-DE" dirty="0" smtClean="0"/>
-              <a:t> „</a:t>
-            </a:r>
-            <a:r>
-              <a:rPr lang="de-DE" dirty="0" err="1" smtClean="0"/>
-              <a:t>Hello</a:t>
-            </a:r>
-            <a:r>
-              <a:rPr lang="de-DE" dirty="0" smtClean="0"/>
-              <a:t>“ „World“)</a:t>
-            </a:r>
-          </a:p>
-          <a:p>
-            <a:endParaRPr lang="de-DE" dirty="0"/>
+        </p:txBody>
+      </p:sp>
+      <p:sp>
+        <p:nvSpPr>
+          <p:cNvPr id="6" name="TextBox 5"/>
+          <p:cNvSpPr txBox="1"/>
+          <p:nvPr/>
+        </p:nvSpPr>
+        <p:spPr>
+          <a:xfrm>
+            <a:off x="467544" y="6453336"/>
+            <a:ext cx="1296144" cy="369332"/>
+          </a:xfrm>
+          <a:prstGeom prst="rect">
+            <a:avLst/>
+          </a:prstGeom>
+          <a:noFill/>
+        </p:spPr>
+        <p:txBody>
+          <a:bodyPr wrap="square" rtlCol="0">
+            <a:spAutoFit/>
+          </a:bodyPr>
+          <a:lstStyle/>
+          <a:p>
+            <a:r>
+              <a:rPr lang="de-DE" dirty="0" err="1" smtClean="0">
+                <a:solidFill>
+                  <a:schemeClr val="bg1"/>
+                </a:solidFill>
+              </a:rPr>
+              <a:t>Interop</a:t>
+            </a:r>
+            <a:endParaRPr lang="de-DE" dirty="0">
+              <a:solidFill>
+                <a:schemeClr val="bg1"/>
+              </a:solidFill>
+            </a:endParaRPr>
           </a:p>
         </p:txBody>
       </p:sp>
     </p:spTree>
     <p:extLst>
       <p:ext uri="{BB962C8B-B14F-4D97-AF65-F5344CB8AC3E}">
-        <p14:creationId xmlns:p14="http://schemas.microsoft.com/office/powerpoint/2010/main" val="1716392080"/>
+        <p14:creationId xmlns:p14="http://schemas.microsoft.com/office/powerpoint/2010/main" val="1021287965"/>
       </p:ext>
     </p:extLst>
   </p:cSld>
   <p:clrMapOvr>
     <a:masterClrMapping/>
   </p:clrMapOvr>
-  <p:timing>
-    <p:tnLst>
-      <p:par>
-        <p:cTn id="1" dur="indefinite" restart="never" nodeType="tmRoot"/>
-      </p:par>
-    </p:tnLst>
-  </p:timing>
 </p:sld>
 </file>
 
@@ -4707,8 +5072,8 @@
         </p:nvSpPr>
         <p:spPr>
           <a:xfrm>
-            <a:off x="899592" y="836712"/>
-            <a:ext cx="5256584" cy="4801314"/>
+            <a:off x="899592" y="548680"/>
+            <a:ext cx="6984776" cy="3416320"/>
           </a:xfrm>
           <a:prstGeom prst="rect">
             <a:avLst/>
@@ -4721,29 +5086,42 @@
           </a:bodyPr>
           <a:lstStyle/>
           <a:p>
+            <a:r>
+              <a:rPr lang="de-DE" dirty="0" smtClean="0"/>
+              <a:t>Die verschiedenen Stufen des Lernens </a:t>
+            </a:r>
+            <a:r>
+              <a:rPr lang="de-DE" dirty="0" smtClean="0">
+                <a:sym typeface="Wingdings" pitchFamily="2" charset="2"/>
+              </a:rPr>
+              <a:t></a:t>
+            </a:r>
+          </a:p>
+          <a:p>
+            <a:endParaRPr lang="de-DE" dirty="0">
+              <a:sym typeface="Wingdings" pitchFamily="2" charset="2"/>
+            </a:endParaRPr>
+          </a:p>
+          <a:p>
             <a:pPr marL="285750" indent="-285750">
               <a:buFont typeface="Arial" pitchFamily="34" charset="0"/>
               <a:buChar char="•"/>
             </a:pPr>
             <a:r>
-              <a:rPr lang="de-DE" dirty="0" smtClean="0"/>
-              <a:t>Bild </a:t>
-            </a:r>
-            <a:r>
-              <a:rPr lang="de-DE" dirty="0" err="1" smtClean="0"/>
-              <a:t>Hickey</a:t>
-            </a:r>
-            <a:endParaRPr lang="de-DE" dirty="0" smtClean="0"/>
+              <a:rPr lang="de-DE" dirty="0" smtClean="0">
+                <a:sym typeface="Wingdings" pitchFamily="2" charset="2"/>
+              </a:rPr>
+              <a:t>Was machen die da und warum geht das überhaupt???  (Verwirrung)</a:t>
+            </a:r>
           </a:p>
           <a:p>
             <a:pPr marL="285750" indent="-285750">
               <a:buFont typeface="Arial" pitchFamily="34" charset="0"/>
               <a:buChar char="•"/>
             </a:pPr>
-            <a:r>
-              <a:rPr lang="de-DE" dirty="0" smtClean="0"/>
-              <a:t>Allgemeines Layout</a:t>
-            </a:r>
+            <a:endParaRPr lang="de-DE" dirty="0" smtClean="0">
+              <a:sym typeface="Wingdings" pitchFamily="2" charset="2"/>
+            </a:endParaRPr>
           </a:p>
           <a:p>
             <a:pPr marL="285750" indent="-285750">
@@ -4751,8 +5129,22 @@
               <a:buChar char="•"/>
             </a:pPr>
             <a:r>
-              <a:rPr lang="de-DE" dirty="0" smtClean="0"/>
-              <a:t>Cooles Bild über klammern</a:t>
+              <a:rPr lang="de-DE" dirty="0" smtClean="0">
+                <a:sym typeface="Wingdings" pitchFamily="2" charset="2"/>
+              </a:rPr>
+              <a:t>Die machen da was! </a:t>
+            </a:r>
+            <a:r>
+              <a:rPr lang="de-DE" dirty="0">
+                <a:sym typeface="Wingdings" pitchFamily="2" charset="2"/>
+              </a:rPr>
+              <a:t>D</a:t>
+            </a:r>
+            <a:r>
+              <a:rPr lang="de-DE" dirty="0" smtClean="0">
+                <a:sym typeface="Wingdings" pitchFamily="2" charset="2"/>
+              </a:rPr>
+              <a:t>as will ich auch. Ich weiß aber nicht so richtig wie!</a:t>
             </a:r>
           </a:p>
           <a:p>
@@ -4760,10 +5152,9 @@
               <a:buFont typeface="Arial" pitchFamily="34" charset="0"/>
               <a:buChar char="•"/>
             </a:pPr>
-            <a:r>
-              <a:rPr lang="de-DE" dirty="0" smtClean="0"/>
-              <a:t>Basis Daten Typen</a:t>
-            </a:r>
+            <a:endParaRPr lang="de-DE" dirty="0" smtClean="0">
+              <a:sym typeface="Wingdings" pitchFamily="2" charset="2"/>
+            </a:endParaRPr>
           </a:p>
           <a:p>
             <a:pPr marL="285750" indent="-285750">
@@ -4771,24 +5162,20 @@
               <a:buChar char="•"/>
             </a:pPr>
             <a:r>
-              <a:rPr lang="de-DE" dirty="0" smtClean="0"/>
-              <a:t>Daten </a:t>
-            </a:r>
-            <a:r>
-              <a:rPr lang="de-DE" dirty="0" err="1" smtClean="0"/>
-              <a:t>Struckturen</a:t>
-            </a:r>
-            <a:endParaRPr lang="de-DE" dirty="0" smtClean="0"/>
+              <a:rPr lang="de-DE" dirty="0" smtClean="0">
+                <a:sym typeface="Wingdings" pitchFamily="2" charset="2"/>
+              </a:rPr>
+              <a:t>Ich mache das jetzt auch, aber es ist noch schwierig!</a:t>
+            </a:r>
           </a:p>
           <a:p>
             <a:pPr marL="285750" indent="-285750">
               <a:buFont typeface="Arial" pitchFamily="34" charset="0"/>
               <a:buChar char="•"/>
             </a:pPr>
-            <a:r>
-              <a:rPr lang="de-DE" dirty="0" smtClean="0"/>
-              <a:t>Fragestellung wo die einzelnen Leute stehen, was benutzen Sie für Technologien</a:t>
-            </a:r>
+            <a:endParaRPr lang="de-DE" dirty="0">
+              <a:sym typeface="Wingdings" pitchFamily="2" charset="2"/>
+            </a:endParaRPr>
           </a:p>
           <a:p>
             <a:pPr marL="285750" indent="-285750">
@@ -4796,12 +5183,10 @@
               <a:buChar char="•"/>
             </a:pPr>
             <a:r>
-              <a:rPr lang="de-DE" dirty="0" err="1" smtClean="0"/>
-              <a:t>Clojure</a:t>
-            </a:r>
-            <a:r>
-              <a:rPr lang="de-DE" dirty="0" smtClean="0"/>
-              <a:t> Timeline</a:t>
+              <a:rPr lang="de-DE" dirty="0" smtClean="0">
+                <a:sym typeface="Wingdings" pitchFamily="2" charset="2"/>
+              </a:rPr>
+              <a:t>Ich mache das jetzt auch und zwar ganz selbstverständlich!</a:t>
             </a:r>
           </a:p>
           <a:p>
@@ -4809,144 +5194,6 @@
               <a:buFont typeface="Arial" pitchFamily="34" charset="0"/>
               <a:buChar char="•"/>
             </a:pPr>
-            <a:r>
-              <a:rPr lang="de-DE" dirty="0" err="1" smtClean="0"/>
-              <a:t>Immuteability</a:t>
-            </a:r>
-            <a:endParaRPr lang="de-DE" dirty="0" smtClean="0"/>
-          </a:p>
-          <a:p>
-            <a:pPr marL="285750" indent="-285750">
-              <a:buFont typeface="Arial" pitchFamily="34" charset="0"/>
-              <a:buChar char="•"/>
-            </a:pPr>
-            <a:r>
-              <a:rPr lang="de-DE" dirty="0" smtClean="0"/>
-              <a:t>(Power -&gt; JVM/CLR/JS, </a:t>
-            </a:r>
-            <a:r>
-              <a:rPr lang="de-DE" dirty="0" err="1" smtClean="0"/>
-              <a:t>Robustness</a:t>
-            </a:r>
-            <a:r>
-              <a:rPr lang="de-DE" dirty="0" smtClean="0"/>
-              <a:t> -&gt; </a:t>
-            </a:r>
-            <a:r>
-              <a:rPr lang="de-DE" dirty="0" err="1" smtClean="0"/>
-              <a:t>functional</a:t>
-            </a:r>
-            <a:r>
-              <a:rPr lang="de-DE" dirty="0" smtClean="0"/>
-              <a:t>, </a:t>
-            </a:r>
-            <a:r>
-              <a:rPr lang="de-DE" dirty="0" err="1" smtClean="0"/>
-              <a:t>Concurrency</a:t>
-            </a:r>
-            <a:r>
-              <a:rPr lang="de-DE" dirty="0" smtClean="0"/>
-              <a:t> -&gt; STM, Focus -&gt; Lisp)</a:t>
-            </a:r>
-          </a:p>
-          <a:p>
-            <a:pPr marL="285750" indent="-285750">
-              <a:buFont typeface="Arial" pitchFamily="34" charset="0"/>
-              <a:buChar char="•"/>
-            </a:pPr>
-            <a:r>
-              <a:rPr lang="de-DE" dirty="0" err="1" smtClean="0"/>
-              <a:t>Function</a:t>
-            </a:r>
-            <a:r>
-              <a:rPr lang="de-DE" dirty="0" smtClean="0"/>
-              <a:t> </a:t>
-            </a:r>
-            <a:r>
-              <a:rPr lang="de-DE" dirty="0" err="1" smtClean="0"/>
-              <a:t>definitions</a:t>
-            </a:r>
-            <a:endParaRPr lang="de-DE" dirty="0" smtClean="0"/>
-          </a:p>
-          <a:p>
-            <a:pPr marL="285750" indent="-285750">
-              <a:buFont typeface="Arial" pitchFamily="34" charset="0"/>
-              <a:buChar char="•"/>
-            </a:pPr>
-            <a:r>
-              <a:rPr lang="de-DE" dirty="0" err="1" smtClean="0"/>
-              <a:t>Function</a:t>
-            </a:r>
-            <a:r>
-              <a:rPr lang="de-DE" dirty="0" smtClean="0"/>
-              <a:t> </a:t>
-            </a:r>
-            <a:r>
-              <a:rPr lang="de-DE" dirty="0" err="1" smtClean="0"/>
-              <a:t>naming</a:t>
-            </a:r>
-            <a:r>
-              <a:rPr lang="de-DE" dirty="0" smtClean="0"/>
-              <a:t> </a:t>
-            </a:r>
-            <a:r>
-              <a:rPr lang="de-DE" dirty="0" err="1" smtClean="0"/>
-              <a:t>convention</a:t>
-            </a:r>
-            <a:r>
-              <a:rPr lang="de-DE" dirty="0" smtClean="0"/>
-              <a:t> </a:t>
-            </a:r>
-            <a:r>
-              <a:rPr lang="de-DE" dirty="0" err="1" smtClean="0"/>
-              <a:t>even</a:t>
-            </a:r>
-            <a:r>
-              <a:rPr lang="de-DE" dirty="0" smtClean="0"/>
-              <a:t>?</a:t>
-            </a:r>
-          </a:p>
-          <a:p>
-            <a:pPr marL="285750" indent="-285750">
-              <a:buFont typeface="Arial" pitchFamily="34" charset="0"/>
-              <a:buChar char="•"/>
-            </a:pPr>
-            <a:r>
-              <a:rPr lang="de-DE" dirty="0" smtClean="0"/>
-              <a:t>Sample .Net Samples </a:t>
-            </a:r>
-            <a:r>
-              <a:rPr lang="de-DE" dirty="0" err="1" smtClean="0"/>
-              <a:t>vs</a:t>
-            </a:r>
-            <a:r>
-              <a:rPr lang="de-DE" dirty="0" smtClean="0"/>
-              <a:t> </a:t>
-            </a:r>
-            <a:r>
-              <a:rPr lang="de-DE" dirty="0" err="1" smtClean="0"/>
-              <a:t>Clojure</a:t>
-            </a:r>
-            <a:r>
-              <a:rPr lang="de-DE" smtClean="0"/>
-              <a:t> Samples</a:t>
-            </a:r>
-          </a:p>
-          <a:p>
-            <a:pPr marL="285750" indent="-285750">
-              <a:buFont typeface="Arial" pitchFamily="34" charset="0"/>
-              <a:buChar char="•"/>
-            </a:pPr>
-            <a:endParaRPr lang="de-DE" dirty="0" smtClean="0"/>
-          </a:p>
-          <a:p>
-            <a:pPr marL="285750" indent="-285750">
-              <a:buFont typeface="Arial" pitchFamily="34" charset="0"/>
-              <a:buChar char="•"/>
-            </a:pPr>
-            <a:endParaRPr lang="de-DE" dirty="0" smtClean="0"/>
-          </a:p>
-          <a:p>
             <a:endParaRPr lang="de-DE" dirty="0"/>
           </a:p>
         </p:txBody>
@@ -4954,7 +5201,7 @@
     </p:spTree>
     <p:extLst>
       <p:ext uri="{BB962C8B-B14F-4D97-AF65-F5344CB8AC3E}">
-        <p14:creationId xmlns:p14="http://schemas.microsoft.com/office/powerpoint/2010/main" val="2593401078"/>
+        <p14:creationId xmlns:p14="http://schemas.microsoft.com/office/powerpoint/2010/main" val="4274948650"/>
       </p:ext>
     </p:extLst>
   </p:cSld>
@@ -4988,10 +5235,262 @@
           <a:chExt cx="0" cy="0"/>
         </a:xfrm>
       </p:grpSpPr>
+      <p:sp>
+        <p:nvSpPr>
+          <p:cNvPr id="4" name="Textfeld 3"/>
+          <p:cNvSpPr txBox="1"/>
+          <p:nvPr/>
+        </p:nvSpPr>
+        <p:spPr>
+          <a:xfrm>
+            <a:off x="899592" y="836712"/>
+            <a:ext cx="5256584" cy="4801314"/>
+          </a:xfrm>
+          <a:prstGeom prst="rect">
+            <a:avLst/>
+          </a:prstGeom>
+          <a:noFill/>
+        </p:spPr>
+        <p:txBody>
+          <a:bodyPr wrap="square" rtlCol="0">
+            <a:spAutoFit/>
+          </a:bodyPr>
+          <a:lstStyle/>
+          <a:p>
+            <a:pPr marL="285750" indent="-285750">
+              <a:buFont typeface="Arial" pitchFamily="34" charset="0"/>
+              <a:buChar char="•"/>
+            </a:pPr>
+            <a:r>
+              <a:rPr lang="de-DE" dirty="0" smtClean="0"/>
+              <a:t>Bild </a:t>
+            </a:r>
+            <a:r>
+              <a:rPr lang="de-DE" dirty="0" err="1" smtClean="0"/>
+              <a:t>Hickey</a:t>
+            </a:r>
+            <a:endParaRPr lang="de-DE" dirty="0" smtClean="0"/>
+          </a:p>
+          <a:p>
+            <a:pPr marL="285750" indent="-285750">
+              <a:buFont typeface="Arial" pitchFamily="34" charset="0"/>
+              <a:buChar char="•"/>
+            </a:pPr>
+            <a:r>
+              <a:rPr lang="de-DE" dirty="0" smtClean="0"/>
+              <a:t>Allgemeines Layout</a:t>
+            </a:r>
+          </a:p>
+          <a:p>
+            <a:pPr marL="285750" indent="-285750">
+              <a:buFont typeface="Arial" pitchFamily="34" charset="0"/>
+              <a:buChar char="•"/>
+            </a:pPr>
+            <a:r>
+              <a:rPr lang="de-DE" dirty="0" smtClean="0"/>
+              <a:t>Cooles Bild über klammern</a:t>
+            </a:r>
+          </a:p>
+          <a:p>
+            <a:pPr marL="285750" indent="-285750">
+              <a:buFont typeface="Arial" pitchFamily="34" charset="0"/>
+              <a:buChar char="•"/>
+            </a:pPr>
+            <a:r>
+              <a:rPr lang="de-DE" dirty="0" smtClean="0"/>
+              <a:t>Basis Daten Typen</a:t>
+            </a:r>
+          </a:p>
+          <a:p>
+            <a:pPr marL="285750" indent="-285750">
+              <a:buFont typeface="Arial" pitchFamily="34" charset="0"/>
+              <a:buChar char="•"/>
+            </a:pPr>
+            <a:r>
+              <a:rPr lang="de-DE" dirty="0" smtClean="0"/>
+              <a:t>Daten </a:t>
+            </a:r>
+            <a:r>
+              <a:rPr lang="de-DE" dirty="0" err="1" smtClean="0"/>
+              <a:t>Struckturen</a:t>
+            </a:r>
+            <a:endParaRPr lang="de-DE" dirty="0" smtClean="0"/>
+          </a:p>
+          <a:p>
+            <a:pPr marL="285750" indent="-285750">
+              <a:buFont typeface="Arial" pitchFamily="34" charset="0"/>
+              <a:buChar char="•"/>
+            </a:pPr>
+            <a:r>
+              <a:rPr lang="de-DE" dirty="0" smtClean="0"/>
+              <a:t>Fragestellung wo die einzelnen Leute stehen, was benutzen Sie für Technologien</a:t>
+            </a:r>
+          </a:p>
+          <a:p>
+            <a:pPr marL="285750" indent="-285750">
+              <a:buFont typeface="Arial" pitchFamily="34" charset="0"/>
+              <a:buChar char="•"/>
+            </a:pPr>
+            <a:r>
+              <a:rPr lang="de-DE" dirty="0" err="1" smtClean="0"/>
+              <a:t>Clojure</a:t>
+            </a:r>
+            <a:r>
+              <a:rPr lang="de-DE" dirty="0" smtClean="0"/>
+              <a:t> Timeline</a:t>
+            </a:r>
+          </a:p>
+          <a:p>
+            <a:pPr marL="285750" indent="-285750">
+              <a:buFont typeface="Arial" pitchFamily="34" charset="0"/>
+              <a:buChar char="•"/>
+            </a:pPr>
+            <a:r>
+              <a:rPr lang="de-DE" dirty="0" err="1" smtClean="0"/>
+              <a:t>Immuteability</a:t>
+            </a:r>
+            <a:endParaRPr lang="de-DE" dirty="0" smtClean="0"/>
+          </a:p>
+          <a:p>
+            <a:pPr marL="285750" indent="-285750">
+              <a:buFont typeface="Arial" pitchFamily="34" charset="0"/>
+              <a:buChar char="•"/>
+            </a:pPr>
+            <a:r>
+              <a:rPr lang="de-DE" dirty="0" smtClean="0"/>
+              <a:t>(Power -&gt; JVM/CLR/JS, </a:t>
+            </a:r>
+            <a:r>
+              <a:rPr lang="de-DE" dirty="0" err="1" smtClean="0"/>
+              <a:t>Robustness</a:t>
+            </a:r>
+            <a:r>
+              <a:rPr lang="de-DE" dirty="0" smtClean="0"/>
+              <a:t> -&gt; </a:t>
+            </a:r>
+            <a:r>
+              <a:rPr lang="de-DE" dirty="0" err="1" smtClean="0"/>
+              <a:t>functional</a:t>
+            </a:r>
+            <a:r>
+              <a:rPr lang="de-DE" dirty="0" smtClean="0"/>
+              <a:t>, </a:t>
+            </a:r>
+            <a:r>
+              <a:rPr lang="de-DE" dirty="0" err="1" smtClean="0"/>
+              <a:t>Concurrency</a:t>
+            </a:r>
+            <a:r>
+              <a:rPr lang="de-DE" dirty="0" smtClean="0"/>
+              <a:t> -&gt; STM, Focus -&gt; Lisp)</a:t>
+            </a:r>
+          </a:p>
+          <a:p>
+            <a:pPr marL="285750" indent="-285750">
+              <a:buFont typeface="Arial" pitchFamily="34" charset="0"/>
+              <a:buChar char="•"/>
+            </a:pPr>
+            <a:r>
+              <a:rPr lang="de-DE" dirty="0" err="1" smtClean="0"/>
+              <a:t>Function</a:t>
+            </a:r>
+            <a:r>
+              <a:rPr lang="de-DE" dirty="0" smtClean="0"/>
+              <a:t> </a:t>
+            </a:r>
+            <a:r>
+              <a:rPr lang="de-DE" dirty="0" err="1" smtClean="0"/>
+              <a:t>definitions</a:t>
+            </a:r>
+            <a:endParaRPr lang="de-DE" dirty="0" smtClean="0"/>
+          </a:p>
+          <a:p>
+            <a:pPr marL="285750" indent="-285750">
+              <a:buFont typeface="Arial" pitchFamily="34" charset="0"/>
+              <a:buChar char="•"/>
+            </a:pPr>
+            <a:r>
+              <a:rPr lang="de-DE" dirty="0" err="1" smtClean="0"/>
+              <a:t>Function</a:t>
+            </a:r>
+            <a:r>
+              <a:rPr lang="de-DE" dirty="0" smtClean="0"/>
+              <a:t> </a:t>
+            </a:r>
+            <a:r>
+              <a:rPr lang="de-DE" dirty="0" err="1" smtClean="0"/>
+              <a:t>naming</a:t>
+            </a:r>
+            <a:r>
+              <a:rPr lang="de-DE" dirty="0" smtClean="0"/>
+              <a:t> </a:t>
+            </a:r>
+            <a:r>
+              <a:rPr lang="de-DE" dirty="0" err="1" smtClean="0"/>
+              <a:t>convention</a:t>
+            </a:r>
+            <a:r>
+              <a:rPr lang="de-DE" dirty="0" smtClean="0"/>
+              <a:t> </a:t>
+            </a:r>
+            <a:r>
+              <a:rPr lang="de-DE" dirty="0" err="1" smtClean="0"/>
+              <a:t>even</a:t>
+            </a:r>
+            <a:r>
+              <a:rPr lang="de-DE" dirty="0" smtClean="0"/>
+              <a:t>?</a:t>
+            </a:r>
+          </a:p>
+          <a:p>
+            <a:pPr marL="285750" indent="-285750">
+              <a:buFont typeface="Arial" pitchFamily="34" charset="0"/>
+              <a:buChar char="•"/>
+            </a:pPr>
+            <a:r>
+              <a:rPr lang="de-DE" dirty="0" smtClean="0"/>
+              <a:t>Sample .Net Samples </a:t>
+            </a:r>
+            <a:r>
+              <a:rPr lang="de-DE" dirty="0" err="1" smtClean="0"/>
+              <a:t>vs</a:t>
+            </a:r>
+            <a:r>
+              <a:rPr lang="de-DE" dirty="0" smtClean="0"/>
+              <a:t> </a:t>
+            </a:r>
+            <a:r>
+              <a:rPr lang="de-DE" dirty="0" err="1" smtClean="0"/>
+              <a:t>Clojure</a:t>
+            </a:r>
+            <a:r>
+              <a:rPr lang="de-DE" smtClean="0"/>
+              <a:t> Samples</a:t>
+            </a:r>
+          </a:p>
+          <a:p>
+            <a:pPr marL="285750" indent="-285750">
+              <a:buFont typeface="Arial" pitchFamily="34" charset="0"/>
+              <a:buChar char="•"/>
+            </a:pPr>
+            <a:endParaRPr lang="de-DE" dirty="0" smtClean="0"/>
+          </a:p>
+          <a:p>
+            <a:pPr marL="285750" indent="-285750">
+              <a:buFont typeface="Arial" pitchFamily="34" charset="0"/>
+              <a:buChar char="•"/>
+            </a:pPr>
+            <a:endParaRPr lang="de-DE" dirty="0" smtClean="0"/>
+          </a:p>
+          <a:p>
+            <a:endParaRPr lang="de-DE" dirty="0"/>
+          </a:p>
+        </p:txBody>
+      </p:sp>
     </p:spTree>
     <p:extLst>
       <p:ext uri="{BB962C8B-B14F-4D97-AF65-F5344CB8AC3E}">
-        <p14:creationId xmlns:p14="http://schemas.microsoft.com/office/powerpoint/2010/main" val="3767194497"/>
+        <p14:creationId xmlns:p14="http://schemas.microsoft.com/office/powerpoint/2010/main" val="2593401078"/>
       </p:ext>
     </p:extLst>
   </p:cSld>

--- a/Clojure Vortrag .NET User Group.pptx
+++ b/Clojure Vortrag .NET User Group.pptx
@@ -5,7 +5,7 @@
     <p:sldMasterId id="2147483660" r:id="rId1"/>
   </p:sldMasterIdLst>
   <p:handoutMasterIdLst>
-    <p:handoutMasterId r:id="rId19"/>
+    <p:handoutMasterId r:id="rId21"/>
   </p:handoutMasterIdLst>
   <p:sldIdLst>
     <p:sldId id="256" r:id="rId2"/>
@@ -23,8 +23,10 @@
     <p:sldId id="275" r:id="rId14"/>
     <p:sldId id="276" r:id="rId15"/>
     <p:sldId id="277" r:id="rId16"/>
-    <p:sldId id="266" r:id="rId17"/>
-    <p:sldId id="261" r:id="rId18"/>
+    <p:sldId id="278" r:id="rId17"/>
+    <p:sldId id="279" r:id="rId18"/>
+    <p:sldId id="266" r:id="rId19"/>
+    <p:sldId id="261" r:id="rId20"/>
   </p:sldIdLst>
   <p:sldSz cx="9144000" cy="6858000" type="screen4x3"/>
   <p:notesSz cx="6794500" cy="9931400"/>
@@ -208,7 +210,7 @@
           <a:p>
             <a:fld id="{58A9EE8F-FFE1-47DD-9EB3-5670B774654C}" type="datetimeFigureOut">
               <a:rPr lang="de-DE" smtClean="0"/>
-              <a:t>18.09.2013</a:t>
+              <a:t>19.09.2013</a:t>
             </a:fld>
             <a:endParaRPr lang="de-DE"/>
           </a:p>
@@ -274,7 +276,7 @@
           <a:p>
             <a:fld id="{C97CDCA7-D373-48AA-BEEE-CC8D4007D189}" type="slidenum">
               <a:rPr lang="de-DE" smtClean="0"/>
-              <a:t>‹#›</a:t>
+              <a:t>‹Nr.›</a:t>
             </a:fld>
             <a:endParaRPr lang="de-DE"/>
           </a:p>
@@ -480,7 +482,7 @@
           <a:p>
             <a:fld id="{ED9750E0-CE15-4EC1-B1D0-C2B3694DFCFC}" type="datetimeFigureOut">
               <a:rPr lang="de-DE" smtClean="0"/>
-              <a:t>18.09.2013</a:t>
+              <a:t>19.09.2013</a:t>
             </a:fld>
             <a:endParaRPr lang="de-DE"/>
           </a:p>
@@ -503,7 +505,7 @@
           <a:p>
             <a:fld id="{739125D8-FD85-4FE8-A7C4-126F06AA89EA}" type="slidenum">
               <a:rPr lang="de-DE" smtClean="0"/>
-              <a:t>‹#›</a:t>
+              <a:t>‹Nr.›</a:t>
             </a:fld>
             <a:endParaRPr lang="de-DE"/>
           </a:p>
@@ -657,7 +659,7 @@
           <a:p>
             <a:fld id="{ED9750E0-CE15-4EC1-B1D0-C2B3694DFCFC}" type="datetimeFigureOut">
               <a:rPr lang="de-DE" smtClean="0"/>
-              <a:t>18.09.2013</a:t>
+              <a:t>19.09.2013</a:t>
             </a:fld>
             <a:endParaRPr lang="de-DE"/>
           </a:p>
@@ -699,7 +701,7 @@
           <a:p>
             <a:fld id="{739125D8-FD85-4FE8-A7C4-126F06AA89EA}" type="slidenum">
               <a:rPr lang="de-DE" smtClean="0"/>
-              <a:t>‹#›</a:t>
+              <a:t>‹Nr.›</a:t>
             </a:fld>
             <a:endParaRPr lang="de-DE"/>
           </a:p>
@@ -855,7 +857,7 @@
           <a:p>
             <a:fld id="{ED9750E0-CE15-4EC1-B1D0-C2B3694DFCFC}" type="datetimeFigureOut">
               <a:rPr lang="de-DE" smtClean="0"/>
-              <a:t>18.09.2013</a:t>
+              <a:t>19.09.2013</a:t>
             </a:fld>
             <a:endParaRPr lang="de-DE"/>
           </a:p>
@@ -897,7 +899,7 @@
           <a:p>
             <a:fld id="{739125D8-FD85-4FE8-A7C4-126F06AA89EA}" type="slidenum">
               <a:rPr lang="de-DE" smtClean="0"/>
-              <a:t>‹#›</a:t>
+              <a:t>‹Nr.›</a:t>
             </a:fld>
             <a:endParaRPr lang="de-DE"/>
           </a:p>
@@ -1009,7 +1011,7 @@
           <a:p>
             <a:fld id="{ED9750E0-CE15-4EC1-B1D0-C2B3694DFCFC}" type="datetimeFigureOut">
               <a:rPr lang="de-DE" smtClean="0"/>
-              <a:t>18.09.2013</a:t>
+              <a:t>19.09.2013</a:t>
             </a:fld>
             <a:endParaRPr lang="de-DE"/>
           </a:p>
@@ -1032,7 +1034,7 @@
           <a:p>
             <a:fld id="{739125D8-FD85-4FE8-A7C4-126F06AA89EA}" type="slidenum">
               <a:rPr lang="de-DE" smtClean="0"/>
-              <a:t>‹#›</a:t>
+              <a:t>‹Nr.›</a:t>
             </a:fld>
             <a:endParaRPr lang="de-DE"/>
           </a:p>
@@ -1284,7 +1286,7 @@
           <a:p>
             <a:fld id="{ED9750E0-CE15-4EC1-B1D0-C2B3694DFCFC}" type="datetimeFigureOut">
               <a:rPr lang="de-DE" smtClean="0"/>
-              <a:t>18.09.2013</a:t>
+              <a:t>19.09.2013</a:t>
             </a:fld>
             <a:endParaRPr lang="de-DE"/>
           </a:p>
@@ -1307,7 +1309,7 @@
           <a:p>
             <a:fld id="{739125D8-FD85-4FE8-A7C4-126F06AA89EA}" type="slidenum">
               <a:rPr lang="de-DE" smtClean="0"/>
-              <a:t>‹#›</a:t>
+              <a:t>‹Nr.›</a:t>
             </a:fld>
             <a:endParaRPr lang="de-DE"/>
           </a:p>
@@ -1583,7 +1585,7 @@
           <a:p>
             <a:fld id="{ED9750E0-CE15-4EC1-B1D0-C2B3694DFCFC}" type="datetimeFigureOut">
               <a:rPr lang="de-DE" smtClean="0"/>
-              <a:t>18.09.2013</a:t>
+              <a:t>19.09.2013</a:t>
             </a:fld>
             <a:endParaRPr lang="de-DE"/>
           </a:p>
@@ -1606,7 +1608,7 @@
           <a:p>
             <a:fld id="{739125D8-FD85-4FE8-A7C4-126F06AA89EA}" type="slidenum">
               <a:rPr lang="de-DE" smtClean="0"/>
-              <a:t>‹#›</a:t>
+              <a:t>‹Nr.›</a:t>
             </a:fld>
             <a:endParaRPr lang="de-DE"/>
           </a:p>
@@ -2025,7 +2027,7 @@
           <a:p>
             <a:fld id="{ED9750E0-CE15-4EC1-B1D0-C2B3694DFCFC}" type="datetimeFigureOut">
               <a:rPr lang="de-DE" smtClean="0"/>
-              <a:t>18.09.2013</a:t>
+              <a:t>19.09.2013</a:t>
             </a:fld>
             <a:endParaRPr lang="de-DE"/>
           </a:p>
@@ -2048,7 +2050,7 @@
           <a:p>
             <a:fld id="{739125D8-FD85-4FE8-A7C4-126F06AA89EA}" type="slidenum">
               <a:rPr lang="de-DE" smtClean="0"/>
-              <a:t>‹#›</a:t>
+              <a:t>‹Nr.›</a:t>
             </a:fld>
             <a:endParaRPr lang="de-DE"/>
           </a:p>
@@ -2132,7 +2134,7 @@
           <a:p>
             <a:fld id="{ED9750E0-CE15-4EC1-B1D0-C2B3694DFCFC}" type="datetimeFigureOut">
               <a:rPr lang="de-DE" smtClean="0"/>
-              <a:t>18.09.2013</a:t>
+              <a:t>19.09.2013</a:t>
             </a:fld>
             <a:endParaRPr lang="de-DE"/>
           </a:p>
@@ -2178,7 +2180,7 @@
           <a:p>
             <a:fld id="{739125D8-FD85-4FE8-A7C4-126F06AA89EA}" type="slidenum">
               <a:rPr lang="de-DE" smtClean="0"/>
-              <a:t>‹#›</a:t>
+              <a:t>‹Nr.›</a:t>
             </a:fld>
             <a:endParaRPr lang="de-DE"/>
           </a:p>
@@ -2252,7 +2254,7 @@
           <a:p>
             <a:fld id="{ED9750E0-CE15-4EC1-B1D0-C2B3694DFCFC}" type="datetimeFigureOut">
               <a:rPr lang="de-DE" smtClean="0"/>
-              <a:t>18.09.2013</a:t>
+              <a:t>19.09.2013</a:t>
             </a:fld>
             <a:endParaRPr lang="de-DE"/>
           </a:p>
@@ -2294,7 +2296,7 @@
           <a:p>
             <a:fld id="{739125D8-FD85-4FE8-A7C4-126F06AA89EA}" type="slidenum">
               <a:rPr lang="de-DE" smtClean="0"/>
-              <a:t>‹#›</a:t>
+              <a:t>‹Nr.›</a:t>
             </a:fld>
             <a:endParaRPr lang="de-DE"/>
           </a:p>
@@ -2537,7 +2539,7 @@
           <a:p>
             <a:fld id="{ED9750E0-CE15-4EC1-B1D0-C2B3694DFCFC}" type="datetimeFigureOut">
               <a:rPr lang="de-DE" smtClean="0"/>
-              <a:t>18.09.2013</a:t>
+              <a:t>19.09.2013</a:t>
             </a:fld>
             <a:endParaRPr lang="de-DE"/>
           </a:p>
@@ -2560,7 +2562,7 @@
           <a:p>
             <a:fld id="{739125D8-FD85-4FE8-A7C4-126F06AA89EA}" type="slidenum">
               <a:rPr lang="de-DE" smtClean="0"/>
-              <a:t>‹#›</a:t>
+              <a:t>‹Nr.›</a:t>
             </a:fld>
             <a:endParaRPr lang="de-DE"/>
           </a:p>
@@ -2808,7 +2810,7 @@
           <a:p>
             <a:fld id="{ED9750E0-CE15-4EC1-B1D0-C2B3694DFCFC}" type="datetimeFigureOut">
               <a:rPr lang="de-DE" smtClean="0"/>
-              <a:t>18.09.2013</a:t>
+              <a:t>19.09.2013</a:t>
             </a:fld>
             <a:endParaRPr lang="de-DE"/>
           </a:p>
@@ -2831,7 +2833,7 @@
           <a:p>
             <a:fld id="{739125D8-FD85-4FE8-A7C4-126F06AA89EA}" type="slidenum">
               <a:rPr lang="de-DE" smtClean="0"/>
-              <a:t>‹#›</a:t>
+              <a:t>‹Nr.›</a:t>
             </a:fld>
             <a:endParaRPr lang="de-DE"/>
           </a:p>
@@ -3028,7 +3030,7 @@
           <a:p>
             <a:fld id="{ED9750E0-CE15-4EC1-B1D0-C2B3694DFCFC}" type="datetimeFigureOut">
               <a:rPr lang="de-DE" smtClean="0"/>
-              <a:t>18.09.2013</a:t>
+              <a:t>19.09.2013</a:t>
             </a:fld>
             <a:endParaRPr lang="de-DE"/>
           </a:p>
@@ -3104,7 +3106,7 @@
           <a:p>
             <a:fld id="{739125D8-FD85-4FE8-A7C4-126F06AA89EA}" type="slidenum">
               <a:rPr lang="de-DE" smtClean="0"/>
-              <a:t>‹#›</a:t>
+              <a:t>‹Nr.›</a:t>
             </a:fld>
             <a:endParaRPr lang="de-DE"/>
           </a:p>
@@ -4013,11 +4015,7 @@
           <a:p>
             <a:r>
               <a:rPr lang="de-DE" dirty="0"/>
-              <a:t>String s = </a:t>
-            </a:r>
-            <a:r>
-              <a:rPr lang="de-DE" dirty="0"/>
-              <a:t>" </a:t>
+              <a:t>String s = " </a:t>
             </a:r>
             <a:r>
               <a:rPr lang="de-DE" dirty="0" smtClean="0"/>
@@ -4133,6 +4131,13 @@
   <p:clrMapOvr>
     <a:masterClrMapping/>
   </p:clrMapOvr>
+  <p:timing>
+    <p:tnLst>
+      <p:par>
+        <p:cTn id="1" dur="indefinite" restart="never" nodeType="tmRoot"/>
+      </p:par>
+    </p:tnLst>
+  </p:timing>
 </p:sld>
 </file>
 
@@ -4266,11 +4271,7 @@
           <a:p>
             <a:r>
               <a:rPr lang="de-DE" dirty="0"/>
-              <a:t>String s = </a:t>
-            </a:r>
-            <a:r>
-              <a:rPr lang="de-DE" dirty="0"/>
-              <a:t>" </a:t>
+              <a:t>String s = " </a:t>
             </a:r>
             <a:r>
               <a:rPr lang="de-DE" dirty="0" smtClean="0"/>
@@ -4394,6 +4395,13 @@
   <p:clrMapOvr>
     <a:masterClrMapping/>
   </p:clrMapOvr>
+  <p:timing>
+    <p:tnLst>
+      <p:par>
+        <p:cTn id="1" dur="indefinite" restart="never" nodeType="tmRoot"/>
+      </p:par>
+    </p:tnLst>
+  </p:timing>
 </p:sld>
 </file>
 
@@ -4483,7 +4491,6 @@
               <a:rPr lang="de-DE" dirty="0"/>
               <a:t>*)</a:t>
             </a:r>
-            <a:endParaRPr lang="de-DE" dirty="0"/>
           </a:p>
         </p:txBody>
       </p:sp>
@@ -4614,6 +4621,13 @@
   <p:clrMapOvr>
     <a:masterClrMapping/>
   </p:clrMapOvr>
+  <p:timing>
+    <p:tnLst>
+      <p:par>
+        <p:cTn id="1" dur="indefinite" restart="never" nodeType="tmRoot"/>
+      </p:par>
+    </p:tnLst>
+  </p:timing>
 </p:sld>
 </file>
 
@@ -4831,6 +4845,13 @@
   <p:clrMapOvr>
     <a:masterClrMapping/>
   </p:clrMapOvr>
+  <p:timing>
+    <p:tnLst>
+      <p:par>
+        <p:cTn id="1" dur="indefinite" restart="never" nodeType="tmRoot"/>
+      </p:par>
+    </p:tnLst>
+  </p:timing>
 </p:sld>
 </file>
 
@@ -4921,7 +4942,6 @@
               <a:rPr lang="de-DE" dirty="0"/>
               <a:t>*)</a:t>
             </a:r>
-            <a:endParaRPr lang="de-DE" dirty="0"/>
           </a:p>
         </p:txBody>
       </p:sp>
@@ -5044,6 +5064,13 @@
   <p:clrMapOvr>
     <a:masterClrMapping/>
   </p:clrMapOvr>
+  <p:timing>
+    <p:tnLst>
+      <p:par>
+        <p:cTn id="1" dur="indefinite" restart="never" nodeType="tmRoot"/>
+      </p:par>
+    </p:tnLst>
+  </p:timing>
 </p:sld>
 </file>
 
@@ -5066,6 +5093,2160 @@
       </p:grpSpPr>
       <p:sp>
         <p:nvSpPr>
+          <p:cNvPr id="4" name="TextBox 5"/>
+          <p:cNvSpPr txBox="1"/>
+          <p:nvPr/>
+        </p:nvSpPr>
+        <p:spPr>
+          <a:xfrm>
+            <a:off x="296172" y="6492652"/>
+            <a:ext cx="1296144" cy="369332"/>
+          </a:xfrm>
+          <a:prstGeom prst="rect">
+            <a:avLst/>
+          </a:prstGeom>
+          <a:noFill/>
+        </p:spPr>
+        <p:txBody>
+          <a:bodyPr wrap="square" rtlCol="0">
+            <a:spAutoFit/>
+          </a:bodyPr>
+          <a:lstStyle/>
+          <a:p>
+            <a:r>
+              <a:rPr lang="de-DE" dirty="0" err="1" smtClean="0">
+                <a:solidFill>
+                  <a:schemeClr val="bg1"/>
+                </a:solidFill>
+              </a:rPr>
+              <a:t>Sequence</a:t>
+            </a:r>
+            <a:endParaRPr lang="de-DE" dirty="0">
+              <a:solidFill>
+                <a:schemeClr val="bg1"/>
+              </a:solidFill>
+            </a:endParaRPr>
+          </a:p>
+        </p:txBody>
+      </p:sp>
+      <p:sp>
+        <p:nvSpPr>
+          <p:cNvPr id="5" name="Textfeld 4"/>
+          <p:cNvSpPr txBox="1"/>
+          <p:nvPr/>
+        </p:nvSpPr>
+        <p:spPr>
+          <a:xfrm>
+            <a:off x="287524" y="476672"/>
+            <a:ext cx="4176464" cy="369332"/>
+          </a:xfrm>
+          <a:prstGeom prst="rect">
+            <a:avLst/>
+          </a:prstGeom>
+          <a:noFill/>
+        </p:spPr>
+        <p:txBody>
+          <a:bodyPr wrap="square" rtlCol="0">
+            <a:spAutoFit/>
+          </a:bodyPr>
+          <a:lstStyle/>
+          <a:p>
+            <a:r>
+              <a:rPr lang="de-DE" dirty="0" err="1" smtClean="0"/>
+              <a:t>Sequence</a:t>
+            </a:r>
+            <a:r>
+              <a:rPr lang="de-DE" dirty="0" smtClean="0"/>
+              <a:t> Library von </a:t>
+            </a:r>
+            <a:r>
+              <a:rPr lang="de-DE" dirty="0" err="1" smtClean="0"/>
+              <a:t>Clojure</a:t>
+            </a:r>
+            <a:endParaRPr lang="de-DE" dirty="0"/>
+          </a:p>
+        </p:txBody>
+      </p:sp>
+      <p:sp>
+        <p:nvSpPr>
+          <p:cNvPr id="6" name="Rechteck 5"/>
+          <p:cNvSpPr/>
+          <p:nvPr/>
+        </p:nvSpPr>
+        <p:spPr>
+          <a:xfrm>
+            <a:off x="395536" y="908720"/>
+            <a:ext cx="8424936" cy="646331"/>
+          </a:xfrm>
+          <a:prstGeom prst="rect">
+            <a:avLst/>
+          </a:prstGeom>
+        </p:spPr>
+        <p:txBody>
+          <a:bodyPr wrap="square">
+            <a:spAutoFit/>
+          </a:bodyPr>
+          <a:lstStyle/>
+          <a:p>
+            <a:r>
+              <a:rPr lang="en-US" dirty="0"/>
+              <a:t>"It is better to have 100 functions operate on one data structure than 10 functions on 10 data structures." —Alan Perlis</a:t>
+            </a:r>
+            <a:endParaRPr lang="de-DE" dirty="0"/>
+          </a:p>
+        </p:txBody>
+      </p:sp>
+      <p:sp>
+        <p:nvSpPr>
+          <p:cNvPr id="7" name="Rechteck 6"/>
+          <p:cNvSpPr/>
+          <p:nvPr/>
+        </p:nvSpPr>
+        <p:spPr>
+          <a:xfrm>
+            <a:off x="287524" y="1527782"/>
+            <a:ext cx="8514081" cy="5047536"/>
+          </a:xfrm>
+          <a:prstGeom prst="rect">
+            <a:avLst/>
+          </a:prstGeom>
+        </p:spPr>
+        <p:txBody>
+          <a:bodyPr wrap="square">
+            <a:spAutoFit/>
+          </a:bodyPr>
+          <a:lstStyle/>
+          <a:p>
+            <a:r>
+              <a:rPr lang="de-DE" sz="1400" b="1" dirty="0" err="1"/>
+              <a:t>Seq</a:t>
+            </a:r>
+            <a:r>
+              <a:rPr lang="de-DE" sz="1400" b="1" dirty="0"/>
+              <a:t> in, </a:t>
+            </a:r>
+            <a:r>
+              <a:rPr lang="de-DE" sz="1400" b="1" dirty="0" err="1"/>
+              <a:t>Seq</a:t>
+            </a:r>
+            <a:r>
+              <a:rPr lang="de-DE" sz="1400" b="1" dirty="0"/>
+              <a:t> out</a:t>
+            </a:r>
+          </a:p>
+          <a:p>
+            <a:r>
+              <a:rPr lang="de-DE" sz="1400" dirty="0"/>
+              <a:t>Shorter </a:t>
+            </a:r>
+            <a:r>
+              <a:rPr lang="de-DE" sz="1400" dirty="0" err="1"/>
+              <a:t>seq</a:t>
+            </a:r>
+            <a:r>
+              <a:rPr lang="de-DE" sz="1400" dirty="0"/>
+              <a:t> </a:t>
+            </a:r>
+            <a:r>
+              <a:rPr lang="de-DE" sz="1400" dirty="0" err="1"/>
+              <a:t>from</a:t>
+            </a:r>
+            <a:r>
+              <a:rPr lang="de-DE" sz="1400" dirty="0"/>
+              <a:t> a </a:t>
+            </a:r>
+            <a:r>
+              <a:rPr lang="de-DE" sz="1400" dirty="0" err="1"/>
+              <a:t>longer</a:t>
+            </a:r>
+            <a:r>
+              <a:rPr lang="de-DE" sz="1400" dirty="0"/>
+              <a:t> </a:t>
+            </a:r>
+            <a:r>
+              <a:rPr lang="de-DE" sz="1400" dirty="0" err="1"/>
+              <a:t>seq</a:t>
+            </a:r>
+            <a:r>
+              <a:rPr lang="de-DE" sz="1400" dirty="0"/>
+              <a:t>: </a:t>
+            </a:r>
+            <a:r>
+              <a:rPr lang="de-DE" sz="1400" dirty="0" err="1">
+                <a:hlinkClick r:id="rId2"/>
+              </a:rPr>
+              <a:t>distinct</a:t>
+            </a:r>
+            <a:r>
+              <a:rPr lang="de-DE" sz="1400" dirty="0"/>
+              <a:t> </a:t>
+            </a:r>
+            <a:r>
+              <a:rPr lang="de-DE" sz="1400" dirty="0" err="1">
+                <a:hlinkClick r:id="rId2"/>
+              </a:rPr>
+              <a:t>filter</a:t>
+            </a:r>
+            <a:r>
+              <a:rPr lang="de-DE" sz="1400" dirty="0"/>
+              <a:t> </a:t>
+            </a:r>
+            <a:r>
+              <a:rPr lang="de-DE" sz="1400" dirty="0" err="1">
+                <a:hlinkClick r:id="rId2"/>
+              </a:rPr>
+              <a:t>remove</a:t>
+            </a:r>
+            <a:r>
+              <a:rPr lang="de-DE" sz="1400" dirty="0"/>
+              <a:t> </a:t>
+            </a:r>
+            <a:r>
+              <a:rPr lang="de-DE" sz="1400" dirty="0" err="1">
+                <a:hlinkClick r:id="rId2"/>
+              </a:rPr>
+              <a:t>for</a:t>
+            </a:r>
+            <a:r>
+              <a:rPr lang="de-DE" sz="1400" dirty="0"/>
+              <a:t> </a:t>
+            </a:r>
+            <a:r>
+              <a:rPr lang="de-DE" sz="1400" dirty="0" err="1">
+                <a:hlinkClick r:id="rId2"/>
+              </a:rPr>
+              <a:t>keep</a:t>
+            </a:r>
+            <a:r>
+              <a:rPr lang="de-DE" sz="1400" dirty="0"/>
+              <a:t> </a:t>
+            </a:r>
+            <a:r>
+              <a:rPr lang="de-DE" sz="1400" dirty="0" err="1">
+                <a:hlinkClick r:id="rId2"/>
+              </a:rPr>
+              <a:t>keep-indexed</a:t>
+            </a:r>
+            <a:r>
+              <a:rPr lang="de-DE" sz="1400" dirty="0"/>
+              <a:t/>
+            </a:r>
+            <a:br>
+              <a:rPr lang="de-DE" sz="1400" dirty="0"/>
+            </a:br>
+            <a:r>
+              <a:rPr lang="de-DE" sz="1400" dirty="0" err="1"/>
+              <a:t>Longer</a:t>
+            </a:r>
+            <a:r>
+              <a:rPr lang="de-DE" sz="1400" dirty="0"/>
+              <a:t> </a:t>
+            </a:r>
+            <a:r>
+              <a:rPr lang="de-DE" sz="1400" dirty="0" err="1"/>
+              <a:t>seq</a:t>
+            </a:r>
+            <a:r>
+              <a:rPr lang="de-DE" sz="1400" dirty="0"/>
+              <a:t> </a:t>
+            </a:r>
+            <a:r>
+              <a:rPr lang="de-DE" sz="1400" dirty="0" err="1"/>
+              <a:t>from</a:t>
+            </a:r>
+            <a:r>
+              <a:rPr lang="de-DE" sz="1400" dirty="0"/>
+              <a:t> a </a:t>
+            </a:r>
+            <a:r>
+              <a:rPr lang="de-DE" sz="1400" dirty="0" err="1"/>
+              <a:t>shorter</a:t>
+            </a:r>
+            <a:r>
+              <a:rPr lang="de-DE" sz="1400" dirty="0"/>
+              <a:t> </a:t>
+            </a:r>
+            <a:r>
+              <a:rPr lang="de-DE" sz="1400" dirty="0" err="1"/>
+              <a:t>seq</a:t>
+            </a:r>
+            <a:r>
+              <a:rPr lang="de-DE" sz="1400" dirty="0"/>
+              <a:t>: </a:t>
+            </a:r>
+            <a:r>
+              <a:rPr lang="de-DE" sz="1400" dirty="0" err="1">
+                <a:hlinkClick r:id="rId2"/>
+              </a:rPr>
+              <a:t>cons</a:t>
+            </a:r>
+            <a:r>
+              <a:rPr lang="de-DE" sz="1400" dirty="0"/>
+              <a:t> </a:t>
+            </a:r>
+            <a:r>
+              <a:rPr lang="de-DE" sz="1400" dirty="0" err="1">
+                <a:hlinkClick r:id="rId2"/>
+              </a:rPr>
+              <a:t>concat</a:t>
+            </a:r>
+            <a:r>
+              <a:rPr lang="de-DE" sz="1400" dirty="0"/>
+              <a:t> </a:t>
+            </a:r>
+            <a:r>
+              <a:rPr lang="de-DE" sz="1400" dirty="0" err="1">
+                <a:hlinkClick r:id="rId2"/>
+              </a:rPr>
+              <a:t>lazy-cat</a:t>
+            </a:r>
+            <a:r>
+              <a:rPr lang="de-DE" sz="1400" dirty="0"/>
+              <a:t> </a:t>
+            </a:r>
+            <a:r>
+              <a:rPr lang="de-DE" sz="1400" dirty="0" err="1">
+                <a:hlinkClick r:id="rId2"/>
+              </a:rPr>
+              <a:t>mapcat</a:t>
+            </a:r>
+            <a:r>
+              <a:rPr lang="de-DE" sz="1400" dirty="0"/>
+              <a:t> </a:t>
+            </a:r>
+            <a:r>
+              <a:rPr lang="de-DE" sz="1400" dirty="0" err="1">
+                <a:hlinkClick r:id="rId2"/>
+              </a:rPr>
+              <a:t>cycle</a:t>
+            </a:r>
+            <a:r>
+              <a:rPr lang="de-DE" sz="1400" dirty="0"/>
+              <a:t> </a:t>
+            </a:r>
+            <a:r>
+              <a:rPr lang="de-DE" sz="1400" dirty="0" err="1">
+                <a:hlinkClick r:id="rId2"/>
+              </a:rPr>
+              <a:t>interleave</a:t>
+            </a:r>
+            <a:r>
+              <a:rPr lang="de-DE" sz="1400" dirty="0"/>
+              <a:t> </a:t>
+            </a:r>
+            <a:r>
+              <a:rPr lang="de-DE" sz="1400" dirty="0" err="1">
+                <a:hlinkClick r:id="rId2"/>
+              </a:rPr>
+              <a:t>interpose</a:t>
+            </a:r>
+            <a:r>
+              <a:rPr lang="de-DE" sz="1400" dirty="0"/>
+              <a:t/>
+            </a:r>
+            <a:br>
+              <a:rPr lang="de-DE" sz="1400" dirty="0"/>
+            </a:br>
+            <a:r>
+              <a:rPr lang="de-DE" sz="1400" dirty="0" err="1"/>
+              <a:t>Seq</a:t>
+            </a:r>
+            <a:r>
+              <a:rPr lang="de-DE" sz="1400" dirty="0"/>
+              <a:t> </a:t>
+            </a:r>
+            <a:r>
+              <a:rPr lang="de-DE" sz="1400" dirty="0" err="1"/>
+              <a:t>with</a:t>
+            </a:r>
+            <a:r>
+              <a:rPr lang="de-DE" sz="1400" dirty="0"/>
+              <a:t> </a:t>
+            </a:r>
+            <a:r>
+              <a:rPr lang="de-DE" sz="1400" dirty="0" err="1"/>
+              <a:t>head</a:t>
+            </a:r>
+            <a:r>
+              <a:rPr lang="de-DE" sz="1400" dirty="0"/>
+              <a:t>-items </a:t>
+            </a:r>
+            <a:r>
+              <a:rPr lang="de-DE" sz="1400" dirty="0" err="1"/>
+              <a:t>missing</a:t>
+            </a:r>
+            <a:r>
+              <a:rPr lang="de-DE" sz="1400" dirty="0"/>
+              <a:t>: </a:t>
+            </a:r>
+            <a:r>
+              <a:rPr lang="de-DE" sz="1400" dirty="0" err="1">
+                <a:hlinkClick r:id="rId2"/>
+              </a:rPr>
+              <a:t>rest</a:t>
+            </a:r>
+            <a:r>
+              <a:rPr lang="de-DE" sz="1400" dirty="0"/>
+              <a:t> </a:t>
+            </a:r>
+            <a:r>
+              <a:rPr lang="de-DE" sz="1400" dirty="0" err="1">
+                <a:hlinkClick r:id="rId2"/>
+              </a:rPr>
+              <a:t>next</a:t>
+            </a:r>
+            <a:r>
+              <a:rPr lang="de-DE" sz="1400" dirty="0"/>
+              <a:t> </a:t>
+            </a:r>
+            <a:r>
+              <a:rPr lang="de-DE" sz="1400" dirty="0" err="1">
+                <a:hlinkClick r:id="rId2"/>
+              </a:rPr>
+              <a:t>fnext</a:t>
+            </a:r>
+            <a:r>
+              <a:rPr lang="de-DE" sz="1400" dirty="0"/>
+              <a:t> </a:t>
+            </a:r>
+            <a:r>
+              <a:rPr lang="de-DE" sz="1400" dirty="0" err="1">
+                <a:hlinkClick r:id="rId2"/>
+              </a:rPr>
+              <a:t>nnext</a:t>
+            </a:r>
+            <a:r>
+              <a:rPr lang="de-DE" sz="1400" dirty="0"/>
+              <a:t> </a:t>
+            </a:r>
+            <a:r>
+              <a:rPr lang="de-DE" sz="1400" dirty="0" err="1">
+                <a:hlinkClick r:id="rId2"/>
+              </a:rPr>
+              <a:t>drop</a:t>
+            </a:r>
+            <a:r>
+              <a:rPr lang="de-DE" sz="1400" dirty="0"/>
+              <a:t> </a:t>
+            </a:r>
+            <a:r>
+              <a:rPr lang="de-DE" sz="1400" dirty="0" err="1">
+                <a:hlinkClick r:id="rId2"/>
+              </a:rPr>
+              <a:t>drop-while</a:t>
+            </a:r>
+            <a:r>
+              <a:rPr lang="de-DE" sz="1400" dirty="0"/>
+              <a:t> </a:t>
+            </a:r>
+            <a:r>
+              <a:rPr lang="de-DE" sz="1400" dirty="0" err="1">
+                <a:hlinkClick r:id="rId2"/>
+              </a:rPr>
+              <a:t>nthnext</a:t>
+            </a:r>
+            <a:r>
+              <a:rPr lang="de-DE" sz="1400" dirty="0"/>
+              <a:t> </a:t>
+            </a:r>
+            <a:r>
+              <a:rPr lang="de-DE" sz="1400" dirty="0" err="1">
+                <a:hlinkClick r:id="rId2"/>
+              </a:rPr>
+              <a:t>for</a:t>
+            </a:r>
+            <a:r>
+              <a:rPr lang="de-DE" sz="1400" dirty="0"/>
+              <a:t/>
+            </a:r>
+            <a:br>
+              <a:rPr lang="de-DE" sz="1400" dirty="0"/>
+            </a:br>
+            <a:r>
+              <a:rPr lang="de-DE" sz="1400" dirty="0" err="1"/>
+              <a:t>Seq</a:t>
+            </a:r>
+            <a:r>
+              <a:rPr lang="de-DE" sz="1400" dirty="0"/>
+              <a:t> </a:t>
+            </a:r>
+            <a:r>
+              <a:rPr lang="de-DE" sz="1400" dirty="0" err="1"/>
+              <a:t>with</a:t>
+            </a:r>
+            <a:r>
+              <a:rPr lang="de-DE" sz="1400" dirty="0"/>
+              <a:t> </a:t>
+            </a:r>
+            <a:r>
+              <a:rPr lang="de-DE" sz="1400" dirty="0" err="1"/>
+              <a:t>tail</a:t>
+            </a:r>
+            <a:r>
+              <a:rPr lang="de-DE" sz="1400" dirty="0"/>
+              <a:t>-items </a:t>
+            </a:r>
+            <a:r>
+              <a:rPr lang="de-DE" sz="1400" dirty="0" err="1"/>
+              <a:t>missing</a:t>
+            </a:r>
+            <a:r>
+              <a:rPr lang="de-DE" sz="1400" dirty="0"/>
+              <a:t>: </a:t>
+            </a:r>
+            <a:r>
+              <a:rPr lang="de-DE" sz="1400" dirty="0" err="1">
+                <a:hlinkClick r:id="rId2"/>
+              </a:rPr>
+              <a:t>take</a:t>
+            </a:r>
+            <a:r>
+              <a:rPr lang="de-DE" sz="1400" dirty="0"/>
+              <a:t> </a:t>
+            </a:r>
+            <a:r>
+              <a:rPr lang="de-DE" sz="1400" dirty="0" err="1">
+                <a:hlinkClick r:id="rId2"/>
+              </a:rPr>
+              <a:t>take-nth</a:t>
+            </a:r>
+            <a:r>
+              <a:rPr lang="de-DE" sz="1400" dirty="0"/>
+              <a:t> </a:t>
+            </a:r>
+            <a:r>
+              <a:rPr lang="de-DE" sz="1400" dirty="0" err="1">
+                <a:hlinkClick r:id="rId2"/>
+              </a:rPr>
+              <a:t>take-while</a:t>
+            </a:r>
+            <a:r>
+              <a:rPr lang="de-DE" sz="1400" dirty="0"/>
+              <a:t> </a:t>
+            </a:r>
+            <a:r>
+              <a:rPr lang="de-DE" sz="1400" dirty="0" err="1">
+                <a:hlinkClick r:id="rId2"/>
+              </a:rPr>
+              <a:t>butlast</a:t>
+            </a:r>
+            <a:r>
+              <a:rPr lang="de-DE" sz="1400" dirty="0"/>
+              <a:t> </a:t>
+            </a:r>
+            <a:r>
+              <a:rPr lang="de-DE" sz="1400" dirty="0" err="1">
+                <a:hlinkClick r:id="rId2"/>
+              </a:rPr>
+              <a:t>drop</a:t>
+            </a:r>
+            <a:r>
+              <a:rPr lang="de-DE" sz="1400" dirty="0">
+                <a:hlinkClick r:id="rId2"/>
+              </a:rPr>
+              <a:t>-last</a:t>
+            </a:r>
+            <a:r>
+              <a:rPr lang="de-DE" sz="1400" dirty="0"/>
+              <a:t> </a:t>
+            </a:r>
+            <a:r>
+              <a:rPr lang="de-DE" sz="1400" dirty="0" err="1">
+                <a:hlinkClick r:id="rId2"/>
+              </a:rPr>
+              <a:t>for</a:t>
+            </a:r>
+            <a:r>
+              <a:rPr lang="de-DE" sz="1400" dirty="0"/>
+              <a:t/>
+            </a:r>
+            <a:br>
+              <a:rPr lang="de-DE" sz="1400" dirty="0"/>
+            </a:br>
+            <a:r>
+              <a:rPr lang="de-DE" sz="1400" dirty="0" err="1"/>
+              <a:t>Rearrangment</a:t>
+            </a:r>
+            <a:r>
+              <a:rPr lang="de-DE" sz="1400" dirty="0"/>
+              <a:t> </a:t>
+            </a:r>
+            <a:r>
+              <a:rPr lang="de-DE" sz="1400" dirty="0" err="1"/>
+              <a:t>of</a:t>
+            </a:r>
+            <a:r>
+              <a:rPr lang="de-DE" sz="1400" dirty="0"/>
+              <a:t> a </a:t>
+            </a:r>
+            <a:r>
+              <a:rPr lang="de-DE" sz="1400" dirty="0" err="1"/>
+              <a:t>seq</a:t>
+            </a:r>
+            <a:r>
+              <a:rPr lang="de-DE" sz="1400" dirty="0"/>
+              <a:t>: </a:t>
+            </a:r>
+            <a:r>
+              <a:rPr lang="de-DE" sz="1400" dirty="0" err="1">
+                <a:hlinkClick r:id="rId2"/>
+              </a:rPr>
+              <a:t>flatten</a:t>
+            </a:r>
+            <a:r>
+              <a:rPr lang="de-DE" sz="1400" dirty="0"/>
+              <a:t> </a:t>
+            </a:r>
+            <a:r>
+              <a:rPr lang="de-DE" sz="1400" dirty="0" err="1">
+                <a:hlinkClick r:id="rId2"/>
+              </a:rPr>
+              <a:t>reverse</a:t>
+            </a:r>
+            <a:r>
+              <a:rPr lang="de-DE" sz="1400" dirty="0"/>
+              <a:t> </a:t>
+            </a:r>
+            <a:r>
+              <a:rPr lang="de-DE" sz="1400" dirty="0" err="1">
+                <a:hlinkClick r:id="rId2"/>
+              </a:rPr>
+              <a:t>sort</a:t>
+            </a:r>
+            <a:r>
+              <a:rPr lang="de-DE" sz="1400" dirty="0"/>
+              <a:t> </a:t>
+            </a:r>
+            <a:r>
+              <a:rPr lang="de-DE" sz="1400" dirty="0" err="1">
+                <a:hlinkClick r:id="rId2"/>
+              </a:rPr>
+              <a:t>sort-by</a:t>
+            </a:r>
+            <a:r>
+              <a:rPr lang="de-DE" sz="1400" dirty="0"/>
+              <a:t> </a:t>
+            </a:r>
+            <a:r>
+              <a:rPr lang="de-DE" sz="1400" dirty="0" err="1">
+                <a:hlinkClick r:id="rId2"/>
+              </a:rPr>
+              <a:t>shuffle</a:t>
+            </a:r>
+            <a:r>
+              <a:rPr lang="de-DE" sz="1400" dirty="0"/>
+              <a:t/>
+            </a:r>
+            <a:br>
+              <a:rPr lang="de-DE" sz="1400" dirty="0"/>
+            </a:br>
+            <a:r>
+              <a:rPr lang="de-DE" sz="1400" dirty="0"/>
+              <a:t>Create </a:t>
+            </a:r>
+            <a:r>
+              <a:rPr lang="de-DE" sz="1400" dirty="0" err="1"/>
+              <a:t>nested</a:t>
+            </a:r>
+            <a:r>
+              <a:rPr lang="de-DE" sz="1400" dirty="0"/>
+              <a:t> </a:t>
+            </a:r>
+            <a:r>
+              <a:rPr lang="de-DE" sz="1400" dirty="0" err="1"/>
+              <a:t>seqs</a:t>
+            </a:r>
+            <a:r>
+              <a:rPr lang="de-DE" sz="1400" dirty="0"/>
+              <a:t>: </a:t>
+            </a:r>
+            <a:r>
+              <a:rPr lang="de-DE" sz="1400" dirty="0" err="1">
+                <a:hlinkClick r:id="rId2"/>
+              </a:rPr>
+              <a:t>split-at</a:t>
+            </a:r>
+            <a:r>
+              <a:rPr lang="de-DE" sz="1400" dirty="0"/>
+              <a:t> </a:t>
+            </a:r>
+            <a:r>
+              <a:rPr lang="de-DE" sz="1400" dirty="0" err="1">
+                <a:hlinkClick r:id="rId2"/>
+              </a:rPr>
+              <a:t>split-with</a:t>
+            </a:r>
+            <a:r>
+              <a:rPr lang="de-DE" sz="1400" dirty="0"/>
+              <a:t> </a:t>
+            </a:r>
+            <a:r>
+              <a:rPr lang="de-DE" sz="1400" dirty="0" err="1">
+                <a:hlinkClick r:id="rId2"/>
+              </a:rPr>
+              <a:t>partition</a:t>
+            </a:r>
+            <a:r>
+              <a:rPr lang="de-DE" sz="1400" dirty="0"/>
+              <a:t> </a:t>
+            </a:r>
+            <a:r>
+              <a:rPr lang="de-DE" sz="1400" dirty="0" err="1">
+                <a:hlinkClick r:id="rId2"/>
+              </a:rPr>
+              <a:t>partition</a:t>
+            </a:r>
+            <a:r>
+              <a:rPr lang="de-DE" sz="1400" dirty="0">
+                <a:hlinkClick r:id="rId2"/>
+              </a:rPr>
+              <a:t>-all</a:t>
+            </a:r>
+            <a:r>
+              <a:rPr lang="de-DE" sz="1400" dirty="0"/>
+              <a:t> </a:t>
+            </a:r>
+            <a:r>
+              <a:rPr lang="de-DE" sz="1400" dirty="0" err="1">
+                <a:hlinkClick r:id="rId2"/>
+              </a:rPr>
+              <a:t>partition-by</a:t>
+            </a:r>
+            <a:r>
+              <a:rPr lang="de-DE" sz="1400" dirty="0"/>
+              <a:t/>
+            </a:r>
+            <a:br>
+              <a:rPr lang="de-DE" sz="1400" dirty="0"/>
+            </a:br>
+            <a:r>
+              <a:rPr lang="de-DE" sz="1400" dirty="0" err="1"/>
+              <a:t>Process</a:t>
+            </a:r>
+            <a:r>
+              <a:rPr lang="de-DE" sz="1400" dirty="0"/>
+              <a:t> </a:t>
+            </a:r>
+            <a:r>
+              <a:rPr lang="de-DE" sz="1400" dirty="0" err="1"/>
+              <a:t>each</a:t>
+            </a:r>
+            <a:r>
+              <a:rPr lang="de-DE" sz="1400" dirty="0"/>
+              <a:t> item </a:t>
+            </a:r>
+            <a:r>
+              <a:rPr lang="de-DE" sz="1400" dirty="0" err="1"/>
+              <a:t>of</a:t>
+            </a:r>
+            <a:r>
+              <a:rPr lang="de-DE" sz="1400" dirty="0"/>
+              <a:t> a </a:t>
+            </a:r>
+            <a:r>
+              <a:rPr lang="de-DE" sz="1400" dirty="0" err="1"/>
+              <a:t>seq</a:t>
+            </a:r>
+            <a:r>
+              <a:rPr lang="de-DE" sz="1400" dirty="0"/>
+              <a:t> </a:t>
+            </a:r>
+            <a:r>
+              <a:rPr lang="de-DE" sz="1400" dirty="0" err="1"/>
+              <a:t>to</a:t>
+            </a:r>
+            <a:r>
+              <a:rPr lang="de-DE" sz="1400" dirty="0"/>
+              <a:t> </a:t>
+            </a:r>
+            <a:r>
+              <a:rPr lang="de-DE" sz="1400" dirty="0" err="1"/>
+              <a:t>create</a:t>
+            </a:r>
+            <a:r>
+              <a:rPr lang="de-DE" sz="1400" dirty="0"/>
+              <a:t> a </a:t>
+            </a:r>
+            <a:r>
+              <a:rPr lang="de-DE" sz="1400" dirty="0" err="1"/>
+              <a:t>new</a:t>
+            </a:r>
+            <a:r>
+              <a:rPr lang="de-DE" sz="1400" dirty="0"/>
+              <a:t> </a:t>
+            </a:r>
+            <a:r>
+              <a:rPr lang="de-DE" sz="1400" dirty="0" err="1"/>
+              <a:t>seq</a:t>
+            </a:r>
+            <a:r>
+              <a:rPr lang="de-DE" sz="1400" dirty="0"/>
+              <a:t>: </a:t>
+            </a:r>
+            <a:r>
+              <a:rPr lang="de-DE" sz="1400" dirty="0" err="1">
+                <a:hlinkClick r:id="rId2"/>
+              </a:rPr>
+              <a:t>map</a:t>
+            </a:r>
+            <a:r>
+              <a:rPr lang="de-DE" sz="1400" dirty="0"/>
+              <a:t> </a:t>
+            </a:r>
+            <a:r>
+              <a:rPr lang="de-DE" sz="1400" dirty="0" err="1">
+                <a:hlinkClick r:id="rId2"/>
+              </a:rPr>
+              <a:t>pmap</a:t>
+            </a:r>
+            <a:r>
+              <a:rPr lang="de-DE" sz="1400" dirty="0"/>
+              <a:t> </a:t>
+            </a:r>
+            <a:r>
+              <a:rPr lang="de-DE" sz="1400" dirty="0" err="1">
+                <a:hlinkClick r:id="rId2"/>
+              </a:rPr>
+              <a:t>mapcat</a:t>
+            </a:r>
+            <a:r>
+              <a:rPr lang="de-DE" sz="1400" dirty="0"/>
+              <a:t> </a:t>
+            </a:r>
+            <a:r>
+              <a:rPr lang="de-DE" sz="1400" dirty="0" err="1">
+                <a:hlinkClick r:id="rId2"/>
+              </a:rPr>
+              <a:t>for</a:t>
+            </a:r>
+            <a:r>
+              <a:rPr lang="de-DE" sz="1400" dirty="0"/>
+              <a:t> </a:t>
+            </a:r>
+            <a:r>
+              <a:rPr lang="de-DE" sz="1400" dirty="0" err="1">
+                <a:hlinkClick r:id="rId2"/>
+              </a:rPr>
+              <a:t>replace</a:t>
+            </a:r>
+            <a:r>
+              <a:rPr lang="de-DE" sz="1400" dirty="0"/>
+              <a:t> </a:t>
+            </a:r>
+            <a:r>
+              <a:rPr lang="de-DE" sz="1400" dirty="0" err="1">
+                <a:hlinkClick r:id="rId2"/>
+              </a:rPr>
+              <a:t>reductions</a:t>
+            </a:r>
+            <a:r>
+              <a:rPr lang="de-DE" sz="1400" dirty="0"/>
+              <a:t> </a:t>
+            </a:r>
+            <a:r>
+              <a:rPr lang="de-DE" sz="1400" dirty="0" err="1">
+                <a:hlinkClick r:id="rId2"/>
+              </a:rPr>
+              <a:t>map-indexed</a:t>
+            </a:r>
+            <a:r>
+              <a:rPr lang="de-DE" sz="1400" dirty="0"/>
+              <a:t> </a:t>
+            </a:r>
+            <a:r>
+              <a:rPr lang="de-DE" sz="1400" dirty="0" err="1">
+                <a:hlinkClick r:id="rId2"/>
+              </a:rPr>
+              <a:t>seque</a:t>
+            </a:r>
+            <a:r>
+              <a:rPr lang="de-DE" sz="1400" dirty="0"/>
+              <a:t/>
+            </a:r>
+            <a:br>
+              <a:rPr lang="de-DE" sz="1400" dirty="0"/>
+            </a:br>
+            <a:r>
+              <a:rPr lang="de-DE" sz="1400" dirty="0"/>
+              <a:t/>
+            </a:r>
+            <a:br>
+              <a:rPr lang="de-DE" sz="1400" dirty="0"/>
+            </a:br>
+            <a:r>
+              <a:rPr lang="de-DE" sz="1400" b="1" dirty="0" err="1"/>
+              <a:t>Using</a:t>
+            </a:r>
+            <a:r>
+              <a:rPr lang="de-DE" sz="1400" b="1" dirty="0"/>
+              <a:t> a </a:t>
+            </a:r>
+            <a:r>
+              <a:rPr lang="de-DE" sz="1400" b="1" dirty="0" err="1"/>
+              <a:t>seq</a:t>
+            </a:r>
+            <a:endParaRPr lang="de-DE" sz="1400" b="1" dirty="0"/>
+          </a:p>
+          <a:p>
+            <a:r>
+              <a:rPr lang="de-DE" sz="1400" dirty="0" err="1"/>
+              <a:t>Extract</a:t>
+            </a:r>
+            <a:r>
+              <a:rPr lang="de-DE" sz="1400" dirty="0"/>
+              <a:t> a </a:t>
+            </a:r>
+            <a:r>
+              <a:rPr lang="de-DE" sz="1400" dirty="0" err="1"/>
+              <a:t>specific-numbered</a:t>
+            </a:r>
+            <a:r>
+              <a:rPr lang="de-DE" sz="1400" dirty="0"/>
+              <a:t> item </a:t>
+            </a:r>
+            <a:r>
+              <a:rPr lang="de-DE" sz="1400" dirty="0" err="1"/>
+              <a:t>from</a:t>
+            </a:r>
+            <a:r>
+              <a:rPr lang="de-DE" sz="1400" dirty="0"/>
+              <a:t> a </a:t>
+            </a:r>
+            <a:r>
+              <a:rPr lang="de-DE" sz="1400" dirty="0" err="1"/>
+              <a:t>seq</a:t>
+            </a:r>
+            <a:r>
+              <a:rPr lang="de-DE" sz="1400" dirty="0"/>
+              <a:t>: </a:t>
+            </a:r>
+            <a:r>
+              <a:rPr lang="de-DE" sz="1400" dirty="0" err="1">
+                <a:hlinkClick r:id="rId2"/>
+              </a:rPr>
+              <a:t>first</a:t>
+            </a:r>
+            <a:r>
+              <a:rPr lang="de-DE" sz="1400" dirty="0"/>
+              <a:t> </a:t>
+            </a:r>
+            <a:r>
+              <a:rPr lang="de-DE" sz="1400" dirty="0" err="1">
+                <a:hlinkClick r:id="rId2"/>
+              </a:rPr>
+              <a:t>ffirst</a:t>
+            </a:r>
+            <a:r>
+              <a:rPr lang="de-DE" sz="1400" dirty="0"/>
+              <a:t> </a:t>
+            </a:r>
+            <a:r>
+              <a:rPr lang="de-DE" sz="1400" dirty="0" err="1">
+                <a:hlinkClick r:id="rId2"/>
+              </a:rPr>
+              <a:t>nfirst</a:t>
+            </a:r>
+            <a:r>
+              <a:rPr lang="de-DE" sz="1400" dirty="0"/>
+              <a:t> </a:t>
+            </a:r>
+            <a:r>
+              <a:rPr lang="de-DE" sz="1400" dirty="0" err="1">
+                <a:hlinkClick r:id="rId2"/>
+              </a:rPr>
+              <a:t>second</a:t>
+            </a:r>
+            <a:r>
+              <a:rPr lang="de-DE" sz="1400" dirty="0"/>
+              <a:t> </a:t>
+            </a:r>
+            <a:r>
+              <a:rPr lang="de-DE" sz="1400" dirty="0" err="1">
+                <a:hlinkClick r:id="rId2"/>
+              </a:rPr>
+              <a:t>nth</a:t>
+            </a:r>
+            <a:r>
+              <a:rPr lang="de-DE" sz="1400" dirty="0"/>
+              <a:t> </a:t>
+            </a:r>
+            <a:r>
+              <a:rPr lang="de-DE" sz="1400" dirty="0" err="1">
+                <a:hlinkClick r:id="rId2"/>
+              </a:rPr>
+              <a:t>when</a:t>
+            </a:r>
+            <a:r>
+              <a:rPr lang="de-DE" sz="1400" dirty="0">
+                <a:hlinkClick r:id="rId2"/>
+              </a:rPr>
+              <a:t>-first</a:t>
+            </a:r>
+            <a:r>
+              <a:rPr lang="de-DE" sz="1400" dirty="0"/>
+              <a:t> </a:t>
+            </a:r>
+            <a:r>
+              <a:rPr lang="de-DE" sz="1400" dirty="0">
+                <a:hlinkClick r:id="rId2"/>
+              </a:rPr>
+              <a:t>last</a:t>
+            </a:r>
+            <a:r>
+              <a:rPr lang="de-DE" sz="1400" dirty="0"/>
+              <a:t> </a:t>
+            </a:r>
+            <a:r>
+              <a:rPr lang="de-DE" sz="1400" dirty="0">
+                <a:hlinkClick r:id="rId2"/>
+              </a:rPr>
+              <a:t>rand-</a:t>
+            </a:r>
+            <a:r>
+              <a:rPr lang="de-DE" sz="1400" dirty="0" err="1">
+                <a:hlinkClick r:id="rId2"/>
+              </a:rPr>
+              <a:t>nth</a:t>
+            </a:r>
+            <a:r>
+              <a:rPr lang="de-DE" sz="1400" dirty="0"/>
+              <a:t/>
+            </a:r>
+            <a:br>
+              <a:rPr lang="de-DE" sz="1400" dirty="0"/>
+            </a:br>
+            <a:r>
+              <a:rPr lang="de-DE" sz="1400" dirty="0" err="1"/>
+              <a:t>Construct</a:t>
+            </a:r>
+            <a:r>
+              <a:rPr lang="de-DE" sz="1400" dirty="0"/>
+              <a:t> a </a:t>
+            </a:r>
+            <a:r>
+              <a:rPr lang="de-DE" sz="1400" dirty="0" err="1"/>
+              <a:t>collection</a:t>
+            </a:r>
+            <a:r>
+              <a:rPr lang="de-DE" sz="1400" dirty="0"/>
+              <a:t> </a:t>
+            </a:r>
+            <a:r>
+              <a:rPr lang="de-DE" sz="1400" dirty="0" err="1"/>
+              <a:t>from</a:t>
+            </a:r>
+            <a:r>
+              <a:rPr lang="de-DE" sz="1400" dirty="0"/>
+              <a:t> a </a:t>
+            </a:r>
+            <a:r>
+              <a:rPr lang="de-DE" sz="1400" dirty="0" err="1"/>
+              <a:t>seq</a:t>
+            </a:r>
+            <a:r>
+              <a:rPr lang="de-DE" sz="1400" dirty="0"/>
+              <a:t>: </a:t>
+            </a:r>
+            <a:r>
+              <a:rPr lang="de-DE" sz="1400" dirty="0" err="1">
+                <a:hlinkClick r:id="rId2"/>
+              </a:rPr>
+              <a:t>zipmap</a:t>
+            </a:r>
+            <a:r>
+              <a:rPr lang="de-DE" sz="1400" dirty="0"/>
+              <a:t> </a:t>
+            </a:r>
+            <a:r>
+              <a:rPr lang="de-DE" sz="1400" dirty="0" err="1">
+                <a:hlinkClick r:id="rId2"/>
+              </a:rPr>
+              <a:t>into</a:t>
+            </a:r>
+            <a:r>
+              <a:rPr lang="de-DE" sz="1400" dirty="0"/>
+              <a:t> </a:t>
+            </a:r>
+            <a:r>
+              <a:rPr lang="de-DE" sz="1400" dirty="0" err="1">
+                <a:hlinkClick r:id="rId2"/>
+              </a:rPr>
+              <a:t>reduce</a:t>
+            </a:r>
+            <a:r>
+              <a:rPr lang="de-DE" sz="1400" dirty="0"/>
+              <a:t> </a:t>
+            </a:r>
+            <a:r>
+              <a:rPr lang="de-DE" sz="1400" dirty="0" err="1">
+                <a:hlinkClick r:id="rId2"/>
+              </a:rPr>
+              <a:t>set</a:t>
+            </a:r>
+            <a:r>
+              <a:rPr lang="de-DE" sz="1400" dirty="0"/>
+              <a:t> </a:t>
+            </a:r>
+            <a:r>
+              <a:rPr lang="de-DE" sz="1400" dirty="0" err="1">
+                <a:hlinkClick r:id="rId2"/>
+              </a:rPr>
+              <a:t>vec</a:t>
+            </a:r>
+            <a:r>
+              <a:rPr lang="de-DE" sz="1400" dirty="0"/>
+              <a:t> </a:t>
+            </a:r>
+            <a:r>
+              <a:rPr lang="de-DE" sz="1400" dirty="0" err="1">
+                <a:hlinkClick r:id="rId2"/>
+              </a:rPr>
+              <a:t>into</a:t>
+            </a:r>
+            <a:r>
+              <a:rPr lang="de-DE" sz="1400" dirty="0">
+                <a:hlinkClick r:id="rId2"/>
+              </a:rPr>
+              <a:t>-array</a:t>
+            </a:r>
+            <a:r>
+              <a:rPr lang="de-DE" sz="1400" dirty="0"/>
+              <a:t> </a:t>
+            </a:r>
+            <a:r>
+              <a:rPr lang="de-DE" sz="1400" dirty="0">
+                <a:hlinkClick r:id="rId2"/>
+              </a:rPr>
+              <a:t>to-array-2d</a:t>
+            </a:r>
+            <a:r>
+              <a:rPr lang="de-DE" sz="1400" dirty="0"/>
+              <a:t> </a:t>
+            </a:r>
+            <a:r>
+              <a:rPr lang="de-DE" sz="1400" dirty="0" err="1">
+                <a:hlinkClick r:id="rId2"/>
+              </a:rPr>
+              <a:t>frequencies</a:t>
+            </a:r>
+            <a:r>
+              <a:rPr lang="de-DE" sz="1400" dirty="0"/>
+              <a:t> </a:t>
+            </a:r>
+            <a:r>
+              <a:rPr lang="de-DE" sz="1400" dirty="0" err="1">
+                <a:hlinkClick r:id="rId2"/>
+              </a:rPr>
+              <a:t>group-by</a:t>
+            </a:r>
+            <a:r>
+              <a:rPr lang="de-DE" sz="1400" dirty="0"/>
+              <a:t/>
+            </a:r>
+            <a:br>
+              <a:rPr lang="de-DE" sz="1400" dirty="0"/>
+            </a:br>
+            <a:r>
+              <a:rPr lang="de-DE" sz="1400" dirty="0"/>
+              <a:t>Pass </a:t>
+            </a:r>
+            <a:r>
+              <a:rPr lang="de-DE" sz="1400" dirty="0" err="1"/>
+              <a:t>items</a:t>
+            </a:r>
+            <a:r>
+              <a:rPr lang="de-DE" sz="1400" dirty="0"/>
+              <a:t> </a:t>
+            </a:r>
+            <a:r>
+              <a:rPr lang="de-DE" sz="1400" dirty="0" err="1"/>
+              <a:t>of</a:t>
+            </a:r>
+            <a:r>
+              <a:rPr lang="de-DE" sz="1400" dirty="0"/>
+              <a:t> a </a:t>
+            </a:r>
+            <a:r>
+              <a:rPr lang="de-DE" sz="1400" dirty="0" err="1"/>
+              <a:t>seq</a:t>
+            </a:r>
+            <a:r>
+              <a:rPr lang="de-DE" sz="1400" dirty="0"/>
+              <a:t> </a:t>
+            </a:r>
+            <a:r>
+              <a:rPr lang="de-DE" sz="1400" dirty="0" err="1"/>
+              <a:t>as</a:t>
+            </a:r>
+            <a:r>
+              <a:rPr lang="de-DE" sz="1400" dirty="0"/>
+              <a:t> </a:t>
+            </a:r>
+            <a:r>
+              <a:rPr lang="de-DE" sz="1400" dirty="0" err="1"/>
+              <a:t>arguments</a:t>
+            </a:r>
+            <a:r>
+              <a:rPr lang="de-DE" sz="1400" dirty="0"/>
+              <a:t> </a:t>
+            </a:r>
+            <a:r>
+              <a:rPr lang="de-DE" sz="1400" dirty="0" err="1"/>
+              <a:t>to</a:t>
+            </a:r>
+            <a:r>
+              <a:rPr lang="de-DE" sz="1400" dirty="0"/>
+              <a:t> a </a:t>
+            </a:r>
+            <a:r>
+              <a:rPr lang="de-DE" sz="1400" dirty="0" err="1"/>
+              <a:t>function</a:t>
+            </a:r>
+            <a:r>
+              <a:rPr lang="de-DE" sz="1400" dirty="0"/>
+              <a:t>: </a:t>
+            </a:r>
+            <a:r>
+              <a:rPr lang="de-DE" sz="1400" dirty="0" err="1">
+                <a:hlinkClick r:id="rId2"/>
+              </a:rPr>
+              <a:t>apply</a:t>
+            </a:r>
+            <a:r>
+              <a:rPr lang="de-DE" sz="1400" dirty="0"/>
+              <a:t/>
+            </a:r>
+            <a:br>
+              <a:rPr lang="de-DE" sz="1400" dirty="0"/>
+            </a:br>
+            <a:r>
+              <a:rPr lang="de-DE" sz="1400" dirty="0" err="1"/>
+              <a:t>Compute</a:t>
+            </a:r>
+            <a:r>
+              <a:rPr lang="de-DE" sz="1400" dirty="0"/>
+              <a:t> a </a:t>
+            </a:r>
+            <a:r>
+              <a:rPr lang="de-DE" sz="1400" dirty="0" err="1"/>
+              <a:t>boolean</a:t>
+            </a:r>
+            <a:r>
+              <a:rPr lang="de-DE" sz="1400" dirty="0"/>
+              <a:t> </a:t>
+            </a:r>
+            <a:r>
+              <a:rPr lang="de-DE" sz="1400" dirty="0" err="1"/>
+              <a:t>from</a:t>
+            </a:r>
+            <a:r>
+              <a:rPr lang="de-DE" sz="1400" dirty="0"/>
+              <a:t> a </a:t>
+            </a:r>
+            <a:r>
+              <a:rPr lang="de-DE" sz="1400" dirty="0" err="1"/>
+              <a:t>seq</a:t>
+            </a:r>
+            <a:r>
+              <a:rPr lang="de-DE" sz="1400" dirty="0"/>
+              <a:t>: </a:t>
+            </a:r>
+            <a:r>
+              <a:rPr lang="de-DE" sz="1400" dirty="0">
+                <a:hlinkClick r:id="rId2"/>
+              </a:rPr>
+              <a:t>not-</a:t>
+            </a:r>
+            <a:r>
+              <a:rPr lang="de-DE" sz="1400" dirty="0" err="1">
+                <a:hlinkClick r:id="rId2"/>
+              </a:rPr>
+              <a:t>empty</a:t>
+            </a:r>
+            <a:r>
+              <a:rPr lang="de-DE" sz="1400" dirty="0"/>
+              <a:t> </a:t>
+            </a:r>
+            <a:r>
+              <a:rPr lang="de-DE" sz="1400" dirty="0" err="1">
+                <a:hlinkClick r:id="rId2"/>
+              </a:rPr>
+              <a:t>some</a:t>
+            </a:r>
+            <a:r>
+              <a:rPr lang="de-DE" sz="1400" dirty="0"/>
+              <a:t> </a:t>
+            </a:r>
+            <a:r>
+              <a:rPr lang="de-DE" sz="1400" dirty="0" err="1">
+                <a:hlinkClick r:id="rId2"/>
+              </a:rPr>
+              <a:t>reduce</a:t>
+            </a:r>
+            <a:r>
+              <a:rPr lang="de-DE" sz="1400" dirty="0"/>
+              <a:t> </a:t>
+            </a:r>
+            <a:r>
+              <a:rPr lang="de-DE" sz="1400" dirty="0" err="1">
+                <a:hlinkClick r:id="rId2"/>
+              </a:rPr>
+              <a:t>seq</a:t>
+            </a:r>
+            <a:r>
+              <a:rPr lang="de-DE" sz="1400" dirty="0">
+                <a:hlinkClick r:id="rId2"/>
+              </a:rPr>
+              <a:t>?</a:t>
+            </a:r>
+            <a:r>
+              <a:rPr lang="de-DE" sz="1400" dirty="0"/>
+              <a:t> </a:t>
+            </a:r>
+            <a:r>
+              <a:rPr lang="de-DE" sz="1400" dirty="0" err="1">
+                <a:hlinkClick r:id="rId2"/>
+              </a:rPr>
+              <a:t>every</a:t>
+            </a:r>
+            <a:r>
+              <a:rPr lang="de-DE" sz="1400" dirty="0">
+                <a:hlinkClick r:id="rId2"/>
+              </a:rPr>
+              <a:t>?</a:t>
+            </a:r>
+            <a:r>
+              <a:rPr lang="de-DE" sz="1400" dirty="0"/>
+              <a:t> </a:t>
+            </a:r>
+            <a:r>
+              <a:rPr lang="de-DE" sz="1400" dirty="0">
+                <a:hlinkClick r:id="rId2"/>
+              </a:rPr>
+              <a:t>not-</a:t>
+            </a:r>
+            <a:r>
+              <a:rPr lang="de-DE" sz="1400" dirty="0" err="1">
+                <a:hlinkClick r:id="rId2"/>
+              </a:rPr>
+              <a:t>every</a:t>
+            </a:r>
+            <a:r>
+              <a:rPr lang="de-DE" sz="1400" dirty="0">
+                <a:hlinkClick r:id="rId2"/>
+              </a:rPr>
+              <a:t>?</a:t>
+            </a:r>
+            <a:r>
+              <a:rPr lang="de-DE" sz="1400" dirty="0"/>
+              <a:t> </a:t>
+            </a:r>
+            <a:r>
+              <a:rPr lang="de-DE" sz="1400" dirty="0">
+                <a:hlinkClick r:id="rId2"/>
+              </a:rPr>
+              <a:t>not-</a:t>
+            </a:r>
+            <a:r>
+              <a:rPr lang="de-DE" sz="1400" dirty="0" err="1">
+                <a:hlinkClick r:id="rId2"/>
+              </a:rPr>
+              <a:t>any</a:t>
+            </a:r>
+            <a:r>
+              <a:rPr lang="de-DE" sz="1400" dirty="0">
+                <a:hlinkClick r:id="rId2"/>
+              </a:rPr>
+              <a:t>?</a:t>
+            </a:r>
+            <a:r>
+              <a:rPr lang="de-DE" sz="1400" dirty="0"/>
+              <a:t> </a:t>
+            </a:r>
+            <a:r>
+              <a:rPr lang="de-DE" sz="1400" dirty="0" err="1">
+                <a:hlinkClick r:id="rId2"/>
+              </a:rPr>
+              <a:t>empty</a:t>
+            </a:r>
+            <a:r>
+              <a:rPr lang="de-DE" sz="1400" dirty="0">
+                <a:hlinkClick r:id="rId2"/>
+              </a:rPr>
+              <a:t>?</a:t>
+            </a:r>
+            <a:r>
+              <a:rPr lang="de-DE" sz="1400" dirty="0"/>
+              <a:t/>
+            </a:r>
+            <a:br>
+              <a:rPr lang="de-DE" sz="1400" dirty="0"/>
+            </a:br>
+            <a:r>
+              <a:rPr lang="de-DE" sz="1400" dirty="0"/>
+              <a:t>Search a </a:t>
+            </a:r>
+            <a:r>
+              <a:rPr lang="de-DE" sz="1400" dirty="0" err="1"/>
+              <a:t>seq</a:t>
+            </a:r>
+            <a:r>
+              <a:rPr lang="de-DE" sz="1400" dirty="0"/>
+              <a:t> </a:t>
+            </a:r>
+            <a:r>
+              <a:rPr lang="de-DE" sz="1400" dirty="0" err="1"/>
+              <a:t>using</a:t>
+            </a:r>
+            <a:r>
+              <a:rPr lang="de-DE" sz="1400" dirty="0"/>
+              <a:t> a </a:t>
+            </a:r>
+            <a:r>
+              <a:rPr lang="de-DE" sz="1400" dirty="0" err="1"/>
+              <a:t>predicate</a:t>
+            </a:r>
+            <a:r>
+              <a:rPr lang="de-DE" sz="1400" dirty="0"/>
+              <a:t>: </a:t>
+            </a:r>
+            <a:r>
+              <a:rPr lang="de-DE" sz="1400" dirty="0" err="1">
+                <a:hlinkClick r:id="rId2"/>
+              </a:rPr>
+              <a:t>some</a:t>
+            </a:r>
+            <a:r>
+              <a:rPr lang="de-DE" sz="1400" dirty="0"/>
+              <a:t> </a:t>
+            </a:r>
+            <a:r>
+              <a:rPr lang="de-DE" sz="1400" dirty="0" err="1">
+                <a:hlinkClick r:id="rId2"/>
+              </a:rPr>
+              <a:t>filter</a:t>
+            </a:r>
+            <a:r>
+              <a:rPr lang="de-DE" sz="1400" dirty="0"/>
+              <a:t/>
+            </a:r>
+            <a:br>
+              <a:rPr lang="de-DE" sz="1400" dirty="0"/>
+            </a:br>
+            <a:r>
+              <a:rPr lang="de-DE" sz="1400" dirty="0"/>
+              <a:t>Force </a:t>
+            </a:r>
+            <a:r>
+              <a:rPr lang="de-DE" sz="1400" dirty="0" err="1"/>
+              <a:t>evaluation</a:t>
+            </a:r>
+            <a:r>
+              <a:rPr lang="de-DE" sz="1400" dirty="0"/>
+              <a:t> </a:t>
+            </a:r>
+            <a:r>
+              <a:rPr lang="de-DE" sz="1400" dirty="0" err="1"/>
+              <a:t>of</a:t>
+            </a:r>
+            <a:r>
+              <a:rPr lang="de-DE" sz="1400" dirty="0"/>
+              <a:t> </a:t>
+            </a:r>
+            <a:r>
+              <a:rPr lang="de-DE" sz="1400" dirty="0" err="1"/>
+              <a:t>lazy</a:t>
+            </a:r>
+            <a:r>
+              <a:rPr lang="de-DE" sz="1400" dirty="0"/>
+              <a:t> </a:t>
+            </a:r>
+            <a:r>
+              <a:rPr lang="de-DE" sz="1400" dirty="0" err="1"/>
+              <a:t>seqs</a:t>
+            </a:r>
+            <a:r>
+              <a:rPr lang="de-DE" sz="1400" dirty="0"/>
+              <a:t>: </a:t>
+            </a:r>
+            <a:r>
+              <a:rPr lang="de-DE" sz="1400" dirty="0" err="1">
+                <a:hlinkClick r:id="rId2"/>
+              </a:rPr>
+              <a:t>doseq</a:t>
+            </a:r>
+            <a:r>
+              <a:rPr lang="de-DE" sz="1400" dirty="0"/>
+              <a:t> </a:t>
+            </a:r>
+            <a:r>
+              <a:rPr lang="de-DE" sz="1400" dirty="0" err="1">
+                <a:hlinkClick r:id="rId2"/>
+              </a:rPr>
+              <a:t>dorun</a:t>
+            </a:r>
+            <a:r>
+              <a:rPr lang="de-DE" sz="1400" dirty="0"/>
+              <a:t> </a:t>
+            </a:r>
+            <a:r>
+              <a:rPr lang="de-DE" sz="1400" dirty="0" err="1">
+                <a:hlinkClick r:id="rId2"/>
+              </a:rPr>
+              <a:t>doall</a:t>
+            </a:r>
+            <a:r>
+              <a:rPr lang="de-DE" sz="1400" dirty="0"/>
+              <a:t/>
+            </a:r>
+            <a:br>
+              <a:rPr lang="de-DE" sz="1400" dirty="0"/>
+            </a:br>
+            <a:r>
+              <a:rPr lang="de-DE" sz="1400" dirty="0"/>
+              <a:t>Check </a:t>
+            </a:r>
+            <a:r>
+              <a:rPr lang="de-DE" sz="1400" dirty="0" err="1"/>
+              <a:t>if</a:t>
+            </a:r>
+            <a:r>
+              <a:rPr lang="de-DE" sz="1400" dirty="0"/>
+              <a:t> </a:t>
+            </a:r>
+            <a:r>
+              <a:rPr lang="de-DE" sz="1400" dirty="0" err="1"/>
+              <a:t>lazy</a:t>
+            </a:r>
+            <a:r>
+              <a:rPr lang="de-DE" sz="1400" dirty="0"/>
+              <a:t> </a:t>
+            </a:r>
+            <a:r>
+              <a:rPr lang="de-DE" sz="1400" dirty="0" err="1"/>
+              <a:t>seqs</a:t>
+            </a:r>
+            <a:r>
+              <a:rPr lang="de-DE" sz="1400" dirty="0"/>
+              <a:t> </a:t>
+            </a:r>
+            <a:r>
+              <a:rPr lang="de-DE" sz="1400" dirty="0" err="1"/>
+              <a:t>have</a:t>
+            </a:r>
+            <a:r>
+              <a:rPr lang="de-DE" sz="1400" dirty="0"/>
+              <a:t> </a:t>
+            </a:r>
+            <a:r>
+              <a:rPr lang="de-DE" sz="1400" dirty="0" err="1"/>
+              <a:t>been</a:t>
+            </a:r>
+            <a:r>
+              <a:rPr lang="de-DE" sz="1400" dirty="0"/>
+              <a:t> </a:t>
+            </a:r>
+            <a:r>
+              <a:rPr lang="de-DE" sz="1400" dirty="0" err="1"/>
+              <a:t>forcibly</a:t>
+            </a:r>
+            <a:r>
+              <a:rPr lang="de-DE" sz="1400" dirty="0"/>
+              <a:t> </a:t>
+            </a:r>
+            <a:r>
+              <a:rPr lang="de-DE" sz="1400" dirty="0" err="1"/>
+              <a:t>evaluated</a:t>
+            </a:r>
+            <a:r>
+              <a:rPr lang="de-DE" sz="1400" dirty="0"/>
+              <a:t>: </a:t>
+            </a:r>
+            <a:r>
+              <a:rPr lang="de-DE" sz="1400" dirty="0" err="1">
+                <a:hlinkClick r:id="rId2"/>
+              </a:rPr>
+              <a:t>realized</a:t>
+            </a:r>
+            <a:r>
+              <a:rPr lang="de-DE" sz="1400" dirty="0">
+                <a:hlinkClick r:id="rId2"/>
+              </a:rPr>
+              <a:t>?</a:t>
+            </a:r>
+            <a:r>
+              <a:rPr lang="de-DE" sz="1400" dirty="0"/>
+              <a:t/>
+            </a:r>
+            <a:br>
+              <a:rPr lang="de-DE" sz="1400" dirty="0"/>
+            </a:br>
+            <a:r>
+              <a:rPr lang="de-DE" sz="1400" dirty="0"/>
+              <a:t/>
+            </a:r>
+            <a:br>
+              <a:rPr lang="de-DE" sz="1400" dirty="0"/>
+            </a:br>
+            <a:r>
+              <a:rPr lang="de-DE" sz="1400" b="1" dirty="0" err="1"/>
+              <a:t>Creating</a:t>
+            </a:r>
+            <a:r>
+              <a:rPr lang="de-DE" sz="1400" b="1" dirty="0"/>
+              <a:t> a </a:t>
+            </a:r>
+            <a:r>
+              <a:rPr lang="de-DE" sz="1400" b="1" dirty="0" err="1"/>
+              <a:t>seq</a:t>
+            </a:r>
+            <a:endParaRPr lang="de-DE" sz="1400" b="1" dirty="0"/>
+          </a:p>
+          <a:p>
+            <a:r>
+              <a:rPr lang="de-DE" sz="1400" dirty="0" err="1"/>
+              <a:t>Lazy</a:t>
+            </a:r>
+            <a:r>
+              <a:rPr lang="de-DE" sz="1400" dirty="0"/>
+              <a:t> </a:t>
+            </a:r>
+            <a:r>
+              <a:rPr lang="de-DE" sz="1400" dirty="0" err="1"/>
+              <a:t>seq</a:t>
+            </a:r>
+            <a:r>
+              <a:rPr lang="de-DE" sz="1400" dirty="0"/>
+              <a:t> </a:t>
+            </a:r>
+            <a:r>
+              <a:rPr lang="de-DE" sz="1400" dirty="0" err="1"/>
+              <a:t>from</a:t>
+            </a:r>
+            <a:r>
+              <a:rPr lang="de-DE" sz="1400" dirty="0"/>
+              <a:t> </a:t>
+            </a:r>
+            <a:r>
+              <a:rPr lang="de-DE" sz="1400" dirty="0" err="1"/>
+              <a:t>collection</a:t>
+            </a:r>
+            <a:r>
+              <a:rPr lang="de-DE" sz="1400" dirty="0"/>
+              <a:t>: </a:t>
+            </a:r>
+            <a:r>
+              <a:rPr lang="de-DE" sz="1400" dirty="0" err="1">
+                <a:hlinkClick r:id="rId2"/>
+              </a:rPr>
+              <a:t>seq</a:t>
+            </a:r>
+            <a:r>
+              <a:rPr lang="de-DE" sz="1400" dirty="0"/>
+              <a:t> </a:t>
+            </a:r>
+            <a:r>
+              <a:rPr lang="de-DE" sz="1400" dirty="0" err="1">
+                <a:hlinkClick r:id="rId2"/>
+              </a:rPr>
+              <a:t>vals</a:t>
+            </a:r>
+            <a:r>
+              <a:rPr lang="de-DE" sz="1400" dirty="0"/>
+              <a:t> </a:t>
+            </a:r>
+            <a:r>
+              <a:rPr lang="de-DE" sz="1400" dirty="0" err="1">
+                <a:hlinkClick r:id="rId2"/>
+              </a:rPr>
+              <a:t>keys</a:t>
+            </a:r>
+            <a:r>
+              <a:rPr lang="de-DE" sz="1400" dirty="0"/>
+              <a:t> </a:t>
+            </a:r>
+            <a:r>
+              <a:rPr lang="de-DE" sz="1400" dirty="0" err="1">
+                <a:hlinkClick r:id="rId2"/>
+              </a:rPr>
+              <a:t>rseq</a:t>
+            </a:r>
+            <a:r>
+              <a:rPr lang="de-DE" sz="1400" dirty="0"/>
+              <a:t> </a:t>
+            </a:r>
+            <a:r>
+              <a:rPr lang="de-DE" sz="1400" dirty="0" err="1">
+                <a:hlinkClick r:id="rId2"/>
+              </a:rPr>
+              <a:t>subseq</a:t>
+            </a:r>
+            <a:r>
+              <a:rPr lang="de-DE" sz="1400" dirty="0"/>
+              <a:t> </a:t>
+            </a:r>
+            <a:r>
+              <a:rPr lang="de-DE" sz="1400" dirty="0" err="1">
+                <a:hlinkClick r:id="rId2"/>
+              </a:rPr>
+              <a:t>rsubseq</a:t>
+            </a:r>
+            <a:r>
+              <a:rPr lang="de-DE" sz="1400" dirty="0"/>
+              <a:t/>
+            </a:r>
+            <a:br>
+              <a:rPr lang="de-DE" sz="1400" dirty="0"/>
+            </a:br>
+            <a:r>
+              <a:rPr lang="de-DE" sz="1400" dirty="0" err="1"/>
+              <a:t>Lazy</a:t>
+            </a:r>
+            <a:r>
+              <a:rPr lang="de-DE" sz="1400" dirty="0"/>
+              <a:t> </a:t>
+            </a:r>
+            <a:r>
+              <a:rPr lang="de-DE" sz="1400" dirty="0" err="1"/>
+              <a:t>seq</a:t>
+            </a:r>
+            <a:r>
+              <a:rPr lang="de-DE" sz="1400" dirty="0"/>
+              <a:t> </a:t>
+            </a:r>
+            <a:r>
+              <a:rPr lang="de-DE" sz="1400" dirty="0" err="1"/>
+              <a:t>from</a:t>
+            </a:r>
+            <a:r>
+              <a:rPr lang="de-DE" sz="1400" dirty="0"/>
+              <a:t> </a:t>
+            </a:r>
+            <a:r>
+              <a:rPr lang="de-DE" sz="1400" dirty="0" err="1"/>
+              <a:t>producer</a:t>
+            </a:r>
+            <a:r>
+              <a:rPr lang="de-DE" sz="1400" dirty="0"/>
+              <a:t> </a:t>
+            </a:r>
+            <a:r>
+              <a:rPr lang="de-DE" sz="1400" dirty="0" err="1"/>
+              <a:t>function</a:t>
+            </a:r>
+            <a:r>
+              <a:rPr lang="de-DE" sz="1400" dirty="0"/>
+              <a:t>: </a:t>
+            </a:r>
+            <a:r>
+              <a:rPr lang="de-DE" sz="1400" dirty="0" err="1">
+                <a:hlinkClick r:id="rId2"/>
+              </a:rPr>
+              <a:t>lazy-seq</a:t>
+            </a:r>
+            <a:r>
+              <a:rPr lang="de-DE" sz="1400" dirty="0"/>
+              <a:t> </a:t>
+            </a:r>
+            <a:r>
+              <a:rPr lang="de-DE" sz="1400" dirty="0" err="1">
+                <a:hlinkClick r:id="rId2"/>
+              </a:rPr>
+              <a:t>repeatedly</a:t>
+            </a:r>
+            <a:r>
+              <a:rPr lang="de-DE" sz="1400" dirty="0"/>
+              <a:t> </a:t>
+            </a:r>
+            <a:r>
+              <a:rPr lang="de-DE" sz="1400" dirty="0" err="1">
+                <a:hlinkClick r:id="rId2"/>
+              </a:rPr>
+              <a:t>iterate</a:t>
+            </a:r>
+            <a:r>
+              <a:rPr lang="de-DE" sz="1400" dirty="0"/>
+              <a:t/>
+            </a:r>
+            <a:br>
+              <a:rPr lang="de-DE" sz="1400" dirty="0"/>
+            </a:br>
+            <a:r>
+              <a:rPr lang="de-DE" sz="1400" dirty="0" err="1"/>
+              <a:t>Lazy</a:t>
+            </a:r>
+            <a:r>
+              <a:rPr lang="de-DE" sz="1400" dirty="0"/>
+              <a:t> </a:t>
+            </a:r>
+            <a:r>
+              <a:rPr lang="de-DE" sz="1400" dirty="0" err="1"/>
+              <a:t>seq</a:t>
+            </a:r>
+            <a:r>
+              <a:rPr lang="de-DE" sz="1400" dirty="0"/>
+              <a:t> </a:t>
+            </a:r>
+            <a:r>
+              <a:rPr lang="de-DE" sz="1400" dirty="0" err="1"/>
+              <a:t>from</a:t>
+            </a:r>
+            <a:r>
+              <a:rPr lang="de-DE" sz="1400" dirty="0"/>
+              <a:t> </a:t>
+            </a:r>
+            <a:r>
+              <a:rPr lang="de-DE" sz="1400" dirty="0" err="1"/>
+              <a:t>constant</a:t>
+            </a:r>
+            <a:r>
+              <a:rPr lang="de-DE" sz="1400" dirty="0"/>
+              <a:t>: </a:t>
+            </a:r>
+            <a:r>
+              <a:rPr lang="de-DE" sz="1400" dirty="0" err="1">
+                <a:hlinkClick r:id="rId2"/>
+              </a:rPr>
+              <a:t>repeat</a:t>
+            </a:r>
+            <a:r>
+              <a:rPr lang="de-DE" sz="1400" dirty="0"/>
+              <a:t> </a:t>
+            </a:r>
+            <a:r>
+              <a:rPr lang="de-DE" sz="1400" dirty="0" err="1">
+                <a:hlinkClick r:id="rId2"/>
+              </a:rPr>
+              <a:t>range</a:t>
+            </a:r>
+            <a:r>
+              <a:rPr lang="de-DE" sz="1400" dirty="0"/>
+              <a:t/>
+            </a:r>
+            <a:br>
+              <a:rPr lang="de-DE" sz="1400" dirty="0"/>
+            </a:br>
+            <a:r>
+              <a:rPr lang="de-DE" sz="1400" dirty="0" err="1"/>
+              <a:t>Lazy</a:t>
+            </a:r>
+            <a:r>
+              <a:rPr lang="de-DE" sz="1400" dirty="0"/>
+              <a:t> </a:t>
+            </a:r>
+            <a:r>
+              <a:rPr lang="de-DE" sz="1400" dirty="0" err="1"/>
+              <a:t>seq</a:t>
+            </a:r>
+            <a:r>
+              <a:rPr lang="de-DE" sz="1400" dirty="0"/>
+              <a:t> </a:t>
+            </a:r>
+            <a:r>
+              <a:rPr lang="de-DE" sz="1400" dirty="0" err="1"/>
+              <a:t>from</a:t>
+            </a:r>
+            <a:r>
+              <a:rPr lang="de-DE" sz="1400" dirty="0"/>
+              <a:t> </a:t>
+            </a:r>
+            <a:r>
+              <a:rPr lang="de-DE" sz="1400" dirty="0" err="1"/>
+              <a:t>other</a:t>
+            </a:r>
+            <a:r>
+              <a:rPr lang="de-DE" sz="1400" dirty="0"/>
+              <a:t> </a:t>
+            </a:r>
+            <a:r>
+              <a:rPr lang="de-DE" sz="1400" dirty="0" err="1"/>
+              <a:t>objects</a:t>
+            </a:r>
+            <a:r>
+              <a:rPr lang="de-DE" sz="1400" dirty="0"/>
+              <a:t>: </a:t>
+            </a:r>
+            <a:r>
+              <a:rPr lang="de-DE" sz="1400" dirty="0" err="1">
+                <a:hlinkClick r:id="rId2"/>
+              </a:rPr>
+              <a:t>line-seq</a:t>
+            </a:r>
+            <a:r>
+              <a:rPr lang="de-DE" sz="1400" dirty="0"/>
+              <a:t> </a:t>
+            </a:r>
+            <a:r>
+              <a:rPr lang="de-DE" sz="1400" dirty="0" err="1">
+                <a:hlinkClick r:id="rId2"/>
+              </a:rPr>
+              <a:t>resultset-seq</a:t>
+            </a:r>
+            <a:r>
+              <a:rPr lang="de-DE" sz="1400" dirty="0"/>
+              <a:t> </a:t>
+            </a:r>
+            <a:r>
+              <a:rPr lang="de-DE" sz="1400" dirty="0" err="1">
+                <a:hlinkClick r:id="rId2"/>
+              </a:rPr>
+              <a:t>re-seq</a:t>
+            </a:r>
+            <a:r>
+              <a:rPr lang="de-DE" sz="1400" dirty="0"/>
+              <a:t> </a:t>
+            </a:r>
+            <a:r>
+              <a:rPr lang="de-DE" sz="1400" dirty="0" err="1">
+                <a:hlinkClick r:id="rId2"/>
+              </a:rPr>
+              <a:t>tree-seq</a:t>
+            </a:r>
+            <a:r>
+              <a:rPr lang="de-DE" sz="1400" dirty="0"/>
+              <a:t> </a:t>
+            </a:r>
+            <a:r>
+              <a:rPr lang="de-DE" sz="1400" dirty="0">
+                <a:hlinkClick r:id="rId2"/>
+              </a:rPr>
+              <a:t>file-</a:t>
+            </a:r>
+            <a:r>
+              <a:rPr lang="de-DE" sz="1400" dirty="0" err="1">
+                <a:hlinkClick r:id="rId2"/>
+              </a:rPr>
+              <a:t>seq</a:t>
+            </a:r>
+            <a:r>
+              <a:rPr lang="de-DE" sz="1400" dirty="0"/>
+              <a:t> </a:t>
+            </a:r>
+            <a:r>
+              <a:rPr lang="de-DE" sz="1400" dirty="0" err="1">
+                <a:hlinkClick r:id="rId2"/>
+              </a:rPr>
+              <a:t>xml-seq</a:t>
+            </a:r>
+            <a:r>
+              <a:rPr lang="de-DE" sz="1400" dirty="0"/>
+              <a:t> </a:t>
+            </a:r>
+            <a:r>
+              <a:rPr lang="de-DE" sz="1400" dirty="0" err="1">
+                <a:hlinkClick r:id="rId2"/>
+              </a:rPr>
+              <a:t>iterator-seq</a:t>
+            </a:r>
+            <a:r>
+              <a:rPr lang="de-DE" sz="1400" dirty="0"/>
+              <a:t> </a:t>
+            </a:r>
+            <a:r>
+              <a:rPr lang="de-DE" sz="1400" dirty="0" err="1">
+                <a:hlinkClick r:id="rId2"/>
+              </a:rPr>
+              <a:t>enumeration-seq</a:t>
+            </a:r>
+            <a:endParaRPr lang="de-DE" sz="1400" dirty="0"/>
+          </a:p>
+        </p:txBody>
+      </p:sp>
+    </p:spTree>
+    <p:extLst>
+      <p:ext uri="{BB962C8B-B14F-4D97-AF65-F5344CB8AC3E}">
+        <p14:creationId xmlns:p14="http://schemas.microsoft.com/office/powerpoint/2010/main" val="1733676595"/>
+      </p:ext>
+    </p:extLst>
+  </p:cSld>
+  <p:clrMapOvr>
+    <a:masterClrMapping/>
+  </p:clrMapOvr>
+  <p:timing>
+    <p:tnLst>
+      <p:par>
+        <p:cTn id="1" dur="indefinite" restart="never" nodeType="tmRoot"/>
+      </p:par>
+    </p:tnLst>
+  </p:timing>
+</p:sld>
+</file>
+
+<file path=ppt/slides/slide17.xml><?xml version="1.0" encoding="utf-8"?>
+<p:sld xmlns:a="http://schemas.openxmlformats.org/drawingml/2006/main" xmlns:r="http://schemas.openxmlformats.org/officeDocument/2006/relationships" xmlns:p="http://schemas.openxmlformats.org/presentationml/2006/main">
+  <p:cSld>
+    <p:spTree>
+      <p:nvGrpSpPr>
+        <p:cNvPr id="1" name=""/>
+        <p:cNvGrpSpPr/>
+        <p:nvPr/>
+      </p:nvGrpSpPr>
+      <p:grpSpPr>
+        <a:xfrm>
+          <a:off x="0" y="0"/>
+          <a:ext cx="0" cy="0"/>
+          <a:chOff x="0" y="0"/>
+          <a:chExt cx="0" cy="0"/>
+        </a:xfrm>
+      </p:grpSpPr>
+      <p:sp>
+        <p:nvSpPr>
+          <p:cNvPr id="4" name="TextBox 5"/>
+          <p:cNvSpPr txBox="1"/>
+          <p:nvPr/>
+        </p:nvSpPr>
+        <p:spPr>
+          <a:xfrm>
+            <a:off x="296172" y="6492652"/>
+            <a:ext cx="1296144" cy="369332"/>
+          </a:xfrm>
+          <a:prstGeom prst="rect">
+            <a:avLst/>
+          </a:prstGeom>
+          <a:noFill/>
+        </p:spPr>
+        <p:txBody>
+          <a:bodyPr wrap="square" rtlCol="0">
+            <a:spAutoFit/>
+          </a:bodyPr>
+          <a:lstStyle/>
+          <a:p>
+            <a:r>
+              <a:rPr lang="de-DE" dirty="0" err="1" smtClean="0">
+                <a:solidFill>
+                  <a:schemeClr val="bg1"/>
+                </a:solidFill>
+              </a:rPr>
+              <a:t>Sequence</a:t>
+            </a:r>
+            <a:endParaRPr lang="de-DE" dirty="0">
+              <a:solidFill>
+                <a:schemeClr val="bg1"/>
+              </a:solidFill>
+            </a:endParaRPr>
+          </a:p>
+        </p:txBody>
+      </p:sp>
+      <p:sp>
+        <p:nvSpPr>
+          <p:cNvPr id="5" name="Textfeld 4"/>
+          <p:cNvSpPr txBox="1"/>
+          <p:nvPr/>
+        </p:nvSpPr>
+        <p:spPr>
+          <a:xfrm>
+            <a:off x="395536" y="548680"/>
+            <a:ext cx="4320480" cy="369332"/>
+          </a:xfrm>
+          <a:prstGeom prst="rect">
+            <a:avLst/>
+          </a:prstGeom>
+          <a:noFill/>
+        </p:spPr>
+        <p:txBody>
+          <a:bodyPr wrap="square" rtlCol="0">
+            <a:spAutoFit/>
+          </a:bodyPr>
+          <a:lstStyle/>
+          <a:p>
+            <a:r>
+              <a:rPr lang="de-DE" dirty="0" smtClean="0"/>
+              <a:t>Anwendungsfälle einer </a:t>
+            </a:r>
+            <a:r>
+              <a:rPr lang="de-DE" dirty="0" err="1" smtClean="0"/>
+              <a:t>Sequence</a:t>
+            </a:r>
+            <a:endParaRPr lang="de-DE" dirty="0"/>
+          </a:p>
+        </p:txBody>
+      </p:sp>
+      <p:sp>
+        <p:nvSpPr>
+          <p:cNvPr id="6" name="Textfeld 5"/>
+          <p:cNvSpPr txBox="1"/>
+          <p:nvPr/>
+        </p:nvSpPr>
+        <p:spPr>
+          <a:xfrm>
+            <a:off x="539552" y="1340768"/>
+            <a:ext cx="4824536" cy="1754326"/>
+          </a:xfrm>
+          <a:prstGeom prst="rect">
+            <a:avLst/>
+          </a:prstGeom>
+          <a:noFill/>
+        </p:spPr>
+        <p:txBody>
+          <a:bodyPr wrap="square" rtlCol="0">
+            <a:spAutoFit/>
+          </a:bodyPr>
+          <a:lstStyle/>
+          <a:p>
+            <a:r>
+              <a:rPr lang="de-DE" dirty="0" smtClean="0"/>
+              <a:t>File</a:t>
+            </a:r>
+          </a:p>
+          <a:p>
+            <a:r>
+              <a:rPr lang="de-DE" dirty="0" smtClean="0"/>
+              <a:t>XML</a:t>
+            </a:r>
+          </a:p>
+          <a:p>
+            <a:r>
+              <a:rPr lang="de-DE" dirty="0" smtClean="0"/>
+              <a:t>Datenbank</a:t>
+            </a:r>
+          </a:p>
+          <a:p>
+            <a:r>
+              <a:rPr lang="de-DE" dirty="0" err="1" smtClean="0"/>
+              <a:t>Trees</a:t>
+            </a:r>
+            <a:endParaRPr lang="de-DE" smtClean="0"/>
+          </a:p>
+          <a:p>
+            <a:endParaRPr lang="de-DE" dirty="0" smtClean="0"/>
+          </a:p>
+          <a:p>
+            <a:endParaRPr lang="de-DE" dirty="0"/>
+          </a:p>
+        </p:txBody>
+      </p:sp>
+    </p:spTree>
+    <p:extLst>
+      <p:ext uri="{BB962C8B-B14F-4D97-AF65-F5344CB8AC3E}">
+        <p14:creationId xmlns:p14="http://schemas.microsoft.com/office/powerpoint/2010/main" val="126398076"/>
+      </p:ext>
+    </p:extLst>
+  </p:cSld>
+  <p:clrMapOvr>
+    <a:masterClrMapping/>
+  </p:clrMapOvr>
+</p:sld>
+</file>
+
+<file path=ppt/slides/slide18.xml><?xml version="1.0" encoding="utf-8"?>
+<p:sld xmlns:a="http://schemas.openxmlformats.org/drawingml/2006/main" xmlns:r="http://schemas.openxmlformats.org/officeDocument/2006/relationships" xmlns:p="http://schemas.openxmlformats.org/presentationml/2006/main">
+  <p:cSld>
+    <p:spTree>
+      <p:nvGrpSpPr>
+        <p:cNvPr id="1" name=""/>
+        <p:cNvGrpSpPr/>
+        <p:nvPr/>
+      </p:nvGrpSpPr>
+      <p:grpSpPr>
+        <a:xfrm>
+          <a:off x="0" y="0"/>
+          <a:ext cx="0" cy="0"/>
+          <a:chOff x="0" y="0"/>
+          <a:chExt cx="0" cy="0"/>
+        </a:xfrm>
+      </p:grpSpPr>
+      <p:sp>
+        <p:nvSpPr>
           <p:cNvPr id="4" name="Textfeld 3"/>
           <p:cNvSpPr txBox="1"/>
           <p:nvPr/>
@@ -5218,7 +7399,7 @@
 </p:sld>
 </file>
 
-<file path=ppt/slides/slide17.xml><?xml version="1.0" encoding="utf-8"?>
+<file path=ppt/slides/slide19.xml><?xml version="1.0" encoding="utf-8"?>
 <p:sld xmlns:a="http://schemas.openxmlformats.org/drawingml/2006/main" xmlns:r="http://schemas.openxmlformats.org/officeDocument/2006/relationships" xmlns:p="http://schemas.openxmlformats.org/presentationml/2006/main">
   <p:cSld>
     <p:spTree>

--- a/Clojure Vortrag .NET User Group.pptx
+++ b/Clojure Vortrag .NET User Group.pptx
@@ -5,7 +5,7 @@
     <p:sldMasterId id="2147483660" r:id="rId1"/>
   </p:sldMasterIdLst>
   <p:handoutMasterIdLst>
-    <p:handoutMasterId r:id="rId21"/>
+    <p:handoutMasterId r:id="rId24"/>
   </p:handoutMasterIdLst>
   <p:sldIdLst>
     <p:sldId id="256" r:id="rId2"/>
@@ -23,10 +23,13 @@
     <p:sldId id="275" r:id="rId14"/>
     <p:sldId id="276" r:id="rId15"/>
     <p:sldId id="277" r:id="rId16"/>
-    <p:sldId id="278" r:id="rId17"/>
-    <p:sldId id="279" r:id="rId18"/>
-    <p:sldId id="266" r:id="rId19"/>
-    <p:sldId id="261" r:id="rId20"/>
+    <p:sldId id="280" r:id="rId17"/>
+    <p:sldId id="281" r:id="rId18"/>
+    <p:sldId id="282" r:id="rId19"/>
+    <p:sldId id="278" r:id="rId20"/>
+    <p:sldId id="279" r:id="rId21"/>
+    <p:sldId id="266" r:id="rId22"/>
+    <p:sldId id="261" r:id="rId23"/>
   </p:sldIdLst>
   <p:sldSz cx="9144000" cy="6858000" type="screen4x3"/>
   <p:notesSz cx="6794500" cy="9931400"/>
@@ -210,7 +213,7 @@
           <a:p>
             <a:fld id="{58A9EE8F-FFE1-47DD-9EB3-5670B774654C}" type="datetimeFigureOut">
               <a:rPr lang="de-DE" smtClean="0"/>
-              <a:t>19.09.2013</a:t>
+              <a:t>20.09.2013</a:t>
             </a:fld>
             <a:endParaRPr lang="de-DE"/>
           </a:p>
@@ -276,7 +279,7 @@
           <a:p>
             <a:fld id="{C97CDCA7-D373-48AA-BEEE-CC8D4007D189}" type="slidenum">
               <a:rPr lang="de-DE" smtClean="0"/>
-              <a:t>‹Nr.›</a:t>
+              <a:t>‹#›</a:t>
             </a:fld>
             <a:endParaRPr lang="de-DE"/>
           </a:p>
@@ -482,7 +485,7 @@
           <a:p>
             <a:fld id="{ED9750E0-CE15-4EC1-B1D0-C2B3694DFCFC}" type="datetimeFigureOut">
               <a:rPr lang="de-DE" smtClean="0"/>
-              <a:t>19.09.2013</a:t>
+              <a:t>20.09.2013</a:t>
             </a:fld>
             <a:endParaRPr lang="de-DE"/>
           </a:p>
@@ -505,7 +508,7 @@
           <a:p>
             <a:fld id="{739125D8-FD85-4FE8-A7C4-126F06AA89EA}" type="slidenum">
               <a:rPr lang="de-DE" smtClean="0"/>
-              <a:t>‹Nr.›</a:t>
+              <a:t>‹#›</a:t>
             </a:fld>
             <a:endParaRPr lang="de-DE"/>
           </a:p>
@@ -659,7 +662,7 @@
           <a:p>
             <a:fld id="{ED9750E0-CE15-4EC1-B1D0-C2B3694DFCFC}" type="datetimeFigureOut">
               <a:rPr lang="de-DE" smtClean="0"/>
-              <a:t>19.09.2013</a:t>
+              <a:t>20.09.2013</a:t>
             </a:fld>
             <a:endParaRPr lang="de-DE"/>
           </a:p>
@@ -701,7 +704,7 @@
           <a:p>
             <a:fld id="{739125D8-FD85-4FE8-A7C4-126F06AA89EA}" type="slidenum">
               <a:rPr lang="de-DE" smtClean="0"/>
-              <a:t>‹Nr.›</a:t>
+              <a:t>‹#›</a:t>
             </a:fld>
             <a:endParaRPr lang="de-DE"/>
           </a:p>
@@ -857,7 +860,7 @@
           <a:p>
             <a:fld id="{ED9750E0-CE15-4EC1-B1D0-C2B3694DFCFC}" type="datetimeFigureOut">
               <a:rPr lang="de-DE" smtClean="0"/>
-              <a:t>19.09.2013</a:t>
+              <a:t>20.09.2013</a:t>
             </a:fld>
             <a:endParaRPr lang="de-DE"/>
           </a:p>
@@ -899,7 +902,7 @@
           <a:p>
             <a:fld id="{739125D8-FD85-4FE8-A7C4-126F06AA89EA}" type="slidenum">
               <a:rPr lang="de-DE" smtClean="0"/>
-              <a:t>‹Nr.›</a:t>
+              <a:t>‹#›</a:t>
             </a:fld>
             <a:endParaRPr lang="de-DE"/>
           </a:p>
@@ -1011,7 +1014,7 @@
           <a:p>
             <a:fld id="{ED9750E0-CE15-4EC1-B1D0-C2B3694DFCFC}" type="datetimeFigureOut">
               <a:rPr lang="de-DE" smtClean="0"/>
-              <a:t>19.09.2013</a:t>
+              <a:t>20.09.2013</a:t>
             </a:fld>
             <a:endParaRPr lang="de-DE"/>
           </a:p>
@@ -1034,7 +1037,7 @@
           <a:p>
             <a:fld id="{739125D8-FD85-4FE8-A7C4-126F06AA89EA}" type="slidenum">
               <a:rPr lang="de-DE" smtClean="0"/>
-              <a:t>‹Nr.›</a:t>
+              <a:t>‹#›</a:t>
             </a:fld>
             <a:endParaRPr lang="de-DE"/>
           </a:p>
@@ -1286,7 +1289,7 @@
           <a:p>
             <a:fld id="{ED9750E0-CE15-4EC1-B1D0-C2B3694DFCFC}" type="datetimeFigureOut">
               <a:rPr lang="de-DE" smtClean="0"/>
-              <a:t>19.09.2013</a:t>
+              <a:t>20.09.2013</a:t>
             </a:fld>
             <a:endParaRPr lang="de-DE"/>
           </a:p>
@@ -1309,7 +1312,7 @@
           <a:p>
             <a:fld id="{739125D8-FD85-4FE8-A7C4-126F06AA89EA}" type="slidenum">
               <a:rPr lang="de-DE" smtClean="0"/>
-              <a:t>‹Nr.›</a:t>
+              <a:t>‹#›</a:t>
             </a:fld>
             <a:endParaRPr lang="de-DE"/>
           </a:p>
@@ -1585,7 +1588,7 @@
           <a:p>
             <a:fld id="{ED9750E0-CE15-4EC1-B1D0-C2B3694DFCFC}" type="datetimeFigureOut">
               <a:rPr lang="de-DE" smtClean="0"/>
-              <a:t>19.09.2013</a:t>
+              <a:t>20.09.2013</a:t>
             </a:fld>
             <a:endParaRPr lang="de-DE"/>
           </a:p>
@@ -1608,7 +1611,7 @@
           <a:p>
             <a:fld id="{739125D8-FD85-4FE8-A7C4-126F06AA89EA}" type="slidenum">
               <a:rPr lang="de-DE" smtClean="0"/>
-              <a:t>‹Nr.›</a:t>
+              <a:t>‹#›</a:t>
             </a:fld>
             <a:endParaRPr lang="de-DE"/>
           </a:p>
@@ -2027,7 +2030,7 @@
           <a:p>
             <a:fld id="{ED9750E0-CE15-4EC1-B1D0-C2B3694DFCFC}" type="datetimeFigureOut">
               <a:rPr lang="de-DE" smtClean="0"/>
-              <a:t>19.09.2013</a:t>
+              <a:t>20.09.2013</a:t>
             </a:fld>
             <a:endParaRPr lang="de-DE"/>
           </a:p>
@@ -2050,7 +2053,7 @@
           <a:p>
             <a:fld id="{739125D8-FD85-4FE8-A7C4-126F06AA89EA}" type="slidenum">
               <a:rPr lang="de-DE" smtClean="0"/>
-              <a:t>‹Nr.›</a:t>
+              <a:t>‹#›</a:t>
             </a:fld>
             <a:endParaRPr lang="de-DE"/>
           </a:p>
@@ -2134,7 +2137,7 @@
           <a:p>
             <a:fld id="{ED9750E0-CE15-4EC1-B1D0-C2B3694DFCFC}" type="datetimeFigureOut">
               <a:rPr lang="de-DE" smtClean="0"/>
-              <a:t>19.09.2013</a:t>
+              <a:t>20.09.2013</a:t>
             </a:fld>
             <a:endParaRPr lang="de-DE"/>
           </a:p>
@@ -2180,7 +2183,7 @@
           <a:p>
             <a:fld id="{739125D8-FD85-4FE8-A7C4-126F06AA89EA}" type="slidenum">
               <a:rPr lang="de-DE" smtClean="0"/>
-              <a:t>‹Nr.›</a:t>
+              <a:t>‹#›</a:t>
             </a:fld>
             <a:endParaRPr lang="de-DE"/>
           </a:p>
@@ -2254,7 +2257,7 @@
           <a:p>
             <a:fld id="{ED9750E0-CE15-4EC1-B1D0-C2B3694DFCFC}" type="datetimeFigureOut">
               <a:rPr lang="de-DE" smtClean="0"/>
-              <a:t>19.09.2013</a:t>
+              <a:t>20.09.2013</a:t>
             </a:fld>
             <a:endParaRPr lang="de-DE"/>
           </a:p>
@@ -2296,7 +2299,7 @@
           <a:p>
             <a:fld id="{739125D8-FD85-4FE8-A7C4-126F06AA89EA}" type="slidenum">
               <a:rPr lang="de-DE" smtClean="0"/>
-              <a:t>‹Nr.›</a:t>
+              <a:t>‹#›</a:t>
             </a:fld>
             <a:endParaRPr lang="de-DE"/>
           </a:p>
@@ -2539,7 +2542,7 @@
           <a:p>
             <a:fld id="{ED9750E0-CE15-4EC1-B1D0-C2B3694DFCFC}" type="datetimeFigureOut">
               <a:rPr lang="de-DE" smtClean="0"/>
-              <a:t>19.09.2013</a:t>
+              <a:t>20.09.2013</a:t>
             </a:fld>
             <a:endParaRPr lang="de-DE"/>
           </a:p>
@@ -2562,7 +2565,7 @@
           <a:p>
             <a:fld id="{739125D8-FD85-4FE8-A7C4-126F06AA89EA}" type="slidenum">
               <a:rPr lang="de-DE" smtClean="0"/>
-              <a:t>‹Nr.›</a:t>
+              <a:t>‹#›</a:t>
             </a:fld>
             <a:endParaRPr lang="de-DE"/>
           </a:p>
@@ -2810,7 +2813,7 @@
           <a:p>
             <a:fld id="{ED9750E0-CE15-4EC1-B1D0-C2B3694DFCFC}" type="datetimeFigureOut">
               <a:rPr lang="de-DE" smtClean="0"/>
-              <a:t>19.09.2013</a:t>
+              <a:t>20.09.2013</a:t>
             </a:fld>
             <a:endParaRPr lang="de-DE"/>
           </a:p>
@@ -2833,7 +2836,7 @@
           <a:p>
             <a:fld id="{739125D8-FD85-4FE8-A7C4-126F06AA89EA}" type="slidenum">
               <a:rPr lang="de-DE" smtClean="0"/>
-              <a:t>‹Nr.›</a:t>
+              <a:t>‹#›</a:t>
             </a:fld>
             <a:endParaRPr lang="de-DE"/>
           </a:p>
@@ -3030,7 +3033,7 @@
           <a:p>
             <a:fld id="{ED9750E0-CE15-4EC1-B1D0-C2B3694DFCFC}" type="datetimeFigureOut">
               <a:rPr lang="de-DE" smtClean="0"/>
-              <a:t>19.09.2013</a:t>
+              <a:t>20.09.2013</a:t>
             </a:fld>
             <a:endParaRPr lang="de-DE"/>
           </a:p>
@@ -3106,7 +3109,7 @@
           <a:p>
             <a:fld id="{739125D8-FD85-4FE8-A7C4-126F06AA89EA}" type="slidenum">
               <a:rPr lang="de-DE" smtClean="0"/>
-              <a:t>‹Nr.›</a:t>
+              <a:t>‹#›</a:t>
             </a:fld>
             <a:endParaRPr lang="de-DE"/>
           </a:p>
@@ -5093,13 +5096,13 @@
       </p:grpSpPr>
       <p:sp>
         <p:nvSpPr>
-          <p:cNvPr id="4" name="TextBox 5"/>
+          <p:cNvPr id="4" name="TextBox 3"/>
           <p:cNvSpPr txBox="1"/>
           <p:nvPr/>
         </p:nvSpPr>
         <p:spPr>
           <a:xfrm>
-            <a:off x="296172" y="6492652"/>
+            <a:off x="467544" y="6453336"/>
             <a:ext cx="1296144" cy="369332"/>
           </a:xfrm>
           <a:prstGeom prst="rect">
@@ -5114,12 +5117,20 @@
           <a:lstStyle/>
           <a:p>
             <a:r>
-              <a:rPr lang="de-DE" dirty="0" err="1" smtClean="0">
+              <a:rPr lang="de-DE" dirty="0" smtClean="0">
                 <a:solidFill>
                   <a:schemeClr val="bg1"/>
                 </a:solidFill>
               </a:rPr>
-              <a:t>Sequence</a:t>
+              <a:t>Funktion </a:t>
+            </a:r>
+            <a:r>
+              <a:rPr lang="de-DE" dirty="0" smtClean="0">
+                <a:solidFill>
+                  <a:schemeClr val="bg1"/>
+                </a:solidFill>
+              </a:rPr>
+              <a:t>3</a:t>
             </a:r>
             <a:endParaRPr lang="de-DE" dirty="0">
               <a:solidFill>
@@ -5131,14 +5142,14 @@
       </p:sp>
       <p:sp>
         <p:nvSpPr>
-          <p:cNvPr id="5" name="Textfeld 4"/>
+          <p:cNvPr id="5" name="TextBox 4"/>
           <p:cNvSpPr txBox="1"/>
           <p:nvPr/>
         </p:nvSpPr>
         <p:spPr>
           <a:xfrm>
-            <a:off x="287524" y="476672"/>
-            <a:ext cx="4176464" cy="369332"/>
+            <a:off x="755576" y="620688"/>
+            <a:ext cx="4320480" cy="369332"/>
           </a:xfrm>
           <a:prstGeom prst="rect">
             <a:avLst/>
@@ -5152,16 +5163,8 @@
           <a:lstStyle/>
           <a:p>
             <a:r>
-              <a:rPr lang="de-DE" dirty="0" err="1" smtClean="0"/>
-              <a:t>Sequence</a:t>
-            </a:r>
-            <a:r>
-              <a:rPr lang="de-DE" dirty="0" smtClean="0"/>
-              <a:t> Library von </a:t>
-            </a:r>
-            <a:r>
-              <a:rPr lang="de-DE" dirty="0" err="1" smtClean="0"/>
-              <a:t>Clojure</a:t>
+              <a:rPr lang="de-DE" dirty="0" smtClean="0"/>
+              <a:t>Funktionen erzeugen, Varianten</a:t>
             </a:r>
             <a:endParaRPr lang="de-DE" dirty="0"/>
           </a:p>
@@ -5169,1906 +5172,222 @@
       </p:sp>
       <p:sp>
         <p:nvSpPr>
-          <p:cNvPr id="6" name="Rechteck 5"/>
-          <p:cNvSpPr/>
+          <p:cNvPr id="6" name="TextBox 5"/>
+          <p:cNvSpPr txBox="1"/>
           <p:nvPr/>
         </p:nvSpPr>
         <p:spPr>
           <a:xfrm>
-            <a:off x="395536" y="908720"/>
-            <a:ext cx="8424936" cy="646331"/>
+            <a:off x="899592" y="1340768"/>
+            <a:ext cx="5328592" cy="4524315"/>
           </a:xfrm>
           <a:prstGeom prst="rect">
             <a:avLst/>
           </a:prstGeom>
+          <a:noFill/>
         </p:spPr>
         <p:txBody>
-          <a:bodyPr wrap="square">
+          <a:bodyPr wrap="square" rtlCol="0">
             <a:spAutoFit/>
           </a:bodyPr>
           <a:lstStyle/>
           <a:p>
             <a:r>
-              <a:rPr lang="en-US" dirty="0"/>
-              <a:t>"It is better to have 100 functions operate on one data structure than 10 functions on 10 data structures." —Alan Perlis</a:t>
+              <a:rPr lang="de-DE" dirty="0" smtClean="0"/>
+              <a:t>; Erzeugung einer Funktion mit </a:t>
+            </a:r>
+            <a:r>
+              <a:rPr lang="de-DE" dirty="0" err="1" smtClean="0"/>
+              <a:t>defn</a:t>
+            </a:r>
+            <a:r>
+              <a:rPr lang="de-DE" dirty="0" smtClean="0"/>
+              <a:t> </a:t>
+            </a:r>
+            <a:r>
+              <a:rPr lang="de-DE" dirty="0" err="1" smtClean="0"/>
+              <a:t>macro</a:t>
+            </a:r>
+            <a:endParaRPr lang="de-DE" dirty="0" smtClean="0"/>
+          </a:p>
+          <a:p>
+            <a:r>
+              <a:rPr lang="de-DE" dirty="0" smtClean="0"/>
+              <a:t>(</a:t>
+            </a:r>
+            <a:r>
+              <a:rPr lang="de-DE" dirty="0" err="1" smtClean="0"/>
+              <a:t>defn</a:t>
+            </a:r>
+            <a:r>
+              <a:rPr lang="de-DE" dirty="0" smtClean="0"/>
+              <a:t> </a:t>
+            </a:r>
+            <a:r>
+              <a:rPr lang="de-DE" dirty="0" err="1" smtClean="0"/>
+              <a:t>quadrat</a:t>
+            </a:r>
+            <a:r>
+              <a:rPr lang="de-DE" dirty="0" smtClean="0"/>
+              <a:t> [x] (* x x))</a:t>
             </a:r>
             <a:endParaRPr lang="de-DE" dirty="0"/>
           </a:p>
-        </p:txBody>
-      </p:sp>
-      <p:sp>
-        <p:nvSpPr>
-          <p:cNvPr id="7" name="Rechteck 6"/>
-          <p:cNvSpPr/>
-          <p:nvPr/>
-        </p:nvSpPr>
-        <p:spPr>
-          <a:xfrm>
-            <a:off x="287524" y="1527782"/>
-            <a:ext cx="8514081" cy="5047536"/>
-          </a:xfrm>
-          <a:prstGeom prst="rect">
-            <a:avLst/>
-          </a:prstGeom>
-        </p:spPr>
-        <p:txBody>
-          <a:bodyPr wrap="square">
-            <a:spAutoFit/>
-          </a:bodyPr>
-          <a:lstStyle/>
-          <a:p>
-            <a:r>
-              <a:rPr lang="de-DE" sz="1400" b="1" dirty="0" err="1"/>
-              <a:t>Seq</a:t>
-            </a:r>
-            <a:r>
-              <a:rPr lang="de-DE" sz="1400" b="1" dirty="0"/>
-              <a:t> in, </a:t>
-            </a:r>
-            <a:r>
-              <a:rPr lang="de-DE" sz="1400" b="1" dirty="0" err="1"/>
-              <a:t>Seq</a:t>
-            </a:r>
-            <a:r>
-              <a:rPr lang="de-DE" sz="1400" b="1" dirty="0"/>
-              <a:t> out</a:t>
-            </a:r>
-          </a:p>
-          <a:p>
-            <a:r>
-              <a:rPr lang="de-DE" sz="1400" dirty="0"/>
-              <a:t>Shorter </a:t>
-            </a:r>
-            <a:r>
-              <a:rPr lang="de-DE" sz="1400" dirty="0" err="1"/>
-              <a:t>seq</a:t>
-            </a:r>
-            <a:r>
-              <a:rPr lang="de-DE" sz="1400" dirty="0"/>
-              <a:t> </a:t>
-            </a:r>
-            <a:r>
-              <a:rPr lang="de-DE" sz="1400" dirty="0" err="1"/>
-              <a:t>from</a:t>
-            </a:r>
-            <a:r>
-              <a:rPr lang="de-DE" sz="1400" dirty="0"/>
-              <a:t> a </a:t>
-            </a:r>
-            <a:r>
-              <a:rPr lang="de-DE" sz="1400" dirty="0" err="1"/>
-              <a:t>longer</a:t>
-            </a:r>
-            <a:r>
-              <a:rPr lang="de-DE" sz="1400" dirty="0"/>
-              <a:t> </a:t>
-            </a:r>
-            <a:r>
-              <a:rPr lang="de-DE" sz="1400" dirty="0" err="1"/>
-              <a:t>seq</a:t>
-            </a:r>
-            <a:r>
-              <a:rPr lang="de-DE" sz="1400" dirty="0"/>
-              <a:t>: </a:t>
-            </a:r>
-            <a:r>
-              <a:rPr lang="de-DE" sz="1400" dirty="0" err="1">
-                <a:hlinkClick r:id="rId2"/>
-              </a:rPr>
-              <a:t>distinct</a:t>
-            </a:r>
-            <a:r>
-              <a:rPr lang="de-DE" sz="1400" dirty="0"/>
-              <a:t> </a:t>
-            </a:r>
-            <a:r>
-              <a:rPr lang="de-DE" sz="1400" dirty="0" err="1">
-                <a:hlinkClick r:id="rId2"/>
-              </a:rPr>
-              <a:t>filter</a:t>
-            </a:r>
-            <a:r>
-              <a:rPr lang="de-DE" sz="1400" dirty="0"/>
-              <a:t> </a:t>
-            </a:r>
-            <a:r>
-              <a:rPr lang="de-DE" sz="1400" dirty="0" err="1">
-                <a:hlinkClick r:id="rId2"/>
-              </a:rPr>
-              <a:t>remove</a:t>
-            </a:r>
-            <a:r>
-              <a:rPr lang="de-DE" sz="1400" dirty="0"/>
-              <a:t> </a:t>
-            </a:r>
-            <a:r>
-              <a:rPr lang="de-DE" sz="1400" dirty="0" err="1">
-                <a:hlinkClick r:id="rId2"/>
-              </a:rPr>
-              <a:t>for</a:t>
-            </a:r>
-            <a:r>
-              <a:rPr lang="de-DE" sz="1400" dirty="0"/>
-              <a:t> </a:t>
-            </a:r>
-            <a:r>
-              <a:rPr lang="de-DE" sz="1400" dirty="0" err="1">
-                <a:hlinkClick r:id="rId2"/>
-              </a:rPr>
-              <a:t>keep</a:t>
-            </a:r>
-            <a:r>
-              <a:rPr lang="de-DE" sz="1400" dirty="0"/>
-              <a:t> </a:t>
-            </a:r>
-            <a:r>
-              <a:rPr lang="de-DE" sz="1400" dirty="0" err="1">
-                <a:hlinkClick r:id="rId2"/>
-              </a:rPr>
-              <a:t>keep-indexed</a:t>
-            </a:r>
-            <a:r>
-              <a:rPr lang="de-DE" sz="1400" dirty="0"/>
-              <a:t/>
-            </a:r>
-            <a:br>
-              <a:rPr lang="de-DE" sz="1400" dirty="0"/>
-            </a:br>
-            <a:r>
-              <a:rPr lang="de-DE" sz="1400" dirty="0" err="1"/>
-              <a:t>Longer</a:t>
-            </a:r>
-            <a:r>
-              <a:rPr lang="de-DE" sz="1400" dirty="0"/>
-              <a:t> </a:t>
-            </a:r>
-            <a:r>
-              <a:rPr lang="de-DE" sz="1400" dirty="0" err="1"/>
-              <a:t>seq</a:t>
-            </a:r>
-            <a:r>
-              <a:rPr lang="de-DE" sz="1400" dirty="0"/>
-              <a:t> </a:t>
-            </a:r>
-            <a:r>
-              <a:rPr lang="de-DE" sz="1400" dirty="0" err="1"/>
-              <a:t>from</a:t>
-            </a:r>
-            <a:r>
-              <a:rPr lang="de-DE" sz="1400" dirty="0"/>
-              <a:t> a </a:t>
-            </a:r>
-            <a:r>
-              <a:rPr lang="de-DE" sz="1400" dirty="0" err="1"/>
-              <a:t>shorter</a:t>
-            </a:r>
-            <a:r>
-              <a:rPr lang="de-DE" sz="1400" dirty="0"/>
-              <a:t> </a:t>
-            </a:r>
-            <a:r>
-              <a:rPr lang="de-DE" sz="1400" dirty="0" err="1"/>
-              <a:t>seq</a:t>
-            </a:r>
-            <a:r>
-              <a:rPr lang="de-DE" sz="1400" dirty="0"/>
-              <a:t>: </a:t>
-            </a:r>
-            <a:r>
-              <a:rPr lang="de-DE" sz="1400" dirty="0" err="1">
-                <a:hlinkClick r:id="rId2"/>
-              </a:rPr>
-              <a:t>cons</a:t>
-            </a:r>
-            <a:r>
-              <a:rPr lang="de-DE" sz="1400" dirty="0"/>
-              <a:t> </a:t>
-            </a:r>
-            <a:r>
-              <a:rPr lang="de-DE" sz="1400" dirty="0" err="1">
-                <a:hlinkClick r:id="rId2"/>
-              </a:rPr>
-              <a:t>concat</a:t>
-            </a:r>
-            <a:r>
-              <a:rPr lang="de-DE" sz="1400" dirty="0"/>
-              <a:t> </a:t>
-            </a:r>
-            <a:r>
-              <a:rPr lang="de-DE" sz="1400" dirty="0" err="1">
-                <a:hlinkClick r:id="rId2"/>
-              </a:rPr>
-              <a:t>lazy-cat</a:t>
-            </a:r>
-            <a:r>
-              <a:rPr lang="de-DE" sz="1400" dirty="0"/>
-              <a:t> </a:t>
-            </a:r>
-            <a:r>
-              <a:rPr lang="de-DE" sz="1400" dirty="0" err="1">
-                <a:hlinkClick r:id="rId2"/>
-              </a:rPr>
-              <a:t>mapcat</a:t>
-            </a:r>
-            <a:r>
-              <a:rPr lang="de-DE" sz="1400" dirty="0"/>
-              <a:t> </a:t>
-            </a:r>
-            <a:r>
-              <a:rPr lang="de-DE" sz="1400" dirty="0" err="1">
-                <a:hlinkClick r:id="rId2"/>
-              </a:rPr>
-              <a:t>cycle</a:t>
-            </a:r>
-            <a:r>
-              <a:rPr lang="de-DE" sz="1400" dirty="0"/>
-              <a:t> </a:t>
-            </a:r>
-            <a:r>
-              <a:rPr lang="de-DE" sz="1400" dirty="0" err="1">
-                <a:hlinkClick r:id="rId2"/>
-              </a:rPr>
-              <a:t>interleave</a:t>
-            </a:r>
-            <a:r>
-              <a:rPr lang="de-DE" sz="1400" dirty="0"/>
-              <a:t> </a:t>
-            </a:r>
-            <a:r>
-              <a:rPr lang="de-DE" sz="1400" dirty="0" err="1">
-                <a:hlinkClick r:id="rId2"/>
-              </a:rPr>
-              <a:t>interpose</a:t>
-            </a:r>
-            <a:r>
-              <a:rPr lang="de-DE" sz="1400" dirty="0"/>
-              <a:t/>
-            </a:r>
-            <a:br>
-              <a:rPr lang="de-DE" sz="1400" dirty="0"/>
-            </a:br>
-            <a:r>
-              <a:rPr lang="de-DE" sz="1400" dirty="0" err="1"/>
-              <a:t>Seq</a:t>
-            </a:r>
-            <a:r>
-              <a:rPr lang="de-DE" sz="1400" dirty="0"/>
-              <a:t> </a:t>
-            </a:r>
-            <a:r>
-              <a:rPr lang="de-DE" sz="1400" dirty="0" err="1"/>
-              <a:t>with</a:t>
-            </a:r>
-            <a:r>
-              <a:rPr lang="de-DE" sz="1400" dirty="0"/>
-              <a:t> </a:t>
-            </a:r>
-            <a:r>
-              <a:rPr lang="de-DE" sz="1400" dirty="0" err="1"/>
-              <a:t>head</a:t>
-            </a:r>
-            <a:r>
-              <a:rPr lang="de-DE" sz="1400" dirty="0"/>
-              <a:t>-items </a:t>
-            </a:r>
-            <a:r>
-              <a:rPr lang="de-DE" sz="1400" dirty="0" err="1"/>
-              <a:t>missing</a:t>
-            </a:r>
-            <a:r>
-              <a:rPr lang="de-DE" sz="1400" dirty="0"/>
-              <a:t>: </a:t>
-            </a:r>
-            <a:r>
-              <a:rPr lang="de-DE" sz="1400" dirty="0" err="1">
-                <a:hlinkClick r:id="rId2"/>
-              </a:rPr>
-              <a:t>rest</a:t>
-            </a:r>
-            <a:r>
-              <a:rPr lang="de-DE" sz="1400" dirty="0"/>
-              <a:t> </a:t>
-            </a:r>
-            <a:r>
-              <a:rPr lang="de-DE" sz="1400" dirty="0" err="1">
-                <a:hlinkClick r:id="rId2"/>
-              </a:rPr>
-              <a:t>next</a:t>
-            </a:r>
-            <a:r>
-              <a:rPr lang="de-DE" sz="1400" dirty="0"/>
-              <a:t> </a:t>
-            </a:r>
-            <a:r>
-              <a:rPr lang="de-DE" sz="1400" dirty="0" err="1">
-                <a:hlinkClick r:id="rId2"/>
-              </a:rPr>
-              <a:t>fnext</a:t>
-            </a:r>
-            <a:r>
-              <a:rPr lang="de-DE" sz="1400" dirty="0"/>
-              <a:t> </a:t>
-            </a:r>
-            <a:r>
-              <a:rPr lang="de-DE" sz="1400" dirty="0" err="1">
-                <a:hlinkClick r:id="rId2"/>
-              </a:rPr>
-              <a:t>nnext</a:t>
-            </a:r>
-            <a:r>
-              <a:rPr lang="de-DE" sz="1400" dirty="0"/>
-              <a:t> </a:t>
-            </a:r>
-            <a:r>
-              <a:rPr lang="de-DE" sz="1400" dirty="0" err="1">
-                <a:hlinkClick r:id="rId2"/>
-              </a:rPr>
-              <a:t>drop</a:t>
-            </a:r>
-            <a:r>
-              <a:rPr lang="de-DE" sz="1400" dirty="0"/>
-              <a:t> </a:t>
-            </a:r>
-            <a:r>
-              <a:rPr lang="de-DE" sz="1400" dirty="0" err="1">
-                <a:hlinkClick r:id="rId2"/>
-              </a:rPr>
-              <a:t>drop-while</a:t>
-            </a:r>
-            <a:r>
-              <a:rPr lang="de-DE" sz="1400" dirty="0"/>
-              <a:t> </a:t>
-            </a:r>
-            <a:r>
-              <a:rPr lang="de-DE" sz="1400" dirty="0" err="1">
-                <a:hlinkClick r:id="rId2"/>
-              </a:rPr>
-              <a:t>nthnext</a:t>
-            </a:r>
-            <a:r>
-              <a:rPr lang="de-DE" sz="1400" dirty="0"/>
-              <a:t> </a:t>
-            </a:r>
-            <a:r>
-              <a:rPr lang="de-DE" sz="1400" dirty="0" err="1">
-                <a:hlinkClick r:id="rId2"/>
-              </a:rPr>
-              <a:t>for</a:t>
-            </a:r>
-            <a:r>
-              <a:rPr lang="de-DE" sz="1400" dirty="0"/>
-              <a:t/>
-            </a:r>
-            <a:br>
-              <a:rPr lang="de-DE" sz="1400" dirty="0"/>
-            </a:br>
-            <a:r>
-              <a:rPr lang="de-DE" sz="1400" dirty="0" err="1"/>
-              <a:t>Seq</a:t>
-            </a:r>
-            <a:r>
-              <a:rPr lang="de-DE" sz="1400" dirty="0"/>
-              <a:t> </a:t>
-            </a:r>
-            <a:r>
-              <a:rPr lang="de-DE" sz="1400" dirty="0" err="1"/>
-              <a:t>with</a:t>
-            </a:r>
-            <a:r>
-              <a:rPr lang="de-DE" sz="1400" dirty="0"/>
-              <a:t> </a:t>
-            </a:r>
-            <a:r>
-              <a:rPr lang="de-DE" sz="1400" dirty="0" err="1"/>
-              <a:t>tail</a:t>
-            </a:r>
-            <a:r>
-              <a:rPr lang="de-DE" sz="1400" dirty="0"/>
-              <a:t>-items </a:t>
-            </a:r>
-            <a:r>
-              <a:rPr lang="de-DE" sz="1400" dirty="0" err="1"/>
-              <a:t>missing</a:t>
-            </a:r>
-            <a:r>
-              <a:rPr lang="de-DE" sz="1400" dirty="0"/>
-              <a:t>: </a:t>
-            </a:r>
-            <a:r>
-              <a:rPr lang="de-DE" sz="1400" dirty="0" err="1">
-                <a:hlinkClick r:id="rId2"/>
-              </a:rPr>
-              <a:t>take</a:t>
-            </a:r>
-            <a:r>
-              <a:rPr lang="de-DE" sz="1400" dirty="0"/>
-              <a:t> </a:t>
-            </a:r>
-            <a:r>
-              <a:rPr lang="de-DE" sz="1400" dirty="0" err="1">
-                <a:hlinkClick r:id="rId2"/>
-              </a:rPr>
-              <a:t>take-nth</a:t>
-            </a:r>
-            <a:r>
-              <a:rPr lang="de-DE" sz="1400" dirty="0"/>
-              <a:t> </a:t>
-            </a:r>
-            <a:r>
-              <a:rPr lang="de-DE" sz="1400" dirty="0" err="1">
-                <a:hlinkClick r:id="rId2"/>
-              </a:rPr>
-              <a:t>take-while</a:t>
-            </a:r>
-            <a:r>
-              <a:rPr lang="de-DE" sz="1400" dirty="0"/>
-              <a:t> </a:t>
-            </a:r>
-            <a:r>
-              <a:rPr lang="de-DE" sz="1400" dirty="0" err="1">
-                <a:hlinkClick r:id="rId2"/>
-              </a:rPr>
-              <a:t>butlast</a:t>
-            </a:r>
-            <a:r>
-              <a:rPr lang="de-DE" sz="1400" dirty="0"/>
-              <a:t> </a:t>
-            </a:r>
-            <a:r>
-              <a:rPr lang="de-DE" sz="1400" dirty="0" err="1">
-                <a:hlinkClick r:id="rId2"/>
-              </a:rPr>
-              <a:t>drop</a:t>
-            </a:r>
-            <a:r>
-              <a:rPr lang="de-DE" sz="1400" dirty="0">
-                <a:hlinkClick r:id="rId2"/>
-              </a:rPr>
-              <a:t>-last</a:t>
-            </a:r>
-            <a:r>
-              <a:rPr lang="de-DE" sz="1400" dirty="0"/>
-              <a:t> </a:t>
-            </a:r>
-            <a:r>
-              <a:rPr lang="de-DE" sz="1400" dirty="0" err="1">
-                <a:hlinkClick r:id="rId2"/>
-              </a:rPr>
-              <a:t>for</a:t>
-            </a:r>
-            <a:r>
-              <a:rPr lang="de-DE" sz="1400" dirty="0"/>
-              <a:t/>
-            </a:r>
-            <a:br>
-              <a:rPr lang="de-DE" sz="1400" dirty="0"/>
-            </a:br>
-            <a:r>
-              <a:rPr lang="de-DE" sz="1400" dirty="0" err="1"/>
-              <a:t>Rearrangment</a:t>
-            </a:r>
-            <a:r>
-              <a:rPr lang="de-DE" sz="1400" dirty="0"/>
-              <a:t> </a:t>
-            </a:r>
-            <a:r>
-              <a:rPr lang="de-DE" sz="1400" dirty="0" err="1"/>
-              <a:t>of</a:t>
-            </a:r>
-            <a:r>
-              <a:rPr lang="de-DE" sz="1400" dirty="0"/>
-              <a:t> a </a:t>
-            </a:r>
-            <a:r>
-              <a:rPr lang="de-DE" sz="1400" dirty="0" err="1"/>
-              <a:t>seq</a:t>
-            </a:r>
-            <a:r>
-              <a:rPr lang="de-DE" sz="1400" dirty="0"/>
-              <a:t>: </a:t>
-            </a:r>
-            <a:r>
-              <a:rPr lang="de-DE" sz="1400" dirty="0" err="1">
-                <a:hlinkClick r:id="rId2"/>
-              </a:rPr>
-              <a:t>flatten</a:t>
-            </a:r>
-            <a:r>
-              <a:rPr lang="de-DE" sz="1400" dirty="0"/>
-              <a:t> </a:t>
-            </a:r>
-            <a:r>
-              <a:rPr lang="de-DE" sz="1400" dirty="0" err="1">
-                <a:hlinkClick r:id="rId2"/>
-              </a:rPr>
-              <a:t>reverse</a:t>
-            </a:r>
-            <a:r>
-              <a:rPr lang="de-DE" sz="1400" dirty="0"/>
-              <a:t> </a:t>
-            </a:r>
-            <a:r>
-              <a:rPr lang="de-DE" sz="1400" dirty="0" err="1">
-                <a:hlinkClick r:id="rId2"/>
-              </a:rPr>
-              <a:t>sort</a:t>
-            </a:r>
-            <a:r>
-              <a:rPr lang="de-DE" sz="1400" dirty="0"/>
-              <a:t> </a:t>
-            </a:r>
-            <a:r>
-              <a:rPr lang="de-DE" sz="1400" dirty="0" err="1">
-                <a:hlinkClick r:id="rId2"/>
-              </a:rPr>
-              <a:t>sort-by</a:t>
-            </a:r>
-            <a:r>
-              <a:rPr lang="de-DE" sz="1400" dirty="0"/>
-              <a:t> </a:t>
-            </a:r>
-            <a:r>
-              <a:rPr lang="de-DE" sz="1400" dirty="0" err="1">
-                <a:hlinkClick r:id="rId2"/>
-              </a:rPr>
-              <a:t>shuffle</a:t>
-            </a:r>
-            <a:r>
-              <a:rPr lang="de-DE" sz="1400" dirty="0"/>
-              <a:t/>
-            </a:r>
-            <a:br>
-              <a:rPr lang="de-DE" sz="1400" dirty="0"/>
-            </a:br>
-            <a:r>
-              <a:rPr lang="de-DE" sz="1400" dirty="0"/>
-              <a:t>Create </a:t>
-            </a:r>
-            <a:r>
-              <a:rPr lang="de-DE" sz="1400" dirty="0" err="1"/>
-              <a:t>nested</a:t>
-            </a:r>
-            <a:r>
-              <a:rPr lang="de-DE" sz="1400" dirty="0"/>
-              <a:t> </a:t>
-            </a:r>
-            <a:r>
-              <a:rPr lang="de-DE" sz="1400" dirty="0" err="1"/>
-              <a:t>seqs</a:t>
-            </a:r>
-            <a:r>
-              <a:rPr lang="de-DE" sz="1400" dirty="0"/>
-              <a:t>: </a:t>
-            </a:r>
-            <a:r>
-              <a:rPr lang="de-DE" sz="1400" dirty="0" err="1">
-                <a:hlinkClick r:id="rId2"/>
-              </a:rPr>
-              <a:t>split-at</a:t>
-            </a:r>
-            <a:r>
-              <a:rPr lang="de-DE" sz="1400" dirty="0"/>
-              <a:t> </a:t>
-            </a:r>
-            <a:r>
-              <a:rPr lang="de-DE" sz="1400" dirty="0" err="1">
-                <a:hlinkClick r:id="rId2"/>
-              </a:rPr>
-              <a:t>split-with</a:t>
-            </a:r>
-            <a:r>
-              <a:rPr lang="de-DE" sz="1400" dirty="0"/>
-              <a:t> </a:t>
-            </a:r>
-            <a:r>
-              <a:rPr lang="de-DE" sz="1400" dirty="0" err="1">
-                <a:hlinkClick r:id="rId2"/>
-              </a:rPr>
-              <a:t>partition</a:t>
-            </a:r>
-            <a:r>
-              <a:rPr lang="de-DE" sz="1400" dirty="0"/>
-              <a:t> </a:t>
-            </a:r>
-            <a:r>
-              <a:rPr lang="de-DE" sz="1400" dirty="0" err="1">
-                <a:hlinkClick r:id="rId2"/>
-              </a:rPr>
-              <a:t>partition</a:t>
-            </a:r>
-            <a:r>
-              <a:rPr lang="de-DE" sz="1400" dirty="0">
-                <a:hlinkClick r:id="rId2"/>
-              </a:rPr>
-              <a:t>-all</a:t>
-            </a:r>
-            <a:r>
-              <a:rPr lang="de-DE" sz="1400" dirty="0"/>
-              <a:t> </a:t>
-            </a:r>
-            <a:r>
-              <a:rPr lang="de-DE" sz="1400" dirty="0" err="1">
-                <a:hlinkClick r:id="rId2"/>
-              </a:rPr>
-              <a:t>partition-by</a:t>
-            </a:r>
-            <a:r>
-              <a:rPr lang="de-DE" sz="1400" dirty="0"/>
-              <a:t/>
-            </a:r>
-            <a:br>
-              <a:rPr lang="de-DE" sz="1400" dirty="0"/>
-            </a:br>
-            <a:r>
-              <a:rPr lang="de-DE" sz="1400" dirty="0" err="1"/>
-              <a:t>Process</a:t>
-            </a:r>
-            <a:r>
-              <a:rPr lang="de-DE" sz="1400" dirty="0"/>
-              <a:t> </a:t>
-            </a:r>
-            <a:r>
-              <a:rPr lang="de-DE" sz="1400" dirty="0" err="1"/>
-              <a:t>each</a:t>
-            </a:r>
-            <a:r>
-              <a:rPr lang="de-DE" sz="1400" dirty="0"/>
-              <a:t> item </a:t>
-            </a:r>
-            <a:r>
-              <a:rPr lang="de-DE" sz="1400" dirty="0" err="1"/>
-              <a:t>of</a:t>
-            </a:r>
-            <a:r>
-              <a:rPr lang="de-DE" sz="1400" dirty="0"/>
-              <a:t> a </a:t>
-            </a:r>
-            <a:r>
-              <a:rPr lang="de-DE" sz="1400" dirty="0" err="1"/>
-              <a:t>seq</a:t>
-            </a:r>
-            <a:r>
-              <a:rPr lang="de-DE" sz="1400" dirty="0"/>
-              <a:t> </a:t>
-            </a:r>
-            <a:r>
-              <a:rPr lang="de-DE" sz="1400" dirty="0" err="1"/>
-              <a:t>to</a:t>
-            </a:r>
-            <a:r>
-              <a:rPr lang="de-DE" sz="1400" dirty="0"/>
-              <a:t> </a:t>
-            </a:r>
-            <a:r>
-              <a:rPr lang="de-DE" sz="1400" dirty="0" err="1"/>
-              <a:t>create</a:t>
-            </a:r>
-            <a:r>
-              <a:rPr lang="de-DE" sz="1400" dirty="0"/>
-              <a:t> a </a:t>
-            </a:r>
-            <a:r>
-              <a:rPr lang="de-DE" sz="1400" dirty="0" err="1"/>
-              <a:t>new</a:t>
-            </a:r>
-            <a:r>
-              <a:rPr lang="de-DE" sz="1400" dirty="0"/>
-              <a:t> </a:t>
-            </a:r>
-            <a:r>
-              <a:rPr lang="de-DE" sz="1400" dirty="0" err="1"/>
-              <a:t>seq</a:t>
-            </a:r>
-            <a:r>
-              <a:rPr lang="de-DE" sz="1400" dirty="0"/>
-              <a:t>: </a:t>
-            </a:r>
-            <a:r>
-              <a:rPr lang="de-DE" sz="1400" dirty="0" err="1">
-                <a:hlinkClick r:id="rId2"/>
-              </a:rPr>
-              <a:t>map</a:t>
-            </a:r>
-            <a:r>
-              <a:rPr lang="de-DE" sz="1400" dirty="0"/>
-              <a:t> </a:t>
-            </a:r>
-            <a:r>
-              <a:rPr lang="de-DE" sz="1400" dirty="0" err="1">
-                <a:hlinkClick r:id="rId2"/>
-              </a:rPr>
-              <a:t>pmap</a:t>
-            </a:r>
-            <a:r>
-              <a:rPr lang="de-DE" sz="1400" dirty="0"/>
-              <a:t> </a:t>
-            </a:r>
-            <a:r>
-              <a:rPr lang="de-DE" sz="1400" dirty="0" err="1">
-                <a:hlinkClick r:id="rId2"/>
-              </a:rPr>
-              <a:t>mapcat</a:t>
-            </a:r>
-            <a:r>
-              <a:rPr lang="de-DE" sz="1400" dirty="0"/>
-              <a:t> </a:t>
-            </a:r>
-            <a:r>
-              <a:rPr lang="de-DE" sz="1400" dirty="0" err="1">
-                <a:hlinkClick r:id="rId2"/>
-              </a:rPr>
-              <a:t>for</a:t>
-            </a:r>
-            <a:r>
-              <a:rPr lang="de-DE" sz="1400" dirty="0"/>
-              <a:t> </a:t>
-            </a:r>
-            <a:r>
-              <a:rPr lang="de-DE" sz="1400" dirty="0" err="1">
-                <a:hlinkClick r:id="rId2"/>
-              </a:rPr>
-              <a:t>replace</a:t>
-            </a:r>
-            <a:r>
-              <a:rPr lang="de-DE" sz="1400" dirty="0"/>
-              <a:t> </a:t>
-            </a:r>
-            <a:r>
-              <a:rPr lang="de-DE" sz="1400" dirty="0" err="1">
-                <a:hlinkClick r:id="rId2"/>
-              </a:rPr>
-              <a:t>reductions</a:t>
-            </a:r>
-            <a:r>
-              <a:rPr lang="de-DE" sz="1400" dirty="0"/>
-              <a:t> </a:t>
-            </a:r>
-            <a:r>
-              <a:rPr lang="de-DE" sz="1400" dirty="0" err="1">
-                <a:hlinkClick r:id="rId2"/>
-              </a:rPr>
-              <a:t>map-indexed</a:t>
-            </a:r>
-            <a:r>
-              <a:rPr lang="de-DE" sz="1400" dirty="0"/>
-              <a:t> </a:t>
-            </a:r>
-            <a:r>
-              <a:rPr lang="de-DE" sz="1400" dirty="0" err="1">
-                <a:hlinkClick r:id="rId2"/>
-              </a:rPr>
-              <a:t>seque</a:t>
-            </a:r>
-            <a:r>
-              <a:rPr lang="de-DE" sz="1400" dirty="0"/>
-              <a:t/>
-            </a:r>
-            <a:br>
-              <a:rPr lang="de-DE" sz="1400" dirty="0"/>
-            </a:br>
-            <a:r>
-              <a:rPr lang="de-DE" sz="1400" dirty="0"/>
-              <a:t/>
-            </a:r>
-            <a:br>
-              <a:rPr lang="de-DE" sz="1400" dirty="0"/>
-            </a:br>
-            <a:r>
-              <a:rPr lang="de-DE" sz="1400" b="1" dirty="0" err="1"/>
-              <a:t>Using</a:t>
-            </a:r>
-            <a:r>
-              <a:rPr lang="de-DE" sz="1400" b="1" dirty="0"/>
-              <a:t> a </a:t>
-            </a:r>
-            <a:r>
-              <a:rPr lang="de-DE" sz="1400" b="1" dirty="0" err="1"/>
-              <a:t>seq</a:t>
-            </a:r>
-            <a:endParaRPr lang="de-DE" sz="1400" b="1" dirty="0"/>
-          </a:p>
-          <a:p>
-            <a:r>
-              <a:rPr lang="de-DE" sz="1400" dirty="0" err="1"/>
-              <a:t>Extract</a:t>
-            </a:r>
-            <a:r>
-              <a:rPr lang="de-DE" sz="1400" dirty="0"/>
-              <a:t> a </a:t>
-            </a:r>
-            <a:r>
-              <a:rPr lang="de-DE" sz="1400" dirty="0" err="1"/>
-              <a:t>specific-numbered</a:t>
-            </a:r>
-            <a:r>
-              <a:rPr lang="de-DE" sz="1400" dirty="0"/>
-              <a:t> item </a:t>
-            </a:r>
-            <a:r>
-              <a:rPr lang="de-DE" sz="1400" dirty="0" err="1"/>
-              <a:t>from</a:t>
-            </a:r>
-            <a:r>
-              <a:rPr lang="de-DE" sz="1400" dirty="0"/>
-              <a:t> a </a:t>
-            </a:r>
-            <a:r>
-              <a:rPr lang="de-DE" sz="1400" dirty="0" err="1"/>
-              <a:t>seq</a:t>
-            </a:r>
-            <a:r>
-              <a:rPr lang="de-DE" sz="1400" dirty="0"/>
-              <a:t>: </a:t>
-            </a:r>
-            <a:r>
-              <a:rPr lang="de-DE" sz="1400" dirty="0" err="1">
-                <a:hlinkClick r:id="rId2"/>
-              </a:rPr>
-              <a:t>first</a:t>
-            </a:r>
-            <a:r>
-              <a:rPr lang="de-DE" sz="1400" dirty="0"/>
-              <a:t> </a:t>
-            </a:r>
-            <a:r>
-              <a:rPr lang="de-DE" sz="1400" dirty="0" err="1">
-                <a:hlinkClick r:id="rId2"/>
-              </a:rPr>
-              <a:t>ffirst</a:t>
-            </a:r>
-            <a:r>
-              <a:rPr lang="de-DE" sz="1400" dirty="0"/>
-              <a:t> </a:t>
-            </a:r>
-            <a:r>
-              <a:rPr lang="de-DE" sz="1400" dirty="0" err="1">
-                <a:hlinkClick r:id="rId2"/>
-              </a:rPr>
-              <a:t>nfirst</a:t>
-            </a:r>
-            <a:r>
-              <a:rPr lang="de-DE" sz="1400" dirty="0"/>
-              <a:t> </a:t>
-            </a:r>
-            <a:r>
-              <a:rPr lang="de-DE" sz="1400" dirty="0" err="1">
-                <a:hlinkClick r:id="rId2"/>
-              </a:rPr>
-              <a:t>second</a:t>
-            </a:r>
-            <a:r>
-              <a:rPr lang="de-DE" sz="1400" dirty="0"/>
-              <a:t> </a:t>
-            </a:r>
-            <a:r>
-              <a:rPr lang="de-DE" sz="1400" dirty="0" err="1">
-                <a:hlinkClick r:id="rId2"/>
-              </a:rPr>
-              <a:t>nth</a:t>
-            </a:r>
-            <a:r>
-              <a:rPr lang="de-DE" sz="1400" dirty="0"/>
-              <a:t> </a:t>
-            </a:r>
-            <a:r>
-              <a:rPr lang="de-DE" sz="1400" dirty="0" err="1">
-                <a:hlinkClick r:id="rId2"/>
-              </a:rPr>
-              <a:t>when</a:t>
-            </a:r>
-            <a:r>
-              <a:rPr lang="de-DE" sz="1400" dirty="0">
-                <a:hlinkClick r:id="rId2"/>
-              </a:rPr>
-              <a:t>-first</a:t>
-            </a:r>
-            <a:r>
-              <a:rPr lang="de-DE" sz="1400" dirty="0"/>
-              <a:t> </a:t>
-            </a:r>
-            <a:r>
-              <a:rPr lang="de-DE" sz="1400" dirty="0">
-                <a:hlinkClick r:id="rId2"/>
-              </a:rPr>
-              <a:t>last</a:t>
-            </a:r>
-            <a:r>
-              <a:rPr lang="de-DE" sz="1400" dirty="0"/>
-              <a:t> </a:t>
-            </a:r>
-            <a:r>
-              <a:rPr lang="de-DE" sz="1400" dirty="0">
-                <a:hlinkClick r:id="rId2"/>
-              </a:rPr>
-              <a:t>rand-</a:t>
-            </a:r>
-            <a:r>
-              <a:rPr lang="de-DE" sz="1400" dirty="0" err="1">
-                <a:hlinkClick r:id="rId2"/>
-              </a:rPr>
-              <a:t>nth</a:t>
-            </a:r>
-            <a:r>
-              <a:rPr lang="de-DE" sz="1400" dirty="0"/>
-              <a:t/>
-            </a:r>
-            <a:br>
-              <a:rPr lang="de-DE" sz="1400" dirty="0"/>
-            </a:br>
-            <a:r>
-              <a:rPr lang="de-DE" sz="1400" dirty="0" err="1"/>
-              <a:t>Construct</a:t>
-            </a:r>
-            <a:r>
-              <a:rPr lang="de-DE" sz="1400" dirty="0"/>
-              <a:t> a </a:t>
-            </a:r>
-            <a:r>
-              <a:rPr lang="de-DE" sz="1400" dirty="0" err="1"/>
-              <a:t>collection</a:t>
-            </a:r>
-            <a:r>
-              <a:rPr lang="de-DE" sz="1400" dirty="0"/>
-              <a:t> </a:t>
-            </a:r>
-            <a:r>
-              <a:rPr lang="de-DE" sz="1400" dirty="0" err="1"/>
-              <a:t>from</a:t>
-            </a:r>
-            <a:r>
-              <a:rPr lang="de-DE" sz="1400" dirty="0"/>
-              <a:t> a </a:t>
-            </a:r>
-            <a:r>
-              <a:rPr lang="de-DE" sz="1400" dirty="0" err="1"/>
-              <a:t>seq</a:t>
-            </a:r>
-            <a:r>
-              <a:rPr lang="de-DE" sz="1400" dirty="0"/>
-              <a:t>: </a:t>
-            </a:r>
-            <a:r>
-              <a:rPr lang="de-DE" sz="1400" dirty="0" err="1">
-                <a:hlinkClick r:id="rId2"/>
-              </a:rPr>
-              <a:t>zipmap</a:t>
-            </a:r>
-            <a:r>
-              <a:rPr lang="de-DE" sz="1400" dirty="0"/>
-              <a:t> </a:t>
-            </a:r>
-            <a:r>
-              <a:rPr lang="de-DE" sz="1400" dirty="0" err="1">
-                <a:hlinkClick r:id="rId2"/>
-              </a:rPr>
-              <a:t>into</a:t>
-            </a:r>
-            <a:r>
-              <a:rPr lang="de-DE" sz="1400" dirty="0"/>
-              <a:t> </a:t>
-            </a:r>
-            <a:r>
-              <a:rPr lang="de-DE" sz="1400" dirty="0" err="1">
-                <a:hlinkClick r:id="rId2"/>
-              </a:rPr>
-              <a:t>reduce</a:t>
-            </a:r>
-            <a:r>
-              <a:rPr lang="de-DE" sz="1400" dirty="0"/>
-              <a:t> </a:t>
-            </a:r>
-            <a:r>
-              <a:rPr lang="de-DE" sz="1400" dirty="0" err="1">
-                <a:hlinkClick r:id="rId2"/>
-              </a:rPr>
-              <a:t>set</a:t>
-            </a:r>
-            <a:r>
-              <a:rPr lang="de-DE" sz="1400" dirty="0"/>
-              <a:t> </a:t>
-            </a:r>
-            <a:r>
-              <a:rPr lang="de-DE" sz="1400" dirty="0" err="1">
-                <a:hlinkClick r:id="rId2"/>
-              </a:rPr>
-              <a:t>vec</a:t>
-            </a:r>
-            <a:r>
-              <a:rPr lang="de-DE" sz="1400" dirty="0"/>
-              <a:t> </a:t>
-            </a:r>
-            <a:r>
-              <a:rPr lang="de-DE" sz="1400" dirty="0" err="1">
-                <a:hlinkClick r:id="rId2"/>
-              </a:rPr>
-              <a:t>into</a:t>
-            </a:r>
-            <a:r>
-              <a:rPr lang="de-DE" sz="1400" dirty="0">
-                <a:hlinkClick r:id="rId2"/>
-              </a:rPr>
-              <a:t>-array</a:t>
-            </a:r>
-            <a:r>
-              <a:rPr lang="de-DE" sz="1400" dirty="0"/>
-              <a:t> </a:t>
-            </a:r>
-            <a:r>
-              <a:rPr lang="de-DE" sz="1400" dirty="0">
-                <a:hlinkClick r:id="rId2"/>
-              </a:rPr>
-              <a:t>to-array-2d</a:t>
-            </a:r>
-            <a:r>
-              <a:rPr lang="de-DE" sz="1400" dirty="0"/>
-              <a:t> </a:t>
-            </a:r>
-            <a:r>
-              <a:rPr lang="de-DE" sz="1400" dirty="0" err="1">
-                <a:hlinkClick r:id="rId2"/>
-              </a:rPr>
-              <a:t>frequencies</a:t>
-            </a:r>
-            <a:r>
-              <a:rPr lang="de-DE" sz="1400" dirty="0"/>
-              <a:t> </a:t>
-            </a:r>
-            <a:r>
-              <a:rPr lang="de-DE" sz="1400" dirty="0" err="1">
-                <a:hlinkClick r:id="rId2"/>
-              </a:rPr>
-              <a:t>group-by</a:t>
-            </a:r>
-            <a:r>
-              <a:rPr lang="de-DE" sz="1400" dirty="0"/>
-              <a:t/>
-            </a:r>
-            <a:br>
-              <a:rPr lang="de-DE" sz="1400" dirty="0"/>
-            </a:br>
-            <a:r>
-              <a:rPr lang="de-DE" sz="1400" dirty="0"/>
-              <a:t>Pass </a:t>
-            </a:r>
-            <a:r>
-              <a:rPr lang="de-DE" sz="1400" dirty="0" err="1"/>
-              <a:t>items</a:t>
-            </a:r>
-            <a:r>
-              <a:rPr lang="de-DE" sz="1400" dirty="0"/>
-              <a:t> </a:t>
-            </a:r>
-            <a:r>
-              <a:rPr lang="de-DE" sz="1400" dirty="0" err="1"/>
-              <a:t>of</a:t>
-            </a:r>
-            <a:r>
-              <a:rPr lang="de-DE" sz="1400" dirty="0"/>
-              <a:t> a </a:t>
-            </a:r>
-            <a:r>
-              <a:rPr lang="de-DE" sz="1400" dirty="0" err="1"/>
-              <a:t>seq</a:t>
-            </a:r>
-            <a:r>
-              <a:rPr lang="de-DE" sz="1400" dirty="0"/>
-              <a:t> </a:t>
-            </a:r>
-            <a:r>
-              <a:rPr lang="de-DE" sz="1400" dirty="0" err="1"/>
-              <a:t>as</a:t>
-            </a:r>
-            <a:r>
-              <a:rPr lang="de-DE" sz="1400" dirty="0"/>
-              <a:t> </a:t>
-            </a:r>
-            <a:r>
-              <a:rPr lang="de-DE" sz="1400" dirty="0" err="1"/>
-              <a:t>arguments</a:t>
-            </a:r>
-            <a:r>
-              <a:rPr lang="de-DE" sz="1400" dirty="0"/>
-              <a:t> </a:t>
-            </a:r>
-            <a:r>
-              <a:rPr lang="de-DE" sz="1400" dirty="0" err="1"/>
-              <a:t>to</a:t>
-            </a:r>
-            <a:r>
-              <a:rPr lang="de-DE" sz="1400" dirty="0"/>
-              <a:t> a </a:t>
-            </a:r>
-            <a:r>
-              <a:rPr lang="de-DE" sz="1400" dirty="0" err="1"/>
-              <a:t>function</a:t>
-            </a:r>
-            <a:r>
-              <a:rPr lang="de-DE" sz="1400" dirty="0"/>
-              <a:t>: </a:t>
-            </a:r>
-            <a:r>
-              <a:rPr lang="de-DE" sz="1400" dirty="0" err="1">
-                <a:hlinkClick r:id="rId2"/>
-              </a:rPr>
-              <a:t>apply</a:t>
-            </a:r>
-            <a:r>
-              <a:rPr lang="de-DE" sz="1400" dirty="0"/>
-              <a:t/>
-            </a:r>
-            <a:br>
-              <a:rPr lang="de-DE" sz="1400" dirty="0"/>
-            </a:br>
-            <a:r>
-              <a:rPr lang="de-DE" sz="1400" dirty="0" err="1"/>
-              <a:t>Compute</a:t>
-            </a:r>
-            <a:r>
-              <a:rPr lang="de-DE" sz="1400" dirty="0"/>
-              <a:t> a </a:t>
-            </a:r>
-            <a:r>
-              <a:rPr lang="de-DE" sz="1400" dirty="0" err="1"/>
-              <a:t>boolean</a:t>
-            </a:r>
-            <a:r>
-              <a:rPr lang="de-DE" sz="1400" dirty="0"/>
-              <a:t> </a:t>
-            </a:r>
-            <a:r>
-              <a:rPr lang="de-DE" sz="1400" dirty="0" err="1"/>
-              <a:t>from</a:t>
-            </a:r>
-            <a:r>
-              <a:rPr lang="de-DE" sz="1400" dirty="0"/>
-              <a:t> a </a:t>
-            </a:r>
-            <a:r>
-              <a:rPr lang="de-DE" sz="1400" dirty="0" err="1"/>
-              <a:t>seq</a:t>
-            </a:r>
-            <a:r>
-              <a:rPr lang="de-DE" sz="1400" dirty="0"/>
-              <a:t>: </a:t>
-            </a:r>
-            <a:r>
-              <a:rPr lang="de-DE" sz="1400" dirty="0">
-                <a:hlinkClick r:id="rId2"/>
-              </a:rPr>
-              <a:t>not-</a:t>
-            </a:r>
-            <a:r>
-              <a:rPr lang="de-DE" sz="1400" dirty="0" err="1">
-                <a:hlinkClick r:id="rId2"/>
-              </a:rPr>
-              <a:t>empty</a:t>
-            </a:r>
-            <a:r>
-              <a:rPr lang="de-DE" sz="1400" dirty="0"/>
-              <a:t> </a:t>
-            </a:r>
-            <a:r>
-              <a:rPr lang="de-DE" sz="1400" dirty="0" err="1">
-                <a:hlinkClick r:id="rId2"/>
-              </a:rPr>
-              <a:t>some</a:t>
-            </a:r>
-            <a:r>
-              <a:rPr lang="de-DE" sz="1400" dirty="0"/>
-              <a:t> </a:t>
-            </a:r>
-            <a:r>
-              <a:rPr lang="de-DE" sz="1400" dirty="0" err="1">
-                <a:hlinkClick r:id="rId2"/>
-              </a:rPr>
-              <a:t>reduce</a:t>
-            </a:r>
-            <a:r>
-              <a:rPr lang="de-DE" sz="1400" dirty="0"/>
-              <a:t> </a:t>
-            </a:r>
-            <a:r>
-              <a:rPr lang="de-DE" sz="1400" dirty="0" err="1">
-                <a:hlinkClick r:id="rId2"/>
-              </a:rPr>
-              <a:t>seq</a:t>
-            </a:r>
-            <a:r>
-              <a:rPr lang="de-DE" sz="1400" dirty="0">
-                <a:hlinkClick r:id="rId2"/>
-              </a:rPr>
-              <a:t>?</a:t>
-            </a:r>
-            <a:r>
-              <a:rPr lang="de-DE" sz="1400" dirty="0"/>
-              <a:t> </a:t>
-            </a:r>
-            <a:r>
-              <a:rPr lang="de-DE" sz="1400" dirty="0" err="1">
-                <a:hlinkClick r:id="rId2"/>
-              </a:rPr>
-              <a:t>every</a:t>
-            </a:r>
-            <a:r>
-              <a:rPr lang="de-DE" sz="1400" dirty="0">
-                <a:hlinkClick r:id="rId2"/>
-              </a:rPr>
-              <a:t>?</a:t>
-            </a:r>
-            <a:r>
-              <a:rPr lang="de-DE" sz="1400" dirty="0"/>
-              <a:t> </a:t>
-            </a:r>
-            <a:r>
-              <a:rPr lang="de-DE" sz="1400" dirty="0">
-                <a:hlinkClick r:id="rId2"/>
-              </a:rPr>
-              <a:t>not-</a:t>
-            </a:r>
-            <a:r>
-              <a:rPr lang="de-DE" sz="1400" dirty="0" err="1">
-                <a:hlinkClick r:id="rId2"/>
-              </a:rPr>
-              <a:t>every</a:t>
-            </a:r>
-            <a:r>
-              <a:rPr lang="de-DE" sz="1400" dirty="0">
-                <a:hlinkClick r:id="rId2"/>
-              </a:rPr>
-              <a:t>?</a:t>
-            </a:r>
-            <a:r>
-              <a:rPr lang="de-DE" sz="1400" dirty="0"/>
-              <a:t> </a:t>
-            </a:r>
-            <a:r>
-              <a:rPr lang="de-DE" sz="1400" dirty="0">
-                <a:hlinkClick r:id="rId2"/>
-              </a:rPr>
-              <a:t>not-</a:t>
-            </a:r>
-            <a:r>
-              <a:rPr lang="de-DE" sz="1400" dirty="0" err="1">
-                <a:hlinkClick r:id="rId2"/>
-              </a:rPr>
-              <a:t>any</a:t>
-            </a:r>
-            <a:r>
-              <a:rPr lang="de-DE" sz="1400" dirty="0">
-                <a:hlinkClick r:id="rId2"/>
-              </a:rPr>
-              <a:t>?</a:t>
-            </a:r>
-            <a:r>
-              <a:rPr lang="de-DE" sz="1400" dirty="0"/>
-              <a:t> </a:t>
-            </a:r>
-            <a:r>
-              <a:rPr lang="de-DE" sz="1400" dirty="0" err="1">
-                <a:hlinkClick r:id="rId2"/>
-              </a:rPr>
-              <a:t>empty</a:t>
-            </a:r>
-            <a:r>
-              <a:rPr lang="de-DE" sz="1400" dirty="0">
-                <a:hlinkClick r:id="rId2"/>
-              </a:rPr>
-              <a:t>?</a:t>
-            </a:r>
-            <a:r>
-              <a:rPr lang="de-DE" sz="1400" dirty="0"/>
-              <a:t/>
-            </a:r>
-            <a:br>
-              <a:rPr lang="de-DE" sz="1400" dirty="0"/>
-            </a:br>
-            <a:r>
-              <a:rPr lang="de-DE" sz="1400" dirty="0"/>
-              <a:t>Search a </a:t>
-            </a:r>
-            <a:r>
-              <a:rPr lang="de-DE" sz="1400" dirty="0" err="1"/>
-              <a:t>seq</a:t>
-            </a:r>
-            <a:r>
-              <a:rPr lang="de-DE" sz="1400" dirty="0"/>
-              <a:t> </a:t>
-            </a:r>
-            <a:r>
-              <a:rPr lang="de-DE" sz="1400" dirty="0" err="1"/>
-              <a:t>using</a:t>
-            </a:r>
-            <a:r>
-              <a:rPr lang="de-DE" sz="1400" dirty="0"/>
-              <a:t> a </a:t>
-            </a:r>
-            <a:r>
-              <a:rPr lang="de-DE" sz="1400" dirty="0" err="1"/>
-              <a:t>predicate</a:t>
-            </a:r>
-            <a:r>
-              <a:rPr lang="de-DE" sz="1400" dirty="0"/>
-              <a:t>: </a:t>
-            </a:r>
-            <a:r>
-              <a:rPr lang="de-DE" sz="1400" dirty="0" err="1">
-                <a:hlinkClick r:id="rId2"/>
-              </a:rPr>
-              <a:t>some</a:t>
-            </a:r>
-            <a:r>
-              <a:rPr lang="de-DE" sz="1400" dirty="0"/>
-              <a:t> </a:t>
-            </a:r>
-            <a:r>
-              <a:rPr lang="de-DE" sz="1400" dirty="0" err="1">
-                <a:hlinkClick r:id="rId2"/>
-              </a:rPr>
-              <a:t>filter</a:t>
-            </a:r>
-            <a:r>
-              <a:rPr lang="de-DE" sz="1400" dirty="0"/>
-              <a:t/>
-            </a:r>
-            <a:br>
-              <a:rPr lang="de-DE" sz="1400" dirty="0"/>
-            </a:br>
-            <a:r>
-              <a:rPr lang="de-DE" sz="1400" dirty="0"/>
-              <a:t>Force </a:t>
-            </a:r>
-            <a:r>
-              <a:rPr lang="de-DE" sz="1400" dirty="0" err="1"/>
-              <a:t>evaluation</a:t>
-            </a:r>
-            <a:r>
-              <a:rPr lang="de-DE" sz="1400" dirty="0"/>
-              <a:t> </a:t>
-            </a:r>
-            <a:r>
-              <a:rPr lang="de-DE" sz="1400" dirty="0" err="1"/>
-              <a:t>of</a:t>
-            </a:r>
-            <a:r>
-              <a:rPr lang="de-DE" sz="1400" dirty="0"/>
-              <a:t> </a:t>
-            </a:r>
-            <a:r>
-              <a:rPr lang="de-DE" sz="1400" dirty="0" err="1"/>
-              <a:t>lazy</a:t>
-            </a:r>
-            <a:r>
-              <a:rPr lang="de-DE" sz="1400" dirty="0"/>
-              <a:t> </a:t>
-            </a:r>
-            <a:r>
-              <a:rPr lang="de-DE" sz="1400" dirty="0" err="1"/>
-              <a:t>seqs</a:t>
-            </a:r>
-            <a:r>
-              <a:rPr lang="de-DE" sz="1400" dirty="0"/>
-              <a:t>: </a:t>
-            </a:r>
-            <a:r>
-              <a:rPr lang="de-DE" sz="1400" dirty="0" err="1">
-                <a:hlinkClick r:id="rId2"/>
-              </a:rPr>
-              <a:t>doseq</a:t>
-            </a:r>
-            <a:r>
-              <a:rPr lang="de-DE" sz="1400" dirty="0"/>
-              <a:t> </a:t>
-            </a:r>
-            <a:r>
-              <a:rPr lang="de-DE" sz="1400" dirty="0" err="1">
-                <a:hlinkClick r:id="rId2"/>
-              </a:rPr>
-              <a:t>dorun</a:t>
-            </a:r>
-            <a:r>
-              <a:rPr lang="de-DE" sz="1400" dirty="0"/>
-              <a:t> </a:t>
-            </a:r>
-            <a:r>
-              <a:rPr lang="de-DE" sz="1400" dirty="0" err="1">
-                <a:hlinkClick r:id="rId2"/>
-              </a:rPr>
-              <a:t>doall</a:t>
-            </a:r>
-            <a:r>
-              <a:rPr lang="de-DE" sz="1400" dirty="0"/>
-              <a:t/>
-            </a:r>
-            <a:br>
-              <a:rPr lang="de-DE" sz="1400" dirty="0"/>
-            </a:br>
-            <a:r>
-              <a:rPr lang="de-DE" sz="1400" dirty="0"/>
-              <a:t>Check </a:t>
-            </a:r>
-            <a:r>
-              <a:rPr lang="de-DE" sz="1400" dirty="0" err="1"/>
-              <a:t>if</a:t>
-            </a:r>
-            <a:r>
-              <a:rPr lang="de-DE" sz="1400" dirty="0"/>
-              <a:t> </a:t>
-            </a:r>
-            <a:r>
-              <a:rPr lang="de-DE" sz="1400" dirty="0" err="1"/>
-              <a:t>lazy</a:t>
-            </a:r>
-            <a:r>
-              <a:rPr lang="de-DE" sz="1400" dirty="0"/>
-              <a:t> </a:t>
-            </a:r>
-            <a:r>
-              <a:rPr lang="de-DE" sz="1400" dirty="0" err="1"/>
-              <a:t>seqs</a:t>
-            </a:r>
-            <a:r>
-              <a:rPr lang="de-DE" sz="1400" dirty="0"/>
-              <a:t> </a:t>
-            </a:r>
-            <a:r>
-              <a:rPr lang="de-DE" sz="1400" dirty="0" err="1"/>
-              <a:t>have</a:t>
-            </a:r>
-            <a:r>
-              <a:rPr lang="de-DE" sz="1400" dirty="0"/>
-              <a:t> </a:t>
-            </a:r>
-            <a:r>
-              <a:rPr lang="de-DE" sz="1400" dirty="0" err="1"/>
-              <a:t>been</a:t>
-            </a:r>
-            <a:r>
-              <a:rPr lang="de-DE" sz="1400" dirty="0"/>
-              <a:t> </a:t>
-            </a:r>
-            <a:r>
-              <a:rPr lang="de-DE" sz="1400" dirty="0" err="1"/>
-              <a:t>forcibly</a:t>
-            </a:r>
-            <a:r>
-              <a:rPr lang="de-DE" sz="1400" dirty="0"/>
-              <a:t> </a:t>
-            </a:r>
-            <a:r>
-              <a:rPr lang="de-DE" sz="1400" dirty="0" err="1"/>
-              <a:t>evaluated</a:t>
-            </a:r>
-            <a:r>
-              <a:rPr lang="de-DE" sz="1400" dirty="0"/>
-              <a:t>: </a:t>
-            </a:r>
-            <a:r>
-              <a:rPr lang="de-DE" sz="1400" dirty="0" err="1">
-                <a:hlinkClick r:id="rId2"/>
-              </a:rPr>
-              <a:t>realized</a:t>
-            </a:r>
-            <a:r>
-              <a:rPr lang="de-DE" sz="1400" dirty="0">
-                <a:hlinkClick r:id="rId2"/>
-              </a:rPr>
-              <a:t>?</a:t>
-            </a:r>
-            <a:r>
-              <a:rPr lang="de-DE" sz="1400" dirty="0"/>
-              <a:t/>
-            </a:r>
-            <a:br>
-              <a:rPr lang="de-DE" sz="1400" dirty="0"/>
-            </a:br>
-            <a:r>
-              <a:rPr lang="de-DE" sz="1400" dirty="0"/>
-              <a:t/>
-            </a:r>
-            <a:br>
-              <a:rPr lang="de-DE" sz="1400" dirty="0"/>
-            </a:br>
-            <a:r>
-              <a:rPr lang="de-DE" sz="1400" b="1" dirty="0" err="1"/>
-              <a:t>Creating</a:t>
-            </a:r>
-            <a:r>
-              <a:rPr lang="de-DE" sz="1400" b="1" dirty="0"/>
-              <a:t> a </a:t>
-            </a:r>
-            <a:r>
-              <a:rPr lang="de-DE" sz="1400" b="1" dirty="0" err="1"/>
-              <a:t>seq</a:t>
-            </a:r>
-            <a:endParaRPr lang="de-DE" sz="1400" b="1" dirty="0"/>
-          </a:p>
-          <a:p>
-            <a:r>
-              <a:rPr lang="de-DE" sz="1400" dirty="0" err="1"/>
-              <a:t>Lazy</a:t>
-            </a:r>
-            <a:r>
-              <a:rPr lang="de-DE" sz="1400" dirty="0"/>
-              <a:t> </a:t>
-            </a:r>
-            <a:r>
-              <a:rPr lang="de-DE" sz="1400" dirty="0" err="1"/>
-              <a:t>seq</a:t>
-            </a:r>
-            <a:r>
-              <a:rPr lang="de-DE" sz="1400" dirty="0"/>
-              <a:t> </a:t>
-            </a:r>
-            <a:r>
-              <a:rPr lang="de-DE" sz="1400" dirty="0" err="1"/>
-              <a:t>from</a:t>
-            </a:r>
-            <a:r>
-              <a:rPr lang="de-DE" sz="1400" dirty="0"/>
-              <a:t> </a:t>
-            </a:r>
-            <a:r>
-              <a:rPr lang="de-DE" sz="1400" dirty="0" err="1"/>
-              <a:t>collection</a:t>
-            </a:r>
-            <a:r>
-              <a:rPr lang="de-DE" sz="1400" dirty="0"/>
-              <a:t>: </a:t>
-            </a:r>
-            <a:r>
-              <a:rPr lang="de-DE" sz="1400" dirty="0" err="1">
-                <a:hlinkClick r:id="rId2"/>
-              </a:rPr>
-              <a:t>seq</a:t>
-            </a:r>
-            <a:r>
-              <a:rPr lang="de-DE" sz="1400" dirty="0"/>
-              <a:t> </a:t>
-            </a:r>
-            <a:r>
-              <a:rPr lang="de-DE" sz="1400" dirty="0" err="1">
-                <a:hlinkClick r:id="rId2"/>
-              </a:rPr>
-              <a:t>vals</a:t>
-            </a:r>
-            <a:r>
-              <a:rPr lang="de-DE" sz="1400" dirty="0"/>
-              <a:t> </a:t>
-            </a:r>
-            <a:r>
-              <a:rPr lang="de-DE" sz="1400" dirty="0" err="1">
-                <a:hlinkClick r:id="rId2"/>
-              </a:rPr>
-              <a:t>keys</a:t>
-            </a:r>
-            <a:r>
-              <a:rPr lang="de-DE" sz="1400" dirty="0"/>
-              <a:t> </a:t>
-            </a:r>
-            <a:r>
-              <a:rPr lang="de-DE" sz="1400" dirty="0" err="1">
-                <a:hlinkClick r:id="rId2"/>
-              </a:rPr>
-              <a:t>rseq</a:t>
-            </a:r>
-            <a:r>
-              <a:rPr lang="de-DE" sz="1400" dirty="0"/>
-              <a:t> </a:t>
-            </a:r>
-            <a:r>
-              <a:rPr lang="de-DE" sz="1400" dirty="0" err="1">
-                <a:hlinkClick r:id="rId2"/>
-              </a:rPr>
-              <a:t>subseq</a:t>
-            </a:r>
-            <a:r>
-              <a:rPr lang="de-DE" sz="1400" dirty="0"/>
-              <a:t> </a:t>
-            </a:r>
-            <a:r>
-              <a:rPr lang="de-DE" sz="1400" dirty="0" err="1">
-                <a:hlinkClick r:id="rId2"/>
-              </a:rPr>
-              <a:t>rsubseq</a:t>
-            </a:r>
-            <a:r>
-              <a:rPr lang="de-DE" sz="1400" dirty="0"/>
-              <a:t/>
-            </a:r>
-            <a:br>
-              <a:rPr lang="de-DE" sz="1400" dirty="0"/>
-            </a:br>
-            <a:r>
-              <a:rPr lang="de-DE" sz="1400" dirty="0" err="1"/>
-              <a:t>Lazy</a:t>
-            </a:r>
-            <a:r>
-              <a:rPr lang="de-DE" sz="1400" dirty="0"/>
-              <a:t> </a:t>
-            </a:r>
-            <a:r>
-              <a:rPr lang="de-DE" sz="1400" dirty="0" err="1"/>
-              <a:t>seq</a:t>
-            </a:r>
-            <a:r>
-              <a:rPr lang="de-DE" sz="1400" dirty="0"/>
-              <a:t> </a:t>
-            </a:r>
-            <a:r>
-              <a:rPr lang="de-DE" sz="1400" dirty="0" err="1"/>
-              <a:t>from</a:t>
-            </a:r>
-            <a:r>
-              <a:rPr lang="de-DE" sz="1400" dirty="0"/>
-              <a:t> </a:t>
-            </a:r>
-            <a:r>
-              <a:rPr lang="de-DE" sz="1400" dirty="0" err="1"/>
-              <a:t>producer</a:t>
-            </a:r>
-            <a:r>
-              <a:rPr lang="de-DE" sz="1400" dirty="0"/>
-              <a:t> </a:t>
-            </a:r>
-            <a:r>
-              <a:rPr lang="de-DE" sz="1400" dirty="0" err="1"/>
-              <a:t>function</a:t>
-            </a:r>
-            <a:r>
-              <a:rPr lang="de-DE" sz="1400" dirty="0"/>
-              <a:t>: </a:t>
-            </a:r>
-            <a:r>
-              <a:rPr lang="de-DE" sz="1400" dirty="0" err="1">
-                <a:hlinkClick r:id="rId2"/>
-              </a:rPr>
-              <a:t>lazy-seq</a:t>
-            </a:r>
-            <a:r>
-              <a:rPr lang="de-DE" sz="1400" dirty="0"/>
-              <a:t> </a:t>
-            </a:r>
-            <a:r>
-              <a:rPr lang="de-DE" sz="1400" dirty="0" err="1">
-                <a:hlinkClick r:id="rId2"/>
-              </a:rPr>
-              <a:t>repeatedly</a:t>
-            </a:r>
-            <a:r>
-              <a:rPr lang="de-DE" sz="1400" dirty="0"/>
-              <a:t> </a:t>
-            </a:r>
-            <a:r>
-              <a:rPr lang="de-DE" sz="1400" dirty="0" err="1">
-                <a:hlinkClick r:id="rId2"/>
-              </a:rPr>
-              <a:t>iterate</a:t>
-            </a:r>
-            <a:r>
-              <a:rPr lang="de-DE" sz="1400" dirty="0"/>
-              <a:t/>
-            </a:r>
-            <a:br>
-              <a:rPr lang="de-DE" sz="1400" dirty="0"/>
-            </a:br>
-            <a:r>
-              <a:rPr lang="de-DE" sz="1400" dirty="0" err="1"/>
-              <a:t>Lazy</a:t>
-            </a:r>
-            <a:r>
-              <a:rPr lang="de-DE" sz="1400" dirty="0"/>
-              <a:t> </a:t>
-            </a:r>
-            <a:r>
-              <a:rPr lang="de-DE" sz="1400" dirty="0" err="1"/>
-              <a:t>seq</a:t>
-            </a:r>
-            <a:r>
-              <a:rPr lang="de-DE" sz="1400" dirty="0"/>
-              <a:t> </a:t>
-            </a:r>
-            <a:r>
-              <a:rPr lang="de-DE" sz="1400" dirty="0" err="1"/>
-              <a:t>from</a:t>
-            </a:r>
-            <a:r>
-              <a:rPr lang="de-DE" sz="1400" dirty="0"/>
-              <a:t> </a:t>
-            </a:r>
-            <a:r>
-              <a:rPr lang="de-DE" sz="1400" dirty="0" err="1"/>
-              <a:t>constant</a:t>
-            </a:r>
-            <a:r>
-              <a:rPr lang="de-DE" sz="1400" dirty="0"/>
-              <a:t>: </a:t>
-            </a:r>
-            <a:r>
-              <a:rPr lang="de-DE" sz="1400" dirty="0" err="1">
-                <a:hlinkClick r:id="rId2"/>
-              </a:rPr>
-              <a:t>repeat</a:t>
-            </a:r>
-            <a:r>
-              <a:rPr lang="de-DE" sz="1400" dirty="0"/>
-              <a:t> </a:t>
-            </a:r>
-            <a:r>
-              <a:rPr lang="de-DE" sz="1400" dirty="0" err="1">
-                <a:hlinkClick r:id="rId2"/>
-              </a:rPr>
-              <a:t>range</a:t>
-            </a:r>
-            <a:r>
-              <a:rPr lang="de-DE" sz="1400" dirty="0"/>
-              <a:t/>
-            </a:r>
-            <a:br>
-              <a:rPr lang="de-DE" sz="1400" dirty="0"/>
-            </a:br>
-            <a:r>
-              <a:rPr lang="de-DE" sz="1400" dirty="0" err="1"/>
-              <a:t>Lazy</a:t>
-            </a:r>
-            <a:r>
-              <a:rPr lang="de-DE" sz="1400" dirty="0"/>
-              <a:t> </a:t>
-            </a:r>
-            <a:r>
-              <a:rPr lang="de-DE" sz="1400" dirty="0" err="1"/>
-              <a:t>seq</a:t>
-            </a:r>
-            <a:r>
-              <a:rPr lang="de-DE" sz="1400" dirty="0"/>
-              <a:t> </a:t>
-            </a:r>
-            <a:r>
-              <a:rPr lang="de-DE" sz="1400" dirty="0" err="1"/>
-              <a:t>from</a:t>
-            </a:r>
-            <a:r>
-              <a:rPr lang="de-DE" sz="1400" dirty="0"/>
-              <a:t> </a:t>
-            </a:r>
-            <a:r>
-              <a:rPr lang="de-DE" sz="1400" dirty="0" err="1"/>
-              <a:t>other</a:t>
-            </a:r>
-            <a:r>
-              <a:rPr lang="de-DE" sz="1400" dirty="0"/>
-              <a:t> </a:t>
-            </a:r>
-            <a:r>
-              <a:rPr lang="de-DE" sz="1400" dirty="0" err="1"/>
-              <a:t>objects</a:t>
-            </a:r>
-            <a:r>
-              <a:rPr lang="de-DE" sz="1400" dirty="0"/>
-              <a:t>: </a:t>
-            </a:r>
-            <a:r>
-              <a:rPr lang="de-DE" sz="1400" dirty="0" err="1">
-                <a:hlinkClick r:id="rId2"/>
-              </a:rPr>
-              <a:t>line-seq</a:t>
-            </a:r>
-            <a:r>
-              <a:rPr lang="de-DE" sz="1400" dirty="0"/>
-              <a:t> </a:t>
-            </a:r>
-            <a:r>
-              <a:rPr lang="de-DE" sz="1400" dirty="0" err="1">
-                <a:hlinkClick r:id="rId2"/>
-              </a:rPr>
-              <a:t>resultset-seq</a:t>
-            </a:r>
-            <a:r>
-              <a:rPr lang="de-DE" sz="1400" dirty="0"/>
-              <a:t> </a:t>
-            </a:r>
-            <a:r>
-              <a:rPr lang="de-DE" sz="1400" dirty="0" err="1">
-                <a:hlinkClick r:id="rId2"/>
-              </a:rPr>
-              <a:t>re-seq</a:t>
-            </a:r>
-            <a:r>
-              <a:rPr lang="de-DE" sz="1400" dirty="0"/>
-              <a:t> </a:t>
-            </a:r>
-            <a:r>
-              <a:rPr lang="de-DE" sz="1400" dirty="0" err="1">
-                <a:hlinkClick r:id="rId2"/>
-              </a:rPr>
-              <a:t>tree-seq</a:t>
-            </a:r>
-            <a:r>
-              <a:rPr lang="de-DE" sz="1400" dirty="0"/>
-              <a:t> </a:t>
-            </a:r>
-            <a:r>
-              <a:rPr lang="de-DE" sz="1400" dirty="0">
-                <a:hlinkClick r:id="rId2"/>
-              </a:rPr>
-              <a:t>file-</a:t>
-            </a:r>
-            <a:r>
-              <a:rPr lang="de-DE" sz="1400" dirty="0" err="1">
-                <a:hlinkClick r:id="rId2"/>
-              </a:rPr>
-              <a:t>seq</a:t>
-            </a:r>
-            <a:r>
-              <a:rPr lang="de-DE" sz="1400" dirty="0"/>
-              <a:t> </a:t>
-            </a:r>
-            <a:r>
-              <a:rPr lang="de-DE" sz="1400" dirty="0" err="1">
-                <a:hlinkClick r:id="rId2"/>
-              </a:rPr>
-              <a:t>xml-seq</a:t>
-            </a:r>
-            <a:r>
-              <a:rPr lang="de-DE" sz="1400" dirty="0"/>
-              <a:t> </a:t>
-            </a:r>
-            <a:r>
-              <a:rPr lang="de-DE" sz="1400" dirty="0" err="1">
-                <a:hlinkClick r:id="rId2"/>
-              </a:rPr>
-              <a:t>iterator-seq</a:t>
-            </a:r>
-            <a:r>
-              <a:rPr lang="de-DE" sz="1400" dirty="0"/>
-              <a:t> </a:t>
-            </a:r>
-            <a:r>
-              <a:rPr lang="de-DE" sz="1400" dirty="0" err="1">
-                <a:hlinkClick r:id="rId2"/>
-              </a:rPr>
-              <a:t>enumeration-seq</a:t>
-            </a:r>
-            <a:endParaRPr lang="de-DE" sz="1400" dirty="0"/>
+          <a:p>
+            <a:r>
+              <a:rPr lang="de-DE" dirty="0" smtClean="0"/>
+              <a:t>(</a:t>
+            </a:r>
+            <a:r>
+              <a:rPr lang="de-DE" dirty="0" err="1" smtClean="0"/>
+              <a:t>quadrat</a:t>
+            </a:r>
+            <a:r>
+              <a:rPr lang="de-DE" dirty="0" smtClean="0"/>
+              <a:t> 5) 	; 25</a:t>
+            </a:r>
+          </a:p>
+          <a:p>
+            <a:endParaRPr lang="de-DE" dirty="0"/>
+          </a:p>
+          <a:p>
+            <a:r>
+              <a:rPr lang="de-DE" dirty="0" smtClean="0"/>
+              <a:t>;  Erzeugung einer Funktion mit der </a:t>
+            </a:r>
+            <a:r>
+              <a:rPr lang="de-DE" dirty="0" err="1" smtClean="0"/>
+              <a:t>fn</a:t>
+            </a:r>
+            <a:r>
+              <a:rPr lang="de-DE" dirty="0" smtClean="0"/>
+              <a:t> Form</a:t>
+            </a:r>
+          </a:p>
+          <a:p>
+            <a:r>
+              <a:rPr lang="de-DE" dirty="0" smtClean="0"/>
+              <a:t>(</a:t>
+            </a:r>
+            <a:r>
+              <a:rPr lang="de-DE" dirty="0" err="1" smtClean="0"/>
+              <a:t>def</a:t>
+            </a:r>
+            <a:r>
+              <a:rPr lang="de-DE" dirty="0" smtClean="0"/>
+              <a:t> quadrat1 (</a:t>
+            </a:r>
+            <a:r>
+              <a:rPr lang="de-DE" dirty="0" err="1" smtClean="0"/>
+              <a:t>fn</a:t>
+            </a:r>
+            <a:r>
+              <a:rPr lang="de-DE" dirty="0" smtClean="0"/>
+              <a:t> [x] (* x x))</a:t>
+            </a:r>
+            <a:endParaRPr lang="de-DE" dirty="0"/>
+          </a:p>
+          <a:p>
+            <a:r>
+              <a:rPr lang="de-DE" dirty="0"/>
+              <a:t>(quadrat1 5)	; 25</a:t>
+            </a:r>
+          </a:p>
+          <a:p>
+            <a:endParaRPr lang="de-DE" dirty="0" smtClean="0"/>
+          </a:p>
+          <a:p>
+            <a:r>
+              <a:rPr lang="de-DE" dirty="0" smtClean="0"/>
+              <a:t>; Erzeugung einer Funktion mit </a:t>
+            </a:r>
+            <a:r>
+              <a:rPr lang="de-DE" dirty="0" err="1" smtClean="0"/>
+              <a:t>reader</a:t>
+            </a:r>
+            <a:r>
+              <a:rPr lang="de-DE" dirty="0" smtClean="0"/>
+              <a:t> </a:t>
+            </a:r>
+            <a:r>
+              <a:rPr lang="de-DE" dirty="0" err="1" smtClean="0"/>
+              <a:t>macro</a:t>
+            </a:r>
+            <a:r>
+              <a:rPr lang="de-DE" dirty="0" smtClean="0"/>
+              <a:t> #</a:t>
+            </a:r>
+            <a:endParaRPr lang="de-DE" dirty="0"/>
+          </a:p>
+          <a:p>
+            <a:r>
+              <a:rPr lang="de-DE" dirty="0" smtClean="0"/>
+              <a:t>(</a:t>
+            </a:r>
+            <a:r>
+              <a:rPr lang="de-DE" dirty="0" err="1" smtClean="0"/>
+              <a:t>def</a:t>
+            </a:r>
+            <a:r>
+              <a:rPr lang="de-DE" dirty="0" smtClean="0"/>
+              <a:t> quadrat2 #(* % %))</a:t>
+            </a:r>
+          </a:p>
+          <a:p>
+            <a:r>
+              <a:rPr lang="de-DE" dirty="0"/>
+              <a:t>(</a:t>
+            </a:r>
+            <a:r>
+              <a:rPr lang="de-DE" dirty="0" smtClean="0"/>
+              <a:t>quadrat125</a:t>
+            </a:r>
+            <a:r>
+              <a:rPr lang="de-DE" dirty="0"/>
+              <a:t>)	; 25</a:t>
+            </a:r>
+          </a:p>
+          <a:p>
+            <a:endParaRPr lang="de-DE" dirty="0" smtClean="0"/>
+          </a:p>
+          <a:p>
+            <a:endParaRPr lang="de-DE" dirty="0"/>
+          </a:p>
+          <a:p>
+            <a:r>
+              <a:rPr lang="de-DE" dirty="0" smtClean="0"/>
+              <a:t>; eine anonyme Funktion </a:t>
+            </a:r>
+          </a:p>
+          <a:p>
+            <a:r>
+              <a:rPr lang="de-DE" dirty="0" smtClean="0"/>
+              <a:t>((</a:t>
+            </a:r>
+            <a:r>
+              <a:rPr lang="de-DE" dirty="0" err="1" smtClean="0"/>
+              <a:t>fn</a:t>
+            </a:r>
+            <a:r>
+              <a:rPr lang="de-DE" dirty="0" smtClean="0"/>
+              <a:t> [x] (* x x)) 5) 	; 25</a:t>
+            </a:r>
+          </a:p>
+          <a:p>
+            <a:endParaRPr lang="de-DE" dirty="0"/>
           </a:p>
         </p:txBody>
       </p:sp>
     </p:spTree>
     <p:extLst>
       <p:ext uri="{BB962C8B-B14F-4D97-AF65-F5344CB8AC3E}">
-        <p14:creationId xmlns:p14="http://schemas.microsoft.com/office/powerpoint/2010/main" val="1733676595"/>
+        <p14:creationId xmlns:p14="http://schemas.microsoft.com/office/powerpoint/2010/main" val="1317962308"/>
       </p:ext>
     </p:extLst>
   </p:cSld>
   <p:clrMapOvr>
     <a:masterClrMapping/>
   </p:clrMapOvr>
-  <p:timing>
-    <p:tnLst>
-      <p:par>
-        <p:cTn id="1" dur="indefinite" restart="never" nodeType="tmRoot"/>
-      </p:par>
-    </p:tnLst>
-  </p:timing>
 </p:sld>
 </file>
 
@@ -7091,13 +5410,13 @@
       </p:grpSpPr>
       <p:sp>
         <p:nvSpPr>
-          <p:cNvPr id="4" name="TextBox 5"/>
+          <p:cNvPr id="4" name="TextBox 3"/>
           <p:cNvSpPr txBox="1"/>
           <p:nvPr/>
         </p:nvSpPr>
         <p:spPr>
           <a:xfrm>
-            <a:off x="296172" y="6492652"/>
+            <a:off x="467544" y="6453336"/>
             <a:ext cx="1296144" cy="369332"/>
           </a:xfrm>
           <a:prstGeom prst="rect">
@@ -7112,12 +5431,20 @@
           <a:lstStyle/>
           <a:p>
             <a:r>
-              <a:rPr lang="de-DE" dirty="0" err="1" smtClean="0">
+              <a:rPr lang="de-DE" dirty="0" smtClean="0">
                 <a:solidFill>
                   <a:schemeClr val="bg1"/>
                 </a:solidFill>
               </a:rPr>
-              <a:t>Sequence</a:t>
+              <a:t>Funktion </a:t>
+            </a:r>
+            <a:r>
+              <a:rPr lang="de-DE" dirty="0" smtClean="0">
+                <a:solidFill>
+                  <a:schemeClr val="bg1"/>
+                </a:solidFill>
+              </a:rPr>
+              <a:t>3</a:t>
             </a:r>
             <a:endParaRPr lang="de-DE" dirty="0">
               <a:solidFill>
@@ -7129,14 +5456,14 @@
       </p:sp>
       <p:sp>
         <p:nvSpPr>
-          <p:cNvPr id="5" name="Textfeld 4"/>
+          <p:cNvPr id="5" name="TextBox 4"/>
           <p:cNvSpPr txBox="1"/>
           <p:nvPr/>
         </p:nvSpPr>
         <p:spPr>
           <a:xfrm>
-            <a:off x="395536" y="548680"/>
-            <a:ext cx="4320480" cy="369332"/>
+            <a:off x="323528" y="692696"/>
+            <a:ext cx="4176464" cy="369332"/>
           </a:xfrm>
           <a:prstGeom prst="rect">
             <a:avLst/>
@@ -7151,11 +5478,7 @@
           <a:p>
             <a:r>
               <a:rPr lang="de-DE" dirty="0" smtClean="0"/>
-              <a:t>Anwendungsfälle einer </a:t>
-            </a:r>
-            <a:r>
-              <a:rPr lang="de-DE" dirty="0" err="1" smtClean="0"/>
-              <a:t>Sequence</a:t>
+              <a:t>HOF Higher Order Funktion</a:t>
             </a:r>
             <a:endParaRPr lang="de-DE" dirty="0"/>
           </a:p>
@@ -7163,14 +5486,14 @@
       </p:sp>
       <p:sp>
         <p:nvSpPr>
-          <p:cNvPr id="6" name="Textfeld 5"/>
+          <p:cNvPr id="6" name="TextBox 5"/>
           <p:cNvSpPr txBox="1"/>
           <p:nvPr/>
         </p:nvSpPr>
         <p:spPr>
           <a:xfrm>
-            <a:off x="539552" y="1340768"/>
-            <a:ext cx="4824536" cy="1754326"/>
+            <a:off x="357980" y="1062028"/>
+            <a:ext cx="7598395" cy="6740307"/>
           </a:xfrm>
           <a:prstGeom prst="rect">
             <a:avLst/>
@@ -7185,30 +5508,304 @@
           <a:p>
             <a:r>
               <a:rPr lang="de-DE" dirty="0" smtClean="0"/>
-              <a:t>File</a:t>
-            </a:r>
-          </a:p>
-          <a:p>
-            <a:r>
-              <a:rPr lang="de-DE" dirty="0" smtClean="0"/>
-              <a:t>XML</a:t>
-            </a:r>
-          </a:p>
-          <a:p>
-            <a:r>
-              <a:rPr lang="de-DE" dirty="0" smtClean="0"/>
-              <a:t>Datenbank</a:t>
-            </a:r>
-          </a:p>
-          <a:p>
+              <a:t>Das sind Funktionen die selber Funktionen als Parameter bekommen oder eine Funktion als Rückgabe Wert haben.</a:t>
+            </a:r>
+          </a:p>
+          <a:p>
+            <a:endParaRPr lang="de-DE" dirty="0"/>
+          </a:p>
+          <a:p>
+            <a:r>
+              <a:rPr lang="de-DE" dirty="0" smtClean="0"/>
+              <a:t>2 normale Funktionen</a:t>
+            </a:r>
+          </a:p>
+          <a:p>
+            <a:r>
+              <a:rPr lang="de-DE" dirty="0" smtClean="0"/>
+              <a:t>(</a:t>
+            </a:r>
             <a:r>
               <a:rPr lang="de-DE" dirty="0" err="1" smtClean="0"/>
-              <a:t>Trees</a:t>
-            </a:r>
-            <a:endParaRPr lang="de-DE" smtClean="0"/>
+              <a:t>defn</a:t>
+            </a:r>
+            <a:r>
+              <a:rPr lang="de-DE" dirty="0" smtClean="0"/>
+              <a:t> mal2 [x] (* 2 x))	</a:t>
+            </a:r>
+          </a:p>
+          <a:p>
+            <a:r>
+              <a:rPr lang="de-DE" dirty="0" smtClean="0"/>
+              <a:t>(mal2 5) 		;25</a:t>
+            </a:r>
           </a:p>
           <a:p>
             <a:endParaRPr lang="de-DE" dirty="0" smtClean="0"/>
+          </a:p>
+          <a:p>
+            <a:r>
+              <a:rPr lang="de-DE" dirty="0" smtClean="0"/>
+              <a:t>(</a:t>
+            </a:r>
+            <a:r>
+              <a:rPr lang="de-DE" dirty="0" err="1" smtClean="0"/>
+              <a:t>defn</a:t>
+            </a:r>
+            <a:r>
+              <a:rPr lang="de-DE" dirty="0" smtClean="0"/>
+              <a:t> </a:t>
+            </a:r>
+            <a:r>
+              <a:rPr lang="de-DE" dirty="0" err="1" smtClean="0"/>
+              <a:t>quadrat</a:t>
+            </a:r>
+            <a:r>
+              <a:rPr lang="de-DE" dirty="0" smtClean="0"/>
+              <a:t> [x] (* x x))</a:t>
+            </a:r>
+          </a:p>
+          <a:p>
+            <a:r>
+              <a:rPr lang="de-DE" dirty="0" smtClean="0"/>
+              <a:t>(</a:t>
+            </a:r>
+            <a:r>
+              <a:rPr lang="de-DE" dirty="0" err="1" smtClean="0"/>
+              <a:t>quadrat</a:t>
+            </a:r>
+            <a:r>
+              <a:rPr lang="de-DE" dirty="0" smtClean="0"/>
+              <a:t> 5) 	;25</a:t>
+            </a:r>
+          </a:p>
+          <a:p>
+            <a:endParaRPr lang="de-DE" dirty="0"/>
+          </a:p>
+          <a:p>
+            <a:r>
+              <a:rPr lang="de-DE" dirty="0" smtClean="0"/>
+              <a:t>(</a:t>
+            </a:r>
+            <a:r>
+              <a:rPr lang="de-DE" dirty="0" err="1" smtClean="0"/>
+              <a:t>defn</a:t>
+            </a:r>
+            <a:r>
+              <a:rPr lang="de-DE" dirty="0" smtClean="0"/>
+              <a:t> </a:t>
+            </a:r>
+            <a:r>
+              <a:rPr lang="de-DE" dirty="0" err="1" smtClean="0"/>
+              <a:t>both</a:t>
+            </a:r>
+            <a:r>
+              <a:rPr lang="de-DE" dirty="0" smtClean="0"/>
+              <a:t> [f1 f2 x] (f1 (f2 x)))</a:t>
+            </a:r>
+          </a:p>
+          <a:p>
+            <a:r>
+              <a:rPr lang="de-DE" dirty="0"/>
+              <a:t>(</a:t>
+            </a:r>
+            <a:r>
+              <a:rPr lang="de-DE" dirty="0" err="1"/>
+              <a:t>both</a:t>
+            </a:r>
+            <a:r>
+              <a:rPr lang="de-DE" dirty="0"/>
+              <a:t> mal2 </a:t>
+            </a:r>
+            <a:r>
+              <a:rPr lang="de-DE" dirty="0" err="1"/>
+              <a:t>quadrat</a:t>
+            </a:r>
+            <a:r>
+              <a:rPr lang="de-DE" dirty="0"/>
+              <a:t> 5)	; 50</a:t>
+            </a:r>
+          </a:p>
+          <a:p>
+            <a:r>
+              <a:rPr lang="de-DE" dirty="0"/>
+              <a:t>(</a:t>
+            </a:r>
+            <a:r>
+              <a:rPr lang="de-DE" dirty="0" err="1" smtClean="0"/>
+              <a:t>both</a:t>
+            </a:r>
+            <a:r>
+              <a:rPr lang="de-DE" dirty="0" smtClean="0"/>
+              <a:t> </a:t>
+            </a:r>
+            <a:r>
+              <a:rPr lang="de-DE" dirty="0" err="1" smtClean="0"/>
+              <a:t>quadrat</a:t>
+            </a:r>
+            <a:r>
+              <a:rPr lang="de-DE" dirty="0" smtClean="0"/>
+              <a:t> mal2 </a:t>
+            </a:r>
+            <a:r>
+              <a:rPr lang="de-DE" dirty="0"/>
+              <a:t>5)	; </a:t>
+            </a:r>
+            <a:r>
+              <a:rPr lang="de-DE" dirty="0" smtClean="0"/>
+              <a:t>100</a:t>
+            </a:r>
+          </a:p>
+          <a:p>
+            <a:endParaRPr lang="de-DE" dirty="0"/>
+          </a:p>
+          <a:p>
+            <a:r>
+              <a:rPr lang="de-DE" dirty="0" smtClean="0"/>
+              <a:t>(</a:t>
+            </a:r>
+            <a:r>
+              <a:rPr lang="de-DE" dirty="0" err="1" smtClean="0"/>
+              <a:t>defn</a:t>
+            </a:r>
+            <a:r>
+              <a:rPr lang="de-DE" dirty="0" smtClean="0"/>
+              <a:t> gen-</a:t>
+            </a:r>
+            <a:r>
+              <a:rPr lang="de-DE" dirty="0" err="1" smtClean="0"/>
+              <a:t>both</a:t>
+            </a:r>
+            <a:r>
+              <a:rPr lang="de-DE" dirty="0" smtClean="0"/>
+              <a:t> [f1 f2] (</a:t>
+            </a:r>
+            <a:r>
+              <a:rPr lang="de-DE" dirty="0" err="1" smtClean="0"/>
+              <a:t>fn</a:t>
+            </a:r>
+            <a:r>
+              <a:rPr lang="de-DE" dirty="0" smtClean="0"/>
+              <a:t> [x] (f1 (f2 x))))</a:t>
+            </a:r>
+          </a:p>
+          <a:p>
+            <a:r>
+              <a:rPr lang="de-DE" dirty="0"/>
+              <a:t>(</a:t>
+            </a:r>
+            <a:r>
+              <a:rPr lang="de-DE" dirty="0" err="1"/>
+              <a:t>def</a:t>
+            </a:r>
+            <a:r>
+              <a:rPr lang="de-DE" dirty="0"/>
+              <a:t> </a:t>
+            </a:r>
+            <a:r>
+              <a:rPr lang="de-DE" dirty="0" err="1"/>
+              <a:t>mq</a:t>
+            </a:r>
+            <a:r>
+              <a:rPr lang="de-DE" dirty="0"/>
+              <a:t> (gen-</a:t>
+            </a:r>
+            <a:r>
+              <a:rPr lang="de-DE" dirty="0" err="1"/>
+              <a:t>both</a:t>
+            </a:r>
+            <a:r>
+              <a:rPr lang="de-DE" dirty="0"/>
+              <a:t> mal2 </a:t>
+            </a:r>
+            <a:r>
+              <a:rPr lang="de-DE" dirty="0" err="1"/>
+              <a:t>quadrat</a:t>
+            </a:r>
+            <a:r>
+              <a:rPr lang="de-DE" dirty="0"/>
+              <a:t>))</a:t>
+            </a:r>
+          </a:p>
+          <a:p>
+            <a:r>
+              <a:rPr lang="de-DE" dirty="0"/>
+              <a:t>(</a:t>
+            </a:r>
+            <a:r>
+              <a:rPr lang="de-DE" dirty="0" err="1"/>
+              <a:t>mq</a:t>
+            </a:r>
+            <a:r>
+              <a:rPr lang="de-DE" dirty="0"/>
+              <a:t> 5)	; 50</a:t>
+            </a:r>
+          </a:p>
+          <a:p>
+            <a:endParaRPr lang="de-DE" dirty="0" smtClean="0"/>
+          </a:p>
+          <a:p>
+            <a:r>
+              <a:rPr lang="de-DE" dirty="0" smtClean="0"/>
+              <a:t>(</a:t>
+            </a:r>
+            <a:r>
+              <a:rPr lang="de-DE" dirty="0" err="1"/>
+              <a:t>def</a:t>
+            </a:r>
+            <a:r>
+              <a:rPr lang="de-DE" dirty="0"/>
+              <a:t> </a:t>
+            </a:r>
+            <a:r>
+              <a:rPr lang="de-DE" dirty="0" smtClean="0"/>
+              <a:t>qm </a:t>
+            </a:r>
+            <a:r>
+              <a:rPr lang="de-DE" dirty="0"/>
+              <a:t>(gen-</a:t>
+            </a:r>
+            <a:r>
+              <a:rPr lang="de-DE" dirty="0" err="1"/>
+              <a:t>both</a:t>
+            </a:r>
+            <a:r>
+              <a:rPr lang="de-DE" dirty="0"/>
+              <a:t> </a:t>
+            </a:r>
+            <a:r>
+              <a:rPr lang="de-DE" dirty="0" err="1" smtClean="0"/>
+              <a:t>quadrat</a:t>
+            </a:r>
+            <a:r>
+              <a:rPr lang="de-DE" dirty="0" smtClean="0"/>
+              <a:t> mal2))</a:t>
+            </a:r>
+            <a:endParaRPr lang="de-DE" dirty="0"/>
+          </a:p>
+          <a:p>
+            <a:r>
+              <a:rPr lang="de-DE" dirty="0" smtClean="0"/>
+              <a:t>(qm </a:t>
+            </a:r>
+            <a:r>
+              <a:rPr lang="de-DE" dirty="0"/>
+              <a:t>5)	; </a:t>
+            </a:r>
+            <a:r>
+              <a:rPr lang="de-DE" dirty="0" smtClean="0"/>
+              <a:t>100</a:t>
+            </a:r>
+            <a:endParaRPr lang="de-DE" dirty="0"/>
+          </a:p>
+          <a:p>
+            <a:endParaRPr lang="de-DE" dirty="0"/>
+          </a:p>
+          <a:p>
+            <a:endParaRPr lang="de-DE" dirty="0" smtClean="0"/>
+          </a:p>
+          <a:p>
+            <a:endParaRPr lang="de-DE" dirty="0"/>
           </a:p>
           <a:p>
             <a:endParaRPr lang="de-DE" dirty="0"/>
@@ -7218,7 +5815,7 @@
     </p:spTree>
     <p:extLst>
       <p:ext uri="{BB962C8B-B14F-4D97-AF65-F5344CB8AC3E}">
-        <p14:creationId xmlns:p14="http://schemas.microsoft.com/office/powerpoint/2010/main" val="126398076"/>
+        <p14:creationId xmlns:p14="http://schemas.microsoft.com/office/powerpoint/2010/main" val="634390699"/>
       </p:ext>
     </p:extLst>
   </p:cSld>
@@ -7247,14 +5844,14 @@
       </p:grpSpPr>
       <p:sp>
         <p:nvSpPr>
-          <p:cNvPr id="4" name="Textfeld 3"/>
+          <p:cNvPr id="4" name="TextBox 3"/>
           <p:cNvSpPr txBox="1"/>
           <p:nvPr/>
         </p:nvSpPr>
         <p:spPr>
           <a:xfrm>
-            <a:off x="899592" y="548680"/>
-            <a:ext cx="6984776" cy="3416320"/>
+            <a:off x="323528" y="692696"/>
+            <a:ext cx="4176464" cy="369332"/>
           </a:xfrm>
           <a:prstGeom prst="rect">
             <a:avLst/>
@@ -7269,112 +5866,256 @@
           <a:p>
             <a:r>
               <a:rPr lang="de-DE" dirty="0" smtClean="0"/>
-              <a:t>Die verschiedenen Stufen des Lernens </a:t>
-            </a:r>
-            <a:r>
-              <a:rPr lang="de-DE" dirty="0" smtClean="0">
-                <a:sym typeface="Wingdings" pitchFamily="2" charset="2"/>
-              </a:rPr>
-              <a:t></a:t>
-            </a:r>
-          </a:p>
-          <a:p>
-            <a:endParaRPr lang="de-DE" dirty="0">
-              <a:sym typeface="Wingdings" pitchFamily="2" charset="2"/>
-            </a:endParaRPr>
-          </a:p>
-          <a:p>
-            <a:pPr marL="285750" indent="-285750">
-              <a:buFont typeface="Arial" pitchFamily="34" charset="0"/>
-              <a:buChar char="•"/>
-            </a:pPr>
-            <a:r>
-              <a:rPr lang="de-DE" dirty="0" smtClean="0">
-                <a:sym typeface="Wingdings" pitchFamily="2" charset="2"/>
-              </a:rPr>
-              <a:t>Was machen die da und warum geht das überhaupt???  (Verwirrung)</a:t>
-            </a:r>
-          </a:p>
-          <a:p>
-            <a:pPr marL="285750" indent="-285750">
-              <a:buFont typeface="Arial" pitchFamily="34" charset="0"/>
-              <a:buChar char="•"/>
-            </a:pPr>
-            <a:endParaRPr lang="de-DE" dirty="0" smtClean="0">
-              <a:sym typeface="Wingdings" pitchFamily="2" charset="2"/>
-            </a:endParaRPr>
-          </a:p>
-          <a:p>
-            <a:pPr marL="285750" indent="-285750">
-              <a:buFont typeface="Arial" pitchFamily="34" charset="0"/>
-              <a:buChar char="•"/>
-            </a:pPr>
-            <a:r>
-              <a:rPr lang="de-DE" dirty="0" smtClean="0">
-                <a:sym typeface="Wingdings" pitchFamily="2" charset="2"/>
-              </a:rPr>
-              <a:t>Die machen da was! </a:t>
-            </a:r>
-            <a:r>
-              <a:rPr lang="de-DE" dirty="0">
-                <a:sym typeface="Wingdings" pitchFamily="2" charset="2"/>
-              </a:rPr>
-              <a:t>D</a:t>
-            </a:r>
-            <a:r>
-              <a:rPr lang="de-DE" dirty="0" smtClean="0">
-                <a:sym typeface="Wingdings" pitchFamily="2" charset="2"/>
-              </a:rPr>
-              <a:t>as will ich auch. Ich weiß aber nicht so richtig wie!</a:t>
-            </a:r>
-          </a:p>
-          <a:p>
-            <a:pPr marL="285750" indent="-285750">
-              <a:buFont typeface="Arial" pitchFamily="34" charset="0"/>
-              <a:buChar char="•"/>
-            </a:pPr>
-            <a:endParaRPr lang="de-DE" dirty="0" smtClean="0">
-              <a:sym typeface="Wingdings" pitchFamily="2" charset="2"/>
-            </a:endParaRPr>
-          </a:p>
-          <a:p>
-            <a:pPr marL="285750" indent="-285750">
-              <a:buFont typeface="Arial" pitchFamily="34" charset="0"/>
-              <a:buChar char="•"/>
-            </a:pPr>
-            <a:r>
-              <a:rPr lang="de-DE" dirty="0" smtClean="0">
-                <a:sym typeface="Wingdings" pitchFamily="2" charset="2"/>
-              </a:rPr>
-              <a:t>Ich mache das jetzt auch, aber es ist noch schwierig!</a:t>
-            </a:r>
-          </a:p>
-          <a:p>
-            <a:pPr marL="285750" indent="-285750">
-              <a:buFont typeface="Arial" pitchFamily="34" charset="0"/>
-              <a:buChar char="•"/>
-            </a:pPr>
-            <a:endParaRPr lang="de-DE" dirty="0">
-              <a:sym typeface="Wingdings" pitchFamily="2" charset="2"/>
-            </a:endParaRPr>
-          </a:p>
-          <a:p>
-            <a:pPr marL="285750" indent="-285750">
-              <a:buFont typeface="Arial" pitchFamily="34" charset="0"/>
-              <a:buChar char="•"/>
-            </a:pPr>
-            <a:r>
-              <a:rPr lang="de-DE" dirty="0" smtClean="0">
-                <a:sym typeface="Wingdings" pitchFamily="2" charset="2"/>
-              </a:rPr>
-              <a:t>Ich mache das jetzt auch und zwar ganz selbstverständlich!</a:t>
-            </a:r>
-          </a:p>
-          <a:p>
-            <a:pPr marL="285750" indent="-285750">
-              <a:buFont typeface="Arial" pitchFamily="34" charset="0"/>
-              <a:buChar char="•"/>
-            </a:pPr>
+              <a:t>HOF Higher Order Funktion</a:t>
+            </a:r>
+            <a:endParaRPr lang="de-DE" dirty="0"/>
+          </a:p>
+        </p:txBody>
+      </p:sp>
+      <p:sp>
+        <p:nvSpPr>
+          <p:cNvPr id="5" name="TextBox 4"/>
+          <p:cNvSpPr txBox="1"/>
+          <p:nvPr/>
+        </p:nvSpPr>
+        <p:spPr>
+          <a:xfrm>
+            <a:off x="467544" y="1556792"/>
+            <a:ext cx="7776864" cy="4247317"/>
+          </a:xfrm>
+          <a:prstGeom prst="rect">
+            <a:avLst/>
+          </a:prstGeom>
+          <a:noFill/>
+        </p:spPr>
+        <p:txBody>
+          <a:bodyPr wrap="square" rtlCol="0">
+            <a:spAutoFit/>
+          </a:bodyPr>
+          <a:lstStyle/>
+          <a:p>
+            <a:r>
+              <a:rPr lang="de-DE" dirty="0" smtClean="0"/>
+              <a:t>(</a:t>
+            </a:r>
+            <a:r>
+              <a:rPr lang="de-DE" dirty="0" err="1" smtClean="0"/>
+              <a:t>defn</a:t>
+            </a:r>
+            <a:r>
+              <a:rPr lang="de-DE" dirty="0" smtClean="0"/>
+              <a:t> </a:t>
+            </a:r>
+            <a:r>
+              <a:rPr lang="de-DE" dirty="0" err="1" smtClean="0"/>
+              <a:t>slow-calc</a:t>
+            </a:r>
+            <a:r>
+              <a:rPr lang="de-DE" dirty="0" smtClean="0"/>
+              <a:t> [n m]</a:t>
+            </a:r>
+          </a:p>
+          <a:p>
+            <a:r>
+              <a:rPr lang="de-DE" dirty="0" smtClean="0"/>
+              <a:t>  (</a:t>
+            </a:r>
+            <a:r>
+              <a:rPr lang="de-DE" dirty="0" err="1" smtClean="0"/>
+              <a:t>System.Threading.Thread</a:t>
+            </a:r>
+            <a:r>
+              <a:rPr lang="de-DE" dirty="0" smtClean="0"/>
+              <a:t>/</a:t>
+            </a:r>
+            <a:r>
+              <a:rPr lang="de-DE" dirty="0" err="1" smtClean="0"/>
+              <a:t>Sleep</a:t>
+            </a:r>
+            <a:r>
+              <a:rPr lang="de-DE" dirty="0" smtClean="0"/>
+              <a:t> 2000)</a:t>
+            </a:r>
+          </a:p>
+          <a:p>
+            <a:r>
+              <a:rPr lang="de-DE" dirty="0"/>
+              <a:t> </a:t>
+            </a:r>
+            <a:r>
+              <a:rPr lang="de-DE" dirty="0" smtClean="0"/>
+              <a:t> (* m n))</a:t>
+            </a:r>
+          </a:p>
+          <a:p>
+            <a:endParaRPr lang="de-DE" dirty="0"/>
+          </a:p>
+          <a:p>
+            <a:r>
+              <a:rPr lang="de-DE" dirty="0"/>
+              <a:t>(</a:t>
+            </a:r>
+            <a:r>
+              <a:rPr lang="de-DE" dirty="0" err="1"/>
+              <a:t>slow-calc</a:t>
+            </a:r>
+            <a:r>
+              <a:rPr lang="de-DE" dirty="0"/>
+              <a:t> 2 6)	; 12 aber langsam</a:t>
+            </a:r>
+          </a:p>
+          <a:p>
+            <a:r>
+              <a:rPr lang="de-DE" dirty="0"/>
+              <a:t>(time (</a:t>
+            </a:r>
+            <a:r>
+              <a:rPr lang="de-DE" dirty="0" err="1"/>
+              <a:t>slow-calc</a:t>
+            </a:r>
+            <a:r>
+              <a:rPr lang="de-DE" dirty="0"/>
+              <a:t> 2 6))</a:t>
+            </a:r>
+          </a:p>
+          <a:p>
+            <a:endParaRPr lang="de-DE" dirty="0"/>
+          </a:p>
+          <a:p>
+            <a:r>
+              <a:rPr lang="de-DE" dirty="0" smtClean="0"/>
+              <a:t>HOF mit </a:t>
+            </a:r>
+            <a:r>
+              <a:rPr lang="de-DE" dirty="0" err="1" smtClean="0"/>
+              <a:t>memonize</a:t>
+            </a:r>
+            <a:endParaRPr lang="de-DE" dirty="0" smtClean="0"/>
+          </a:p>
+          <a:p>
+            <a:endParaRPr lang="de-DE" dirty="0"/>
+          </a:p>
+          <a:p>
+            <a:r>
+              <a:rPr lang="de-DE" dirty="0" smtClean="0"/>
+              <a:t>Die </a:t>
+            </a:r>
+            <a:r>
+              <a:rPr lang="de-DE" dirty="0" err="1" smtClean="0"/>
+              <a:t>memonize</a:t>
+            </a:r>
+            <a:r>
+              <a:rPr lang="de-DE" dirty="0" smtClean="0"/>
+              <a:t> </a:t>
+            </a:r>
+            <a:r>
+              <a:rPr lang="de-DE" dirty="0" err="1" smtClean="0"/>
+              <a:t>function</a:t>
+            </a:r>
+            <a:r>
+              <a:rPr lang="de-DE" dirty="0" smtClean="0"/>
+              <a:t> erzeugt eine </a:t>
+            </a:r>
+            <a:r>
+              <a:rPr lang="de-DE" dirty="0" err="1" smtClean="0"/>
+              <a:t>cache</a:t>
+            </a:r>
+            <a:r>
+              <a:rPr lang="de-DE" dirty="0" smtClean="0"/>
+              <a:t> variante der übergebenen Funktion</a:t>
+            </a:r>
+          </a:p>
+          <a:p>
+            <a:r>
+              <a:rPr lang="de-DE" dirty="0" smtClean="0"/>
+              <a:t>(</a:t>
+            </a:r>
+            <a:r>
+              <a:rPr lang="de-DE" dirty="0" err="1" smtClean="0"/>
+              <a:t>def</a:t>
+            </a:r>
+            <a:r>
+              <a:rPr lang="de-DE" dirty="0" smtClean="0"/>
+              <a:t> </a:t>
+            </a:r>
+            <a:r>
+              <a:rPr lang="de-DE" dirty="0" err="1" smtClean="0"/>
+              <a:t>cached-slow-calc</a:t>
+            </a:r>
+            <a:r>
+              <a:rPr lang="de-DE" dirty="0" smtClean="0"/>
+              <a:t> (</a:t>
+            </a:r>
+            <a:r>
+              <a:rPr lang="de-DE" dirty="0" err="1" smtClean="0"/>
+              <a:t>memoize</a:t>
+            </a:r>
+            <a:r>
+              <a:rPr lang="de-DE" dirty="0" smtClean="0"/>
+              <a:t> </a:t>
+            </a:r>
+            <a:r>
+              <a:rPr lang="de-DE" dirty="0" err="1" smtClean="0"/>
+              <a:t>slow-calc</a:t>
+            </a:r>
+            <a:r>
+              <a:rPr lang="de-DE" dirty="0" smtClean="0"/>
+              <a:t>))</a:t>
+            </a:r>
+          </a:p>
+          <a:p>
+            <a:endParaRPr lang="de-DE" dirty="0"/>
+          </a:p>
+          <a:p>
+            <a:r>
+              <a:rPr lang="de-DE" dirty="0" smtClean="0"/>
+              <a:t>(</a:t>
+            </a:r>
+            <a:r>
+              <a:rPr lang="de-DE" dirty="0" err="1" smtClean="0"/>
+              <a:t>cached-slow-calc</a:t>
+            </a:r>
+            <a:r>
+              <a:rPr lang="de-DE" dirty="0" smtClean="0"/>
+              <a:t> </a:t>
+            </a:r>
+            <a:r>
+              <a:rPr lang="de-DE" dirty="0"/>
+              <a:t>2 6)	; 12 </a:t>
+            </a:r>
+            <a:r>
+              <a:rPr lang="de-DE" dirty="0" smtClean="0"/>
+              <a:t>langsam, aber nur beim </a:t>
+            </a:r>
+            <a:r>
+              <a:rPr lang="de-DE" smtClean="0"/>
+              <a:t>ersten mal</a:t>
+            </a:r>
+            <a:endParaRPr lang="de-DE" dirty="0"/>
+          </a:p>
+          <a:p>
+            <a:r>
+              <a:rPr lang="de-DE" dirty="0"/>
+              <a:t>(time </a:t>
+            </a:r>
+            <a:r>
+              <a:rPr lang="de-DE" dirty="0" smtClean="0"/>
+              <a:t>(</a:t>
+            </a:r>
+            <a:r>
+              <a:rPr lang="de-DE" dirty="0" err="1" smtClean="0"/>
+              <a:t>cached-slow-calc</a:t>
+            </a:r>
+            <a:r>
+              <a:rPr lang="de-DE" dirty="0" smtClean="0"/>
+              <a:t> </a:t>
+            </a:r>
+            <a:r>
+              <a:rPr lang="de-DE" dirty="0"/>
+              <a:t>2 6))</a:t>
+            </a:r>
+          </a:p>
+          <a:p>
             <a:endParaRPr lang="de-DE" dirty="0"/>
           </a:p>
         </p:txBody>
@@ -7382,20 +6123,13 @@
     </p:spTree>
     <p:extLst>
       <p:ext uri="{BB962C8B-B14F-4D97-AF65-F5344CB8AC3E}">
-        <p14:creationId xmlns:p14="http://schemas.microsoft.com/office/powerpoint/2010/main" val="4274948650"/>
+        <p14:creationId xmlns:p14="http://schemas.microsoft.com/office/powerpoint/2010/main" val="435040017"/>
       </p:ext>
     </p:extLst>
   </p:cSld>
   <p:clrMapOvr>
     <a:masterClrMapping/>
   </p:clrMapOvr>
-  <p:timing>
-    <p:tnLst>
-      <p:par>
-        <p:cTn id="1" dur="indefinite" restart="never" nodeType="tmRoot"/>
-      </p:par>
-    </p:tnLst>
-  </p:timing>
 </p:sld>
 </file>
 
@@ -7418,14 +6152,14 @@
       </p:grpSpPr>
       <p:sp>
         <p:nvSpPr>
-          <p:cNvPr id="4" name="Textfeld 3"/>
+          <p:cNvPr id="4" name="TextBox 5"/>
           <p:cNvSpPr txBox="1"/>
           <p:nvPr/>
         </p:nvSpPr>
         <p:spPr>
           <a:xfrm>
-            <a:off x="899592" y="836712"/>
-            <a:ext cx="5256584" cy="4801314"/>
+            <a:off x="296172" y="6492652"/>
+            <a:ext cx="1296144" cy="369332"/>
           </a:xfrm>
           <a:prstGeom prst="rect">
             <a:avLst/>
@@ -7438,240 +6172,1949 @@
           </a:bodyPr>
           <a:lstStyle/>
           <a:p>
-            <a:pPr marL="285750" indent="-285750">
-              <a:buFont typeface="Arial" pitchFamily="34" charset="0"/>
-              <a:buChar char="•"/>
-            </a:pPr>
-            <a:r>
-              <a:rPr lang="de-DE" dirty="0" smtClean="0"/>
-              <a:t>Bild </a:t>
-            </a:r>
+            <a:r>
+              <a:rPr lang="de-DE" dirty="0" err="1" smtClean="0">
+                <a:solidFill>
+                  <a:schemeClr val="bg1"/>
+                </a:solidFill>
+              </a:rPr>
+              <a:t>Sequence</a:t>
+            </a:r>
+            <a:endParaRPr lang="de-DE" dirty="0">
+              <a:solidFill>
+                <a:schemeClr val="bg1"/>
+              </a:solidFill>
+            </a:endParaRPr>
+          </a:p>
+        </p:txBody>
+      </p:sp>
+      <p:sp>
+        <p:nvSpPr>
+          <p:cNvPr id="5" name="Textfeld 4"/>
+          <p:cNvSpPr txBox="1"/>
+          <p:nvPr/>
+        </p:nvSpPr>
+        <p:spPr>
+          <a:xfrm>
+            <a:off x="287524" y="476672"/>
+            <a:ext cx="4176464" cy="369332"/>
+          </a:xfrm>
+          <a:prstGeom prst="rect">
+            <a:avLst/>
+          </a:prstGeom>
+          <a:noFill/>
+        </p:spPr>
+        <p:txBody>
+          <a:bodyPr wrap="square" rtlCol="0">
+            <a:spAutoFit/>
+          </a:bodyPr>
+          <a:lstStyle/>
+          <a:p>
             <a:r>
               <a:rPr lang="de-DE" dirty="0" err="1" smtClean="0"/>
-              <a:t>Hickey</a:t>
-            </a:r>
-            <a:endParaRPr lang="de-DE" dirty="0" smtClean="0"/>
-          </a:p>
-          <a:p>
-            <a:pPr marL="285750" indent="-285750">
-              <a:buFont typeface="Arial" pitchFamily="34" charset="0"/>
-              <a:buChar char="•"/>
-            </a:pPr>
-            <a:r>
-              <a:rPr lang="de-DE" dirty="0" smtClean="0"/>
-              <a:t>Allgemeines Layout</a:t>
-            </a:r>
-          </a:p>
-          <a:p>
-            <a:pPr marL="285750" indent="-285750">
-              <a:buFont typeface="Arial" pitchFamily="34" charset="0"/>
-              <a:buChar char="•"/>
-            </a:pPr>
-            <a:r>
-              <a:rPr lang="de-DE" dirty="0" smtClean="0"/>
-              <a:t>Cooles Bild über klammern</a:t>
-            </a:r>
-          </a:p>
-          <a:p>
-            <a:pPr marL="285750" indent="-285750">
-              <a:buFont typeface="Arial" pitchFamily="34" charset="0"/>
-              <a:buChar char="•"/>
-            </a:pPr>
-            <a:r>
-              <a:rPr lang="de-DE" dirty="0" smtClean="0"/>
-              <a:t>Basis Daten Typen</a:t>
-            </a:r>
-          </a:p>
-          <a:p>
-            <a:pPr marL="285750" indent="-285750">
-              <a:buFont typeface="Arial" pitchFamily="34" charset="0"/>
-              <a:buChar char="•"/>
-            </a:pPr>
-            <a:r>
-              <a:rPr lang="de-DE" dirty="0" smtClean="0"/>
-              <a:t>Daten </a:t>
-            </a:r>
-            <a:r>
-              <a:rPr lang="de-DE" dirty="0" err="1" smtClean="0"/>
-              <a:t>Struckturen</a:t>
-            </a:r>
-            <a:endParaRPr lang="de-DE" dirty="0" smtClean="0"/>
-          </a:p>
-          <a:p>
-            <a:pPr marL="285750" indent="-285750">
-              <a:buFont typeface="Arial" pitchFamily="34" charset="0"/>
-              <a:buChar char="•"/>
-            </a:pPr>
-            <a:r>
-              <a:rPr lang="de-DE" dirty="0" smtClean="0"/>
-              <a:t>Fragestellung wo die einzelnen Leute stehen, was benutzen Sie für Technologien</a:t>
-            </a:r>
-          </a:p>
-          <a:p>
-            <a:pPr marL="285750" indent="-285750">
-              <a:buFont typeface="Arial" pitchFamily="34" charset="0"/>
-              <a:buChar char="•"/>
-            </a:pPr>
+              <a:t>Sequence</a:t>
+            </a:r>
+            <a:r>
+              <a:rPr lang="de-DE" dirty="0" smtClean="0"/>
+              <a:t> Library von </a:t>
+            </a:r>
             <a:r>
               <a:rPr lang="de-DE" dirty="0" err="1" smtClean="0"/>
               <a:t>Clojure</a:t>
             </a:r>
-            <a:r>
-              <a:rPr lang="de-DE" dirty="0" smtClean="0"/>
-              <a:t> Timeline</a:t>
-            </a:r>
-          </a:p>
-          <a:p>
-            <a:pPr marL="285750" indent="-285750">
-              <a:buFont typeface="Arial" pitchFamily="34" charset="0"/>
-              <a:buChar char="•"/>
-            </a:pPr>
-            <a:r>
-              <a:rPr lang="de-DE" dirty="0" err="1" smtClean="0"/>
-              <a:t>Immuteability</a:t>
-            </a:r>
-            <a:endParaRPr lang="de-DE" dirty="0" smtClean="0"/>
-          </a:p>
-          <a:p>
-            <a:pPr marL="285750" indent="-285750">
-              <a:buFont typeface="Arial" pitchFamily="34" charset="0"/>
-              <a:buChar char="•"/>
-            </a:pPr>
-            <a:r>
-              <a:rPr lang="de-DE" dirty="0" smtClean="0"/>
-              <a:t>(Power -&gt; JVM/CLR/JS, </a:t>
-            </a:r>
-            <a:r>
-              <a:rPr lang="de-DE" dirty="0" err="1" smtClean="0"/>
-              <a:t>Robustness</a:t>
-            </a:r>
-            <a:r>
-              <a:rPr lang="de-DE" dirty="0" smtClean="0"/>
-              <a:t> -&gt; </a:t>
-            </a:r>
-            <a:r>
-              <a:rPr lang="de-DE" dirty="0" err="1" smtClean="0"/>
-              <a:t>functional</a:t>
-            </a:r>
-            <a:r>
-              <a:rPr lang="de-DE" dirty="0" smtClean="0"/>
-              <a:t>, </a:t>
-            </a:r>
-            <a:r>
-              <a:rPr lang="de-DE" dirty="0" err="1" smtClean="0"/>
-              <a:t>Concurrency</a:t>
-            </a:r>
-            <a:r>
-              <a:rPr lang="de-DE" dirty="0" smtClean="0"/>
-              <a:t> -&gt; STM, Focus -&gt; Lisp)</a:t>
-            </a:r>
-          </a:p>
-          <a:p>
-            <a:pPr marL="285750" indent="-285750">
-              <a:buFont typeface="Arial" pitchFamily="34" charset="0"/>
-              <a:buChar char="•"/>
-            </a:pPr>
-            <a:r>
-              <a:rPr lang="de-DE" dirty="0" err="1" smtClean="0"/>
-              <a:t>Function</a:t>
-            </a:r>
-            <a:r>
-              <a:rPr lang="de-DE" dirty="0" smtClean="0"/>
-              <a:t> </a:t>
-            </a:r>
-            <a:r>
-              <a:rPr lang="de-DE" dirty="0" err="1" smtClean="0"/>
-              <a:t>definitions</a:t>
-            </a:r>
-            <a:endParaRPr lang="de-DE" dirty="0" smtClean="0"/>
-          </a:p>
-          <a:p>
-            <a:pPr marL="285750" indent="-285750">
-              <a:buFont typeface="Arial" pitchFamily="34" charset="0"/>
-              <a:buChar char="•"/>
-            </a:pPr>
-            <a:r>
-              <a:rPr lang="de-DE" dirty="0" err="1" smtClean="0"/>
-              <a:t>Function</a:t>
-            </a:r>
-            <a:r>
-              <a:rPr lang="de-DE" dirty="0" smtClean="0"/>
-              <a:t> </a:t>
-            </a:r>
-            <a:r>
-              <a:rPr lang="de-DE" dirty="0" err="1" smtClean="0"/>
-              <a:t>naming</a:t>
-            </a:r>
-            <a:r>
-              <a:rPr lang="de-DE" dirty="0" smtClean="0"/>
-              <a:t> </a:t>
-            </a:r>
-            <a:r>
-              <a:rPr lang="de-DE" dirty="0" err="1" smtClean="0"/>
-              <a:t>convention</a:t>
-            </a:r>
-            <a:r>
-              <a:rPr lang="de-DE" dirty="0" smtClean="0"/>
-              <a:t> </a:t>
-            </a:r>
-            <a:r>
-              <a:rPr lang="de-DE" dirty="0" err="1" smtClean="0"/>
-              <a:t>even</a:t>
-            </a:r>
-            <a:r>
-              <a:rPr lang="de-DE" dirty="0" smtClean="0"/>
+            <a:endParaRPr lang="de-DE" dirty="0"/>
+          </a:p>
+        </p:txBody>
+      </p:sp>
+      <p:sp>
+        <p:nvSpPr>
+          <p:cNvPr id="6" name="Rechteck 5"/>
+          <p:cNvSpPr/>
+          <p:nvPr/>
+        </p:nvSpPr>
+        <p:spPr>
+          <a:xfrm>
+            <a:off x="395536" y="908720"/>
+            <a:ext cx="8424936" cy="646331"/>
+          </a:xfrm>
+          <a:prstGeom prst="rect">
+            <a:avLst/>
+          </a:prstGeom>
+        </p:spPr>
+        <p:txBody>
+          <a:bodyPr wrap="square">
+            <a:spAutoFit/>
+          </a:bodyPr>
+          <a:lstStyle/>
+          <a:p>
+            <a:r>
+              <a:rPr lang="en-US" dirty="0"/>
+              <a:t>"It is better to have 100 functions operate on one data structure than 10 functions on 10 data structures." —Alan Perlis</a:t>
+            </a:r>
+            <a:endParaRPr lang="de-DE" dirty="0"/>
+          </a:p>
+        </p:txBody>
+      </p:sp>
+      <p:sp>
+        <p:nvSpPr>
+          <p:cNvPr id="7" name="Rechteck 6"/>
+          <p:cNvSpPr/>
+          <p:nvPr/>
+        </p:nvSpPr>
+        <p:spPr>
+          <a:xfrm>
+            <a:off x="287524" y="1527782"/>
+            <a:ext cx="8514081" cy="5047536"/>
+          </a:xfrm>
+          <a:prstGeom prst="rect">
+            <a:avLst/>
+          </a:prstGeom>
+        </p:spPr>
+        <p:txBody>
+          <a:bodyPr wrap="square">
+            <a:spAutoFit/>
+          </a:bodyPr>
+          <a:lstStyle/>
+          <a:p>
+            <a:r>
+              <a:rPr lang="de-DE" sz="1400" b="1" dirty="0" err="1"/>
+              <a:t>Seq</a:t>
+            </a:r>
+            <a:r>
+              <a:rPr lang="de-DE" sz="1400" b="1" dirty="0"/>
+              <a:t> in, </a:t>
+            </a:r>
+            <a:r>
+              <a:rPr lang="de-DE" sz="1400" b="1" dirty="0" err="1"/>
+              <a:t>Seq</a:t>
+            </a:r>
+            <a:r>
+              <a:rPr lang="de-DE" sz="1400" b="1" dirty="0"/>
+              <a:t> out</a:t>
+            </a:r>
+          </a:p>
+          <a:p>
+            <a:r>
+              <a:rPr lang="de-DE" sz="1400" dirty="0"/>
+              <a:t>Shorter </a:t>
+            </a:r>
+            <a:r>
+              <a:rPr lang="de-DE" sz="1400" dirty="0" err="1"/>
+              <a:t>seq</a:t>
+            </a:r>
+            <a:r>
+              <a:rPr lang="de-DE" sz="1400" dirty="0"/>
+              <a:t> </a:t>
+            </a:r>
+            <a:r>
+              <a:rPr lang="de-DE" sz="1400" dirty="0" err="1"/>
+              <a:t>from</a:t>
+            </a:r>
+            <a:r>
+              <a:rPr lang="de-DE" sz="1400" dirty="0"/>
+              <a:t> a </a:t>
+            </a:r>
+            <a:r>
+              <a:rPr lang="de-DE" sz="1400" dirty="0" err="1"/>
+              <a:t>longer</a:t>
+            </a:r>
+            <a:r>
+              <a:rPr lang="de-DE" sz="1400" dirty="0"/>
+              <a:t> </a:t>
+            </a:r>
+            <a:r>
+              <a:rPr lang="de-DE" sz="1400" dirty="0" err="1"/>
+              <a:t>seq</a:t>
+            </a:r>
+            <a:r>
+              <a:rPr lang="de-DE" sz="1400" dirty="0"/>
+              <a:t>: </a:t>
+            </a:r>
+            <a:r>
+              <a:rPr lang="de-DE" sz="1400" dirty="0" err="1">
+                <a:hlinkClick r:id="rId2"/>
+              </a:rPr>
+              <a:t>distinct</a:t>
+            </a:r>
+            <a:r>
+              <a:rPr lang="de-DE" sz="1400" dirty="0"/>
+              <a:t> </a:t>
+            </a:r>
+            <a:r>
+              <a:rPr lang="de-DE" sz="1400" dirty="0" err="1">
+                <a:hlinkClick r:id="rId2"/>
+              </a:rPr>
+              <a:t>filter</a:t>
+            </a:r>
+            <a:r>
+              <a:rPr lang="de-DE" sz="1400" dirty="0"/>
+              <a:t> </a:t>
+            </a:r>
+            <a:r>
+              <a:rPr lang="de-DE" sz="1400" dirty="0" err="1">
+                <a:hlinkClick r:id="rId2"/>
+              </a:rPr>
+              <a:t>remove</a:t>
+            </a:r>
+            <a:r>
+              <a:rPr lang="de-DE" sz="1400" dirty="0"/>
+              <a:t> </a:t>
+            </a:r>
+            <a:r>
+              <a:rPr lang="de-DE" sz="1400" dirty="0" err="1">
+                <a:hlinkClick r:id="rId2"/>
+              </a:rPr>
+              <a:t>for</a:t>
+            </a:r>
+            <a:r>
+              <a:rPr lang="de-DE" sz="1400" dirty="0"/>
+              <a:t> </a:t>
+            </a:r>
+            <a:r>
+              <a:rPr lang="de-DE" sz="1400" dirty="0" err="1">
+                <a:hlinkClick r:id="rId2"/>
+              </a:rPr>
+              <a:t>keep</a:t>
+            </a:r>
+            <a:r>
+              <a:rPr lang="de-DE" sz="1400" dirty="0"/>
+              <a:t> </a:t>
+            </a:r>
+            <a:r>
+              <a:rPr lang="de-DE" sz="1400" dirty="0" err="1">
+                <a:hlinkClick r:id="rId2"/>
+              </a:rPr>
+              <a:t>keep-indexed</a:t>
+            </a:r>
+            <a:r>
+              <a:rPr lang="de-DE" sz="1400" dirty="0"/>
+              <a:t/>
+            </a:r>
+            <a:br>
+              <a:rPr lang="de-DE" sz="1400" dirty="0"/>
+            </a:br>
+            <a:r>
+              <a:rPr lang="de-DE" sz="1400" dirty="0" err="1"/>
+              <a:t>Longer</a:t>
+            </a:r>
+            <a:r>
+              <a:rPr lang="de-DE" sz="1400" dirty="0"/>
+              <a:t> </a:t>
+            </a:r>
+            <a:r>
+              <a:rPr lang="de-DE" sz="1400" dirty="0" err="1"/>
+              <a:t>seq</a:t>
+            </a:r>
+            <a:r>
+              <a:rPr lang="de-DE" sz="1400" dirty="0"/>
+              <a:t> </a:t>
+            </a:r>
+            <a:r>
+              <a:rPr lang="de-DE" sz="1400" dirty="0" err="1"/>
+              <a:t>from</a:t>
+            </a:r>
+            <a:r>
+              <a:rPr lang="de-DE" sz="1400" dirty="0"/>
+              <a:t> a </a:t>
+            </a:r>
+            <a:r>
+              <a:rPr lang="de-DE" sz="1400" dirty="0" err="1"/>
+              <a:t>shorter</a:t>
+            </a:r>
+            <a:r>
+              <a:rPr lang="de-DE" sz="1400" dirty="0"/>
+              <a:t> </a:t>
+            </a:r>
+            <a:r>
+              <a:rPr lang="de-DE" sz="1400" dirty="0" err="1"/>
+              <a:t>seq</a:t>
+            </a:r>
+            <a:r>
+              <a:rPr lang="de-DE" sz="1400" dirty="0"/>
+              <a:t>: </a:t>
+            </a:r>
+            <a:r>
+              <a:rPr lang="de-DE" sz="1400" dirty="0" err="1">
+                <a:hlinkClick r:id="rId2"/>
+              </a:rPr>
+              <a:t>cons</a:t>
+            </a:r>
+            <a:r>
+              <a:rPr lang="de-DE" sz="1400" dirty="0"/>
+              <a:t> </a:t>
+            </a:r>
+            <a:r>
+              <a:rPr lang="de-DE" sz="1400" dirty="0" err="1">
+                <a:hlinkClick r:id="rId2"/>
+              </a:rPr>
+              <a:t>concat</a:t>
+            </a:r>
+            <a:r>
+              <a:rPr lang="de-DE" sz="1400" dirty="0"/>
+              <a:t> </a:t>
+            </a:r>
+            <a:r>
+              <a:rPr lang="de-DE" sz="1400" dirty="0" err="1">
+                <a:hlinkClick r:id="rId2"/>
+              </a:rPr>
+              <a:t>lazy-cat</a:t>
+            </a:r>
+            <a:r>
+              <a:rPr lang="de-DE" sz="1400" dirty="0"/>
+              <a:t> </a:t>
+            </a:r>
+            <a:r>
+              <a:rPr lang="de-DE" sz="1400" dirty="0" err="1">
+                <a:hlinkClick r:id="rId2"/>
+              </a:rPr>
+              <a:t>mapcat</a:t>
+            </a:r>
+            <a:r>
+              <a:rPr lang="de-DE" sz="1400" dirty="0"/>
+              <a:t> </a:t>
+            </a:r>
+            <a:r>
+              <a:rPr lang="de-DE" sz="1400" dirty="0" err="1">
+                <a:hlinkClick r:id="rId2"/>
+              </a:rPr>
+              <a:t>cycle</a:t>
+            </a:r>
+            <a:r>
+              <a:rPr lang="de-DE" sz="1400" dirty="0"/>
+              <a:t> </a:t>
+            </a:r>
+            <a:r>
+              <a:rPr lang="de-DE" sz="1400" dirty="0" err="1">
+                <a:hlinkClick r:id="rId2"/>
+              </a:rPr>
+              <a:t>interleave</a:t>
+            </a:r>
+            <a:r>
+              <a:rPr lang="de-DE" sz="1400" dirty="0"/>
+              <a:t> </a:t>
+            </a:r>
+            <a:r>
+              <a:rPr lang="de-DE" sz="1400" dirty="0" err="1">
+                <a:hlinkClick r:id="rId2"/>
+              </a:rPr>
+              <a:t>interpose</a:t>
+            </a:r>
+            <a:r>
+              <a:rPr lang="de-DE" sz="1400" dirty="0"/>
+              <a:t/>
+            </a:r>
+            <a:br>
+              <a:rPr lang="de-DE" sz="1400" dirty="0"/>
+            </a:br>
+            <a:r>
+              <a:rPr lang="de-DE" sz="1400" dirty="0" err="1"/>
+              <a:t>Seq</a:t>
+            </a:r>
+            <a:r>
+              <a:rPr lang="de-DE" sz="1400" dirty="0"/>
+              <a:t> </a:t>
+            </a:r>
+            <a:r>
+              <a:rPr lang="de-DE" sz="1400" dirty="0" err="1"/>
+              <a:t>with</a:t>
+            </a:r>
+            <a:r>
+              <a:rPr lang="de-DE" sz="1400" dirty="0"/>
+              <a:t> </a:t>
+            </a:r>
+            <a:r>
+              <a:rPr lang="de-DE" sz="1400" dirty="0" err="1"/>
+              <a:t>head</a:t>
+            </a:r>
+            <a:r>
+              <a:rPr lang="de-DE" sz="1400" dirty="0"/>
+              <a:t>-items </a:t>
+            </a:r>
+            <a:r>
+              <a:rPr lang="de-DE" sz="1400" dirty="0" err="1"/>
+              <a:t>missing</a:t>
+            </a:r>
+            <a:r>
+              <a:rPr lang="de-DE" sz="1400" dirty="0"/>
+              <a:t>: </a:t>
+            </a:r>
+            <a:r>
+              <a:rPr lang="de-DE" sz="1400" dirty="0" err="1">
+                <a:hlinkClick r:id="rId2"/>
+              </a:rPr>
+              <a:t>rest</a:t>
+            </a:r>
+            <a:r>
+              <a:rPr lang="de-DE" sz="1400" dirty="0"/>
+              <a:t> </a:t>
+            </a:r>
+            <a:r>
+              <a:rPr lang="de-DE" sz="1400" dirty="0" err="1">
+                <a:hlinkClick r:id="rId2"/>
+              </a:rPr>
+              <a:t>next</a:t>
+            </a:r>
+            <a:r>
+              <a:rPr lang="de-DE" sz="1400" dirty="0"/>
+              <a:t> </a:t>
+            </a:r>
+            <a:r>
+              <a:rPr lang="de-DE" sz="1400" dirty="0" err="1">
+                <a:hlinkClick r:id="rId2"/>
+              </a:rPr>
+              <a:t>fnext</a:t>
+            </a:r>
+            <a:r>
+              <a:rPr lang="de-DE" sz="1400" dirty="0"/>
+              <a:t> </a:t>
+            </a:r>
+            <a:r>
+              <a:rPr lang="de-DE" sz="1400" dirty="0" err="1">
+                <a:hlinkClick r:id="rId2"/>
+              </a:rPr>
+              <a:t>nnext</a:t>
+            </a:r>
+            <a:r>
+              <a:rPr lang="de-DE" sz="1400" dirty="0"/>
+              <a:t> </a:t>
+            </a:r>
+            <a:r>
+              <a:rPr lang="de-DE" sz="1400" dirty="0" err="1">
+                <a:hlinkClick r:id="rId2"/>
+              </a:rPr>
+              <a:t>drop</a:t>
+            </a:r>
+            <a:r>
+              <a:rPr lang="de-DE" sz="1400" dirty="0"/>
+              <a:t> </a:t>
+            </a:r>
+            <a:r>
+              <a:rPr lang="de-DE" sz="1400" dirty="0" err="1">
+                <a:hlinkClick r:id="rId2"/>
+              </a:rPr>
+              <a:t>drop-while</a:t>
+            </a:r>
+            <a:r>
+              <a:rPr lang="de-DE" sz="1400" dirty="0"/>
+              <a:t> </a:t>
+            </a:r>
+            <a:r>
+              <a:rPr lang="de-DE" sz="1400" dirty="0" err="1">
+                <a:hlinkClick r:id="rId2"/>
+              </a:rPr>
+              <a:t>nthnext</a:t>
+            </a:r>
+            <a:r>
+              <a:rPr lang="de-DE" sz="1400" dirty="0"/>
+              <a:t> </a:t>
+            </a:r>
+            <a:r>
+              <a:rPr lang="de-DE" sz="1400" dirty="0" err="1">
+                <a:hlinkClick r:id="rId2"/>
+              </a:rPr>
+              <a:t>for</a:t>
+            </a:r>
+            <a:r>
+              <a:rPr lang="de-DE" sz="1400" dirty="0"/>
+              <a:t/>
+            </a:r>
+            <a:br>
+              <a:rPr lang="de-DE" sz="1400" dirty="0"/>
+            </a:br>
+            <a:r>
+              <a:rPr lang="de-DE" sz="1400" dirty="0" err="1"/>
+              <a:t>Seq</a:t>
+            </a:r>
+            <a:r>
+              <a:rPr lang="de-DE" sz="1400" dirty="0"/>
+              <a:t> </a:t>
+            </a:r>
+            <a:r>
+              <a:rPr lang="de-DE" sz="1400" dirty="0" err="1"/>
+              <a:t>with</a:t>
+            </a:r>
+            <a:r>
+              <a:rPr lang="de-DE" sz="1400" dirty="0"/>
+              <a:t> </a:t>
+            </a:r>
+            <a:r>
+              <a:rPr lang="de-DE" sz="1400" dirty="0" err="1"/>
+              <a:t>tail</a:t>
+            </a:r>
+            <a:r>
+              <a:rPr lang="de-DE" sz="1400" dirty="0"/>
+              <a:t>-items </a:t>
+            </a:r>
+            <a:r>
+              <a:rPr lang="de-DE" sz="1400" dirty="0" err="1"/>
+              <a:t>missing</a:t>
+            </a:r>
+            <a:r>
+              <a:rPr lang="de-DE" sz="1400" dirty="0"/>
+              <a:t>: </a:t>
+            </a:r>
+            <a:r>
+              <a:rPr lang="de-DE" sz="1400" dirty="0" err="1">
+                <a:hlinkClick r:id="rId2"/>
+              </a:rPr>
+              <a:t>take</a:t>
+            </a:r>
+            <a:r>
+              <a:rPr lang="de-DE" sz="1400" dirty="0"/>
+              <a:t> </a:t>
+            </a:r>
+            <a:r>
+              <a:rPr lang="de-DE" sz="1400" dirty="0" err="1">
+                <a:hlinkClick r:id="rId2"/>
+              </a:rPr>
+              <a:t>take-nth</a:t>
+            </a:r>
+            <a:r>
+              <a:rPr lang="de-DE" sz="1400" dirty="0"/>
+              <a:t> </a:t>
+            </a:r>
+            <a:r>
+              <a:rPr lang="de-DE" sz="1400" dirty="0" err="1">
+                <a:hlinkClick r:id="rId2"/>
+              </a:rPr>
+              <a:t>take-while</a:t>
+            </a:r>
+            <a:r>
+              <a:rPr lang="de-DE" sz="1400" dirty="0"/>
+              <a:t> </a:t>
+            </a:r>
+            <a:r>
+              <a:rPr lang="de-DE" sz="1400" dirty="0" err="1">
+                <a:hlinkClick r:id="rId2"/>
+              </a:rPr>
+              <a:t>butlast</a:t>
+            </a:r>
+            <a:r>
+              <a:rPr lang="de-DE" sz="1400" dirty="0"/>
+              <a:t> </a:t>
+            </a:r>
+            <a:r>
+              <a:rPr lang="de-DE" sz="1400" dirty="0" err="1">
+                <a:hlinkClick r:id="rId2"/>
+              </a:rPr>
+              <a:t>drop</a:t>
+            </a:r>
+            <a:r>
+              <a:rPr lang="de-DE" sz="1400" dirty="0">
+                <a:hlinkClick r:id="rId2"/>
+              </a:rPr>
+              <a:t>-last</a:t>
+            </a:r>
+            <a:r>
+              <a:rPr lang="de-DE" sz="1400" dirty="0"/>
+              <a:t> </a:t>
+            </a:r>
+            <a:r>
+              <a:rPr lang="de-DE" sz="1400" dirty="0" err="1">
+                <a:hlinkClick r:id="rId2"/>
+              </a:rPr>
+              <a:t>for</a:t>
+            </a:r>
+            <a:r>
+              <a:rPr lang="de-DE" sz="1400" dirty="0"/>
+              <a:t/>
+            </a:r>
+            <a:br>
+              <a:rPr lang="de-DE" sz="1400" dirty="0"/>
+            </a:br>
+            <a:r>
+              <a:rPr lang="de-DE" sz="1400" dirty="0" err="1"/>
+              <a:t>Rearrangment</a:t>
+            </a:r>
+            <a:r>
+              <a:rPr lang="de-DE" sz="1400" dirty="0"/>
+              <a:t> </a:t>
+            </a:r>
+            <a:r>
+              <a:rPr lang="de-DE" sz="1400" dirty="0" err="1"/>
+              <a:t>of</a:t>
+            </a:r>
+            <a:r>
+              <a:rPr lang="de-DE" sz="1400" dirty="0"/>
+              <a:t> a </a:t>
+            </a:r>
+            <a:r>
+              <a:rPr lang="de-DE" sz="1400" dirty="0" err="1"/>
+              <a:t>seq</a:t>
+            </a:r>
+            <a:r>
+              <a:rPr lang="de-DE" sz="1400" dirty="0"/>
+              <a:t>: </a:t>
+            </a:r>
+            <a:r>
+              <a:rPr lang="de-DE" sz="1400" dirty="0" err="1">
+                <a:hlinkClick r:id="rId2"/>
+              </a:rPr>
+              <a:t>flatten</a:t>
+            </a:r>
+            <a:r>
+              <a:rPr lang="de-DE" sz="1400" dirty="0"/>
+              <a:t> </a:t>
+            </a:r>
+            <a:r>
+              <a:rPr lang="de-DE" sz="1400" dirty="0" err="1">
+                <a:hlinkClick r:id="rId2"/>
+              </a:rPr>
+              <a:t>reverse</a:t>
+            </a:r>
+            <a:r>
+              <a:rPr lang="de-DE" sz="1400" dirty="0"/>
+              <a:t> </a:t>
+            </a:r>
+            <a:r>
+              <a:rPr lang="de-DE" sz="1400" dirty="0" err="1">
+                <a:hlinkClick r:id="rId2"/>
+              </a:rPr>
+              <a:t>sort</a:t>
+            </a:r>
+            <a:r>
+              <a:rPr lang="de-DE" sz="1400" dirty="0"/>
+              <a:t> </a:t>
+            </a:r>
+            <a:r>
+              <a:rPr lang="de-DE" sz="1400" dirty="0" err="1">
+                <a:hlinkClick r:id="rId2"/>
+              </a:rPr>
+              <a:t>sort-by</a:t>
+            </a:r>
+            <a:r>
+              <a:rPr lang="de-DE" sz="1400" dirty="0"/>
+              <a:t> </a:t>
+            </a:r>
+            <a:r>
+              <a:rPr lang="de-DE" sz="1400" dirty="0" err="1">
+                <a:hlinkClick r:id="rId2"/>
+              </a:rPr>
+              <a:t>shuffle</a:t>
+            </a:r>
+            <a:r>
+              <a:rPr lang="de-DE" sz="1400" dirty="0"/>
+              <a:t/>
+            </a:r>
+            <a:br>
+              <a:rPr lang="de-DE" sz="1400" dirty="0"/>
+            </a:br>
+            <a:r>
+              <a:rPr lang="de-DE" sz="1400" dirty="0"/>
+              <a:t>Create </a:t>
+            </a:r>
+            <a:r>
+              <a:rPr lang="de-DE" sz="1400" dirty="0" err="1"/>
+              <a:t>nested</a:t>
+            </a:r>
+            <a:r>
+              <a:rPr lang="de-DE" sz="1400" dirty="0"/>
+              <a:t> </a:t>
+            </a:r>
+            <a:r>
+              <a:rPr lang="de-DE" sz="1400" dirty="0" err="1"/>
+              <a:t>seqs</a:t>
+            </a:r>
+            <a:r>
+              <a:rPr lang="de-DE" sz="1400" dirty="0"/>
+              <a:t>: </a:t>
+            </a:r>
+            <a:r>
+              <a:rPr lang="de-DE" sz="1400" dirty="0" err="1">
+                <a:hlinkClick r:id="rId2"/>
+              </a:rPr>
+              <a:t>split-at</a:t>
+            </a:r>
+            <a:r>
+              <a:rPr lang="de-DE" sz="1400" dirty="0"/>
+              <a:t> </a:t>
+            </a:r>
+            <a:r>
+              <a:rPr lang="de-DE" sz="1400" dirty="0" err="1">
+                <a:hlinkClick r:id="rId2"/>
+              </a:rPr>
+              <a:t>split-with</a:t>
+            </a:r>
+            <a:r>
+              <a:rPr lang="de-DE" sz="1400" dirty="0"/>
+              <a:t> </a:t>
+            </a:r>
+            <a:r>
+              <a:rPr lang="de-DE" sz="1400" dirty="0" err="1">
+                <a:hlinkClick r:id="rId2"/>
+              </a:rPr>
+              <a:t>partition</a:t>
+            </a:r>
+            <a:r>
+              <a:rPr lang="de-DE" sz="1400" dirty="0"/>
+              <a:t> </a:t>
+            </a:r>
+            <a:r>
+              <a:rPr lang="de-DE" sz="1400" dirty="0" err="1">
+                <a:hlinkClick r:id="rId2"/>
+              </a:rPr>
+              <a:t>partition</a:t>
+            </a:r>
+            <a:r>
+              <a:rPr lang="de-DE" sz="1400" dirty="0">
+                <a:hlinkClick r:id="rId2"/>
+              </a:rPr>
+              <a:t>-all</a:t>
+            </a:r>
+            <a:r>
+              <a:rPr lang="de-DE" sz="1400" dirty="0"/>
+              <a:t> </a:t>
+            </a:r>
+            <a:r>
+              <a:rPr lang="de-DE" sz="1400" dirty="0" err="1">
+                <a:hlinkClick r:id="rId2"/>
+              </a:rPr>
+              <a:t>partition-by</a:t>
+            </a:r>
+            <a:r>
+              <a:rPr lang="de-DE" sz="1400" dirty="0"/>
+              <a:t/>
+            </a:r>
+            <a:br>
+              <a:rPr lang="de-DE" sz="1400" dirty="0"/>
+            </a:br>
+            <a:r>
+              <a:rPr lang="de-DE" sz="1400" dirty="0" err="1"/>
+              <a:t>Process</a:t>
+            </a:r>
+            <a:r>
+              <a:rPr lang="de-DE" sz="1400" dirty="0"/>
+              <a:t> </a:t>
+            </a:r>
+            <a:r>
+              <a:rPr lang="de-DE" sz="1400" dirty="0" err="1"/>
+              <a:t>each</a:t>
+            </a:r>
+            <a:r>
+              <a:rPr lang="de-DE" sz="1400" dirty="0"/>
+              <a:t> item </a:t>
+            </a:r>
+            <a:r>
+              <a:rPr lang="de-DE" sz="1400" dirty="0" err="1"/>
+              <a:t>of</a:t>
+            </a:r>
+            <a:r>
+              <a:rPr lang="de-DE" sz="1400" dirty="0"/>
+              <a:t> a </a:t>
+            </a:r>
+            <a:r>
+              <a:rPr lang="de-DE" sz="1400" dirty="0" err="1"/>
+              <a:t>seq</a:t>
+            </a:r>
+            <a:r>
+              <a:rPr lang="de-DE" sz="1400" dirty="0"/>
+              <a:t> </a:t>
+            </a:r>
+            <a:r>
+              <a:rPr lang="de-DE" sz="1400" dirty="0" err="1"/>
+              <a:t>to</a:t>
+            </a:r>
+            <a:r>
+              <a:rPr lang="de-DE" sz="1400" dirty="0"/>
+              <a:t> </a:t>
+            </a:r>
+            <a:r>
+              <a:rPr lang="de-DE" sz="1400" dirty="0" err="1"/>
+              <a:t>create</a:t>
+            </a:r>
+            <a:r>
+              <a:rPr lang="de-DE" sz="1400" dirty="0"/>
+              <a:t> a </a:t>
+            </a:r>
+            <a:r>
+              <a:rPr lang="de-DE" sz="1400" dirty="0" err="1"/>
+              <a:t>new</a:t>
+            </a:r>
+            <a:r>
+              <a:rPr lang="de-DE" sz="1400" dirty="0"/>
+              <a:t> </a:t>
+            </a:r>
+            <a:r>
+              <a:rPr lang="de-DE" sz="1400" dirty="0" err="1"/>
+              <a:t>seq</a:t>
+            </a:r>
+            <a:r>
+              <a:rPr lang="de-DE" sz="1400" dirty="0"/>
+              <a:t>: </a:t>
+            </a:r>
+            <a:r>
+              <a:rPr lang="de-DE" sz="1400" dirty="0" err="1">
+                <a:hlinkClick r:id="rId2"/>
+              </a:rPr>
+              <a:t>map</a:t>
+            </a:r>
+            <a:r>
+              <a:rPr lang="de-DE" sz="1400" dirty="0"/>
+              <a:t> </a:t>
+            </a:r>
+            <a:r>
+              <a:rPr lang="de-DE" sz="1400" dirty="0" err="1">
+                <a:hlinkClick r:id="rId2"/>
+              </a:rPr>
+              <a:t>pmap</a:t>
+            </a:r>
+            <a:r>
+              <a:rPr lang="de-DE" sz="1400" dirty="0"/>
+              <a:t> </a:t>
+            </a:r>
+            <a:r>
+              <a:rPr lang="de-DE" sz="1400" dirty="0" err="1">
+                <a:hlinkClick r:id="rId2"/>
+              </a:rPr>
+              <a:t>mapcat</a:t>
+            </a:r>
+            <a:r>
+              <a:rPr lang="de-DE" sz="1400" dirty="0"/>
+              <a:t> </a:t>
+            </a:r>
+            <a:r>
+              <a:rPr lang="de-DE" sz="1400" dirty="0" err="1">
+                <a:hlinkClick r:id="rId2"/>
+              </a:rPr>
+              <a:t>for</a:t>
+            </a:r>
+            <a:r>
+              <a:rPr lang="de-DE" sz="1400" dirty="0"/>
+              <a:t> </a:t>
+            </a:r>
+            <a:r>
+              <a:rPr lang="de-DE" sz="1400" dirty="0" err="1">
+                <a:hlinkClick r:id="rId2"/>
+              </a:rPr>
+              <a:t>replace</a:t>
+            </a:r>
+            <a:r>
+              <a:rPr lang="de-DE" sz="1400" dirty="0"/>
+              <a:t> </a:t>
+            </a:r>
+            <a:r>
+              <a:rPr lang="de-DE" sz="1400" dirty="0" err="1">
+                <a:hlinkClick r:id="rId2"/>
+              </a:rPr>
+              <a:t>reductions</a:t>
+            </a:r>
+            <a:r>
+              <a:rPr lang="de-DE" sz="1400" dirty="0"/>
+              <a:t> </a:t>
+            </a:r>
+            <a:r>
+              <a:rPr lang="de-DE" sz="1400" dirty="0" err="1">
+                <a:hlinkClick r:id="rId2"/>
+              </a:rPr>
+              <a:t>map-indexed</a:t>
+            </a:r>
+            <a:r>
+              <a:rPr lang="de-DE" sz="1400" dirty="0"/>
+              <a:t> </a:t>
+            </a:r>
+            <a:r>
+              <a:rPr lang="de-DE" sz="1400" dirty="0" err="1">
+                <a:hlinkClick r:id="rId2"/>
+              </a:rPr>
+              <a:t>seque</a:t>
+            </a:r>
+            <a:r>
+              <a:rPr lang="de-DE" sz="1400" dirty="0"/>
+              <a:t/>
+            </a:r>
+            <a:br>
+              <a:rPr lang="de-DE" sz="1400" dirty="0"/>
+            </a:br>
+            <a:r>
+              <a:rPr lang="de-DE" sz="1400" dirty="0"/>
+              <a:t/>
+            </a:r>
+            <a:br>
+              <a:rPr lang="de-DE" sz="1400" dirty="0"/>
+            </a:br>
+            <a:r>
+              <a:rPr lang="de-DE" sz="1400" b="1" dirty="0" err="1"/>
+              <a:t>Using</a:t>
+            </a:r>
+            <a:r>
+              <a:rPr lang="de-DE" sz="1400" b="1" dirty="0"/>
+              <a:t> a </a:t>
+            </a:r>
+            <a:r>
+              <a:rPr lang="de-DE" sz="1400" b="1" dirty="0" err="1"/>
+              <a:t>seq</a:t>
+            </a:r>
+            <a:endParaRPr lang="de-DE" sz="1400" b="1" dirty="0"/>
+          </a:p>
+          <a:p>
+            <a:r>
+              <a:rPr lang="de-DE" sz="1400" dirty="0" err="1"/>
+              <a:t>Extract</a:t>
+            </a:r>
+            <a:r>
+              <a:rPr lang="de-DE" sz="1400" dirty="0"/>
+              <a:t> a </a:t>
+            </a:r>
+            <a:r>
+              <a:rPr lang="de-DE" sz="1400" dirty="0" err="1"/>
+              <a:t>specific-numbered</a:t>
+            </a:r>
+            <a:r>
+              <a:rPr lang="de-DE" sz="1400" dirty="0"/>
+              <a:t> item </a:t>
+            </a:r>
+            <a:r>
+              <a:rPr lang="de-DE" sz="1400" dirty="0" err="1"/>
+              <a:t>from</a:t>
+            </a:r>
+            <a:r>
+              <a:rPr lang="de-DE" sz="1400" dirty="0"/>
+              <a:t> a </a:t>
+            </a:r>
+            <a:r>
+              <a:rPr lang="de-DE" sz="1400" dirty="0" err="1"/>
+              <a:t>seq</a:t>
+            </a:r>
+            <a:r>
+              <a:rPr lang="de-DE" sz="1400" dirty="0"/>
+              <a:t>: </a:t>
+            </a:r>
+            <a:r>
+              <a:rPr lang="de-DE" sz="1400" dirty="0" err="1">
+                <a:hlinkClick r:id="rId2"/>
+              </a:rPr>
+              <a:t>first</a:t>
+            </a:r>
+            <a:r>
+              <a:rPr lang="de-DE" sz="1400" dirty="0"/>
+              <a:t> </a:t>
+            </a:r>
+            <a:r>
+              <a:rPr lang="de-DE" sz="1400" dirty="0" err="1">
+                <a:hlinkClick r:id="rId2"/>
+              </a:rPr>
+              <a:t>ffirst</a:t>
+            </a:r>
+            <a:r>
+              <a:rPr lang="de-DE" sz="1400" dirty="0"/>
+              <a:t> </a:t>
+            </a:r>
+            <a:r>
+              <a:rPr lang="de-DE" sz="1400" dirty="0" err="1">
+                <a:hlinkClick r:id="rId2"/>
+              </a:rPr>
+              <a:t>nfirst</a:t>
+            </a:r>
+            <a:r>
+              <a:rPr lang="de-DE" sz="1400" dirty="0"/>
+              <a:t> </a:t>
+            </a:r>
+            <a:r>
+              <a:rPr lang="de-DE" sz="1400" dirty="0" err="1">
+                <a:hlinkClick r:id="rId2"/>
+              </a:rPr>
+              <a:t>second</a:t>
+            </a:r>
+            <a:r>
+              <a:rPr lang="de-DE" sz="1400" dirty="0"/>
+              <a:t> </a:t>
+            </a:r>
+            <a:r>
+              <a:rPr lang="de-DE" sz="1400" dirty="0" err="1">
+                <a:hlinkClick r:id="rId2"/>
+              </a:rPr>
+              <a:t>nth</a:t>
+            </a:r>
+            <a:r>
+              <a:rPr lang="de-DE" sz="1400" dirty="0"/>
+              <a:t> </a:t>
+            </a:r>
+            <a:r>
+              <a:rPr lang="de-DE" sz="1400" dirty="0" err="1">
+                <a:hlinkClick r:id="rId2"/>
+              </a:rPr>
+              <a:t>when</a:t>
+            </a:r>
+            <a:r>
+              <a:rPr lang="de-DE" sz="1400" dirty="0">
+                <a:hlinkClick r:id="rId2"/>
+              </a:rPr>
+              <a:t>-first</a:t>
+            </a:r>
+            <a:r>
+              <a:rPr lang="de-DE" sz="1400" dirty="0"/>
+              <a:t> </a:t>
+            </a:r>
+            <a:r>
+              <a:rPr lang="de-DE" sz="1400" dirty="0">
+                <a:hlinkClick r:id="rId2"/>
+              </a:rPr>
+              <a:t>last</a:t>
+            </a:r>
+            <a:r>
+              <a:rPr lang="de-DE" sz="1400" dirty="0"/>
+              <a:t> </a:t>
+            </a:r>
+            <a:r>
+              <a:rPr lang="de-DE" sz="1400" dirty="0">
+                <a:hlinkClick r:id="rId2"/>
+              </a:rPr>
+              <a:t>rand-</a:t>
+            </a:r>
+            <a:r>
+              <a:rPr lang="de-DE" sz="1400" dirty="0" err="1">
+                <a:hlinkClick r:id="rId2"/>
+              </a:rPr>
+              <a:t>nth</a:t>
+            </a:r>
+            <a:r>
+              <a:rPr lang="de-DE" sz="1400" dirty="0"/>
+              <a:t/>
+            </a:r>
+            <a:br>
+              <a:rPr lang="de-DE" sz="1400" dirty="0"/>
+            </a:br>
+            <a:r>
+              <a:rPr lang="de-DE" sz="1400" dirty="0" err="1"/>
+              <a:t>Construct</a:t>
+            </a:r>
+            <a:r>
+              <a:rPr lang="de-DE" sz="1400" dirty="0"/>
+              <a:t> a </a:t>
+            </a:r>
+            <a:r>
+              <a:rPr lang="de-DE" sz="1400" dirty="0" err="1"/>
+              <a:t>collection</a:t>
+            </a:r>
+            <a:r>
+              <a:rPr lang="de-DE" sz="1400" dirty="0"/>
+              <a:t> </a:t>
+            </a:r>
+            <a:r>
+              <a:rPr lang="de-DE" sz="1400" dirty="0" err="1"/>
+              <a:t>from</a:t>
+            </a:r>
+            <a:r>
+              <a:rPr lang="de-DE" sz="1400" dirty="0"/>
+              <a:t> a </a:t>
+            </a:r>
+            <a:r>
+              <a:rPr lang="de-DE" sz="1400" dirty="0" err="1"/>
+              <a:t>seq</a:t>
+            </a:r>
+            <a:r>
+              <a:rPr lang="de-DE" sz="1400" dirty="0"/>
+              <a:t>: </a:t>
+            </a:r>
+            <a:r>
+              <a:rPr lang="de-DE" sz="1400" dirty="0" err="1">
+                <a:hlinkClick r:id="rId2"/>
+              </a:rPr>
+              <a:t>zipmap</a:t>
+            </a:r>
+            <a:r>
+              <a:rPr lang="de-DE" sz="1400" dirty="0"/>
+              <a:t> </a:t>
+            </a:r>
+            <a:r>
+              <a:rPr lang="de-DE" sz="1400" dirty="0" err="1">
+                <a:hlinkClick r:id="rId2"/>
+              </a:rPr>
+              <a:t>into</a:t>
+            </a:r>
+            <a:r>
+              <a:rPr lang="de-DE" sz="1400" dirty="0"/>
+              <a:t> </a:t>
+            </a:r>
+            <a:r>
+              <a:rPr lang="de-DE" sz="1400" dirty="0" err="1">
+                <a:hlinkClick r:id="rId2"/>
+              </a:rPr>
+              <a:t>reduce</a:t>
+            </a:r>
+            <a:r>
+              <a:rPr lang="de-DE" sz="1400" dirty="0"/>
+              <a:t> </a:t>
+            </a:r>
+            <a:r>
+              <a:rPr lang="de-DE" sz="1400" dirty="0" err="1">
+                <a:hlinkClick r:id="rId2"/>
+              </a:rPr>
+              <a:t>set</a:t>
+            </a:r>
+            <a:r>
+              <a:rPr lang="de-DE" sz="1400" dirty="0"/>
+              <a:t> </a:t>
+            </a:r>
+            <a:r>
+              <a:rPr lang="de-DE" sz="1400" dirty="0" err="1">
+                <a:hlinkClick r:id="rId2"/>
+              </a:rPr>
+              <a:t>vec</a:t>
+            </a:r>
+            <a:r>
+              <a:rPr lang="de-DE" sz="1400" dirty="0"/>
+              <a:t> </a:t>
+            </a:r>
+            <a:r>
+              <a:rPr lang="de-DE" sz="1400" dirty="0" err="1">
+                <a:hlinkClick r:id="rId2"/>
+              </a:rPr>
+              <a:t>into</a:t>
+            </a:r>
+            <a:r>
+              <a:rPr lang="de-DE" sz="1400" dirty="0">
+                <a:hlinkClick r:id="rId2"/>
+              </a:rPr>
+              <a:t>-array</a:t>
+            </a:r>
+            <a:r>
+              <a:rPr lang="de-DE" sz="1400" dirty="0"/>
+              <a:t> </a:t>
+            </a:r>
+            <a:r>
+              <a:rPr lang="de-DE" sz="1400" dirty="0">
+                <a:hlinkClick r:id="rId2"/>
+              </a:rPr>
+              <a:t>to-array-2d</a:t>
+            </a:r>
+            <a:r>
+              <a:rPr lang="de-DE" sz="1400" dirty="0"/>
+              <a:t> </a:t>
+            </a:r>
+            <a:r>
+              <a:rPr lang="de-DE" sz="1400" dirty="0" err="1">
+                <a:hlinkClick r:id="rId2"/>
+              </a:rPr>
+              <a:t>frequencies</a:t>
+            </a:r>
+            <a:r>
+              <a:rPr lang="de-DE" sz="1400" dirty="0"/>
+              <a:t> </a:t>
+            </a:r>
+            <a:r>
+              <a:rPr lang="de-DE" sz="1400" dirty="0" err="1">
+                <a:hlinkClick r:id="rId2"/>
+              </a:rPr>
+              <a:t>group-by</a:t>
+            </a:r>
+            <a:r>
+              <a:rPr lang="de-DE" sz="1400" dirty="0"/>
+              <a:t/>
+            </a:r>
+            <a:br>
+              <a:rPr lang="de-DE" sz="1400" dirty="0"/>
+            </a:br>
+            <a:r>
+              <a:rPr lang="de-DE" sz="1400" dirty="0"/>
+              <a:t>Pass </a:t>
+            </a:r>
+            <a:r>
+              <a:rPr lang="de-DE" sz="1400" dirty="0" err="1"/>
+              <a:t>items</a:t>
+            </a:r>
+            <a:r>
+              <a:rPr lang="de-DE" sz="1400" dirty="0"/>
+              <a:t> </a:t>
+            </a:r>
+            <a:r>
+              <a:rPr lang="de-DE" sz="1400" dirty="0" err="1"/>
+              <a:t>of</a:t>
+            </a:r>
+            <a:r>
+              <a:rPr lang="de-DE" sz="1400" dirty="0"/>
+              <a:t> a </a:t>
+            </a:r>
+            <a:r>
+              <a:rPr lang="de-DE" sz="1400" dirty="0" err="1"/>
+              <a:t>seq</a:t>
+            </a:r>
+            <a:r>
+              <a:rPr lang="de-DE" sz="1400" dirty="0"/>
+              <a:t> </a:t>
+            </a:r>
+            <a:r>
+              <a:rPr lang="de-DE" sz="1400" dirty="0" err="1"/>
+              <a:t>as</a:t>
+            </a:r>
+            <a:r>
+              <a:rPr lang="de-DE" sz="1400" dirty="0"/>
+              <a:t> </a:t>
+            </a:r>
+            <a:r>
+              <a:rPr lang="de-DE" sz="1400" dirty="0" err="1"/>
+              <a:t>arguments</a:t>
+            </a:r>
+            <a:r>
+              <a:rPr lang="de-DE" sz="1400" dirty="0"/>
+              <a:t> </a:t>
+            </a:r>
+            <a:r>
+              <a:rPr lang="de-DE" sz="1400" dirty="0" err="1"/>
+              <a:t>to</a:t>
+            </a:r>
+            <a:r>
+              <a:rPr lang="de-DE" sz="1400" dirty="0"/>
+              <a:t> a </a:t>
+            </a:r>
+            <a:r>
+              <a:rPr lang="de-DE" sz="1400" dirty="0" err="1"/>
+              <a:t>function</a:t>
+            </a:r>
+            <a:r>
+              <a:rPr lang="de-DE" sz="1400" dirty="0"/>
+              <a:t>: </a:t>
+            </a:r>
+            <a:r>
+              <a:rPr lang="de-DE" sz="1400" dirty="0" err="1">
+                <a:hlinkClick r:id="rId2"/>
+              </a:rPr>
+              <a:t>apply</a:t>
+            </a:r>
+            <a:r>
+              <a:rPr lang="de-DE" sz="1400" dirty="0"/>
+              <a:t/>
+            </a:r>
+            <a:br>
+              <a:rPr lang="de-DE" sz="1400" dirty="0"/>
+            </a:br>
+            <a:r>
+              <a:rPr lang="de-DE" sz="1400" dirty="0" err="1"/>
+              <a:t>Compute</a:t>
+            </a:r>
+            <a:r>
+              <a:rPr lang="de-DE" sz="1400" dirty="0"/>
+              <a:t> a </a:t>
+            </a:r>
+            <a:r>
+              <a:rPr lang="de-DE" sz="1400" dirty="0" err="1"/>
+              <a:t>boolean</a:t>
+            </a:r>
+            <a:r>
+              <a:rPr lang="de-DE" sz="1400" dirty="0"/>
+              <a:t> </a:t>
+            </a:r>
+            <a:r>
+              <a:rPr lang="de-DE" sz="1400" dirty="0" err="1"/>
+              <a:t>from</a:t>
+            </a:r>
+            <a:r>
+              <a:rPr lang="de-DE" sz="1400" dirty="0"/>
+              <a:t> a </a:t>
+            </a:r>
+            <a:r>
+              <a:rPr lang="de-DE" sz="1400" dirty="0" err="1"/>
+              <a:t>seq</a:t>
+            </a:r>
+            <a:r>
+              <a:rPr lang="de-DE" sz="1400" dirty="0"/>
+              <a:t>: </a:t>
+            </a:r>
+            <a:r>
+              <a:rPr lang="de-DE" sz="1400" dirty="0">
+                <a:hlinkClick r:id="rId2"/>
+              </a:rPr>
+              <a:t>not-</a:t>
+            </a:r>
+            <a:r>
+              <a:rPr lang="de-DE" sz="1400" dirty="0" err="1">
+                <a:hlinkClick r:id="rId2"/>
+              </a:rPr>
+              <a:t>empty</a:t>
+            </a:r>
+            <a:r>
+              <a:rPr lang="de-DE" sz="1400" dirty="0"/>
+              <a:t> </a:t>
+            </a:r>
+            <a:r>
+              <a:rPr lang="de-DE" sz="1400" dirty="0" err="1">
+                <a:hlinkClick r:id="rId2"/>
+              </a:rPr>
+              <a:t>some</a:t>
+            </a:r>
+            <a:r>
+              <a:rPr lang="de-DE" sz="1400" dirty="0"/>
+              <a:t> </a:t>
+            </a:r>
+            <a:r>
+              <a:rPr lang="de-DE" sz="1400" dirty="0" err="1">
+                <a:hlinkClick r:id="rId2"/>
+              </a:rPr>
+              <a:t>reduce</a:t>
+            </a:r>
+            <a:r>
+              <a:rPr lang="de-DE" sz="1400" dirty="0"/>
+              <a:t> </a:t>
+            </a:r>
+            <a:r>
+              <a:rPr lang="de-DE" sz="1400" dirty="0" err="1">
+                <a:hlinkClick r:id="rId2"/>
+              </a:rPr>
+              <a:t>seq</a:t>
+            </a:r>
+            <a:r>
+              <a:rPr lang="de-DE" sz="1400" dirty="0">
+                <a:hlinkClick r:id="rId2"/>
+              </a:rPr>
               <a:t>?</a:t>
             </a:r>
-          </a:p>
-          <a:p>
-            <a:pPr marL="285750" indent="-285750">
-              <a:buFont typeface="Arial" pitchFamily="34" charset="0"/>
-              <a:buChar char="•"/>
-            </a:pPr>
-            <a:r>
-              <a:rPr lang="de-DE" dirty="0" smtClean="0"/>
-              <a:t>Sample .Net Samples </a:t>
-            </a:r>
-            <a:r>
-              <a:rPr lang="de-DE" dirty="0" err="1" smtClean="0"/>
-              <a:t>vs</a:t>
-            </a:r>
-            <a:r>
-              <a:rPr lang="de-DE" dirty="0" smtClean="0"/>
-              <a:t> </a:t>
-            </a:r>
-            <a:r>
-              <a:rPr lang="de-DE" dirty="0" err="1" smtClean="0"/>
-              <a:t>Clojure</a:t>
-            </a:r>
-            <a:r>
-              <a:rPr lang="de-DE" smtClean="0"/>
-              <a:t> Samples</a:t>
-            </a:r>
-          </a:p>
-          <a:p>
-            <a:pPr marL="285750" indent="-285750">
-              <a:buFont typeface="Arial" pitchFamily="34" charset="0"/>
-              <a:buChar char="•"/>
-            </a:pPr>
-            <a:endParaRPr lang="de-DE" dirty="0" smtClean="0"/>
-          </a:p>
-          <a:p>
-            <a:pPr marL="285750" indent="-285750">
-              <a:buFont typeface="Arial" pitchFamily="34" charset="0"/>
-              <a:buChar char="•"/>
-            </a:pPr>
-            <a:endParaRPr lang="de-DE" dirty="0" smtClean="0"/>
-          </a:p>
-          <a:p>
-            <a:endParaRPr lang="de-DE" dirty="0"/>
+            <a:r>
+              <a:rPr lang="de-DE" sz="1400" dirty="0"/>
+              <a:t> </a:t>
+            </a:r>
+            <a:r>
+              <a:rPr lang="de-DE" sz="1400" dirty="0" err="1">
+                <a:hlinkClick r:id="rId2"/>
+              </a:rPr>
+              <a:t>every</a:t>
+            </a:r>
+            <a:r>
+              <a:rPr lang="de-DE" sz="1400" dirty="0">
+                <a:hlinkClick r:id="rId2"/>
+              </a:rPr>
+              <a:t>?</a:t>
+            </a:r>
+            <a:r>
+              <a:rPr lang="de-DE" sz="1400" dirty="0"/>
+              <a:t> </a:t>
+            </a:r>
+            <a:r>
+              <a:rPr lang="de-DE" sz="1400" dirty="0">
+                <a:hlinkClick r:id="rId2"/>
+              </a:rPr>
+              <a:t>not-</a:t>
+            </a:r>
+            <a:r>
+              <a:rPr lang="de-DE" sz="1400" dirty="0" err="1">
+                <a:hlinkClick r:id="rId2"/>
+              </a:rPr>
+              <a:t>every</a:t>
+            </a:r>
+            <a:r>
+              <a:rPr lang="de-DE" sz="1400" dirty="0">
+                <a:hlinkClick r:id="rId2"/>
+              </a:rPr>
+              <a:t>?</a:t>
+            </a:r>
+            <a:r>
+              <a:rPr lang="de-DE" sz="1400" dirty="0"/>
+              <a:t> </a:t>
+            </a:r>
+            <a:r>
+              <a:rPr lang="de-DE" sz="1400" dirty="0">
+                <a:hlinkClick r:id="rId2"/>
+              </a:rPr>
+              <a:t>not-</a:t>
+            </a:r>
+            <a:r>
+              <a:rPr lang="de-DE" sz="1400" dirty="0" err="1">
+                <a:hlinkClick r:id="rId2"/>
+              </a:rPr>
+              <a:t>any</a:t>
+            </a:r>
+            <a:r>
+              <a:rPr lang="de-DE" sz="1400" dirty="0">
+                <a:hlinkClick r:id="rId2"/>
+              </a:rPr>
+              <a:t>?</a:t>
+            </a:r>
+            <a:r>
+              <a:rPr lang="de-DE" sz="1400" dirty="0"/>
+              <a:t> </a:t>
+            </a:r>
+            <a:r>
+              <a:rPr lang="de-DE" sz="1400" dirty="0" err="1">
+                <a:hlinkClick r:id="rId2"/>
+              </a:rPr>
+              <a:t>empty</a:t>
+            </a:r>
+            <a:r>
+              <a:rPr lang="de-DE" sz="1400" dirty="0">
+                <a:hlinkClick r:id="rId2"/>
+              </a:rPr>
+              <a:t>?</a:t>
+            </a:r>
+            <a:r>
+              <a:rPr lang="de-DE" sz="1400" dirty="0"/>
+              <a:t/>
+            </a:r>
+            <a:br>
+              <a:rPr lang="de-DE" sz="1400" dirty="0"/>
+            </a:br>
+            <a:r>
+              <a:rPr lang="de-DE" sz="1400" dirty="0"/>
+              <a:t>Search a </a:t>
+            </a:r>
+            <a:r>
+              <a:rPr lang="de-DE" sz="1400" dirty="0" err="1"/>
+              <a:t>seq</a:t>
+            </a:r>
+            <a:r>
+              <a:rPr lang="de-DE" sz="1400" dirty="0"/>
+              <a:t> </a:t>
+            </a:r>
+            <a:r>
+              <a:rPr lang="de-DE" sz="1400" dirty="0" err="1"/>
+              <a:t>using</a:t>
+            </a:r>
+            <a:r>
+              <a:rPr lang="de-DE" sz="1400" dirty="0"/>
+              <a:t> a </a:t>
+            </a:r>
+            <a:r>
+              <a:rPr lang="de-DE" sz="1400" dirty="0" err="1"/>
+              <a:t>predicate</a:t>
+            </a:r>
+            <a:r>
+              <a:rPr lang="de-DE" sz="1400" dirty="0"/>
+              <a:t>: </a:t>
+            </a:r>
+            <a:r>
+              <a:rPr lang="de-DE" sz="1400" dirty="0" err="1">
+                <a:hlinkClick r:id="rId2"/>
+              </a:rPr>
+              <a:t>some</a:t>
+            </a:r>
+            <a:r>
+              <a:rPr lang="de-DE" sz="1400" dirty="0"/>
+              <a:t> </a:t>
+            </a:r>
+            <a:r>
+              <a:rPr lang="de-DE" sz="1400" dirty="0" err="1">
+                <a:hlinkClick r:id="rId2"/>
+              </a:rPr>
+              <a:t>filter</a:t>
+            </a:r>
+            <a:r>
+              <a:rPr lang="de-DE" sz="1400" dirty="0"/>
+              <a:t/>
+            </a:r>
+            <a:br>
+              <a:rPr lang="de-DE" sz="1400" dirty="0"/>
+            </a:br>
+            <a:r>
+              <a:rPr lang="de-DE" sz="1400" dirty="0"/>
+              <a:t>Force </a:t>
+            </a:r>
+            <a:r>
+              <a:rPr lang="de-DE" sz="1400" dirty="0" err="1"/>
+              <a:t>evaluation</a:t>
+            </a:r>
+            <a:r>
+              <a:rPr lang="de-DE" sz="1400" dirty="0"/>
+              <a:t> </a:t>
+            </a:r>
+            <a:r>
+              <a:rPr lang="de-DE" sz="1400" dirty="0" err="1"/>
+              <a:t>of</a:t>
+            </a:r>
+            <a:r>
+              <a:rPr lang="de-DE" sz="1400" dirty="0"/>
+              <a:t> </a:t>
+            </a:r>
+            <a:r>
+              <a:rPr lang="de-DE" sz="1400" dirty="0" err="1"/>
+              <a:t>lazy</a:t>
+            </a:r>
+            <a:r>
+              <a:rPr lang="de-DE" sz="1400" dirty="0"/>
+              <a:t> </a:t>
+            </a:r>
+            <a:r>
+              <a:rPr lang="de-DE" sz="1400" dirty="0" err="1"/>
+              <a:t>seqs</a:t>
+            </a:r>
+            <a:r>
+              <a:rPr lang="de-DE" sz="1400" dirty="0"/>
+              <a:t>: </a:t>
+            </a:r>
+            <a:r>
+              <a:rPr lang="de-DE" sz="1400" dirty="0" err="1">
+                <a:hlinkClick r:id="rId2"/>
+              </a:rPr>
+              <a:t>doseq</a:t>
+            </a:r>
+            <a:r>
+              <a:rPr lang="de-DE" sz="1400" dirty="0"/>
+              <a:t> </a:t>
+            </a:r>
+            <a:r>
+              <a:rPr lang="de-DE" sz="1400" dirty="0" err="1">
+                <a:hlinkClick r:id="rId2"/>
+              </a:rPr>
+              <a:t>dorun</a:t>
+            </a:r>
+            <a:r>
+              <a:rPr lang="de-DE" sz="1400" dirty="0"/>
+              <a:t> </a:t>
+            </a:r>
+            <a:r>
+              <a:rPr lang="de-DE" sz="1400" dirty="0" err="1">
+                <a:hlinkClick r:id="rId2"/>
+              </a:rPr>
+              <a:t>doall</a:t>
+            </a:r>
+            <a:r>
+              <a:rPr lang="de-DE" sz="1400" dirty="0"/>
+              <a:t/>
+            </a:r>
+            <a:br>
+              <a:rPr lang="de-DE" sz="1400" dirty="0"/>
+            </a:br>
+            <a:r>
+              <a:rPr lang="de-DE" sz="1400" dirty="0"/>
+              <a:t>Check </a:t>
+            </a:r>
+            <a:r>
+              <a:rPr lang="de-DE" sz="1400" dirty="0" err="1"/>
+              <a:t>if</a:t>
+            </a:r>
+            <a:r>
+              <a:rPr lang="de-DE" sz="1400" dirty="0"/>
+              <a:t> </a:t>
+            </a:r>
+            <a:r>
+              <a:rPr lang="de-DE" sz="1400" dirty="0" err="1"/>
+              <a:t>lazy</a:t>
+            </a:r>
+            <a:r>
+              <a:rPr lang="de-DE" sz="1400" dirty="0"/>
+              <a:t> </a:t>
+            </a:r>
+            <a:r>
+              <a:rPr lang="de-DE" sz="1400" dirty="0" err="1"/>
+              <a:t>seqs</a:t>
+            </a:r>
+            <a:r>
+              <a:rPr lang="de-DE" sz="1400" dirty="0"/>
+              <a:t> </a:t>
+            </a:r>
+            <a:r>
+              <a:rPr lang="de-DE" sz="1400" dirty="0" err="1"/>
+              <a:t>have</a:t>
+            </a:r>
+            <a:r>
+              <a:rPr lang="de-DE" sz="1400" dirty="0"/>
+              <a:t> </a:t>
+            </a:r>
+            <a:r>
+              <a:rPr lang="de-DE" sz="1400" dirty="0" err="1"/>
+              <a:t>been</a:t>
+            </a:r>
+            <a:r>
+              <a:rPr lang="de-DE" sz="1400" dirty="0"/>
+              <a:t> </a:t>
+            </a:r>
+            <a:r>
+              <a:rPr lang="de-DE" sz="1400" dirty="0" err="1"/>
+              <a:t>forcibly</a:t>
+            </a:r>
+            <a:r>
+              <a:rPr lang="de-DE" sz="1400" dirty="0"/>
+              <a:t> </a:t>
+            </a:r>
+            <a:r>
+              <a:rPr lang="de-DE" sz="1400" dirty="0" err="1"/>
+              <a:t>evaluated</a:t>
+            </a:r>
+            <a:r>
+              <a:rPr lang="de-DE" sz="1400" dirty="0"/>
+              <a:t>: </a:t>
+            </a:r>
+            <a:r>
+              <a:rPr lang="de-DE" sz="1400" dirty="0" err="1">
+                <a:hlinkClick r:id="rId2"/>
+              </a:rPr>
+              <a:t>realized</a:t>
+            </a:r>
+            <a:r>
+              <a:rPr lang="de-DE" sz="1400" dirty="0">
+                <a:hlinkClick r:id="rId2"/>
+              </a:rPr>
+              <a:t>?</a:t>
+            </a:r>
+            <a:r>
+              <a:rPr lang="de-DE" sz="1400" dirty="0"/>
+              <a:t/>
+            </a:r>
+            <a:br>
+              <a:rPr lang="de-DE" sz="1400" dirty="0"/>
+            </a:br>
+            <a:r>
+              <a:rPr lang="de-DE" sz="1400" dirty="0"/>
+              <a:t/>
+            </a:r>
+            <a:br>
+              <a:rPr lang="de-DE" sz="1400" dirty="0"/>
+            </a:br>
+            <a:r>
+              <a:rPr lang="de-DE" sz="1400" b="1" dirty="0" err="1"/>
+              <a:t>Creating</a:t>
+            </a:r>
+            <a:r>
+              <a:rPr lang="de-DE" sz="1400" b="1" dirty="0"/>
+              <a:t> a </a:t>
+            </a:r>
+            <a:r>
+              <a:rPr lang="de-DE" sz="1400" b="1" dirty="0" err="1"/>
+              <a:t>seq</a:t>
+            </a:r>
+            <a:endParaRPr lang="de-DE" sz="1400" b="1" dirty="0"/>
+          </a:p>
+          <a:p>
+            <a:r>
+              <a:rPr lang="de-DE" sz="1400" dirty="0" err="1"/>
+              <a:t>Lazy</a:t>
+            </a:r>
+            <a:r>
+              <a:rPr lang="de-DE" sz="1400" dirty="0"/>
+              <a:t> </a:t>
+            </a:r>
+            <a:r>
+              <a:rPr lang="de-DE" sz="1400" dirty="0" err="1"/>
+              <a:t>seq</a:t>
+            </a:r>
+            <a:r>
+              <a:rPr lang="de-DE" sz="1400" dirty="0"/>
+              <a:t> </a:t>
+            </a:r>
+            <a:r>
+              <a:rPr lang="de-DE" sz="1400" dirty="0" err="1"/>
+              <a:t>from</a:t>
+            </a:r>
+            <a:r>
+              <a:rPr lang="de-DE" sz="1400" dirty="0"/>
+              <a:t> </a:t>
+            </a:r>
+            <a:r>
+              <a:rPr lang="de-DE" sz="1400" dirty="0" err="1"/>
+              <a:t>collection</a:t>
+            </a:r>
+            <a:r>
+              <a:rPr lang="de-DE" sz="1400" dirty="0"/>
+              <a:t>: </a:t>
+            </a:r>
+            <a:r>
+              <a:rPr lang="de-DE" sz="1400" dirty="0" err="1">
+                <a:hlinkClick r:id="rId2"/>
+              </a:rPr>
+              <a:t>seq</a:t>
+            </a:r>
+            <a:r>
+              <a:rPr lang="de-DE" sz="1400" dirty="0"/>
+              <a:t> </a:t>
+            </a:r>
+            <a:r>
+              <a:rPr lang="de-DE" sz="1400" dirty="0" err="1">
+                <a:hlinkClick r:id="rId2"/>
+              </a:rPr>
+              <a:t>vals</a:t>
+            </a:r>
+            <a:r>
+              <a:rPr lang="de-DE" sz="1400" dirty="0"/>
+              <a:t> </a:t>
+            </a:r>
+            <a:r>
+              <a:rPr lang="de-DE" sz="1400" dirty="0" err="1">
+                <a:hlinkClick r:id="rId2"/>
+              </a:rPr>
+              <a:t>keys</a:t>
+            </a:r>
+            <a:r>
+              <a:rPr lang="de-DE" sz="1400" dirty="0"/>
+              <a:t> </a:t>
+            </a:r>
+            <a:r>
+              <a:rPr lang="de-DE" sz="1400" dirty="0" err="1">
+                <a:hlinkClick r:id="rId2"/>
+              </a:rPr>
+              <a:t>rseq</a:t>
+            </a:r>
+            <a:r>
+              <a:rPr lang="de-DE" sz="1400" dirty="0"/>
+              <a:t> </a:t>
+            </a:r>
+            <a:r>
+              <a:rPr lang="de-DE" sz="1400" dirty="0" err="1">
+                <a:hlinkClick r:id="rId2"/>
+              </a:rPr>
+              <a:t>subseq</a:t>
+            </a:r>
+            <a:r>
+              <a:rPr lang="de-DE" sz="1400" dirty="0"/>
+              <a:t> </a:t>
+            </a:r>
+            <a:r>
+              <a:rPr lang="de-DE" sz="1400" dirty="0" err="1">
+                <a:hlinkClick r:id="rId2"/>
+              </a:rPr>
+              <a:t>rsubseq</a:t>
+            </a:r>
+            <a:r>
+              <a:rPr lang="de-DE" sz="1400" dirty="0"/>
+              <a:t/>
+            </a:r>
+            <a:br>
+              <a:rPr lang="de-DE" sz="1400" dirty="0"/>
+            </a:br>
+            <a:r>
+              <a:rPr lang="de-DE" sz="1400" dirty="0" err="1"/>
+              <a:t>Lazy</a:t>
+            </a:r>
+            <a:r>
+              <a:rPr lang="de-DE" sz="1400" dirty="0"/>
+              <a:t> </a:t>
+            </a:r>
+            <a:r>
+              <a:rPr lang="de-DE" sz="1400" dirty="0" err="1"/>
+              <a:t>seq</a:t>
+            </a:r>
+            <a:r>
+              <a:rPr lang="de-DE" sz="1400" dirty="0"/>
+              <a:t> </a:t>
+            </a:r>
+            <a:r>
+              <a:rPr lang="de-DE" sz="1400" dirty="0" err="1"/>
+              <a:t>from</a:t>
+            </a:r>
+            <a:r>
+              <a:rPr lang="de-DE" sz="1400" dirty="0"/>
+              <a:t> </a:t>
+            </a:r>
+            <a:r>
+              <a:rPr lang="de-DE" sz="1400" dirty="0" err="1"/>
+              <a:t>producer</a:t>
+            </a:r>
+            <a:r>
+              <a:rPr lang="de-DE" sz="1400" dirty="0"/>
+              <a:t> </a:t>
+            </a:r>
+            <a:r>
+              <a:rPr lang="de-DE" sz="1400" dirty="0" err="1"/>
+              <a:t>function</a:t>
+            </a:r>
+            <a:r>
+              <a:rPr lang="de-DE" sz="1400" dirty="0"/>
+              <a:t>: </a:t>
+            </a:r>
+            <a:r>
+              <a:rPr lang="de-DE" sz="1400" dirty="0" err="1">
+                <a:hlinkClick r:id="rId2"/>
+              </a:rPr>
+              <a:t>lazy-seq</a:t>
+            </a:r>
+            <a:r>
+              <a:rPr lang="de-DE" sz="1400" dirty="0"/>
+              <a:t> </a:t>
+            </a:r>
+            <a:r>
+              <a:rPr lang="de-DE" sz="1400" dirty="0" err="1">
+                <a:hlinkClick r:id="rId2"/>
+              </a:rPr>
+              <a:t>repeatedly</a:t>
+            </a:r>
+            <a:r>
+              <a:rPr lang="de-DE" sz="1400" dirty="0"/>
+              <a:t> </a:t>
+            </a:r>
+            <a:r>
+              <a:rPr lang="de-DE" sz="1400" dirty="0" err="1">
+                <a:hlinkClick r:id="rId2"/>
+              </a:rPr>
+              <a:t>iterate</a:t>
+            </a:r>
+            <a:r>
+              <a:rPr lang="de-DE" sz="1400" dirty="0"/>
+              <a:t/>
+            </a:r>
+            <a:br>
+              <a:rPr lang="de-DE" sz="1400" dirty="0"/>
+            </a:br>
+            <a:r>
+              <a:rPr lang="de-DE" sz="1400" dirty="0" err="1"/>
+              <a:t>Lazy</a:t>
+            </a:r>
+            <a:r>
+              <a:rPr lang="de-DE" sz="1400" dirty="0"/>
+              <a:t> </a:t>
+            </a:r>
+            <a:r>
+              <a:rPr lang="de-DE" sz="1400" dirty="0" err="1"/>
+              <a:t>seq</a:t>
+            </a:r>
+            <a:r>
+              <a:rPr lang="de-DE" sz="1400" dirty="0"/>
+              <a:t> </a:t>
+            </a:r>
+            <a:r>
+              <a:rPr lang="de-DE" sz="1400" dirty="0" err="1"/>
+              <a:t>from</a:t>
+            </a:r>
+            <a:r>
+              <a:rPr lang="de-DE" sz="1400" dirty="0"/>
+              <a:t> </a:t>
+            </a:r>
+            <a:r>
+              <a:rPr lang="de-DE" sz="1400" dirty="0" err="1"/>
+              <a:t>constant</a:t>
+            </a:r>
+            <a:r>
+              <a:rPr lang="de-DE" sz="1400" dirty="0"/>
+              <a:t>: </a:t>
+            </a:r>
+            <a:r>
+              <a:rPr lang="de-DE" sz="1400" dirty="0" err="1">
+                <a:hlinkClick r:id="rId2"/>
+              </a:rPr>
+              <a:t>repeat</a:t>
+            </a:r>
+            <a:r>
+              <a:rPr lang="de-DE" sz="1400" dirty="0"/>
+              <a:t> </a:t>
+            </a:r>
+            <a:r>
+              <a:rPr lang="de-DE" sz="1400" dirty="0" err="1">
+                <a:hlinkClick r:id="rId2"/>
+              </a:rPr>
+              <a:t>range</a:t>
+            </a:r>
+            <a:r>
+              <a:rPr lang="de-DE" sz="1400" dirty="0"/>
+              <a:t/>
+            </a:r>
+            <a:br>
+              <a:rPr lang="de-DE" sz="1400" dirty="0"/>
+            </a:br>
+            <a:r>
+              <a:rPr lang="de-DE" sz="1400" dirty="0" err="1"/>
+              <a:t>Lazy</a:t>
+            </a:r>
+            <a:r>
+              <a:rPr lang="de-DE" sz="1400" dirty="0"/>
+              <a:t> </a:t>
+            </a:r>
+            <a:r>
+              <a:rPr lang="de-DE" sz="1400" dirty="0" err="1"/>
+              <a:t>seq</a:t>
+            </a:r>
+            <a:r>
+              <a:rPr lang="de-DE" sz="1400" dirty="0"/>
+              <a:t> </a:t>
+            </a:r>
+            <a:r>
+              <a:rPr lang="de-DE" sz="1400" dirty="0" err="1"/>
+              <a:t>from</a:t>
+            </a:r>
+            <a:r>
+              <a:rPr lang="de-DE" sz="1400" dirty="0"/>
+              <a:t> </a:t>
+            </a:r>
+            <a:r>
+              <a:rPr lang="de-DE" sz="1400" dirty="0" err="1"/>
+              <a:t>other</a:t>
+            </a:r>
+            <a:r>
+              <a:rPr lang="de-DE" sz="1400" dirty="0"/>
+              <a:t> </a:t>
+            </a:r>
+            <a:r>
+              <a:rPr lang="de-DE" sz="1400" dirty="0" err="1"/>
+              <a:t>objects</a:t>
+            </a:r>
+            <a:r>
+              <a:rPr lang="de-DE" sz="1400" dirty="0"/>
+              <a:t>: </a:t>
+            </a:r>
+            <a:r>
+              <a:rPr lang="de-DE" sz="1400" dirty="0" err="1">
+                <a:hlinkClick r:id="rId2"/>
+              </a:rPr>
+              <a:t>line-seq</a:t>
+            </a:r>
+            <a:r>
+              <a:rPr lang="de-DE" sz="1400" dirty="0"/>
+              <a:t> </a:t>
+            </a:r>
+            <a:r>
+              <a:rPr lang="de-DE" sz="1400" dirty="0" err="1">
+                <a:hlinkClick r:id="rId2"/>
+              </a:rPr>
+              <a:t>resultset-seq</a:t>
+            </a:r>
+            <a:r>
+              <a:rPr lang="de-DE" sz="1400" dirty="0"/>
+              <a:t> </a:t>
+            </a:r>
+            <a:r>
+              <a:rPr lang="de-DE" sz="1400" dirty="0" err="1">
+                <a:hlinkClick r:id="rId2"/>
+              </a:rPr>
+              <a:t>re-seq</a:t>
+            </a:r>
+            <a:r>
+              <a:rPr lang="de-DE" sz="1400" dirty="0"/>
+              <a:t> </a:t>
+            </a:r>
+            <a:r>
+              <a:rPr lang="de-DE" sz="1400" dirty="0" err="1">
+                <a:hlinkClick r:id="rId2"/>
+              </a:rPr>
+              <a:t>tree-seq</a:t>
+            </a:r>
+            <a:r>
+              <a:rPr lang="de-DE" sz="1400" dirty="0"/>
+              <a:t> </a:t>
+            </a:r>
+            <a:r>
+              <a:rPr lang="de-DE" sz="1400" dirty="0">
+                <a:hlinkClick r:id="rId2"/>
+              </a:rPr>
+              <a:t>file-</a:t>
+            </a:r>
+            <a:r>
+              <a:rPr lang="de-DE" sz="1400" dirty="0" err="1">
+                <a:hlinkClick r:id="rId2"/>
+              </a:rPr>
+              <a:t>seq</a:t>
+            </a:r>
+            <a:r>
+              <a:rPr lang="de-DE" sz="1400" dirty="0"/>
+              <a:t> </a:t>
+            </a:r>
+            <a:r>
+              <a:rPr lang="de-DE" sz="1400" dirty="0" err="1">
+                <a:hlinkClick r:id="rId2"/>
+              </a:rPr>
+              <a:t>xml-seq</a:t>
+            </a:r>
+            <a:r>
+              <a:rPr lang="de-DE" sz="1400" dirty="0"/>
+              <a:t> </a:t>
+            </a:r>
+            <a:r>
+              <a:rPr lang="de-DE" sz="1400" dirty="0" err="1">
+                <a:hlinkClick r:id="rId2"/>
+              </a:rPr>
+              <a:t>iterator-seq</a:t>
+            </a:r>
+            <a:r>
+              <a:rPr lang="de-DE" sz="1400" dirty="0"/>
+              <a:t> </a:t>
+            </a:r>
+            <a:r>
+              <a:rPr lang="de-DE" sz="1400" dirty="0" err="1">
+                <a:hlinkClick r:id="rId2"/>
+              </a:rPr>
+              <a:t>enumeration-seq</a:t>
+            </a:r>
+            <a:endParaRPr lang="de-DE" sz="1400" dirty="0"/>
           </a:p>
         </p:txBody>
       </p:sp>
     </p:spTree>
     <p:extLst>
       <p:ext uri="{BB962C8B-B14F-4D97-AF65-F5344CB8AC3E}">
-        <p14:creationId xmlns:p14="http://schemas.microsoft.com/office/powerpoint/2010/main" val="2593401078"/>
+        <p14:creationId xmlns:p14="http://schemas.microsoft.com/office/powerpoint/2010/main" val="1733676595"/>
       </p:ext>
     </p:extLst>
   </p:cSld>
@@ -7933,6 +8376,622 @@
     <p:extLst>
       <p:ext uri="{BB962C8B-B14F-4D97-AF65-F5344CB8AC3E}">
         <p14:creationId xmlns:p14="http://schemas.microsoft.com/office/powerpoint/2010/main" val="2015857051"/>
+      </p:ext>
+    </p:extLst>
+  </p:cSld>
+  <p:clrMapOvr>
+    <a:masterClrMapping/>
+  </p:clrMapOvr>
+  <p:timing>
+    <p:tnLst>
+      <p:par>
+        <p:cTn id="1" dur="indefinite" restart="never" nodeType="tmRoot"/>
+      </p:par>
+    </p:tnLst>
+  </p:timing>
+</p:sld>
+</file>
+
+<file path=ppt/slides/slide20.xml><?xml version="1.0" encoding="utf-8"?>
+<p:sld xmlns:a="http://schemas.openxmlformats.org/drawingml/2006/main" xmlns:r="http://schemas.openxmlformats.org/officeDocument/2006/relationships" xmlns:p="http://schemas.openxmlformats.org/presentationml/2006/main">
+  <p:cSld>
+    <p:spTree>
+      <p:nvGrpSpPr>
+        <p:cNvPr id="1" name=""/>
+        <p:cNvGrpSpPr/>
+        <p:nvPr/>
+      </p:nvGrpSpPr>
+      <p:grpSpPr>
+        <a:xfrm>
+          <a:off x="0" y="0"/>
+          <a:ext cx="0" cy="0"/>
+          <a:chOff x="0" y="0"/>
+          <a:chExt cx="0" cy="0"/>
+        </a:xfrm>
+      </p:grpSpPr>
+      <p:sp>
+        <p:nvSpPr>
+          <p:cNvPr id="4" name="TextBox 5"/>
+          <p:cNvSpPr txBox="1"/>
+          <p:nvPr/>
+        </p:nvSpPr>
+        <p:spPr>
+          <a:xfrm>
+            <a:off x="296172" y="6492652"/>
+            <a:ext cx="1296144" cy="369332"/>
+          </a:xfrm>
+          <a:prstGeom prst="rect">
+            <a:avLst/>
+          </a:prstGeom>
+          <a:noFill/>
+        </p:spPr>
+        <p:txBody>
+          <a:bodyPr wrap="square" rtlCol="0">
+            <a:spAutoFit/>
+          </a:bodyPr>
+          <a:lstStyle/>
+          <a:p>
+            <a:r>
+              <a:rPr lang="de-DE" dirty="0" err="1" smtClean="0">
+                <a:solidFill>
+                  <a:schemeClr val="bg1"/>
+                </a:solidFill>
+              </a:rPr>
+              <a:t>Sequence</a:t>
+            </a:r>
+            <a:endParaRPr lang="de-DE" dirty="0">
+              <a:solidFill>
+                <a:schemeClr val="bg1"/>
+              </a:solidFill>
+            </a:endParaRPr>
+          </a:p>
+        </p:txBody>
+      </p:sp>
+      <p:sp>
+        <p:nvSpPr>
+          <p:cNvPr id="5" name="Textfeld 4"/>
+          <p:cNvSpPr txBox="1"/>
+          <p:nvPr/>
+        </p:nvSpPr>
+        <p:spPr>
+          <a:xfrm>
+            <a:off x="395536" y="548680"/>
+            <a:ext cx="4320480" cy="369332"/>
+          </a:xfrm>
+          <a:prstGeom prst="rect">
+            <a:avLst/>
+          </a:prstGeom>
+          <a:noFill/>
+        </p:spPr>
+        <p:txBody>
+          <a:bodyPr wrap="square" rtlCol="0">
+            <a:spAutoFit/>
+          </a:bodyPr>
+          <a:lstStyle/>
+          <a:p>
+            <a:r>
+              <a:rPr lang="de-DE" dirty="0" smtClean="0"/>
+              <a:t>Anwendungsfälle einer </a:t>
+            </a:r>
+            <a:r>
+              <a:rPr lang="de-DE" dirty="0" err="1" smtClean="0"/>
+              <a:t>Sequence</a:t>
+            </a:r>
+            <a:endParaRPr lang="de-DE" dirty="0"/>
+          </a:p>
+        </p:txBody>
+      </p:sp>
+      <p:sp>
+        <p:nvSpPr>
+          <p:cNvPr id="6" name="Textfeld 5"/>
+          <p:cNvSpPr txBox="1"/>
+          <p:nvPr/>
+        </p:nvSpPr>
+        <p:spPr>
+          <a:xfrm>
+            <a:off x="539552" y="1340768"/>
+            <a:ext cx="4824536" cy="1754326"/>
+          </a:xfrm>
+          <a:prstGeom prst="rect">
+            <a:avLst/>
+          </a:prstGeom>
+          <a:noFill/>
+        </p:spPr>
+        <p:txBody>
+          <a:bodyPr wrap="square" rtlCol="0">
+            <a:spAutoFit/>
+          </a:bodyPr>
+          <a:lstStyle/>
+          <a:p>
+            <a:r>
+              <a:rPr lang="de-DE" dirty="0" smtClean="0"/>
+              <a:t>File</a:t>
+            </a:r>
+          </a:p>
+          <a:p>
+            <a:r>
+              <a:rPr lang="de-DE" dirty="0" smtClean="0"/>
+              <a:t>XML</a:t>
+            </a:r>
+          </a:p>
+          <a:p>
+            <a:r>
+              <a:rPr lang="de-DE" dirty="0" smtClean="0"/>
+              <a:t>Datenbank</a:t>
+            </a:r>
+          </a:p>
+          <a:p>
+            <a:r>
+              <a:rPr lang="de-DE" dirty="0" err="1" smtClean="0"/>
+              <a:t>Trees</a:t>
+            </a:r>
+            <a:endParaRPr lang="de-DE" smtClean="0"/>
+          </a:p>
+          <a:p>
+            <a:endParaRPr lang="de-DE" dirty="0" smtClean="0"/>
+          </a:p>
+          <a:p>
+            <a:endParaRPr lang="de-DE" dirty="0"/>
+          </a:p>
+        </p:txBody>
+      </p:sp>
+    </p:spTree>
+    <p:extLst>
+      <p:ext uri="{BB962C8B-B14F-4D97-AF65-F5344CB8AC3E}">
+        <p14:creationId xmlns:p14="http://schemas.microsoft.com/office/powerpoint/2010/main" val="126398076"/>
+      </p:ext>
+    </p:extLst>
+  </p:cSld>
+  <p:clrMapOvr>
+    <a:masterClrMapping/>
+  </p:clrMapOvr>
+</p:sld>
+</file>
+
+<file path=ppt/slides/slide21.xml><?xml version="1.0" encoding="utf-8"?>
+<p:sld xmlns:a="http://schemas.openxmlformats.org/drawingml/2006/main" xmlns:r="http://schemas.openxmlformats.org/officeDocument/2006/relationships" xmlns:p="http://schemas.openxmlformats.org/presentationml/2006/main">
+  <p:cSld>
+    <p:spTree>
+      <p:nvGrpSpPr>
+        <p:cNvPr id="1" name=""/>
+        <p:cNvGrpSpPr/>
+        <p:nvPr/>
+      </p:nvGrpSpPr>
+      <p:grpSpPr>
+        <a:xfrm>
+          <a:off x="0" y="0"/>
+          <a:ext cx="0" cy="0"/>
+          <a:chOff x="0" y="0"/>
+          <a:chExt cx="0" cy="0"/>
+        </a:xfrm>
+      </p:grpSpPr>
+      <p:sp>
+        <p:nvSpPr>
+          <p:cNvPr id="4" name="Textfeld 3"/>
+          <p:cNvSpPr txBox="1"/>
+          <p:nvPr/>
+        </p:nvSpPr>
+        <p:spPr>
+          <a:xfrm>
+            <a:off x="899592" y="548680"/>
+            <a:ext cx="6984776" cy="3416320"/>
+          </a:xfrm>
+          <a:prstGeom prst="rect">
+            <a:avLst/>
+          </a:prstGeom>
+          <a:noFill/>
+        </p:spPr>
+        <p:txBody>
+          <a:bodyPr wrap="square" rtlCol="0">
+            <a:spAutoFit/>
+          </a:bodyPr>
+          <a:lstStyle/>
+          <a:p>
+            <a:r>
+              <a:rPr lang="de-DE" dirty="0" smtClean="0"/>
+              <a:t>Die verschiedenen Stufen des Lernens </a:t>
+            </a:r>
+            <a:r>
+              <a:rPr lang="de-DE" dirty="0" smtClean="0">
+                <a:sym typeface="Wingdings" pitchFamily="2" charset="2"/>
+              </a:rPr>
+              <a:t></a:t>
+            </a:r>
+          </a:p>
+          <a:p>
+            <a:endParaRPr lang="de-DE" dirty="0">
+              <a:sym typeface="Wingdings" pitchFamily="2" charset="2"/>
+            </a:endParaRPr>
+          </a:p>
+          <a:p>
+            <a:pPr marL="285750" indent="-285750">
+              <a:buFont typeface="Arial" pitchFamily="34" charset="0"/>
+              <a:buChar char="•"/>
+            </a:pPr>
+            <a:r>
+              <a:rPr lang="de-DE" dirty="0" smtClean="0">
+                <a:sym typeface="Wingdings" pitchFamily="2" charset="2"/>
+              </a:rPr>
+              <a:t>Was machen die da und warum geht das überhaupt???  (Verwirrung)</a:t>
+            </a:r>
+          </a:p>
+          <a:p>
+            <a:pPr marL="285750" indent="-285750">
+              <a:buFont typeface="Arial" pitchFamily="34" charset="0"/>
+              <a:buChar char="•"/>
+            </a:pPr>
+            <a:endParaRPr lang="de-DE" dirty="0" smtClean="0">
+              <a:sym typeface="Wingdings" pitchFamily="2" charset="2"/>
+            </a:endParaRPr>
+          </a:p>
+          <a:p>
+            <a:pPr marL="285750" indent="-285750">
+              <a:buFont typeface="Arial" pitchFamily="34" charset="0"/>
+              <a:buChar char="•"/>
+            </a:pPr>
+            <a:r>
+              <a:rPr lang="de-DE" dirty="0" smtClean="0">
+                <a:sym typeface="Wingdings" pitchFamily="2" charset="2"/>
+              </a:rPr>
+              <a:t>Die machen da was! </a:t>
+            </a:r>
+            <a:r>
+              <a:rPr lang="de-DE" dirty="0">
+                <a:sym typeface="Wingdings" pitchFamily="2" charset="2"/>
+              </a:rPr>
+              <a:t>D</a:t>
+            </a:r>
+            <a:r>
+              <a:rPr lang="de-DE" dirty="0" smtClean="0">
+                <a:sym typeface="Wingdings" pitchFamily="2" charset="2"/>
+              </a:rPr>
+              <a:t>as will ich auch. Ich weiß aber nicht so richtig wie!</a:t>
+            </a:r>
+          </a:p>
+          <a:p>
+            <a:pPr marL="285750" indent="-285750">
+              <a:buFont typeface="Arial" pitchFamily="34" charset="0"/>
+              <a:buChar char="•"/>
+            </a:pPr>
+            <a:endParaRPr lang="de-DE" dirty="0" smtClean="0">
+              <a:sym typeface="Wingdings" pitchFamily="2" charset="2"/>
+            </a:endParaRPr>
+          </a:p>
+          <a:p>
+            <a:pPr marL="285750" indent="-285750">
+              <a:buFont typeface="Arial" pitchFamily="34" charset="0"/>
+              <a:buChar char="•"/>
+            </a:pPr>
+            <a:r>
+              <a:rPr lang="de-DE" dirty="0" smtClean="0">
+                <a:sym typeface="Wingdings" pitchFamily="2" charset="2"/>
+              </a:rPr>
+              <a:t>Ich mache das jetzt auch, aber es ist noch schwierig!</a:t>
+            </a:r>
+          </a:p>
+          <a:p>
+            <a:pPr marL="285750" indent="-285750">
+              <a:buFont typeface="Arial" pitchFamily="34" charset="0"/>
+              <a:buChar char="•"/>
+            </a:pPr>
+            <a:endParaRPr lang="de-DE" dirty="0">
+              <a:sym typeface="Wingdings" pitchFamily="2" charset="2"/>
+            </a:endParaRPr>
+          </a:p>
+          <a:p>
+            <a:pPr marL="285750" indent="-285750">
+              <a:buFont typeface="Arial" pitchFamily="34" charset="0"/>
+              <a:buChar char="•"/>
+            </a:pPr>
+            <a:r>
+              <a:rPr lang="de-DE" dirty="0" smtClean="0">
+                <a:sym typeface="Wingdings" pitchFamily="2" charset="2"/>
+              </a:rPr>
+              <a:t>Ich mache das jetzt auch und zwar ganz selbstverständlich!</a:t>
+            </a:r>
+          </a:p>
+          <a:p>
+            <a:pPr marL="285750" indent="-285750">
+              <a:buFont typeface="Arial" pitchFamily="34" charset="0"/>
+              <a:buChar char="•"/>
+            </a:pPr>
+            <a:endParaRPr lang="de-DE" dirty="0"/>
+          </a:p>
+        </p:txBody>
+      </p:sp>
+    </p:spTree>
+    <p:extLst>
+      <p:ext uri="{BB962C8B-B14F-4D97-AF65-F5344CB8AC3E}">
+        <p14:creationId xmlns:p14="http://schemas.microsoft.com/office/powerpoint/2010/main" val="4274948650"/>
+      </p:ext>
+    </p:extLst>
+  </p:cSld>
+  <p:clrMapOvr>
+    <a:masterClrMapping/>
+  </p:clrMapOvr>
+  <p:timing>
+    <p:tnLst>
+      <p:par>
+        <p:cTn id="1" dur="indefinite" restart="never" nodeType="tmRoot"/>
+      </p:par>
+    </p:tnLst>
+  </p:timing>
+</p:sld>
+</file>
+
+<file path=ppt/slides/slide22.xml><?xml version="1.0" encoding="utf-8"?>
+<p:sld xmlns:a="http://schemas.openxmlformats.org/drawingml/2006/main" xmlns:r="http://schemas.openxmlformats.org/officeDocument/2006/relationships" xmlns:p="http://schemas.openxmlformats.org/presentationml/2006/main">
+  <p:cSld>
+    <p:spTree>
+      <p:nvGrpSpPr>
+        <p:cNvPr id="1" name=""/>
+        <p:cNvGrpSpPr/>
+        <p:nvPr/>
+      </p:nvGrpSpPr>
+      <p:grpSpPr>
+        <a:xfrm>
+          <a:off x="0" y="0"/>
+          <a:ext cx="0" cy="0"/>
+          <a:chOff x="0" y="0"/>
+          <a:chExt cx="0" cy="0"/>
+        </a:xfrm>
+      </p:grpSpPr>
+      <p:sp>
+        <p:nvSpPr>
+          <p:cNvPr id="4" name="Textfeld 3"/>
+          <p:cNvSpPr txBox="1"/>
+          <p:nvPr/>
+        </p:nvSpPr>
+        <p:spPr>
+          <a:xfrm>
+            <a:off x="899592" y="836712"/>
+            <a:ext cx="5256584" cy="4801314"/>
+          </a:xfrm>
+          <a:prstGeom prst="rect">
+            <a:avLst/>
+          </a:prstGeom>
+          <a:noFill/>
+        </p:spPr>
+        <p:txBody>
+          <a:bodyPr wrap="square" rtlCol="0">
+            <a:spAutoFit/>
+          </a:bodyPr>
+          <a:lstStyle/>
+          <a:p>
+            <a:pPr marL="285750" indent="-285750">
+              <a:buFont typeface="Arial" pitchFamily="34" charset="0"/>
+              <a:buChar char="•"/>
+            </a:pPr>
+            <a:r>
+              <a:rPr lang="de-DE" dirty="0" smtClean="0"/>
+              <a:t>Bild </a:t>
+            </a:r>
+            <a:r>
+              <a:rPr lang="de-DE" dirty="0" err="1" smtClean="0"/>
+              <a:t>Hickey</a:t>
+            </a:r>
+            <a:endParaRPr lang="de-DE" dirty="0" smtClean="0"/>
+          </a:p>
+          <a:p>
+            <a:pPr marL="285750" indent="-285750">
+              <a:buFont typeface="Arial" pitchFamily="34" charset="0"/>
+              <a:buChar char="•"/>
+            </a:pPr>
+            <a:r>
+              <a:rPr lang="de-DE" dirty="0" smtClean="0"/>
+              <a:t>Allgemeines Layout</a:t>
+            </a:r>
+          </a:p>
+          <a:p>
+            <a:pPr marL="285750" indent="-285750">
+              <a:buFont typeface="Arial" pitchFamily="34" charset="0"/>
+              <a:buChar char="•"/>
+            </a:pPr>
+            <a:r>
+              <a:rPr lang="de-DE" dirty="0" smtClean="0"/>
+              <a:t>Cooles Bild über klammern</a:t>
+            </a:r>
+          </a:p>
+          <a:p>
+            <a:pPr marL="285750" indent="-285750">
+              <a:buFont typeface="Arial" pitchFamily="34" charset="0"/>
+              <a:buChar char="•"/>
+            </a:pPr>
+            <a:r>
+              <a:rPr lang="de-DE" dirty="0" smtClean="0"/>
+              <a:t>Basis Daten Typen</a:t>
+            </a:r>
+          </a:p>
+          <a:p>
+            <a:pPr marL="285750" indent="-285750">
+              <a:buFont typeface="Arial" pitchFamily="34" charset="0"/>
+              <a:buChar char="•"/>
+            </a:pPr>
+            <a:r>
+              <a:rPr lang="de-DE" dirty="0" smtClean="0"/>
+              <a:t>Daten </a:t>
+            </a:r>
+            <a:r>
+              <a:rPr lang="de-DE" dirty="0" err="1" smtClean="0"/>
+              <a:t>Struckturen</a:t>
+            </a:r>
+            <a:endParaRPr lang="de-DE" dirty="0" smtClean="0"/>
+          </a:p>
+          <a:p>
+            <a:pPr marL="285750" indent="-285750">
+              <a:buFont typeface="Arial" pitchFamily="34" charset="0"/>
+              <a:buChar char="•"/>
+            </a:pPr>
+            <a:r>
+              <a:rPr lang="de-DE" dirty="0" smtClean="0"/>
+              <a:t>Fragestellung wo die einzelnen Leute stehen, was benutzen Sie für Technologien</a:t>
+            </a:r>
+          </a:p>
+          <a:p>
+            <a:pPr marL="285750" indent="-285750">
+              <a:buFont typeface="Arial" pitchFamily="34" charset="0"/>
+              <a:buChar char="•"/>
+            </a:pPr>
+            <a:r>
+              <a:rPr lang="de-DE" dirty="0" err="1" smtClean="0"/>
+              <a:t>Clojure</a:t>
+            </a:r>
+            <a:r>
+              <a:rPr lang="de-DE" dirty="0" smtClean="0"/>
+              <a:t> Timeline</a:t>
+            </a:r>
+          </a:p>
+          <a:p>
+            <a:pPr marL="285750" indent="-285750">
+              <a:buFont typeface="Arial" pitchFamily="34" charset="0"/>
+              <a:buChar char="•"/>
+            </a:pPr>
+            <a:r>
+              <a:rPr lang="de-DE" dirty="0" err="1" smtClean="0"/>
+              <a:t>Immuteability</a:t>
+            </a:r>
+            <a:endParaRPr lang="de-DE" dirty="0" smtClean="0"/>
+          </a:p>
+          <a:p>
+            <a:pPr marL="285750" indent="-285750">
+              <a:buFont typeface="Arial" pitchFamily="34" charset="0"/>
+              <a:buChar char="•"/>
+            </a:pPr>
+            <a:r>
+              <a:rPr lang="de-DE" dirty="0" smtClean="0"/>
+              <a:t>(Power -&gt; JVM/CLR/JS, </a:t>
+            </a:r>
+            <a:r>
+              <a:rPr lang="de-DE" dirty="0" err="1" smtClean="0"/>
+              <a:t>Robustness</a:t>
+            </a:r>
+            <a:r>
+              <a:rPr lang="de-DE" dirty="0" smtClean="0"/>
+              <a:t> -&gt; </a:t>
+            </a:r>
+            <a:r>
+              <a:rPr lang="de-DE" dirty="0" err="1" smtClean="0"/>
+              <a:t>functional</a:t>
+            </a:r>
+            <a:r>
+              <a:rPr lang="de-DE" dirty="0" smtClean="0"/>
+              <a:t>, </a:t>
+            </a:r>
+            <a:r>
+              <a:rPr lang="de-DE" dirty="0" err="1" smtClean="0"/>
+              <a:t>Concurrency</a:t>
+            </a:r>
+            <a:r>
+              <a:rPr lang="de-DE" dirty="0" smtClean="0"/>
+              <a:t> -&gt; STM, Focus -&gt; Lisp)</a:t>
+            </a:r>
+          </a:p>
+          <a:p>
+            <a:pPr marL="285750" indent="-285750">
+              <a:buFont typeface="Arial" pitchFamily="34" charset="0"/>
+              <a:buChar char="•"/>
+            </a:pPr>
+            <a:r>
+              <a:rPr lang="de-DE" dirty="0" err="1" smtClean="0"/>
+              <a:t>Function</a:t>
+            </a:r>
+            <a:r>
+              <a:rPr lang="de-DE" dirty="0" smtClean="0"/>
+              <a:t> </a:t>
+            </a:r>
+            <a:r>
+              <a:rPr lang="de-DE" dirty="0" err="1" smtClean="0"/>
+              <a:t>definitions</a:t>
+            </a:r>
+            <a:endParaRPr lang="de-DE" dirty="0" smtClean="0"/>
+          </a:p>
+          <a:p>
+            <a:pPr marL="285750" indent="-285750">
+              <a:buFont typeface="Arial" pitchFamily="34" charset="0"/>
+              <a:buChar char="•"/>
+            </a:pPr>
+            <a:r>
+              <a:rPr lang="de-DE" dirty="0" err="1" smtClean="0"/>
+              <a:t>Function</a:t>
+            </a:r>
+            <a:r>
+              <a:rPr lang="de-DE" dirty="0" smtClean="0"/>
+              <a:t> </a:t>
+            </a:r>
+            <a:r>
+              <a:rPr lang="de-DE" dirty="0" err="1" smtClean="0"/>
+              <a:t>naming</a:t>
+            </a:r>
+            <a:r>
+              <a:rPr lang="de-DE" dirty="0" smtClean="0"/>
+              <a:t> </a:t>
+            </a:r>
+            <a:r>
+              <a:rPr lang="de-DE" dirty="0" err="1" smtClean="0"/>
+              <a:t>convention</a:t>
+            </a:r>
+            <a:r>
+              <a:rPr lang="de-DE" dirty="0" smtClean="0"/>
+              <a:t> </a:t>
+            </a:r>
+            <a:r>
+              <a:rPr lang="de-DE" dirty="0" err="1" smtClean="0"/>
+              <a:t>even</a:t>
+            </a:r>
+            <a:r>
+              <a:rPr lang="de-DE" dirty="0" smtClean="0"/>
+              <a:t>?</a:t>
+            </a:r>
+          </a:p>
+          <a:p>
+            <a:pPr marL="285750" indent="-285750">
+              <a:buFont typeface="Arial" pitchFamily="34" charset="0"/>
+              <a:buChar char="•"/>
+            </a:pPr>
+            <a:r>
+              <a:rPr lang="de-DE" dirty="0" smtClean="0"/>
+              <a:t>Sample .Net Samples </a:t>
+            </a:r>
+            <a:r>
+              <a:rPr lang="de-DE" dirty="0" err="1" smtClean="0"/>
+              <a:t>vs</a:t>
+            </a:r>
+            <a:r>
+              <a:rPr lang="de-DE" dirty="0" smtClean="0"/>
+              <a:t> </a:t>
+            </a:r>
+            <a:r>
+              <a:rPr lang="de-DE" dirty="0" err="1" smtClean="0"/>
+              <a:t>Clojure</a:t>
+            </a:r>
+            <a:r>
+              <a:rPr lang="de-DE" smtClean="0"/>
+              <a:t> Samples</a:t>
+            </a:r>
+          </a:p>
+          <a:p>
+            <a:pPr marL="285750" indent="-285750">
+              <a:buFont typeface="Arial" pitchFamily="34" charset="0"/>
+              <a:buChar char="•"/>
+            </a:pPr>
+            <a:endParaRPr lang="de-DE" dirty="0" smtClean="0"/>
+          </a:p>
+          <a:p>
+            <a:pPr marL="285750" indent="-285750">
+              <a:buFont typeface="Arial" pitchFamily="34" charset="0"/>
+              <a:buChar char="•"/>
+            </a:pPr>
+            <a:endParaRPr lang="de-DE" dirty="0" smtClean="0"/>
+          </a:p>
+          <a:p>
+            <a:endParaRPr lang="de-DE" dirty="0"/>
+          </a:p>
+        </p:txBody>
+      </p:sp>
+    </p:spTree>
+    <p:extLst>
+      <p:ext uri="{BB962C8B-B14F-4D97-AF65-F5344CB8AC3E}">
+        <p14:creationId xmlns:p14="http://schemas.microsoft.com/office/powerpoint/2010/main" val="2593401078"/>
       </p:ext>
     </p:extLst>
   </p:cSld>
@@ -10083,7 +11142,7 @@
         </p:nvSpPr>
         <p:spPr>
           <a:xfrm>
-            <a:off x="4598250" y="2429271"/>
+            <a:off x="4427984" y="2276872"/>
             <a:ext cx="2592288" cy="1200329"/>
           </a:xfrm>
           <a:prstGeom prst="rect">
@@ -10124,7 +11183,7 @@
         </p:nvSpPr>
         <p:spPr>
           <a:xfrm>
-            <a:off x="1259632" y="3996478"/>
+            <a:off x="1187624" y="3996478"/>
             <a:ext cx="2592288" cy="1477328"/>
           </a:xfrm>
           <a:prstGeom prst="rect">

--- a/Clojure Vortrag .NET User Group.pptx
+++ b/Clojure Vortrag .NET User Group.pptx
@@ -5,7 +5,7 @@
     <p:sldMasterId id="2147483660" r:id="rId1"/>
   </p:sldMasterIdLst>
   <p:handoutMasterIdLst>
-    <p:handoutMasterId r:id="rId36"/>
+    <p:handoutMasterId r:id="rId38"/>
   </p:handoutMasterIdLst>
   <p:sldIdLst>
     <p:sldId id="256" r:id="rId2"/>
@@ -40,8 +40,10 @@
     <p:sldId id="292" r:id="rId31"/>
     <p:sldId id="293" r:id="rId32"/>
     <p:sldId id="294" r:id="rId33"/>
-    <p:sldId id="266" r:id="rId34"/>
-    <p:sldId id="261" r:id="rId35"/>
+    <p:sldId id="296" r:id="rId34"/>
+    <p:sldId id="297" r:id="rId35"/>
+    <p:sldId id="266" r:id="rId36"/>
+    <p:sldId id="261" r:id="rId37"/>
   </p:sldIdLst>
   <p:sldSz cx="9144000" cy="6858000" type="screen4x3"/>
   <p:notesSz cx="6794500" cy="9931400"/>
@@ -225,7 +227,7 @@
           <a:p>
             <a:fld id="{58A9EE8F-FFE1-47DD-9EB3-5670B774654C}" type="datetimeFigureOut">
               <a:rPr lang="de-DE" smtClean="0"/>
-              <a:t>21.09.2013</a:t>
+              <a:t>23.09.2013</a:t>
             </a:fld>
             <a:endParaRPr lang="de-DE"/>
           </a:p>
@@ -291,7 +293,7 @@
           <a:p>
             <a:fld id="{C97CDCA7-D373-48AA-BEEE-CC8D4007D189}" type="slidenum">
               <a:rPr lang="de-DE" smtClean="0"/>
-              <a:t>‹Nr.›</a:t>
+              <a:t>‹#›</a:t>
             </a:fld>
             <a:endParaRPr lang="de-DE"/>
           </a:p>
@@ -497,7 +499,7 @@
           <a:p>
             <a:fld id="{ED9750E0-CE15-4EC1-B1D0-C2B3694DFCFC}" type="datetimeFigureOut">
               <a:rPr lang="de-DE" smtClean="0"/>
-              <a:t>21.09.2013</a:t>
+              <a:t>23.09.2013</a:t>
             </a:fld>
             <a:endParaRPr lang="de-DE"/>
           </a:p>
@@ -520,7 +522,7 @@
           <a:p>
             <a:fld id="{739125D8-FD85-4FE8-A7C4-126F06AA89EA}" type="slidenum">
               <a:rPr lang="de-DE" smtClean="0"/>
-              <a:t>‹Nr.›</a:t>
+              <a:t>‹#›</a:t>
             </a:fld>
             <a:endParaRPr lang="de-DE"/>
           </a:p>
@@ -674,7 +676,7 @@
           <a:p>
             <a:fld id="{ED9750E0-CE15-4EC1-B1D0-C2B3694DFCFC}" type="datetimeFigureOut">
               <a:rPr lang="de-DE" smtClean="0"/>
-              <a:t>21.09.2013</a:t>
+              <a:t>23.09.2013</a:t>
             </a:fld>
             <a:endParaRPr lang="de-DE"/>
           </a:p>
@@ -716,7 +718,7 @@
           <a:p>
             <a:fld id="{739125D8-FD85-4FE8-A7C4-126F06AA89EA}" type="slidenum">
               <a:rPr lang="de-DE" smtClean="0"/>
-              <a:t>‹Nr.›</a:t>
+              <a:t>‹#›</a:t>
             </a:fld>
             <a:endParaRPr lang="de-DE"/>
           </a:p>
@@ -872,7 +874,7 @@
           <a:p>
             <a:fld id="{ED9750E0-CE15-4EC1-B1D0-C2B3694DFCFC}" type="datetimeFigureOut">
               <a:rPr lang="de-DE" smtClean="0"/>
-              <a:t>21.09.2013</a:t>
+              <a:t>23.09.2013</a:t>
             </a:fld>
             <a:endParaRPr lang="de-DE"/>
           </a:p>
@@ -914,7 +916,7 @@
           <a:p>
             <a:fld id="{739125D8-FD85-4FE8-A7C4-126F06AA89EA}" type="slidenum">
               <a:rPr lang="de-DE" smtClean="0"/>
-              <a:t>‹Nr.›</a:t>
+              <a:t>‹#›</a:t>
             </a:fld>
             <a:endParaRPr lang="de-DE"/>
           </a:p>
@@ -1026,7 +1028,7 @@
           <a:p>
             <a:fld id="{ED9750E0-CE15-4EC1-B1D0-C2B3694DFCFC}" type="datetimeFigureOut">
               <a:rPr lang="de-DE" smtClean="0"/>
-              <a:t>21.09.2013</a:t>
+              <a:t>23.09.2013</a:t>
             </a:fld>
             <a:endParaRPr lang="de-DE"/>
           </a:p>
@@ -1049,7 +1051,7 @@
           <a:p>
             <a:fld id="{739125D8-FD85-4FE8-A7C4-126F06AA89EA}" type="slidenum">
               <a:rPr lang="de-DE" smtClean="0"/>
-              <a:t>‹Nr.›</a:t>
+              <a:t>‹#›</a:t>
             </a:fld>
             <a:endParaRPr lang="de-DE"/>
           </a:p>
@@ -1301,7 +1303,7 @@
           <a:p>
             <a:fld id="{ED9750E0-CE15-4EC1-B1D0-C2B3694DFCFC}" type="datetimeFigureOut">
               <a:rPr lang="de-DE" smtClean="0"/>
-              <a:t>21.09.2013</a:t>
+              <a:t>23.09.2013</a:t>
             </a:fld>
             <a:endParaRPr lang="de-DE"/>
           </a:p>
@@ -1324,7 +1326,7 @@
           <a:p>
             <a:fld id="{739125D8-FD85-4FE8-A7C4-126F06AA89EA}" type="slidenum">
               <a:rPr lang="de-DE" smtClean="0"/>
-              <a:t>‹Nr.›</a:t>
+              <a:t>‹#›</a:t>
             </a:fld>
             <a:endParaRPr lang="de-DE"/>
           </a:p>
@@ -1600,7 +1602,7 @@
           <a:p>
             <a:fld id="{ED9750E0-CE15-4EC1-B1D0-C2B3694DFCFC}" type="datetimeFigureOut">
               <a:rPr lang="de-DE" smtClean="0"/>
-              <a:t>21.09.2013</a:t>
+              <a:t>23.09.2013</a:t>
             </a:fld>
             <a:endParaRPr lang="de-DE"/>
           </a:p>
@@ -1623,7 +1625,7 @@
           <a:p>
             <a:fld id="{739125D8-FD85-4FE8-A7C4-126F06AA89EA}" type="slidenum">
               <a:rPr lang="de-DE" smtClean="0"/>
-              <a:t>‹Nr.›</a:t>
+              <a:t>‹#›</a:t>
             </a:fld>
             <a:endParaRPr lang="de-DE"/>
           </a:p>
@@ -2042,7 +2044,7 @@
           <a:p>
             <a:fld id="{ED9750E0-CE15-4EC1-B1D0-C2B3694DFCFC}" type="datetimeFigureOut">
               <a:rPr lang="de-DE" smtClean="0"/>
-              <a:t>21.09.2013</a:t>
+              <a:t>23.09.2013</a:t>
             </a:fld>
             <a:endParaRPr lang="de-DE"/>
           </a:p>
@@ -2065,7 +2067,7 @@
           <a:p>
             <a:fld id="{739125D8-FD85-4FE8-A7C4-126F06AA89EA}" type="slidenum">
               <a:rPr lang="de-DE" smtClean="0"/>
-              <a:t>‹Nr.›</a:t>
+              <a:t>‹#›</a:t>
             </a:fld>
             <a:endParaRPr lang="de-DE"/>
           </a:p>
@@ -2149,7 +2151,7 @@
           <a:p>
             <a:fld id="{ED9750E0-CE15-4EC1-B1D0-C2B3694DFCFC}" type="datetimeFigureOut">
               <a:rPr lang="de-DE" smtClean="0"/>
-              <a:t>21.09.2013</a:t>
+              <a:t>23.09.2013</a:t>
             </a:fld>
             <a:endParaRPr lang="de-DE"/>
           </a:p>
@@ -2195,7 +2197,7 @@
           <a:p>
             <a:fld id="{739125D8-FD85-4FE8-A7C4-126F06AA89EA}" type="slidenum">
               <a:rPr lang="de-DE" smtClean="0"/>
-              <a:t>‹Nr.›</a:t>
+              <a:t>‹#›</a:t>
             </a:fld>
             <a:endParaRPr lang="de-DE"/>
           </a:p>
@@ -2269,7 +2271,7 @@
           <a:p>
             <a:fld id="{ED9750E0-CE15-4EC1-B1D0-C2B3694DFCFC}" type="datetimeFigureOut">
               <a:rPr lang="de-DE" smtClean="0"/>
-              <a:t>21.09.2013</a:t>
+              <a:t>23.09.2013</a:t>
             </a:fld>
             <a:endParaRPr lang="de-DE"/>
           </a:p>
@@ -2311,7 +2313,7 @@
           <a:p>
             <a:fld id="{739125D8-FD85-4FE8-A7C4-126F06AA89EA}" type="slidenum">
               <a:rPr lang="de-DE" smtClean="0"/>
-              <a:t>‹Nr.›</a:t>
+              <a:t>‹#›</a:t>
             </a:fld>
             <a:endParaRPr lang="de-DE"/>
           </a:p>
@@ -2554,7 +2556,7 @@
           <a:p>
             <a:fld id="{ED9750E0-CE15-4EC1-B1D0-C2B3694DFCFC}" type="datetimeFigureOut">
               <a:rPr lang="de-DE" smtClean="0"/>
-              <a:t>21.09.2013</a:t>
+              <a:t>23.09.2013</a:t>
             </a:fld>
             <a:endParaRPr lang="de-DE"/>
           </a:p>
@@ -2577,7 +2579,7 @@
           <a:p>
             <a:fld id="{739125D8-FD85-4FE8-A7C4-126F06AA89EA}" type="slidenum">
               <a:rPr lang="de-DE" smtClean="0"/>
-              <a:t>‹Nr.›</a:t>
+              <a:t>‹#›</a:t>
             </a:fld>
             <a:endParaRPr lang="de-DE"/>
           </a:p>
@@ -2825,7 +2827,7 @@
           <a:p>
             <a:fld id="{ED9750E0-CE15-4EC1-B1D0-C2B3694DFCFC}" type="datetimeFigureOut">
               <a:rPr lang="de-DE" smtClean="0"/>
-              <a:t>21.09.2013</a:t>
+              <a:t>23.09.2013</a:t>
             </a:fld>
             <a:endParaRPr lang="de-DE"/>
           </a:p>
@@ -2848,7 +2850,7 @@
           <a:p>
             <a:fld id="{739125D8-FD85-4FE8-A7C4-126F06AA89EA}" type="slidenum">
               <a:rPr lang="de-DE" smtClean="0"/>
-              <a:t>‹Nr.›</a:t>
+              <a:t>‹#›</a:t>
             </a:fld>
             <a:endParaRPr lang="de-DE"/>
           </a:p>
@@ -3045,7 +3047,7 @@
           <a:p>
             <a:fld id="{ED9750E0-CE15-4EC1-B1D0-C2B3694DFCFC}" type="datetimeFigureOut">
               <a:rPr lang="de-DE" smtClean="0"/>
-              <a:t>21.09.2013</a:t>
+              <a:t>23.09.2013</a:t>
             </a:fld>
             <a:endParaRPr lang="de-DE"/>
           </a:p>
@@ -3121,7 +3123,7 @@
           <a:p>
             <a:fld id="{739125D8-FD85-4FE8-A7C4-126F06AA89EA}" type="slidenum">
               <a:rPr lang="de-DE" smtClean="0"/>
-              <a:t>‹Nr.›</a:t>
+              <a:t>‹#›</a:t>
             </a:fld>
             <a:endParaRPr lang="de-DE"/>
           </a:p>
@@ -8783,11 +8785,7 @@
             </a:pPr>
             <a:r>
               <a:rPr lang="de-DE" dirty="0" err="1" smtClean="0"/>
-              <a:t>r</a:t>
-            </a:r>
-            <a:r>
-              <a:rPr lang="de-DE" dirty="0" err="1" smtClean="0"/>
-              <a:t>ange</a:t>
+              <a:t>range</a:t>
             </a:r>
             <a:r>
               <a:rPr lang="de-DE" dirty="0" smtClean="0"/>
@@ -12328,11 +12326,7 @@
           <a:p>
             <a:r>
               <a:rPr lang="de-DE" dirty="0"/>
-              <a:t>(send </a:t>
-            </a:r>
-            <a:r>
-              <a:rPr lang="de-DE" dirty="0"/>
-              <a:t>s</a:t>
+              <a:t>(send s</a:t>
             </a:r>
             <a:r>
               <a:rPr lang="de-DE" dirty="0" smtClean="0"/>
@@ -12366,11 +12360,7 @@
             </a:r>
             <a:r>
               <a:rPr lang="de-DE" dirty="0"/>
-              <a:t>send-off </a:t>
-            </a:r>
-            <a:r>
-              <a:rPr lang="de-DE" dirty="0"/>
-              <a:t>s</a:t>
+              <a:t>send-off s</a:t>
             </a:r>
             <a:r>
               <a:rPr lang="de-DE" dirty="0" smtClean="0"/>
@@ -12950,6 +12940,404 @@
       </p:grpSpPr>
       <p:sp>
         <p:nvSpPr>
+          <p:cNvPr id="4" name="TextBox 3"/>
+          <p:cNvSpPr txBox="1"/>
+          <p:nvPr/>
+        </p:nvSpPr>
+        <p:spPr>
+          <a:xfrm>
+            <a:off x="611560" y="548680"/>
+            <a:ext cx="7704856" cy="923330"/>
+          </a:xfrm>
+          <a:prstGeom prst="rect">
+            <a:avLst/>
+          </a:prstGeom>
+          <a:noFill/>
+        </p:spPr>
+        <p:txBody>
+          <a:bodyPr wrap="square" rtlCol="0">
+            <a:spAutoFit/>
+          </a:bodyPr>
+          <a:lstStyle/>
+          <a:p>
+            <a:r>
+              <a:rPr lang="de-DE" dirty="0" err="1" smtClean="0"/>
+              <a:t>Testing</a:t>
+            </a:r>
+            <a:r>
+              <a:rPr lang="de-DE" dirty="0" smtClean="0"/>
+              <a:t>:</a:t>
+            </a:r>
+          </a:p>
+          <a:p>
+            <a:endParaRPr lang="de-DE" dirty="0"/>
+          </a:p>
+          <a:p>
+            <a:r>
+              <a:rPr lang="de-DE" dirty="0" err="1" smtClean="0"/>
+              <a:t>Clojure</a:t>
+            </a:r>
+            <a:r>
+              <a:rPr lang="de-DE" dirty="0" smtClean="0"/>
+              <a:t> hat ein mitgeliefertes </a:t>
+            </a:r>
+            <a:r>
+              <a:rPr lang="de-DE" dirty="0" err="1" smtClean="0"/>
+              <a:t>Testing</a:t>
+            </a:r>
+            <a:r>
+              <a:rPr lang="de-DE" dirty="0" smtClean="0"/>
+              <a:t> </a:t>
+            </a:r>
+            <a:r>
+              <a:rPr lang="de-DE" dirty="0" err="1" smtClean="0"/>
+              <a:t>Fraemwork</a:t>
+            </a:r>
+            <a:r>
+              <a:rPr lang="de-DE" dirty="0" smtClean="0"/>
+              <a:t>.</a:t>
+            </a:r>
+            <a:endParaRPr lang="de-DE" dirty="0"/>
+          </a:p>
+        </p:txBody>
+      </p:sp>
+      <p:sp>
+        <p:nvSpPr>
+          <p:cNvPr id="5" name="TextBox 4"/>
+          <p:cNvSpPr txBox="1"/>
+          <p:nvPr/>
+        </p:nvSpPr>
+        <p:spPr>
+          <a:xfrm>
+            <a:off x="611560" y="2060848"/>
+            <a:ext cx="7560840" cy="3416320"/>
+          </a:xfrm>
+          <a:prstGeom prst="rect">
+            <a:avLst/>
+          </a:prstGeom>
+          <a:noFill/>
+        </p:spPr>
+        <p:txBody>
+          <a:bodyPr wrap="square" rtlCol="0">
+            <a:spAutoFit/>
+          </a:bodyPr>
+          <a:lstStyle/>
+          <a:p>
+            <a:r>
+              <a:rPr lang="de-DE" dirty="0"/>
+              <a:t>(</a:t>
+            </a:r>
+            <a:r>
+              <a:rPr lang="de-DE" dirty="0" err="1"/>
+              <a:t>use</a:t>
+            </a:r>
+            <a:r>
+              <a:rPr lang="de-DE" dirty="0"/>
+              <a:t> '</a:t>
+            </a:r>
+            <a:r>
+              <a:rPr lang="de-DE" dirty="0" err="1"/>
+              <a:t>clojure.test</a:t>
+            </a:r>
+            <a:r>
+              <a:rPr lang="de-DE" dirty="0" smtClean="0"/>
+              <a:t>)</a:t>
+            </a:r>
+          </a:p>
+          <a:p>
+            <a:endParaRPr lang="de-DE" dirty="0"/>
+          </a:p>
+          <a:p>
+            <a:r>
+              <a:rPr lang="de-DE" dirty="0" smtClean="0"/>
+              <a:t>; Test erstellen</a:t>
+            </a:r>
+          </a:p>
+          <a:p>
+            <a:endParaRPr lang="de-DE" dirty="0"/>
+          </a:p>
+          <a:p>
+            <a:r>
+              <a:rPr lang="de-DE" dirty="0"/>
+              <a:t>(</a:t>
+            </a:r>
+            <a:r>
+              <a:rPr lang="de-DE" dirty="0" err="1"/>
+              <a:t>deftest</a:t>
+            </a:r>
+            <a:r>
+              <a:rPr lang="de-DE" dirty="0"/>
+              <a:t> parse-hallo-test</a:t>
+            </a:r>
+          </a:p>
+          <a:p>
+            <a:r>
+              <a:rPr lang="de-DE" dirty="0"/>
+              <a:t>  (</a:t>
+            </a:r>
+            <a:r>
+              <a:rPr lang="de-DE" dirty="0" err="1"/>
+              <a:t>let</a:t>
+            </a:r>
+            <a:r>
+              <a:rPr lang="de-DE" dirty="0"/>
+              <a:t> [s "HALLO"]</a:t>
+            </a:r>
+          </a:p>
+          <a:p>
+            <a:r>
+              <a:rPr lang="en-US" dirty="0"/>
+              <a:t>    (is (= (.</a:t>
+            </a:r>
+            <a:r>
+              <a:rPr lang="en-US" dirty="0" err="1"/>
+              <a:t>ToUpper</a:t>
+            </a:r>
+            <a:r>
+              <a:rPr lang="en-US" dirty="0"/>
+              <a:t> "hallo") s) "Should be HALLO</a:t>
+            </a:r>
+            <a:r>
+              <a:rPr lang="en-US" dirty="0" smtClean="0"/>
+              <a:t>")</a:t>
+            </a:r>
+            <a:r>
+              <a:rPr lang="de-DE" dirty="0" smtClean="0"/>
+              <a:t>))</a:t>
+            </a:r>
+          </a:p>
+          <a:p>
+            <a:endParaRPr lang="de-DE" dirty="0"/>
+          </a:p>
+          <a:p>
+            <a:r>
+              <a:rPr lang="de-DE" dirty="0" smtClean="0"/>
+              <a:t>;Test laufen lassen</a:t>
+            </a:r>
+          </a:p>
+          <a:p>
+            <a:endParaRPr lang="de-DE" dirty="0"/>
+          </a:p>
+          <a:p>
+            <a:r>
+              <a:rPr lang="de-DE" dirty="0"/>
+              <a:t>(</a:t>
+            </a:r>
+            <a:r>
+              <a:rPr lang="de-DE" dirty="0" err="1"/>
+              <a:t>run</a:t>
+            </a:r>
+            <a:r>
+              <a:rPr lang="de-DE" dirty="0"/>
+              <a:t>-tests '</a:t>
+            </a:r>
+            <a:r>
+              <a:rPr lang="de-DE" dirty="0" err="1"/>
+              <a:t>user</a:t>
+            </a:r>
+            <a:r>
+              <a:rPr lang="de-DE" dirty="0" smtClean="0"/>
+              <a:t>)</a:t>
+            </a:r>
+          </a:p>
+          <a:p>
+            <a:endParaRPr lang="de-DE" dirty="0"/>
+          </a:p>
+        </p:txBody>
+      </p:sp>
+    </p:spTree>
+    <p:extLst>
+      <p:ext uri="{BB962C8B-B14F-4D97-AF65-F5344CB8AC3E}">
+        <p14:creationId xmlns:p14="http://schemas.microsoft.com/office/powerpoint/2010/main" val="2787081909"/>
+      </p:ext>
+    </p:extLst>
+  </p:cSld>
+  <p:clrMapOvr>
+    <a:masterClrMapping/>
+  </p:clrMapOvr>
+</p:sld>
+</file>
+
+<file path=ppt/slides/slide34.xml><?xml version="1.0" encoding="utf-8"?>
+<p:sld xmlns:a="http://schemas.openxmlformats.org/drawingml/2006/main" xmlns:r="http://schemas.openxmlformats.org/officeDocument/2006/relationships" xmlns:p="http://schemas.openxmlformats.org/presentationml/2006/main">
+  <p:cSld>
+    <p:spTree>
+      <p:nvGrpSpPr>
+        <p:cNvPr id="1" name=""/>
+        <p:cNvGrpSpPr/>
+        <p:nvPr/>
+      </p:nvGrpSpPr>
+      <p:grpSpPr>
+        <a:xfrm>
+          <a:off x="0" y="0"/>
+          <a:ext cx="0" cy="0"/>
+          <a:chOff x="0" y="0"/>
+          <a:chExt cx="0" cy="0"/>
+        </a:xfrm>
+      </p:grpSpPr>
+      <p:sp>
+        <p:nvSpPr>
+          <p:cNvPr id="4" name="TextBox 3"/>
+          <p:cNvSpPr txBox="1"/>
+          <p:nvPr/>
+        </p:nvSpPr>
+        <p:spPr>
+          <a:xfrm>
+            <a:off x="611560" y="548680"/>
+            <a:ext cx="7704856" cy="923330"/>
+          </a:xfrm>
+          <a:prstGeom prst="rect">
+            <a:avLst/>
+          </a:prstGeom>
+          <a:noFill/>
+        </p:spPr>
+        <p:txBody>
+          <a:bodyPr wrap="square" rtlCol="0">
+            <a:spAutoFit/>
+          </a:bodyPr>
+          <a:lstStyle/>
+          <a:p>
+            <a:r>
+              <a:rPr lang="de-DE" dirty="0" err="1" smtClean="0"/>
+              <a:t>Testing</a:t>
+            </a:r>
+            <a:r>
+              <a:rPr lang="de-DE" dirty="0" smtClean="0"/>
+              <a:t>:</a:t>
+            </a:r>
+          </a:p>
+          <a:p>
+            <a:endParaRPr lang="de-DE" dirty="0"/>
+          </a:p>
+          <a:p>
+            <a:r>
+              <a:rPr lang="de-DE" dirty="0" smtClean="0"/>
+              <a:t>Funktionen können einfach </a:t>
+            </a:r>
+            <a:r>
+              <a:rPr lang="de-DE" dirty="0" err="1" smtClean="0"/>
+              <a:t>gemockt</a:t>
+            </a:r>
+            <a:r>
+              <a:rPr lang="de-DE" dirty="0" smtClean="0"/>
+              <a:t> werden</a:t>
+            </a:r>
+            <a:endParaRPr lang="de-DE" dirty="0"/>
+          </a:p>
+        </p:txBody>
+      </p:sp>
+      <p:sp>
+        <p:nvSpPr>
+          <p:cNvPr id="5" name="TextBox 4"/>
+          <p:cNvSpPr txBox="1"/>
+          <p:nvPr/>
+        </p:nvSpPr>
+        <p:spPr>
+          <a:xfrm>
+            <a:off x="611560" y="2060848"/>
+            <a:ext cx="7560840" cy="1754326"/>
+          </a:xfrm>
+          <a:prstGeom prst="rect">
+            <a:avLst/>
+          </a:prstGeom>
+          <a:noFill/>
+        </p:spPr>
+        <p:txBody>
+          <a:bodyPr wrap="square" rtlCol="0">
+            <a:spAutoFit/>
+          </a:bodyPr>
+          <a:lstStyle/>
+          <a:p>
+            <a:r>
+              <a:rPr lang="de-DE" dirty="0" smtClean="0"/>
+              <a:t>Problem: Wir wollen in einigen Fällen nicht auf die internen Funktionen gehen, sollen wollen Attrappen (Mocks und </a:t>
+            </a:r>
+            <a:r>
+              <a:rPr lang="de-DE" dirty="0" err="1" smtClean="0"/>
+              <a:t>Stubs</a:t>
+            </a:r>
+            <a:r>
+              <a:rPr lang="de-DE" dirty="0" smtClean="0"/>
+              <a:t>) dazwischen schalten.</a:t>
+            </a:r>
+          </a:p>
+          <a:p>
+            <a:endParaRPr lang="de-DE" dirty="0"/>
+          </a:p>
+          <a:p>
+            <a:r>
+              <a:rPr lang="de-DE" dirty="0" smtClean="0"/>
+              <a:t>Das </a:t>
+            </a:r>
+            <a:r>
+              <a:rPr lang="de-DE" dirty="0" err="1" smtClean="0"/>
+              <a:t>with-redefs</a:t>
+            </a:r>
+            <a:r>
+              <a:rPr lang="de-DE" dirty="0" smtClean="0"/>
+              <a:t> </a:t>
+            </a:r>
+            <a:r>
+              <a:rPr lang="de-DE" dirty="0" err="1" smtClean="0"/>
+              <a:t>Macro</a:t>
+            </a:r>
+            <a:r>
+              <a:rPr lang="de-DE" dirty="0" smtClean="0"/>
+              <a:t> ermöglicht uns das.</a:t>
+            </a:r>
+          </a:p>
+          <a:p>
+            <a:endParaRPr lang="de-DE" dirty="0"/>
+          </a:p>
+          <a:p>
+            <a:r>
+              <a:rPr lang="de-DE" dirty="0" err="1" smtClean="0"/>
+              <a:t>Sampel</a:t>
+            </a:r>
+            <a:r>
+              <a:rPr lang="de-DE" dirty="0" smtClean="0"/>
+              <a:t>: Mocken von rand-</a:t>
+            </a:r>
+            <a:r>
+              <a:rPr lang="de-DE" smtClean="0"/>
+              <a:t>int</a:t>
+            </a:r>
+            <a:endParaRPr lang="de-DE" dirty="0"/>
+          </a:p>
+        </p:txBody>
+      </p:sp>
+    </p:spTree>
+    <p:extLst>
+      <p:ext uri="{BB962C8B-B14F-4D97-AF65-F5344CB8AC3E}">
+        <p14:creationId xmlns:p14="http://schemas.microsoft.com/office/powerpoint/2010/main" val="2649402347"/>
+      </p:ext>
+    </p:extLst>
+  </p:cSld>
+  <p:clrMapOvr>
+    <a:masterClrMapping/>
+  </p:clrMapOvr>
+</p:sld>
+</file>
+
+<file path=ppt/slides/slide35.xml><?xml version="1.0" encoding="utf-8"?>
+<p:sld xmlns:a="http://schemas.openxmlformats.org/drawingml/2006/main" xmlns:r="http://schemas.openxmlformats.org/officeDocument/2006/relationships" xmlns:p="http://schemas.openxmlformats.org/presentationml/2006/main">
+  <p:cSld>
+    <p:spTree>
+      <p:nvGrpSpPr>
+        <p:cNvPr id="1" name=""/>
+        <p:cNvGrpSpPr/>
+        <p:nvPr/>
+      </p:nvGrpSpPr>
+      <p:grpSpPr>
+        <a:xfrm>
+          <a:off x="0" y="0"/>
+          <a:ext cx="0" cy="0"/>
+          <a:chOff x="0" y="0"/>
+          <a:chExt cx="0" cy="0"/>
+        </a:xfrm>
+      </p:grpSpPr>
+      <p:sp>
+        <p:nvSpPr>
           <p:cNvPr id="4" name="Textfeld 3"/>
           <p:cNvSpPr txBox="1"/>
           <p:nvPr/>
@@ -13102,7 +13490,7 @@
 </p:sld>
 </file>
 
-<file path=ppt/slides/slide34.xml><?xml version="1.0" encoding="utf-8"?>
+<file path=ppt/slides/slide36.xml><?xml version="1.0" encoding="utf-8"?>
 <p:sld xmlns:a="http://schemas.openxmlformats.org/drawingml/2006/main" xmlns:r="http://schemas.openxmlformats.org/officeDocument/2006/relationships" xmlns:p="http://schemas.openxmlformats.org/presentationml/2006/main">
   <p:cSld>
     <p:spTree>

--- a/Clojure Vortrag .NET User Group.pptx
+++ b/Clojure Vortrag .NET User Group.pptx
@@ -5,7 +5,7 @@
     <p:sldMasterId id="2147483660" r:id="rId1"/>
   </p:sldMasterIdLst>
   <p:handoutMasterIdLst>
-    <p:handoutMasterId r:id="rId38"/>
+    <p:handoutMasterId r:id="rId41"/>
   </p:handoutMasterIdLst>
   <p:sldIdLst>
     <p:sldId id="256" r:id="rId2"/>
@@ -42,8 +42,11 @@
     <p:sldId id="294" r:id="rId33"/>
     <p:sldId id="296" r:id="rId34"/>
     <p:sldId id="297" r:id="rId35"/>
-    <p:sldId id="266" r:id="rId36"/>
-    <p:sldId id="261" r:id="rId37"/>
+    <p:sldId id="298" r:id="rId36"/>
+    <p:sldId id="299" r:id="rId37"/>
+    <p:sldId id="300" r:id="rId38"/>
+    <p:sldId id="266" r:id="rId39"/>
+    <p:sldId id="261" r:id="rId40"/>
   </p:sldIdLst>
   <p:sldSz cx="9144000" cy="6858000" type="screen4x3"/>
   <p:notesSz cx="6794500" cy="9931400"/>
@@ -227,7 +230,7 @@
           <a:p>
             <a:fld id="{58A9EE8F-FFE1-47DD-9EB3-5670B774654C}" type="datetimeFigureOut">
               <a:rPr lang="de-DE" smtClean="0"/>
-              <a:t>23.09.2013</a:t>
+              <a:t>24.09.2013</a:t>
             </a:fld>
             <a:endParaRPr lang="de-DE"/>
           </a:p>
@@ -499,7 +502,7 @@
           <a:p>
             <a:fld id="{ED9750E0-CE15-4EC1-B1D0-C2B3694DFCFC}" type="datetimeFigureOut">
               <a:rPr lang="de-DE" smtClean="0"/>
-              <a:t>23.09.2013</a:t>
+              <a:t>24.09.2013</a:t>
             </a:fld>
             <a:endParaRPr lang="de-DE"/>
           </a:p>
@@ -676,7 +679,7 @@
           <a:p>
             <a:fld id="{ED9750E0-CE15-4EC1-B1D0-C2B3694DFCFC}" type="datetimeFigureOut">
               <a:rPr lang="de-DE" smtClean="0"/>
-              <a:t>23.09.2013</a:t>
+              <a:t>24.09.2013</a:t>
             </a:fld>
             <a:endParaRPr lang="de-DE"/>
           </a:p>
@@ -874,7 +877,7 @@
           <a:p>
             <a:fld id="{ED9750E0-CE15-4EC1-B1D0-C2B3694DFCFC}" type="datetimeFigureOut">
               <a:rPr lang="de-DE" smtClean="0"/>
-              <a:t>23.09.2013</a:t>
+              <a:t>24.09.2013</a:t>
             </a:fld>
             <a:endParaRPr lang="de-DE"/>
           </a:p>
@@ -1028,7 +1031,7 @@
           <a:p>
             <a:fld id="{ED9750E0-CE15-4EC1-B1D0-C2B3694DFCFC}" type="datetimeFigureOut">
               <a:rPr lang="de-DE" smtClean="0"/>
-              <a:t>23.09.2013</a:t>
+              <a:t>24.09.2013</a:t>
             </a:fld>
             <a:endParaRPr lang="de-DE"/>
           </a:p>
@@ -1303,7 +1306,7 @@
           <a:p>
             <a:fld id="{ED9750E0-CE15-4EC1-B1D0-C2B3694DFCFC}" type="datetimeFigureOut">
               <a:rPr lang="de-DE" smtClean="0"/>
-              <a:t>23.09.2013</a:t>
+              <a:t>24.09.2013</a:t>
             </a:fld>
             <a:endParaRPr lang="de-DE"/>
           </a:p>
@@ -1602,7 +1605,7 @@
           <a:p>
             <a:fld id="{ED9750E0-CE15-4EC1-B1D0-C2B3694DFCFC}" type="datetimeFigureOut">
               <a:rPr lang="de-DE" smtClean="0"/>
-              <a:t>23.09.2013</a:t>
+              <a:t>24.09.2013</a:t>
             </a:fld>
             <a:endParaRPr lang="de-DE"/>
           </a:p>
@@ -2044,7 +2047,7 @@
           <a:p>
             <a:fld id="{ED9750E0-CE15-4EC1-B1D0-C2B3694DFCFC}" type="datetimeFigureOut">
               <a:rPr lang="de-DE" smtClean="0"/>
-              <a:t>23.09.2013</a:t>
+              <a:t>24.09.2013</a:t>
             </a:fld>
             <a:endParaRPr lang="de-DE"/>
           </a:p>
@@ -2151,7 +2154,7 @@
           <a:p>
             <a:fld id="{ED9750E0-CE15-4EC1-B1D0-C2B3694DFCFC}" type="datetimeFigureOut">
               <a:rPr lang="de-DE" smtClean="0"/>
-              <a:t>23.09.2013</a:t>
+              <a:t>24.09.2013</a:t>
             </a:fld>
             <a:endParaRPr lang="de-DE"/>
           </a:p>
@@ -2271,7 +2274,7 @@
           <a:p>
             <a:fld id="{ED9750E0-CE15-4EC1-B1D0-C2B3694DFCFC}" type="datetimeFigureOut">
               <a:rPr lang="de-DE" smtClean="0"/>
-              <a:t>23.09.2013</a:t>
+              <a:t>24.09.2013</a:t>
             </a:fld>
             <a:endParaRPr lang="de-DE"/>
           </a:p>
@@ -2556,7 +2559,7 @@
           <a:p>
             <a:fld id="{ED9750E0-CE15-4EC1-B1D0-C2B3694DFCFC}" type="datetimeFigureOut">
               <a:rPr lang="de-DE" smtClean="0"/>
-              <a:t>23.09.2013</a:t>
+              <a:t>24.09.2013</a:t>
             </a:fld>
             <a:endParaRPr lang="de-DE"/>
           </a:p>
@@ -2827,7 +2830,7 @@
           <a:p>
             <a:fld id="{ED9750E0-CE15-4EC1-B1D0-C2B3694DFCFC}" type="datetimeFigureOut">
               <a:rPr lang="de-DE" smtClean="0"/>
-              <a:t>23.09.2013</a:t>
+              <a:t>24.09.2013</a:t>
             </a:fld>
             <a:endParaRPr lang="de-DE"/>
           </a:p>
@@ -3047,7 +3050,7 @@
           <a:p>
             <a:fld id="{ED9750E0-CE15-4EC1-B1D0-C2B3694DFCFC}" type="datetimeFigureOut">
               <a:rPr lang="de-DE" smtClean="0"/>
-              <a:t>23.09.2013</a:t>
+              <a:t>24.09.2013</a:t>
             </a:fld>
             <a:endParaRPr lang="de-DE"/>
           </a:p>
@@ -4153,6 +4156,13 @@
   <p:clrMapOvr>
     <a:masterClrMapping/>
   </p:clrMapOvr>
+  <p:timing>
+    <p:tnLst>
+      <p:par>
+        <p:cTn id="1" dur="indefinite" restart="never" nodeType="tmRoot"/>
+      </p:par>
+    </p:tnLst>
+  </p:timing>
 </p:sld>
 </file>
 
@@ -13155,6 +13165,13 @@
   <p:clrMapOvr>
     <a:masterClrMapping/>
   </p:clrMapOvr>
+  <p:timing>
+    <p:tnLst>
+      <p:par>
+        <p:cTn id="1" dur="indefinite" restart="never" nodeType="tmRoot"/>
+      </p:par>
+    </p:tnLst>
+  </p:timing>
 </p:sld>
 </file>
 
@@ -13316,6 +13333,13 @@
   <p:clrMapOvr>
     <a:masterClrMapping/>
   </p:clrMapOvr>
+  <p:timing>
+    <p:tnLst>
+      <p:par>
+        <p:cTn id="1" dur="indefinite" restart="never" nodeType="tmRoot"/>
+      </p:par>
+    </p:tnLst>
+  </p:timing>
 </p:sld>
 </file>
 
@@ -13338,6 +13362,813 @@
       </p:grpSpPr>
       <p:sp>
         <p:nvSpPr>
+          <p:cNvPr id="4" name="TextBox 3"/>
+          <p:cNvSpPr txBox="1"/>
+          <p:nvPr/>
+        </p:nvSpPr>
+        <p:spPr>
+          <a:xfrm>
+            <a:off x="173676" y="3804400"/>
+            <a:ext cx="3174188" cy="1200329"/>
+          </a:xfrm>
+          <a:prstGeom prst="rect">
+            <a:avLst/>
+          </a:prstGeom>
+          <a:noFill/>
+        </p:spPr>
+        <p:txBody>
+          <a:bodyPr wrap="square" rtlCol="0">
+            <a:spAutoFit/>
+          </a:bodyPr>
+          <a:lstStyle/>
+          <a:p>
+            <a:r>
+              <a:rPr lang="de-DE" dirty="0" smtClean="0"/>
+              <a:t>Gut für schnelle Test</a:t>
+            </a:r>
+          </a:p>
+          <a:p>
+            <a:endParaRPr lang="de-DE" dirty="0" smtClean="0"/>
+          </a:p>
+          <a:p>
+            <a:r>
+              <a:rPr lang="de-DE" dirty="0" smtClean="0"/>
+              <a:t>Braucht einen zusätzlichen Editor zum Arbeiten</a:t>
+            </a:r>
+            <a:endParaRPr lang="de-DE" dirty="0"/>
+          </a:p>
+        </p:txBody>
+      </p:sp>
+      <p:pic>
+        <p:nvPicPr>
+          <p:cNvPr id="1026" name="Picture 2"/>
+          <p:cNvPicPr>
+            <a:picLocks noChangeAspect="1" noChangeArrowheads="1"/>
+          </p:cNvPicPr>
+          <p:nvPr/>
+        </p:nvPicPr>
+        <p:blipFill>
+          <a:blip r:embed="rId2">
+            <a:extLst>
+              <a:ext uri="{28A0092B-C50C-407E-A947-70E740481C1C}">
+                <a14:useLocalDpi xmlns:a14="http://schemas.microsoft.com/office/drawing/2010/main" val="0"/>
+              </a:ext>
+            </a:extLst>
+          </a:blip>
+          <a:srcRect/>
+          <a:stretch>
+            <a:fillRect/>
+          </a:stretch>
+        </p:blipFill>
+        <p:spPr bwMode="auto">
+          <a:xfrm>
+            <a:off x="5040295" y="2092332"/>
+            <a:ext cx="3788507" cy="1359853"/>
+          </a:xfrm>
+          <a:prstGeom prst="rect">
+            <a:avLst/>
+          </a:prstGeom>
+          <a:noFill/>
+          <a:ln>
+            <a:noFill/>
+          </a:ln>
+          <a:effectLst/>
+          <a:extLst>
+            <a:ext uri="{909E8E84-426E-40DD-AFC4-6F175D3DCCD1}">
+              <a14:hiddenFill xmlns:a14="http://schemas.microsoft.com/office/drawing/2010/main">
+                <a:solidFill>
+                  <a:schemeClr val="accent1"/>
+                </a:solidFill>
+              </a14:hiddenFill>
+            </a:ext>
+            <a:ext uri="{91240B29-F687-4F45-9708-019B960494DF}">
+              <a14:hiddenLine xmlns:a14="http://schemas.microsoft.com/office/drawing/2010/main" w="9525">
+                <a:solidFill>
+                  <a:schemeClr val="tx1"/>
+                </a:solidFill>
+                <a:miter lim="800000"/>
+                <a:headEnd/>
+                <a:tailEnd/>
+              </a14:hiddenLine>
+            </a:ext>
+            <a:ext uri="{AF507438-7753-43E0-B8FC-AC1667EBCBE1}">
+              <a14:hiddenEffects xmlns:a14="http://schemas.microsoft.com/office/drawing/2010/main">
+                <a:effectLst>
+                  <a:outerShdw dist="35921" dir="2700000" algn="ctr" rotWithShape="0">
+                    <a:schemeClr val="bg2"/>
+                  </a:outerShdw>
+                </a:effectLst>
+              </a14:hiddenEffects>
+            </a:ext>
+          </a:extLst>
+        </p:spPr>
+      </p:pic>
+      <p:sp>
+        <p:nvSpPr>
+          <p:cNvPr id="5" name="TextBox 4"/>
+          <p:cNvSpPr txBox="1"/>
+          <p:nvPr/>
+        </p:nvSpPr>
+        <p:spPr>
+          <a:xfrm>
+            <a:off x="3131840" y="620688"/>
+            <a:ext cx="2195463" cy="369332"/>
+          </a:xfrm>
+          <a:prstGeom prst="rect">
+            <a:avLst/>
+          </a:prstGeom>
+          <a:noFill/>
+        </p:spPr>
+        <p:txBody>
+          <a:bodyPr wrap="square" rtlCol="0">
+            <a:spAutoFit/>
+          </a:bodyPr>
+          <a:lstStyle/>
+          <a:p>
+            <a:r>
+              <a:rPr lang="de-DE" dirty="0" smtClean="0"/>
+              <a:t>Arbeiten mit </a:t>
+            </a:r>
+            <a:r>
+              <a:rPr lang="de-DE" dirty="0" err="1" smtClean="0"/>
+              <a:t>Clojure</a:t>
+            </a:r>
+            <a:endParaRPr lang="de-DE" dirty="0"/>
+          </a:p>
+        </p:txBody>
+      </p:sp>
+      <p:sp>
+        <p:nvSpPr>
+          <p:cNvPr id="6" name="TextBox 5"/>
+          <p:cNvSpPr txBox="1"/>
+          <p:nvPr/>
+        </p:nvSpPr>
+        <p:spPr>
+          <a:xfrm>
+            <a:off x="1403648" y="1628800"/>
+            <a:ext cx="1126886" cy="369332"/>
+          </a:xfrm>
+          <a:prstGeom prst="rect">
+            <a:avLst/>
+          </a:prstGeom>
+          <a:noFill/>
+        </p:spPr>
+        <p:txBody>
+          <a:bodyPr wrap="square" rtlCol="0">
+            <a:spAutoFit/>
+          </a:bodyPr>
+          <a:lstStyle/>
+          <a:p>
+            <a:r>
+              <a:rPr lang="de-DE" dirty="0" smtClean="0"/>
+              <a:t>Bare </a:t>
+            </a:r>
+            <a:r>
+              <a:rPr lang="de-DE" dirty="0" err="1" smtClean="0"/>
+              <a:t>Repl</a:t>
+            </a:r>
+            <a:endParaRPr lang="de-DE" dirty="0" smtClean="0"/>
+          </a:p>
+        </p:txBody>
+      </p:sp>
+      <p:pic>
+        <p:nvPicPr>
+          <p:cNvPr id="1027" name="Picture 3"/>
+          <p:cNvPicPr>
+            <a:picLocks noChangeAspect="1" noChangeArrowheads="1"/>
+          </p:cNvPicPr>
+          <p:nvPr/>
+        </p:nvPicPr>
+        <p:blipFill>
+          <a:blip r:embed="rId3">
+            <a:extLst>
+              <a:ext uri="{28A0092B-C50C-407E-A947-70E740481C1C}">
+                <a14:useLocalDpi xmlns:a14="http://schemas.microsoft.com/office/drawing/2010/main" val="0"/>
+              </a:ext>
+            </a:extLst>
+          </a:blip>
+          <a:srcRect/>
+          <a:stretch>
+            <a:fillRect/>
+          </a:stretch>
+        </p:blipFill>
+        <p:spPr bwMode="auto">
+          <a:xfrm>
+            <a:off x="150596" y="2169875"/>
+            <a:ext cx="3197268" cy="1394842"/>
+          </a:xfrm>
+          <a:prstGeom prst="rect">
+            <a:avLst/>
+          </a:prstGeom>
+          <a:noFill/>
+          <a:ln>
+            <a:noFill/>
+          </a:ln>
+          <a:effectLst/>
+          <a:extLst>
+            <a:ext uri="{909E8E84-426E-40DD-AFC4-6F175D3DCCD1}">
+              <a14:hiddenFill xmlns:a14="http://schemas.microsoft.com/office/drawing/2010/main">
+                <a:solidFill>
+                  <a:schemeClr val="accent1"/>
+                </a:solidFill>
+              </a14:hiddenFill>
+            </a:ext>
+            <a:ext uri="{91240B29-F687-4F45-9708-019B960494DF}">
+              <a14:hiddenLine xmlns:a14="http://schemas.microsoft.com/office/drawing/2010/main" w="9525">
+                <a:solidFill>
+                  <a:schemeClr val="tx1"/>
+                </a:solidFill>
+                <a:miter lim="800000"/>
+                <a:headEnd/>
+                <a:tailEnd/>
+              </a14:hiddenLine>
+            </a:ext>
+            <a:ext uri="{AF507438-7753-43E0-B8FC-AC1667EBCBE1}">
+              <a14:hiddenEffects xmlns:a14="http://schemas.microsoft.com/office/drawing/2010/main">
+                <a:effectLst>
+                  <a:outerShdw dist="35921" dir="2700000" algn="ctr" rotWithShape="0">
+                    <a:schemeClr val="bg2"/>
+                  </a:outerShdw>
+                </a:effectLst>
+              </a14:hiddenEffects>
+            </a:ext>
+          </a:extLst>
+        </p:spPr>
+      </p:pic>
+      <p:sp>
+        <p:nvSpPr>
+          <p:cNvPr id="9" name="TextBox 8"/>
+          <p:cNvSpPr txBox="1"/>
+          <p:nvPr/>
+        </p:nvSpPr>
+        <p:spPr>
+          <a:xfrm>
+            <a:off x="5364088" y="1551821"/>
+            <a:ext cx="2664296" cy="369332"/>
+          </a:xfrm>
+          <a:prstGeom prst="rect">
+            <a:avLst/>
+          </a:prstGeom>
+          <a:noFill/>
+        </p:spPr>
+        <p:txBody>
+          <a:bodyPr wrap="square" rtlCol="0">
+            <a:spAutoFit/>
+          </a:bodyPr>
+          <a:lstStyle/>
+          <a:p>
+            <a:r>
+              <a:rPr lang="de-DE" dirty="0" smtClean="0"/>
+              <a:t>Visual Studio Integration</a:t>
+            </a:r>
+          </a:p>
+        </p:txBody>
+      </p:sp>
+      <p:sp>
+        <p:nvSpPr>
+          <p:cNvPr id="10" name="TextBox 9"/>
+          <p:cNvSpPr txBox="1"/>
+          <p:nvPr/>
+        </p:nvSpPr>
+        <p:spPr>
+          <a:xfrm>
+            <a:off x="5109142" y="3988963"/>
+            <a:ext cx="3639322" cy="1477328"/>
+          </a:xfrm>
+          <a:prstGeom prst="rect">
+            <a:avLst/>
+          </a:prstGeom>
+          <a:noFill/>
+        </p:spPr>
+        <p:txBody>
+          <a:bodyPr wrap="square" rtlCol="0">
+            <a:spAutoFit/>
+          </a:bodyPr>
+          <a:lstStyle/>
+          <a:p>
+            <a:r>
+              <a:rPr lang="de-DE" dirty="0" smtClean="0"/>
+              <a:t>Besser für größere Projekte</a:t>
+            </a:r>
+          </a:p>
+          <a:p>
+            <a:endParaRPr lang="de-DE" dirty="0" smtClean="0"/>
+          </a:p>
+          <a:p>
+            <a:r>
+              <a:rPr lang="de-DE" dirty="0" smtClean="0"/>
+              <a:t>Hat integrierte REPL </a:t>
+            </a:r>
+          </a:p>
+          <a:p>
+            <a:r>
+              <a:rPr lang="de-DE" dirty="0" smtClean="0"/>
+              <a:t>Hat Projekt Support</a:t>
+            </a:r>
+          </a:p>
+          <a:p>
+            <a:r>
+              <a:rPr lang="de-DE" dirty="0" smtClean="0"/>
+              <a:t>Hat File Support</a:t>
+            </a:r>
+            <a:endParaRPr lang="de-DE" dirty="0"/>
+          </a:p>
+        </p:txBody>
+      </p:sp>
+      <p:sp>
+        <p:nvSpPr>
+          <p:cNvPr id="11" name="Down Arrow 10"/>
+          <p:cNvSpPr/>
+          <p:nvPr/>
+        </p:nvSpPr>
+        <p:spPr>
+          <a:xfrm rot="3382499">
+            <a:off x="2501476" y="869297"/>
+            <a:ext cx="360040" cy="842239"/>
+          </a:xfrm>
+          <a:prstGeom prst="downArrow">
+            <a:avLst>
+              <a:gd name="adj1" fmla="val 31465"/>
+              <a:gd name="adj2" fmla="val 50000"/>
+            </a:avLst>
+          </a:prstGeom>
+        </p:spPr>
+        <p:style>
+          <a:lnRef idx="2">
+            <a:schemeClr val="accent1">
+              <a:shade val="50000"/>
+            </a:schemeClr>
+          </a:lnRef>
+          <a:fillRef idx="1">
+            <a:schemeClr val="accent1"/>
+          </a:fillRef>
+          <a:effectRef idx="0">
+            <a:schemeClr val="accent1"/>
+          </a:effectRef>
+          <a:fontRef idx="minor">
+            <a:schemeClr val="lt1"/>
+          </a:fontRef>
+        </p:style>
+        <p:txBody>
+          <a:bodyPr rtlCol="0" anchor="ctr"/>
+          <a:lstStyle/>
+          <a:p>
+            <a:pPr algn="ctr"/>
+            <a:endParaRPr lang="de-DE"/>
+          </a:p>
+        </p:txBody>
+      </p:sp>
+      <p:sp>
+        <p:nvSpPr>
+          <p:cNvPr id="14" name="Down Arrow 13"/>
+          <p:cNvSpPr/>
+          <p:nvPr/>
+        </p:nvSpPr>
+        <p:spPr>
+          <a:xfrm rot="18136343">
+            <a:off x="5471376" y="794912"/>
+            <a:ext cx="360040" cy="827851"/>
+          </a:xfrm>
+          <a:prstGeom prst="downArrow">
+            <a:avLst>
+              <a:gd name="adj1" fmla="val 31465"/>
+              <a:gd name="adj2" fmla="val 50000"/>
+            </a:avLst>
+          </a:prstGeom>
+        </p:spPr>
+        <p:style>
+          <a:lnRef idx="2">
+            <a:schemeClr val="accent1">
+              <a:shade val="50000"/>
+            </a:schemeClr>
+          </a:lnRef>
+          <a:fillRef idx="1">
+            <a:schemeClr val="accent1"/>
+          </a:fillRef>
+          <a:effectRef idx="0">
+            <a:schemeClr val="accent1"/>
+          </a:effectRef>
+          <a:fontRef idx="minor">
+            <a:schemeClr val="lt1"/>
+          </a:fontRef>
+        </p:style>
+        <p:txBody>
+          <a:bodyPr rtlCol="0" anchor="ctr"/>
+          <a:lstStyle/>
+          <a:p>
+            <a:pPr algn="ctr"/>
+            <a:endParaRPr lang="de-DE"/>
+          </a:p>
+        </p:txBody>
+      </p:sp>
+    </p:spTree>
+    <p:extLst>
+      <p:ext uri="{BB962C8B-B14F-4D97-AF65-F5344CB8AC3E}">
+        <p14:creationId xmlns:p14="http://schemas.microsoft.com/office/powerpoint/2010/main" val="450818121"/>
+      </p:ext>
+    </p:extLst>
+  </p:cSld>
+  <p:clrMapOvr>
+    <a:masterClrMapping/>
+  </p:clrMapOvr>
+</p:sld>
+</file>
+
+<file path=ppt/slides/slide36.xml><?xml version="1.0" encoding="utf-8"?>
+<p:sld xmlns:a="http://schemas.openxmlformats.org/drawingml/2006/main" xmlns:r="http://schemas.openxmlformats.org/officeDocument/2006/relationships" xmlns:p="http://schemas.openxmlformats.org/presentationml/2006/main">
+  <p:cSld>
+    <p:spTree>
+      <p:nvGrpSpPr>
+        <p:cNvPr id="1" name=""/>
+        <p:cNvGrpSpPr/>
+        <p:nvPr/>
+      </p:nvGrpSpPr>
+      <p:grpSpPr>
+        <a:xfrm>
+          <a:off x="0" y="0"/>
+          <a:ext cx="0" cy="0"/>
+          <a:chOff x="0" y="0"/>
+          <a:chExt cx="0" cy="0"/>
+        </a:xfrm>
+      </p:grpSpPr>
+      <p:sp>
+        <p:nvSpPr>
+          <p:cNvPr id="4" name="TextBox 3"/>
+          <p:cNvSpPr txBox="1"/>
+          <p:nvPr/>
+        </p:nvSpPr>
+        <p:spPr>
+          <a:xfrm>
+            <a:off x="683568" y="692696"/>
+            <a:ext cx="4248472" cy="369332"/>
+          </a:xfrm>
+          <a:prstGeom prst="rect">
+            <a:avLst/>
+          </a:prstGeom>
+          <a:noFill/>
+        </p:spPr>
+        <p:txBody>
+          <a:bodyPr wrap="square" rtlCol="0">
+            <a:spAutoFit/>
+          </a:bodyPr>
+          <a:lstStyle/>
+          <a:p>
+            <a:r>
+              <a:rPr lang="de-DE" dirty="0" err="1" smtClean="0"/>
+              <a:t>Macrosystem</a:t>
+            </a:r>
+            <a:r>
+              <a:rPr lang="de-DE" dirty="0" smtClean="0"/>
+              <a:t> in </a:t>
+            </a:r>
+            <a:r>
+              <a:rPr lang="de-DE" dirty="0" err="1" smtClean="0"/>
+              <a:t>Clojure</a:t>
+            </a:r>
+            <a:endParaRPr lang="de-DE" dirty="0"/>
+          </a:p>
+        </p:txBody>
+      </p:sp>
+      <p:sp>
+        <p:nvSpPr>
+          <p:cNvPr id="5" name="TextBox 4"/>
+          <p:cNvSpPr txBox="1"/>
+          <p:nvPr/>
+        </p:nvSpPr>
+        <p:spPr>
+          <a:xfrm>
+            <a:off x="755576" y="3093028"/>
+            <a:ext cx="7704856" cy="4247317"/>
+          </a:xfrm>
+          <a:prstGeom prst="rect">
+            <a:avLst/>
+          </a:prstGeom>
+          <a:noFill/>
+        </p:spPr>
+        <p:txBody>
+          <a:bodyPr wrap="square" rtlCol="0">
+            <a:spAutoFit/>
+          </a:bodyPr>
+          <a:lstStyle/>
+          <a:p>
+            <a:r>
+              <a:rPr lang="de-DE" dirty="0" smtClean="0"/>
+              <a:t>Bestehende </a:t>
+            </a:r>
+            <a:r>
+              <a:rPr lang="de-DE" dirty="0" err="1" smtClean="0"/>
+              <a:t>Macros</a:t>
+            </a:r>
+            <a:r>
+              <a:rPr lang="de-DE" dirty="0" smtClean="0"/>
+              <a:t> anschauen</a:t>
+            </a:r>
+          </a:p>
+          <a:p>
+            <a:endParaRPr lang="de-DE" dirty="0"/>
+          </a:p>
+          <a:p>
+            <a:r>
+              <a:rPr lang="de-DE" dirty="0" smtClean="0"/>
+              <a:t>Um bestehende Makros anschauen zu können brauchen wir die Funktion</a:t>
+            </a:r>
+          </a:p>
+          <a:p>
+            <a:pPr marL="285750" indent="-285750">
+              <a:buFont typeface="Arial" pitchFamily="34" charset="0"/>
+              <a:buChar char="•"/>
+            </a:pPr>
+            <a:r>
+              <a:rPr lang="de-DE" dirty="0" err="1"/>
+              <a:t>m</a:t>
+            </a:r>
+            <a:r>
+              <a:rPr lang="de-DE" dirty="0" err="1" smtClean="0"/>
+              <a:t>acroexpand</a:t>
+            </a:r>
+            <a:endParaRPr lang="de-DE" dirty="0" smtClean="0"/>
+          </a:p>
+          <a:p>
+            <a:pPr marL="285750" indent="-285750">
+              <a:buFont typeface="Arial" pitchFamily="34" charset="0"/>
+              <a:buChar char="•"/>
+            </a:pPr>
+            <a:r>
+              <a:rPr lang="de-DE" dirty="0" smtClean="0"/>
+              <a:t> macroexpand-1</a:t>
+            </a:r>
+          </a:p>
+          <a:p>
+            <a:pPr marL="285750" indent="-285750">
+              <a:buFont typeface="Arial" pitchFamily="34" charset="0"/>
+              <a:buChar char="•"/>
+            </a:pPr>
+            <a:r>
+              <a:rPr lang="de-DE" dirty="0" err="1"/>
+              <a:t>m</a:t>
+            </a:r>
+            <a:r>
+              <a:rPr lang="de-DE" dirty="0" err="1" smtClean="0"/>
+              <a:t>acroexpand</a:t>
+            </a:r>
+            <a:r>
+              <a:rPr lang="de-DE" dirty="0" smtClean="0"/>
+              <a:t>-all	; (</a:t>
+            </a:r>
+            <a:r>
+              <a:rPr lang="de-DE" dirty="0" err="1" smtClean="0"/>
+              <a:t>use</a:t>
+            </a:r>
+            <a:r>
+              <a:rPr lang="de-DE" dirty="0" smtClean="0"/>
+              <a:t> ‘</a:t>
+            </a:r>
+            <a:r>
+              <a:rPr lang="de-DE" dirty="0" err="1" smtClean="0"/>
+              <a:t>clojure.walk</a:t>
+            </a:r>
+            <a:r>
+              <a:rPr lang="de-DE" dirty="0" smtClean="0"/>
+              <a:t>)</a:t>
+            </a:r>
+          </a:p>
+          <a:p>
+            <a:pPr marL="285750" indent="-285750">
+              <a:buFont typeface="Arial" pitchFamily="34" charset="0"/>
+              <a:buChar char="•"/>
+            </a:pPr>
+            <a:endParaRPr lang="de-DE" dirty="0"/>
+          </a:p>
+          <a:p>
+            <a:r>
+              <a:rPr lang="de-DE" dirty="0" smtClean="0"/>
+              <a:t>Beispiel:</a:t>
+            </a:r>
+          </a:p>
+          <a:p>
+            <a:endParaRPr lang="de-DE" dirty="0"/>
+          </a:p>
+          <a:p>
+            <a:r>
+              <a:rPr lang="de-DE" dirty="0" smtClean="0"/>
+              <a:t>In </a:t>
+            </a:r>
+            <a:r>
+              <a:rPr lang="de-DE" dirty="0" err="1" smtClean="0"/>
+              <a:t>clojure</a:t>
+            </a:r>
+            <a:r>
+              <a:rPr lang="de-DE" dirty="0" smtClean="0"/>
+              <a:t> gibt es bestehende </a:t>
+            </a:r>
+            <a:r>
+              <a:rPr lang="de-DE" dirty="0" err="1" smtClean="0"/>
+              <a:t>Macros</a:t>
+            </a:r>
+            <a:r>
+              <a:rPr lang="de-DE" dirty="0" smtClean="0"/>
+              <a:t>, wie …</a:t>
+            </a:r>
+          </a:p>
+          <a:p>
+            <a:r>
+              <a:rPr lang="de-DE" dirty="0" err="1" smtClean="0"/>
+              <a:t>defn</a:t>
+            </a:r>
+            <a:r>
+              <a:rPr lang="de-DE" dirty="0" smtClean="0"/>
+              <a:t> </a:t>
+            </a:r>
+          </a:p>
+          <a:p>
+            <a:r>
+              <a:rPr lang="de-DE" dirty="0" smtClean="0"/>
+              <a:t>time</a:t>
+            </a:r>
+          </a:p>
+          <a:p>
+            <a:r>
+              <a:rPr lang="de-DE" dirty="0" err="1" smtClean="0"/>
+              <a:t>and</a:t>
+            </a:r>
+            <a:endParaRPr lang="de-DE" dirty="0" smtClean="0"/>
+          </a:p>
+          <a:p>
+            <a:endParaRPr lang="de-DE" dirty="0" smtClean="0"/>
+          </a:p>
+          <a:p>
+            <a:endParaRPr lang="de-DE" dirty="0"/>
+          </a:p>
+        </p:txBody>
+      </p:sp>
+      <p:pic>
+        <p:nvPicPr>
+          <p:cNvPr id="2051" name="Picture 3"/>
+          <p:cNvPicPr>
+            <a:picLocks noChangeAspect="1" noChangeArrowheads="1"/>
+          </p:cNvPicPr>
+          <p:nvPr/>
+        </p:nvPicPr>
+        <p:blipFill>
+          <a:blip r:embed="rId2">
+            <a:extLst>
+              <a:ext uri="{28A0092B-C50C-407E-A947-70E740481C1C}">
+                <a14:useLocalDpi xmlns:a14="http://schemas.microsoft.com/office/drawing/2010/main" val="0"/>
+              </a:ext>
+            </a:extLst>
+          </a:blip>
+          <a:srcRect/>
+          <a:stretch>
+            <a:fillRect/>
+          </a:stretch>
+        </p:blipFill>
+        <p:spPr bwMode="auto">
+          <a:xfrm>
+            <a:off x="791337" y="1196752"/>
+            <a:ext cx="4343400" cy="1409700"/>
+          </a:xfrm>
+          <a:prstGeom prst="rect">
+            <a:avLst/>
+          </a:prstGeom>
+          <a:noFill/>
+          <a:ln>
+            <a:noFill/>
+          </a:ln>
+          <a:effectLst/>
+          <a:extLst>
+            <a:ext uri="{909E8E84-426E-40DD-AFC4-6F175D3DCCD1}">
+              <a14:hiddenFill xmlns:a14="http://schemas.microsoft.com/office/drawing/2010/main">
+                <a:solidFill>
+                  <a:schemeClr val="accent1"/>
+                </a:solidFill>
+              </a14:hiddenFill>
+            </a:ext>
+            <a:ext uri="{91240B29-F687-4F45-9708-019B960494DF}">
+              <a14:hiddenLine xmlns:a14="http://schemas.microsoft.com/office/drawing/2010/main" w="9525">
+                <a:solidFill>
+                  <a:schemeClr val="tx1"/>
+                </a:solidFill>
+                <a:miter lim="800000"/>
+                <a:headEnd/>
+                <a:tailEnd/>
+              </a14:hiddenLine>
+            </a:ext>
+            <a:ext uri="{AF507438-7753-43E0-B8FC-AC1667EBCBE1}">
+              <a14:hiddenEffects xmlns:a14="http://schemas.microsoft.com/office/drawing/2010/main">
+                <a:effectLst>
+                  <a:outerShdw dist="35921" dir="2700000" algn="ctr" rotWithShape="0">
+                    <a:schemeClr val="bg2"/>
+                  </a:outerShdw>
+                </a:effectLst>
+              </a14:hiddenEffects>
+            </a:ext>
+          </a:extLst>
+        </p:spPr>
+      </p:pic>
+    </p:spTree>
+    <p:extLst>
+      <p:ext uri="{BB962C8B-B14F-4D97-AF65-F5344CB8AC3E}">
+        <p14:creationId xmlns:p14="http://schemas.microsoft.com/office/powerpoint/2010/main" val="2883116586"/>
+      </p:ext>
+    </p:extLst>
+  </p:cSld>
+  <p:clrMapOvr>
+    <a:masterClrMapping/>
+  </p:clrMapOvr>
+</p:sld>
+</file>
+
+<file path=ppt/slides/slide37.xml><?xml version="1.0" encoding="utf-8"?>
+<p:sld xmlns:a="http://schemas.openxmlformats.org/drawingml/2006/main" xmlns:r="http://schemas.openxmlformats.org/officeDocument/2006/relationships" xmlns:p="http://schemas.openxmlformats.org/presentationml/2006/main">
+  <p:cSld>
+    <p:spTree>
+      <p:nvGrpSpPr>
+        <p:cNvPr id="1" name=""/>
+        <p:cNvGrpSpPr/>
+        <p:nvPr/>
+      </p:nvGrpSpPr>
+      <p:grpSpPr>
+        <a:xfrm>
+          <a:off x="0" y="0"/>
+          <a:ext cx="0" cy="0"/>
+          <a:chOff x="0" y="0"/>
+          <a:chExt cx="0" cy="0"/>
+        </a:xfrm>
+      </p:grpSpPr>
+      <p:sp>
+        <p:nvSpPr>
+          <p:cNvPr id="4" name="TextBox 3"/>
+          <p:cNvSpPr txBox="1"/>
+          <p:nvPr/>
+        </p:nvSpPr>
+        <p:spPr>
+          <a:xfrm>
+            <a:off x="395536" y="692696"/>
+            <a:ext cx="5688632" cy="369332"/>
+          </a:xfrm>
+          <a:prstGeom prst="rect">
+            <a:avLst/>
+          </a:prstGeom>
+          <a:noFill/>
+        </p:spPr>
+        <p:txBody>
+          <a:bodyPr wrap="square" rtlCol="0">
+            <a:spAutoFit/>
+          </a:bodyPr>
+          <a:lstStyle/>
+          <a:p>
+            <a:r>
+              <a:rPr lang="de-DE" dirty="0" err="1" smtClean="0"/>
+              <a:t>Macros</a:t>
+            </a:r>
+            <a:r>
+              <a:rPr lang="de-DE" dirty="0" smtClean="0"/>
+              <a:t> werden in einen gesonderten </a:t>
+            </a:r>
+            <a:r>
+              <a:rPr lang="de-DE" dirty="0" err="1" smtClean="0"/>
+              <a:t>zyklus</a:t>
+            </a:r>
+            <a:r>
+              <a:rPr lang="de-DE" dirty="0" smtClean="0"/>
+              <a:t> ausgelesen</a:t>
+            </a:r>
+            <a:endParaRPr lang="de-DE" dirty="0"/>
+          </a:p>
+        </p:txBody>
+      </p:sp>
+    </p:spTree>
+    <p:extLst>
+      <p:ext uri="{BB962C8B-B14F-4D97-AF65-F5344CB8AC3E}">
+        <p14:creationId xmlns:p14="http://schemas.microsoft.com/office/powerpoint/2010/main" val="2601248588"/>
+      </p:ext>
+    </p:extLst>
+  </p:cSld>
+  <p:clrMapOvr>
+    <a:masterClrMapping/>
+  </p:clrMapOvr>
+</p:sld>
+</file>
+
+<file path=ppt/slides/slide38.xml><?xml version="1.0" encoding="utf-8"?>
+<p:sld xmlns:a="http://schemas.openxmlformats.org/drawingml/2006/main" xmlns:r="http://schemas.openxmlformats.org/officeDocument/2006/relationships" xmlns:p="http://schemas.openxmlformats.org/presentationml/2006/main">
+  <p:cSld>
+    <p:spTree>
+      <p:nvGrpSpPr>
+        <p:cNvPr id="1" name=""/>
+        <p:cNvGrpSpPr/>
+        <p:nvPr/>
+      </p:nvGrpSpPr>
+      <p:grpSpPr>
+        <a:xfrm>
+          <a:off x="0" y="0"/>
+          <a:ext cx="0" cy="0"/>
+          <a:chOff x="0" y="0"/>
+          <a:chExt cx="0" cy="0"/>
+        </a:xfrm>
+      </p:grpSpPr>
+      <p:sp>
+        <p:nvSpPr>
           <p:cNvPr id="4" name="Textfeld 3"/>
           <p:cNvSpPr txBox="1"/>
           <p:nvPr/>
@@ -13490,7 +14321,7 @@
 </p:sld>
 </file>
 
-<file path=ppt/slides/slide36.xml><?xml version="1.0" encoding="utf-8"?>
+<file path=ppt/slides/slide39.xml><?xml version="1.0" encoding="utf-8"?>
 <p:sld xmlns:a="http://schemas.openxmlformats.org/drawingml/2006/main" xmlns:r="http://schemas.openxmlformats.org/officeDocument/2006/relationships" xmlns:p="http://schemas.openxmlformats.org/presentationml/2006/main">
   <p:cSld>
     <p:spTree>

--- a/Clojure Vortrag .NET User Group.pptx
+++ b/Clojure Vortrag .NET User Group.pptx
@@ -5,7 +5,7 @@
     <p:sldMasterId id="2147483660" r:id="rId1"/>
   </p:sldMasterIdLst>
   <p:handoutMasterIdLst>
-    <p:handoutMasterId r:id="rId41"/>
+    <p:handoutMasterId r:id="rId43"/>
   </p:handoutMasterIdLst>
   <p:sldIdLst>
     <p:sldId id="256" r:id="rId2"/>
@@ -45,8 +45,10 @@
     <p:sldId id="298" r:id="rId36"/>
     <p:sldId id="299" r:id="rId37"/>
     <p:sldId id="300" r:id="rId38"/>
-    <p:sldId id="266" r:id="rId39"/>
-    <p:sldId id="261" r:id="rId40"/>
+    <p:sldId id="301" r:id="rId39"/>
+    <p:sldId id="302" r:id="rId40"/>
+    <p:sldId id="303" r:id="rId41"/>
+    <p:sldId id="266" r:id="rId42"/>
   </p:sldIdLst>
   <p:sldSz cx="9144000" cy="6858000" type="screen4x3"/>
   <p:notesSz cx="6794500" cy="9931400"/>
@@ -296,7 +298,7 @@
           <a:p>
             <a:fld id="{C97CDCA7-D373-48AA-BEEE-CC8D4007D189}" type="slidenum">
               <a:rPr lang="de-DE" smtClean="0"/>
-              <a:t>‹#›</a:t>
+              <a:t>‹Nr.›</a:t>
             </a:fld>
             <a:endParaRPr lang="de-DE"/>
           </a:p>
@@ -525,7 +527,7 @@
           <a:p>
             <a:fld id="{739125D8-FD85-4FE8-A7C4-126F06AA89EA}" type="slidenum">
               <a:rPr lang="de-DE" smtClean="0"/>
-              <a:t>‹#›</a:t>
+              <a:t>‹Nr.›</a:t>
             </a:fld>
             <a:endParaRPr lang="de-DE"/>
           </a:p>
@@ -721,7 +723,7 @@
           <a:p>
             <a:fld id="{739125D8-FD85-4FE8-A7C4-126F06AA89EA}" type="slidenum">
               <a:rPr lang="de-DE" smtClean="0"/>
-              <a:t>‹#›</a:t>
+              <a:t>‹Nr.›</a:t>
             </a:fld>
             <a:endParaRPr lang="de-DE"/>
           </a:p>
@@ -919,7 +921,7 @@
           <a:p>
             <a:fld id="{739125D8-FD85-4FE8-A7C4-126F06AA89EA}" type="slidenum">
               <a:rPr lang="de-DE" smtClean="0"/>
-              <a:t>‹#›</a:t>
+              <a:t>‹Nr.›</a:t>
             </a:fld>
             <a:endParaRPr lang="de-DE"/>
           </a:p>
@@ -1054,7 +1056,7 @@
           <a:p>
             <a:fld id="{739125D8-FD85-4FE8-A7C4-126F06AA89EA}" type="slidenum">
               <a:rPr lang="de-DE" smtClean="0"/>
-              <a:t>‹#›</a:t>
+              <a:t>‹Nr.›</a:t>
             </a:fld>
             <a:endParaRPr lang="de-DE"/>
           </a:p>
@@ -1329,7 +1331,7 @@
           <a:p>
             <a:fld id="{739125D8-FD85-4FE8-A7C4-126F06AA89EA}" type="slidenum">
               <a:rPr lang="de-DE" smtClean="0"/>
-              <a:t>‹#›</a:t>
+              <a:t>‹Nr.›</a:t>
             </a:fld>
             <a:endParaRPr lang="de-DE"/>
           </a:p>
@@ -1628,7 +1630,7 @@
           <a:p>
             <a:fld id="{739125D8-FD85-4FE8-A7C4-126F06AA89EA}" type="slidenum">
               <a:rPr lang="de-DE" smtClean="0"/>
-              <a:t>‹#›</a:t>
+              <a:t>‹Nr.›</a:t>
             </a:fld>
             <a:endParaRPr lang="de-DE"/>
           </a:p>
@@ -2070,7 +2072,7 @@
           <a:p>
             <a:fld id="{739125D8-FD85-4FE8-A7C4-126F06AA89EA}" type="slidenum">
               <a:rPr lang="de-DE" smtClean="0"/>
-              <a:t>‹#›</a:t>
+              <a:t>‹Nr.›</a:t>
             </a:fld>
             <a:endParaRPr lang="de-DE"/>
           </a:p>
@@ -2200,7 +2202,7 @@
           <a:p>
             <a:fld id="{739125D8-FD85-4FE8-A7C4-126F06AA89EA}" type="slidenum">
               <a:rPr lang="de-DE" smtClean="0"/>
-              <a:t>‹#›</a:t>
+              <a:t>‹Nr.›</a:t>
             </a:fld>
             <a:endParaRPr lang="de-DE"/>
           </a:p>
@@ -2316,7 +2318,7 @@
           <a:p>
             <a:fld id="{739125D8-FD85-4FE8-A7C4-126F06AA89EA}" type="slidenum">
               <a:rPr lang="de-DE" smtClean="0"/>
-              <a:t>‹#›</a:t>
+              <a:t>‹Nr.›</a:t>
             </a:fld>
             <a:endParaRPr lang="de-DE"/>
           </a:p>
@@ -2582,7 +2584,7 @@
           <a:p>
             <a:fld id="{739125D8-FD85-4FE8-A7C4-126F06AA89EA}" type="slidenum">
               <a:rPr lang="de-DE" smtClean="0"/>
-              <a:t>‹#›</a:t>
+              <a:t>‹Nr.›</a:t>
             </a:fld>
             <a:endParaRPr lang="de-DE"/>
           </a:p>
@@ -2853,7 +2855,7 @@
           <a:p>
             <a:fld id="{739125D8-FD85-4FE8-A7C4-126F06AA89EA}" type="slidenum">
               <a:rPr lang="de-DE" smtClean="0"/>
-              <a:t>‹#›</a:t>
+              <a:t>‹Nr.›</a:t>
             </a:fld>
             <a:endParaRPr lang="de-DE"/>
           </a:p>
@@ -3126,7 +3128,7 @@
           <a:p>
             <a:fld id="{739125D8-FD85-4FE8-A7C4-126F06AA89EA}" type="slidenum">
               <a:rPr lang="de-DE" smtClean="0"/>
-              <a:t>‹#›</a:t>
+              <a:t>‹Nr.›</a:t>
             </a:fld>
             <a:endParaRPr lang="de-DE"/>
           </a:p>
@@ -14103,7 +14105,7 @@
         </p:nvSpPr>
         <p:spPr>
           <a:xfrm>
-            <a:off x="395536" y="692696"/>
+            <a:off x="539552" y="692696"/>
             <a:ext cx="5688632" cy="369332"/>
           </a:xfrm>
           <a:prstGeom prst="rect">
@@ -14119,21 +14121,130 @@
           <a:p>
             <a:r>
               <a:rPr lang="de-DE" dirty="0" err="1" smtClean="0"/>
-              <a:t>Macros</a:t>
-            </a:r>
-            <a:r>
-              <a:rPr lang="de-DE" dirty="0" smtClean="0"/>
-              <a:t> werden in einen gesonderten </a:t>
-            </a:r>
-            <a:r>
-              <a:rPr lang="de-DE" dirty="0" err="1" smtClean="0"/>
-              <a:t>zyklus</a:t>
-            </a:r>
-            <a:r>
-              <a:rPr lang="de-DE" dirty="0" smtClean="0"/>
-              <a:t> ausgelesen</a:t>
+              <a:t>Macro</a:t>
+            </a:r>
+            <a:r>
+              <a:rPr lang="de-DE" dirty="0" smtClean="0"/>
+              <a:t> Expansion</a:t>
             </a:r>
             <a:endParaRPr lang="de-DE" dirty="0"/>
+          </a:p>
+        </p:txBody>
+      </p:sp>
+      <p:pic>
+        <p:nvPicPr>
+          <p:cNvPr id="1026" name="Picture 2"/>
+          <p:cNvPicPr>
+            <a:picLocks noChangeAspect="1" noChangeArrowheads="1"/>
+          </p:cNvPicPr>
+          <p:nvPr/>
+        </p:nvPicPr>
+        <p:blipFill>
+          <a:blip r:embed="rId2">
+            <a:extLst>
+              <a:ext uri="{28A0092B-C50C-407E-A947-70E740481C1C}">
+                <a14:useLocalDpi xmlns:a14="http://schemas.microsoft.com/office/drawing/2010/main" val="0"/>
+              </a:ext>
+            </a:extLst>
+          </a:blip>
+          <a:srcRect/>
+          <a:stretch>
+            <a:fillRect/>
+          </a:stretch>
+        </p:blipFill>
+        <p:spPr bwMode="auto">
+          <a:xfrm>
+            <a:off x="539552" y="1268760"/>
+            <a:ext cx="7248525" cy="2590800"/>
+          </a:xfrm>
+          <a:prstGeom prst="rect">
+            <a:avLst/>
+          </a:prstGeom>
+          <a:noFill/>
+          <a:ln>
+            <a:noFill/>
+          </a:ln>
+          <a:effectLst/>
+          <a:extLst>
+            <a:ext uri="{909E8E84-426E-40DD-AFC4-6F175D3DCCD1}">
+              <a14:hiddenFill xmlns:a14="http://schemas.microsoft.com/office/drawing/2010/main">
+                <a:solidFill>
+                  <a:schemeClr val="accent1"/>
+                </a:solidFill>
+              </a14:hiddenFill>
+            </a:ext>
+            <a:ext uri="{91240B29-F687-4F45-9708-019B960494DF}">
+              <a14:hiddenLine xmlns:a14="http://schemas.microsoft.com/office/drawing/2010/main" w="9525">
+                <a:solidFill>
+                  <a:schemeClr val="tx1"/>
+                </a:solidFill>
+                <a:miter lim="800000"/>
+                <a:headEnd/>
+                <a:tailEnd/>
+              </a14:hiddenLine>
+            </a:ext>
+            <a:ext uri="{AF507438-7753-43E0-B8FC-AC1667EBCBE1}">
+              <a14:hiddenEffects xmlns:a14="http://schemas.microsoft.com/office/drawing/2010/main">
+                <a:effectLst>
+                  <a:outerShdw dist="35921" dir="2700000" algn="ctr" rotWithShape="0">
+                    <a:schemeClr val="bg2"/>
+                  </a:outerShdw>
+                </a:effectLst>
+              </a14:hiddenEffects>
+            </a:ext>
+          </a:extLst>
+        </p:spPr>
+      </p:pic>
+      <p:sp>
+        <p:nvSpPr>
+          <p:cNvPr id="2" name="Textfeld 1"/>
+          <p:cNvSpPr txBox="1"/>
+          <p:nvPr/>
+        </p:nvSpPr>
+        <p:spPr>
+          <a:xfrm>
+            <a:off x="598657" y="4600519"/>
+            <a:ext cx="8280920" cy="923330"/>
+          </a:xfrm>
+          <a:prstGeom prst="rect">
+            <a:avLst/>
+          </a:prstGeom>
+          <a:noFill/>
+        </p:spPr>
+        <p:txBody>
+          <a:bodyPr wrap="square" rtlCol="0">
+            <a:spAutoFit/>
+          </a:bodyPr>
+          <a:lstStyle/>
+          <a:p>
+            <a:pPr marL="285750" indent="-285750">
+              <a:buFont typeface="Arial" pitchFamily="34" charset="0"/>
+              <a:buChar char="•"/>
+            </a:pPr>
+            <a:r>
+              <a:rPr lang="de-DE" dirty="0" smtClean="0"/>
+              <a:t>Quellcode wird an der REPL eingegeben / oder aus einer Datei geladen</a:t>
+            </a:r>
+          </a:p>
+          <a:p>
+            <a:pPr marL="285750" indent="-285750">
+              <a:buFont typeface="Arial" pitchFamily="34" charset="0"/>
+              <a:buChar char="•"/>
+            </a:pPr>
+            <a:r>
+              <a:rPr lang="de-DE" dirty="0" smtClean="0"/>
+              <a:t>Alle Makros werden expandiert.</a:t>
+            </a:r>
+          </a:p>
+          <a:p>
+            <a:pPr marL="285750" indent="-285750">
+              <a:buFont typeface="Arial" pitchFamily="34" charset="0"/>
+              <a:buChar char="•"/>
+            </a:pPr>
+            <a:r>
+              <a:rPr lang="de-DE" dirty="0" smtClean="0"/>
+              <a:t>Erst jetzt wird der Code evaluiert</a:t>
+            </a:r>
           </a:p>
         </p:txBody>
       </p:sp>
@@ -14175,8 +14286,8 @@
         </p:nvSpPr>
         <p:spPr>
           <a:xfrm>
-            <a:off x="899592" y="548680"/>
-            <a:ext cx="6984776" cy="3416320"/>
+            <a:off x="251520" y="260648"/>
+            <a:ext cx="8784976" cy="5355312"/>
           </a:xfrm>
           <a:prstGeom prst="rect">
             <a:avLst/>
@@ -14191,133 +14302,385 @@
           <a:p>
             <a:r>
               <a:rPr lang="de-DE" dirty="0" smtClean="0"/>
-              <a:t>Die verschiedenen Stufen des Lernens </a:t>
-            </a:r>
-            <a:r>
-              <a:rPr lang="de-DE" dirty="0" smtClean="0">
-                <a:sym typeface="Wingdings" pitchFamily="2" charset="2"/>
-              </a:rPr>
-              <a:t></a:t>
-            </a:r>
-          </a:p>
-          <a:p>
-            <a:endParaRPr lang="de-DE" dirty="0">
-              <a:sym typeface="Wingdings" pitchFamily="2" charset="2"/>
-            </a:endParaRPr>
-          </a:p>
-          <a:p>
-            <a:pPr marL="285750" indent="-285750">
-              <a:buFont typeface="Arial" pitchFamily="34" charset="0"/>
-              <a:buChar char="•"/>
-            </a:pPr>
-            <a:r>
-              <a:rPr lang="de-DE" dirty="0" smtClean="0">
-                <a:sym typeface="Wingdings" pitchFamily="2" charset="2"/>
-              </a:rPr>
-              <a:t>Was machen die da und warum geht das überhaupt???  (Verwirrung)</a:t>
-            </a:r>
-          </a:p>
-          <a:p>
-            <a:pPr marL="285750" indent="-285750">
-              <a:buFont typeface="Arial" pitchFamily="34" charset="0"/>
-              <a:buChar char="•"/>
-            </a:pPr>
-            <a:endParaRPr lang="de-DE" dirty="0" smtClean="0">
-              <a:sym typeface="Wingdings" pitchFamily="2" charset="2"/>
-            </a:endParaRPr>
-          </a:p>
-          <a:p>
-            <a:pPr marL="285750" indent="-285750">
-              <a:buFont typeface="Arial" pitchFamily="34" charset="0"/>
-              <a:buChar char="•"/>
-            </a:pPr>
-            <a:r>
-              <a:rPr lang="de-DE" dirty="0" smtClean="0">
-                <a:sym typeface="Wingdings" pitchFamily="2" charset="2"/>
-              </a:rPr>
-              <a:t>Die machen da was! </a:t>
-            </a:r>
-            <a:r>
-              <a:rPr lang="de-DE" dirty="0">
-                <a:sym typeface="Wingdings" pitchFamily="2" charset="2"/>
-              </a:rPr>
-              <a:t>D</a:t>
-            </a:r>
-            <a:r>
-              <a:rPr lang="de-DE" dirty="0" smtClean="0">
-                <a:sym typeface="Wingdings" pitchFamily="2" charset="2"/>
-              </a:rPr>
-              <a:t>as will ich auch. Ich weiß aber nicht so richtig wie!</a:t>
-            </a:r>
-          </a:p>
-          <a:p>
-            <a:pPr marL="285750" indent="-285750">
-              <a:buFont typeface="Arial" pitchFamily="34" charset="0"/>
-              <a:buChar char="•"/>
-            </a:pPr>
-            <a:endParaRPr lang="de-DE" dirty="0" smtClean="0">
-              <a:sym typeface="Wingdings" pitchFamily="2" charset="2"/>
-            </a:endParaRPr>
-          </a:p>
-          <a:p>
-            <a:pPr marL="285750" indent="-285750">
-              <a:buFont typeface="Arial" pitchFamily="34" charset="0"/>
-              <a:buChar char="•"/>
-            </a:pPr>
-            <a:r>
-              <a:rPr lang="de-DE" dirty="0" smtClean="0">
-                <a:sym typeface="Wingdings" pitchFamily="2" charset="2"/>
-              </a:rPr>
-              <a:t>Ich mache das jetzt auch, aber es ist noch schwierig!</a:t>
-            </a:r>
-          </a:p>
-          <a:p>
-            <a:pPr marL="285750" indent="-285750">
-              <a:buFont typeface="Arial" pitchFamily="34" charset="0"/>
-              <a:buChar char="•"/>
-            </a:pPr>
-            <a:endParaRPr lang="de-DE" dirty="0">
-              <a:sym typeface="Wingdings" pitchFamily="2" charset="2"/>
-            </a:endParaRPr>
-          </a:p>
-          <a:p>
-            <a:pPr marL="285750" indent="-285750">
-              <a:buFont typeface="Arial" pitchFamily="34" charset="0"/>
-              <a:buChar char="•"/>
-            </a:pPr>
-            <a:r>
-              <a:rPr lang="de-DE" dirty="0" smtClean="0">
-                <a:sym typeface="Wingdings" pitchFamily="2" charset="2"/>
-              </a:rPr>
-              <a:t>Ich mache das jetzt auch und zwar ganz selbstverständlich!</a:t>
-            </a:r>
-          </a:p>
-          <a:p>
-            <a:pPr marL="285750" indent="-285750">
-              <a:buFont typeface="Arial" pitchFamily="34" charset="0"/>
-              <a:buChar char="•"/>
-            </a:pPr>
+              <a:t>Beispiel:</a:t>
+            </a:r>
+          </a:p>
+          <a:p>
+            <a:endParaRPr lang="de-DE" dirty="0" smtClean="0"/>
+          </a:p>
+          <a:p>
+            <a:r>
+              <a:rPr lang="de-DE" dirty="0" smtClean="0"/>
+              <a:t>; Eingeben an der REPL</a:t>
+            </a:r>
             <a:endParaRPr lang="de-DE" dirty="0"/>
+          </a:p>
+          <a:p>
+            <a:r>
+              <a:rPr lang="de-DE" dirty="0"/>
+              <a:t>(</a:t>
+            </a:r>
+            <a:r>
+              <a:rPr lang="de-DE" dirty="0" err="1"/>
+              <a:t>defn</a:t>
+            </a:r>
+            <a:r>
+              <a:rPr lang="de-DE" dirty="0"/>
+              <a:t> </a:t>
+            </a:r>
+            <a:r>
+              <a:rPr lang="de-DE" dirty="0" err="1" smtClean="0"/>
+              <a:t>hello-world</a:t>
+            </a:r>
+            <a:r>
+              <a:rPr lang="de-DE" dirty="0" smtClean="0"/>
+              <a:t> [] </a:t>
+            </a:r>
+            <a:r>
+              <a:rPr lang="de-DE" dirty="0"/>
+              <a:t>(</a:t>
+            </a:r>
+            <a:r>
+              <a:rPr lang="en-US" dirty="0" err="1"/>
+              <a:t>strrrrrr</a:t>
+            </a:r>
+            <a:r>
+              <a:rPr lang="en-US" dirty="0"/>
+              <a:t> </a:t>
+            </a:r>
+            <a:r>
+              <a:rPr lang="de-DE" dirty="0"/>
+              <a:t>“</a:t>
+            </a:r>
+            <a:r>
+              <a:rPr lang="de-DE" dirty="0" err="1"/>
+              <a:t>Hello</a:t>
+            </a:r>
+            <a:r>
+              <a:rPr lang="de-DE" dirty="0"/>
+              <a:t> World“))</a:t>
+            </a:r>
+          </a:p>
+          <a:p>
+            <a:endParaRPr lang="de-DE" dirty="0"/>
+          </a:p>
+          <a:p>
+            <a:r>
+              <a:rPr lang="de-DE" dirty="0" smtClean="0"/>
+              <a:t>; </a:t>
+            </a:r>
+            <a:r>
+              <a:rPr lang="de-DE" dirty="0" err="1" smtClean="0"/>
+              <a:t>Macroexpansion</a:t>
+            </a:r>
+            <a:endParaRPr lang="de-DE" dirty="0" smtClean="0"/>
+          </a:p>
+          <a:p>
+            <a:r>
+              <a:rPr lang="de-DE" dirty="0" smtClean="0"/>
+              <a:t>; Dieser Zwischenschritt ist für uns nicht sichtbar</a:t>
+            </a:r>
+          </a:p>
+          <a:p>
+            <a:r>
+              <a:rPr lang="en-US" dirty="0"/>
+              <a:t>(</a:t>
+            </a:r>
+            <a:r>
+              <a:rPr lang="en-US" dirty="0" err="1"/>
+              <a:t>def</a:t>
+            </a:r>
+            <a:r>
+              <a:rPr lang="en-US" dirty="0"/>
+              <a:t> </a:t>
+            </a:r>
+            <a:r>
+              <a:rPr lang="en-US" dirty="0" smtClean="0"/>
+              <a:t>hello-world [] </a:t>
+            </a:r>
+            <a:r>
+              <a:rPr lang="en-US" dirty="0"/>
+              <a:t>(</a:t>
+            </a:r>
+            <a:r>
+              <a:rPr lang="en-US" dirty="0" err="1"/>
+              <a:t>clojure.core</a:t>
+            </a:r>
+            <a:r>
+              <a:rPr lang="en-US" dirty="0"/>
+              <a:t>/</a:t>
+            </a:r>
+            <a:r>
+              <a:rPr lang="en-US" dirty="0" err="1"/>
+              <a:t>fn</a:t>
+            </a:r>
+            <a:r>
+              <a:rPr lang="en-US" dirty="0"/>
+              <a:t> ([] (</a:t>
+            </a:r>
+            <a:r>
+              <a:rPr lang="en-US" dirty="0" err="1"/>
+              <a:t>strrrrrr</a:t>
+            </a:r>
+            <a:r>
+              <a:rPr lang="en-US" dirty="0"/>
+              <a:t> "Hello World</a:t>
+            </a:r>
+            <a:r>
+              <a:rPr lang="en-US" dirty="0" smtClean="0"/>
+              <a:t>"))))</a:t>
+            </a:r>
+          </a:p>
+          <a:p>
+            <a:endParaRPr lang="en-US" dirty="0"/>
+          </a:p>
+          <a:p>
+            <a:r>
+              <a:rPr lang="en-US" dirty="0" smtClean="0"/>
+              <a:t>; </a:t>
+            </a:r>
+            <a:r>
+              <a:rPr lang="en-US" dirty="0" err="1" smtClean="0"/>
+              <a:t>Evaluierung</a:t>
+            </a:r>
+            <a:r>
+              <a:rPr lang="en-US" dirty="0" smtClean="0"/>
+              <a:t>, </a:t>
+            </a:r>
+            <a:r>
+              <a:rPr lang="en-US" dirty="0" err="1" smtClean="0"/>
+              <a:t>mekert</a:t>
+            </a:r>
+            <a:r>
+              <a:rPr lang="en-US" dirty="0" smtClean="0"/>
+              <a:t> die </a:t>
+            </a:r>
+            <a:r>
+              <a:rPr lang="en-US" dirty="0" err="1" smtClean="0"/>
+              <a:t>fehlende</a:t>
+            </a:r>
+            <a:r>
+              <a:rPr lang="en-US" dirty="0" smtClean="0"/>
+              <a:t> </a:t>
+            </a:r>
+            <a:r>
+              <a:rPr lang="en-US" dirty="0" err="1" smtClean="0"/>
+              <a:t>Funktion</a:t>
+            </a:r>
+            <a:r>
+              <a:rPr lang="en-US" dirty="0" smtClean="0"/>
+              <a:t> </a:t>
+            </a:r>
+            <a:r>
+              <a:rPr lang="en-US" dirty="0" err="1"/>
+              <a:t>strrrrrr</a:t>
+            </a:r>
+            <a:r>
+              <a:rPr lang="en-US" dirty="0"/>
+              <a:t> </a:t>
+            </a:r>
+            <a:r>
+              <a:rPr lang="en-US" dirty="0" smtClean="0"/>
+              <a:t> an</a:t>
+            </a:r>
+          </a:p>
+          <a:p>
+            <a:r>
+              <a:rPr lang="en-US" dirty="0" err="1"/>
+              <a:t>CompilerException</a:t>
+            </a:r>
+            <a:r>
+              <a:rPr lang="en-US" dirty="0"/>
+              <a:t> </a:t>
+            </a:r>
+            <a:r>
+              <a:rPr lang="en-US" dirty="0" err="1"/>
+              <a:t>System.InvalidOperationException</a:t>
+            </a:r>
+            <a:r>
+              <a:rPr lang="en-US" dirty="0"/>
+              <a:t>: Unable to resolve symbol: </a:t>
+            </a:r>
+            <a:r>
+              <a:rPr lang="en-US" dirty="0" err="1"/>
+              <a:t>strrrrrr</a:t>
+            </a:r>
+            <a:r>
+              <a:rPr lang="en-US" dirty="0"/>
+              <a:t> in this </a:t>
+            </a:r>
+            <a:r>
+              <a:rPr lang="en-US" dirty="0" smtClean="0"/>
+              <a:t>context ….</a:t>
+            </a:r>
+          </a:p>
+          <a:p>
+            <a:endParaRPr lang="en-US" dirty="0"/>
+          </a:p>
+          <a:p>
+            <a:r>
+              <a:rPr lang="en-US" dirty="0" smtClean="0"/>
+              <a:t>; Die </a:t>
+            </a:r>
+            <a:r>
+              <a:rPr lang="en-US" dirty="0" err="1" smtClean="0"/>
+              <a:t>Macroexpansion</a:t>
+            </a:r>
+            <a:r>
+              <a:rPr lang="en-US" dirty="0" smtClean="0"/>
+              <a:t> </a:t>
+            </a:r>
+            <a:r>
+              <a:rPr lang="en-US" dirty="0" err="1" smtClean="0"/>
+              <a:t>kann</a:t>
+            </a:r>
+            <a:r>
+              <a:rPr lang="en-US" dirty="0" smtClean="0"/>
+              <a:t> </a:t>
+            </a:r>
+            <a:r>
+              <a:rPr lang="en-US" dirty="0" err="1" smtClean="0"/>
+              <a:t>manuell</a:t>
+            </a:r>
+            <a:r>
+              <a:rPr lang="en-US" dirty="0" smtClean="0"/>
+              <a:t> </a:t>
+            </a:r>
+            <a:r>
+              <a:rPr lang="en-US" dirty="0" err="1" smtClean="0"/>
+              <a:t>ausgewählt</a:t>
+            </a:r>
+            <a:r>
+              <a:rPr lang="en-US" dirty="0" smtClean="0"/>
+              <a:t> </a:t>
+            </a:r>
+            <a:r>
+              <a:rPr lang="en-US" dirty="0" err="1" smtClean="0"/>
+              <a:t>werden</a:t>
+            </a:r>
+            <a:endParaRPr lang="en-US" dirty="0" smtClean="0"/>
+          </a:p>
+          <a:p>
+            <a:r>
+              <a:rPr lang="de-DE" dirty="0"/>
+              <a:t>(</a:t>
+            </a:r>
+            <a:r>
+              <a:rPr lang="de-DE" dirty="0" err="1"/>
+              <a:t>macroexpand</a:t>
+            </a:r>
+            <a:r>
+              <a:rPr lang="de-DE" dirty="0"/>
+              <a:t> ‘(</a:t>
+            </a:r>
+            <a:r>
+              <a:rPr lang="de-DE" dirty="0" err="1"/>
+              <a:t>defn</a:t>
+            </a:r>
+            <a:r>
+              <a:rPr lang="de-DE" dirty="0"/>
+              <a:t> </a:t>
+            </a:r>
+            <a:r>
+              <a:rPr lang="de-DE" dirty="0" err="1" smtClean="0"/>
+              <a:t>hello-world</a:t>
+            </a:r>
+            <a:r>
+              <a:rPr lang="de-DE" dirty="0" smtClean="0"/>
+              <a:t> [] </a:t>
+            </a:r>
+            <a:r>
+              <a:rPr lang="de-DE" dirty="0"/>
+              <a:t>(</a:t>
+            </a:r>
+            <a:r>
+              <a:rPr lang="en-US" dirty="0" err="1"/>
+              <a:t>strrrrrr</a:t>
+            </a:r>
+            <a:r>
+              <a:rPr lang="en-US" dirty="0"/>
+              <a:t> </a:t>
+            </a:r>
+            <a:r>
+              <a:rPr lang="de-DE" dirty="0"/>
+              <a:t>“</a:t>
+            </a:r>
+            <a:r>
+              <a:rPr lang="de-DE" dirty="0" err="1"/>
+              <a:t>Hello</a:t>
+            </a:r>
+            <a:r>
+              <a:rPr lang="de-DE" dirty="0"/>
+              <a:t> World“)))</a:t>
+            </a:r>
+          </a:p>
+          <a:p>
+            <a:endParaRPr lang="en-US" dirty="0" smtClean="0"/>
+          </a:p>
+          <a:p>
+            <a:r>
+              <a:rPr lang="en-US" dirty="0"/>
+              <a:t>u</a:t>
+            </a:r>
+            <a:r>
+              <a:rPr lang="en-US" dirty="0" smtClean="0"/>
+              <a:t>ser =&gt; (</a:t>
+            </a:r>
+            <a:r>
+              <a:rPr lang="en-US" dirty="0" err="1" smtClean="0"/>
+              <a:t>def</a:t>
+            </a:r>
+            <a:r>
+              <a:rPr lang="en-US" dirty="0" smtClean="0"/>
+              <a:t> </a:t>
+            </a:r>
+            <a:r>
+              <a:rPr lang="en-US" dirty="0"/>
+              <a:t>hello-world (</a:t>
+            </a:r>
+            <a:r>
+              <a:rPr lang="en-US" dirty="0" err="1"/>
+              <a:t>clojure.core</a:t>
+            </a:r>
+            <a:r>
+              <a:rPr lang="en-US" dirty="0"/>
+              <a:t>/</a:t>
+            </a:r>
+            <a:r>
+              <a:rPr lang="en-US" dirty="0" err="1"/>
+              <a:t>fn</a:t>
+            </a:r>
+            <a:r>
+              <a:rPr lang="en-US" dirty="0"/>
+              <a:t> ([] (</a:t>
+            </a:r>
+            <a:r>
+              <a:rPr lang="en-US" dirty="0" err="1"/>
+              <a:t>strrrrrr</a:t>
+            </a:r>
+            <a:r>
+              <a:rPr lang="en-US" dirty="0"/>
+              <a:t> Hello World))))</a:t>
+            </a:r>
+          </a:p>
+          <a:p>
+            <a:endParaRPr lang="en-US" dirty="0"/>
+          </a:p>
+          <a:p>
+            <a:endParaRPr lang="en-US" dirty="0" smtClean="0"/>
           </a:p>
         </p:txBody>
       </p:sp>
     </p:spTree>
     <p:extLst>
       <p:ext uri="{BB962C8B-B14F-4D97-AF65-F5344CB8AC3E}">
-        <p14:creationId xmlns:p14="http://schemas.microsoft.com/office/powerpoint/2010/main" val="4274948650"/>
+        <p14:creationId xmlns:p14="http://schemas.microsoft.com/office/powerpoint/2010/main" val="1287897552"/>
       </p:ext>
     </p:extLst>
   </p:cSld>
   <p:clrMapOvr>
     <a:masterClrMapping/>
   </p:clrMapOvr>
-  <p:timing>
-    <p:tnLst>
-      <p:par>
-        <p:cTn id="1" dur="indefinite" restart="never" nodeType="tmRoot"/>
-      </p:par>
-    </p:tnLst>
-  </p:timing>
 </p:sld>
 </file>
 
@@ -14346,8 +14709,8 @@
         </p:nvSpPr>
         <p:spPr>
           <a:xfrm>
-            <a:off x="899592" y="836712"/>
-            <a:ext cx="5256584" cy="4801314"/>
+            <a:off x="755576" y="764704"/>
+            <a:ext cx="4104456" cy="2031325"/>
           </a:xfrm>
           <a:prstGeom prst="rect">
             <a:avLst/>
@@ -14360,232 +14723,53 @@
           </a:bodyPr>
           <a:lstStyle/>
           <a:p>
-            <a:pPr marL="285750" indent="-285750">
-              <a:buFont typeface="Arial" pitchFamily="34" charset="0"/>
-              <a:buChar char="•"/>
-            </a:pPr>
-            <a:r>
-              <a:rPr lang="de-DE" dirty="0" smtClean="0"/>
-              <a:t>Bild </a:t>
-            </a:r>
-            <a:r>
-              <a:rPr lang="de-DE" dirty="0" err="1" smtClean="0"/>
-              <a:t>Hickey</a:t>
-            </a:r>
-            <a:endParaRPr lang="de-DE" dirty="0" smtClean="0"/>
-          </a:p>
-          <a:p>
-            <a:pPr marL="285750" indent="-285750">
-              <a:buFont typeface="Arial" pitchFamily="34" charset="0"/>
-              <a:buChar char="•"/>
-            </a:pPr>
-            <a:r>
-              <a:rPr lang="de-DE" dirty="0" smtClean="0"/>
-              <a:t>Allgemeines Layout</a:t>
-            </a:r>
-          </a:p>
-          <a:p>
-            <a:pPr marL="285750" indent="-285750">
-              <a:buFont typeface="Arial" pitchFamily="34" charset="0"/>
-              <a:buChar char="•"/>
-            </a:pPr>
-            <a:r>
-              <a:rPr lang="de-DE" dirty="0" smtClean="0"/>
-              <a:t>Cooles Bild über klammern</a:t>
-            </a:r>
-          </a:p>
-          <a:p>
-            <a:pPr marL="285750" indent="-285750">
-              <a:buFont typeface="Arial" pitchFamily="34" charset="0"/>
-              <a:buChar char="•"/>
-            </a:pPr>
-            <a:r>
-              <a:rPr lang="de-DE" dirty="0" smtClean="0"/>
-              <a:t>Basis Daten Typen</a:t>
-            </a:r>
-          </a:p>
-          <a:p>
-            <a:pPr marL="285750" indent="-285750">
-              <a:buFont typeface="Arial" pitchFamily="34" charset="0"/>
-              <a:buChar char="•"/>
-            </a:pPr>
+            <a:r>
+              <a:rPr lang="de-DE" dirty="0" smtClean="0"/>
+              <a:t>Beispiel Applikationen in Visual Studio</a:t>
+            </a:r>
+          </a:p>
+          <a:p>
+            <a:endParaRPr lang="de-DE" dirty="0"/>
+          </a:p>
+          <a:p>
+            <a:r>
+              <a:rPr lang="de-DE" dirty="0" smtClean="0"/>
+              <a:t>Game </a:t>
+            </a:r>
+            <a:r>
+              <a:rPr lang="de-DE" dirty="0" err="1" smtClean="0"/>
+              <a:t>of</a:t>
+            </a:r>
+            <a:r>
+              <a:rPr lang="de-DE" dirty="0" smtClean="0"/>
+              <a:t> Life</a:t>
+            </a:r>
+          </a:p>
+          <a:p>
+            <a:endParaRPr lang="de-DE" dirty="0"/>
+          </a:p>
+          <a:p>
+            <a:r>
+              <a:rPr lang="de-DE" dirty="0" smtClean="0"/>
+              <a:t>Word Shuffle</a:t>
+            </a:r>
+          </a:p>
+          <a:p>
+            <a:endParaRPr lang="de-DE" dirty="0"/>
+          </a:p>
+          <a:p>
             <a:r>
               <a:rPr lang="de-DE" dirty="0" smtClean="0"/>
               <a:t>Daten </a:t>
             </a:r>
             <a:r>
               <a:rPr lang="de-DE" dirty="0" err="1" smtClean="0"/>
-              <a:t>Struckturen</a:t>
-            </a:r>
-            <a:endParaRPr lang="de-DE" dirty="0" smtClean="0"/>
-          </a:p>
-          <a:p>
-            <a:pPr marL="285750" indent="-285750">
-              <a:buFont typeface="Arial" pitchFamily="34" charset="0"/>
-              <a:buChar char="•"/>
-            </a:pPr>
-            <a:r>
-              <a:rPr lang="de-DE" dirty="0" smtClean="0"/>
-              <a:t>Fragestellung wo die einzelnen Leute stehen, was benutzen Sie für Technologien</a:t>
-            </a:r>
-          </a:p>
-          <a:p>
-            <a:pPr marL="285750" indent="-285750">
-              <a:buFont typeface="Arial" pitchFamily="34" charset="0"/>
-              <a:buChar char="•"/>
-            </a:pPr>
-            <a:r>
-              <a:rPr lang="de-DE" dirty="0" err="1" smtClean="0"/>
-              <a:t>Clojure</a:t>
-            </a:r>
-            <a:r>
-              <a:rPr lang="de-DE" dirty="0" smtClean="0"/>
-              <a:t> Timeline</a:t>
-            </a:r>
-          </a:p>
-          <a:p>
-            <a:pPr marL="285750" indent="-285750">
-              <a:buFont typeface="Arial" pitchFamily="34" charset="0"/>
-              <a:buChar char="•"/>
-            </a:pPr>
-            <a:r>
-              <a:rPr lang="de-DE" dirty="0" err="1" smtClean="0"/>
-              <a:t>Immuteability</a:t>
-            </a:r>
-            <a:endParaRPr lang="de-DE" dirty="0" smtClean="0"/>
-          </a:p>
-          <a:p>
-            <a:pPr marL="285750" indent="-285750">
-              <a:buFont typeface="Arial" pitchFamily="34" charset="0"/>
-              <a:buChar char="•"/>
-            </a:pPr>
-            <a:r>
-              <a:rPr lang="de-DE" dirty="0" smtClean="0"/>
-              <a:t>(Power -&gt; JVM/CLR/JS, </a:t>
-            </a:r>
-            <a:r>
-              <a:rPr lang="de-DE" dirty="0" err="1" smtClean="0"/>
-              <a:t>Robustness</a:t>
-            </a:r>
-            <a:r>
-              <a:rPr lang="de-DE" dirty="0" smtClean="0"/>
-              <a:t> -&gt; </a:t>
-            </a:r>
-            <a:r>
-              <a:rPr lang="de-DE" dirty="0" err="1" smtClean="0"/>
-              <a:t>functional</a:t>
-            </a:r>
-            <a:r>
-              <a:rPr lang="de-DE" dirty="0" smtClean="0"/>
-              <a:t>, </a:t>
-            </a:r>
-            <a:r>
-              <a:rPr lang="de-DE" dirty="0" err="1" smtClean="0"/>
-              <a:t>Concurrency</a:t>
-            </a:r>
-            <a:r>
-              <a:rPr lang="de-DE" dirty="0" smtClean="0"/>
-              <a:t> -&gt; STM, Focus -&gt; Lisp)</a:t>
-            </a:r>
-          </a:p>
-          <a:p>
-            <a:pPr marL="285750" indent="-285750">
-              <a:buFont typeface="Arial" pitchFamily="34" charset="0"/>
-              <a:buChar char="•"/>
-            </a:pPr>
-            <a:r>
-              <a:rPr lang="de-DE" dirty="0" err="1" smtClean="0"/>
-              <a:t>Function</a:t>
-            </a:r>
-            <a:r>
-              <a:rPr lang="de-DE" dirty="0" smtClean="0"/>
-              <a:t> </a:t>
-            </a:r>
-            <a:r>
-              <a:rPr lang="de-DE" dirty="0" err="1" smtClean="0"/>
-              <a:t>definitions</a:t>
-            </a:r>
-            <a:endParaRPr lang="de-DE" dirty="0" smtClean="0"/>
-          </a:p>
-          <a:p>
-            <a:pPr marL="285750" indent="-285750">
-              <a:buFont typeface="Arial" pitchFamily="34" charset="0"/>
-              <a:buChar char="•"/>
-            </a:pPr>
-            <a:r>
-              <a:rPr lang="de-DE" dirty="0" err="1" smtClean="0"/>
-              <a:t>Function</a:t>
-            </a:r>
-            <a:r>
-              <a:rPr lang="de-DE" dirty="0" smtClean="0"/>
-              <a:t> </a:t>
-            </a:r>
-            <a:r>
-              <a:rPr lang="de-DE" dirty="0" err="1" smtClean="0"/>
-              <a:t>naming</a:t>
-            </a:r>
-            <a:r>
-              <a:rPr lang="de-DE" dirty="0" smtClean="0"/>
-              <a:t> </a:t>
-            </a:r>
-            <a:r>
-              <a:rPr lang="de-DE" dirty="0" err="1" smtClean="0"/>
-              <a:t>convention</a:t>
-            </a:r>
-            <a:r>
-              <a:rPr lang="de-DE" dirty="0" smtClean="0"/>
-              <a:t> </a:t>
-            </a:r>
-            <a:r>
-              <a:rPr lang="de-DE" dirty="0" err="1" smtClean="0"/>
-              <a:t>even</a:t>
-            </a:r>
-            <a:r>
-              <a:rPr lang="de-DE" dirty="0" smtClean="0"/>
-              <a:t>?</a:t>
-            </a:r>
-          </a:p>
-          <a:p>
-            <a:pPr marL="285750" indent="-285750">
-              <a:buFont typeface="Arial" pitchFamily="34" charset="0"/>
-              <a:buChar char="•"/>
-            </a:pPr>
-            <a:r>
-              <a:rPr lang="de-DE" dirty="0" smtClean="0"/>
-              <a:t>Sample .Net Samples </a:t>
-            </a:r>
-            <a:r>
-              <a:rPr lang="de-DE" dirty="0" err="1" smtClean="0"/>
-              <a:t>vs</a:t>
-            </a:r>
-            <a:r>
-              <a:rPr lang="de-DE" dirty="0" smtClean="0"/>
-              <a:t> </a:t>
-            </a:r>
-            <a:r>
-              <a:rPr lang="de-DE" dirty="0" err="1" smtClean="0"/>
-              <a:t>Clojure</a:t>
-            </a:r>
-            <a:r>
-              <a:rPr lang="de-DE" smtClean="0"/>
-              <a:t> Samples</a:t>
-            </a:r>
-          </a:p>
-          <a:p>
-            <a:pPr marL="285750" indent="-285750">
-              <a:buFont typeface="Arial" pitchFamily="34" charset="0"/>
-              <a:buChar char="•"/>
-            </a:pPr>
-            <a:endParaRPr lang="de-DE" dirty="0" smtClean="0"/>
-          </a:p>
-          <a:p>
-            <a:pPr marL="285750" indent="-285750">
-              <a:buFont typeface="Arial" pitchFamily="34" charset="0"/>
-              <a:buChar char="•"/>
-            </a:pPr>
-            <a:endParaRPr lang="de-DE" dirty="0" smtClean="0"/>
-          </a:p>
-          <a:p>
+              <a:t>crunchen</a:t>
+            </a:r>
+            <a:r>
+              <a:rPr lang="de-DE" dirty="0" smtClean="0"/>
+              <a:t> File und Datenbank</a:t>
+            </a:r>
             <a:endParaRPr lang="de-DE" dirty="0"/>
           </a:p>
         </p:txBody>
@@ -14593,20 +14777,13 @@
     </p:spTree>
     <p:extLst>
       <p:ext uri="{BB962C8B-B14F-4D97-AF65-F5344CB8AC3E}">
-        <p14:creationId xmlns:p14="http://schemas.microsoft.com/office/powerpoint/2010/main" val="2593401078"/>
+        <p14:creationId xmlns:p14="http://schemas.microsoft.com/office/powerpoint/2010/main" val="573607304"/>
       </p:ext>
     </p:extLst>
   </p:cSld>
   <p:clrMapOvr>
     <a:masterClrMapping/>
   </p:clrMapOvr>
-  <p:timing>
-    <p:tnLst>
-      <p:par>
-        <p:cTn id="1" dur="indefinite" restart="never" nodeType="tmRoot"/>
-      </p:par>
-    </p:tnLst>
-  </p:timing>
 </p:sld>
 </file>
 
@@ -15108,6 +15285,259 @@
       <p:bldP spid="12" grpId="0"/>
       <p:bldP spid="13" grpId="0"/>
     </p:bldLst>
+  </p:timing>
+</p:sld>
+</file>
+
+<file path=ppt/slides/slide40.xml><?xml version="1.0" encoding="utf-8"?>
+<p:sld xmlns:a="http://schemas.openxmlformats.org/drawingml/2006/main" xmlns:r="http://schemas.openxmlformats.org/officeDocument/2006/relationships" xmlns:p="http://schemas.openxmlformats.org/presentationml/2006/main">
+  <p:cSld>
+    <p:spTree>
+      <p:nvGrpSpPr>
+        <p:cNvPr id="1" name=""/>
+        <p:cNvGrpSpPr/>
+        <p:nvPr/>
+      </p:nvGrpSpPr>
+      <p:grpSpPr>
+        <a:xfrm>
+          <a:off x="0" y="0"/>
+          <a:ext cx="0" cy="0"/>
+          <a:chOff x="0" y="0"/>
+          <a:chExt cx="0" cy="0"/>
+        </a:xfrm>
+      </p:grpSpPr>
+      <p:sp>
+        <p:nvSpPr>
+          <p:cNvPr id="4" name="Textfeld 3"/>
+          <p:cNvSpPr txBox="1"/>
+          <p:nvPr/>
+        </p:nvSpPr>
+        <p:spPr>
+          <a:xfrm>
+            <a:off x="827584" y="620688"/>
+            <a:ext cx="7344816" cy="1477328"/>
+          </a:xfrm>
+          <a:prstGeom prst="rect">
+            <a:avLst/>
+          </a:prstGeom>
+          <a:noFill/>
+        </p:spPr>
+        <p:txBody>
+          <a:bodyPr wrap="square" rtlCol="0">
+            <a:spAutoFit/>
+          </a:bodyPr>
+          <a:lstStyle/>
+          <a:p>
+            <a:r>
+              <a:rPr lang="de-DE" dirty="0" smtClean="0"/>
+              <a:t>Fazit</a:t>
+            </a:r>
+          </a:p>
+          <a:p>
+            <a:endParaRPr lang="de-DE" dirty="0"/>
+          </a:p>
+          <a:p>
+            <a:r>
+              <a:rPr lang="de-DE" dirty="0" err="1" smtClean="0"/>
+              <a:t>Object</a:t>
+            </a:r>
+            <a:r>
+              <a:rPr lang="de-DE" dirty="0" smtClean="0"/>
+              <a:t> vs. Funktion</a:t>
+            </a:r>
+          </a:p>
+          <a:p>
+            <a:endParaRPr lang="de-DE" dirty="0"/>
+          </a:p>
+          <a:p>
+            <a:r>
+              <a:rPr lang="de-DE" dirty="0" smtClean="0"/>
+              <a:t>Polyglotte Programm Ansätze</a:t>
+            </a:r>
+            <a:endParaRPr lang="de-DE" dirty="0"/>
+          </a:p>
+        </p:txBody>
+      </p:sp>
+    </p:spTree>
+    <p:extLst>
+      <p:ext uri="{BB962C8B-B14F-4D97-AF65-F5344CB8AC3E}">
+        <p14:creationId xmlns:p14="http://schemas.microsoft.com/office/powerpoint/2010/main" val="816764680"/>
+      </p:ext>
+    </p:extLst>
+  </p:cSld>
+  <p:clrMapOvr>
+    <a:masterClrMapping/>
+  </p:clrMapOvr>
+</p:sld>
+</file>
+
+<file path=ppt/slides/slide41.xml><?xml version="1.0" encoding="utf-8"?>
+<p:sld xmlns:a="http://schemas.openxmlformats.org/drawingml/2006/main" xmlns:r="http://schemas.openxmlformats.org/officeDocument/2006/relationships" xmlns:p="http://schemas.openxmlformats.org/presentationml/2006/main">
+  <p:cSld>
+    <p:spTree>
+      <p:nvGrpSpPr>
+        <p:cNvPr id="1" name=""/>
+        <p:cNvGrpSpPr/>
+        <p:nvPr/>
+      </p:nvGrpSpPr>
+      <p:grpSpPr>
+        <a:xfrm>
+          <a:off x="0" y="0"/>
+          <a:ext cx="0" cy="0"/>
+          <a:chOff x="0" y="0"/>
+          <a:chExt cx="0" cy="0"/>
+        </a:xfrm>
+      </p:grpSpPr>
+      <p:sp>
+        <p:nvSpPr>
+          <p:cNvPr id="4" name="Textfeld 3"/>
+          <p:cNvSpPr txBox="1"/>
+          <p:nvPr/>
+        </p:nvSpPr>
+        <p:spPr>
+          <a:xfrm>
+            <a:off x="899592" y="548680"/>
+            <a:ext cx="6984776" cy="3416320"/>
+          </a:xfrm>
+          <a:prstGeom prst="rect">
+            <a:avLst/>
+          </a:prstGeom>
+          <a:noFill/>
+        </p:spPr>
+        <p:txBody>
+          <a:bodyPr wrap="square" rtlCol="0">
+            <a:spAutoFit/>
+          </a:bodyPr>
+          <a:lstStyle/>
+          <a:p>
+            <a:r>
+              <a:rPr lang="de-DE" dirty="0" smtClean="0"/>
+              <a:t>Die verschiedenen Stufen des Lernens </a:t>
+            </a:r>
+            <a:r>
+              <a:rPr lang="de-DE" dirty="0" smtClean="0">
+                <a:sym typeface="Wingdings" pitchFamily="2" charset="2"/>
+              </a:rPr>
+              <a:t></a:t>
+            </a:r>
+          </a:p>
+          <a:p>
+            <a:endParaRPr lang="de-DE" dirty="0">
+              <a:sym typeface="Wingdings" pitchFamily="2" charset="2"/>
+            </a:endParaRPr>
+          </a:p>
+          <a:p>
+            <a:pPr marL="285750" indent="-285750">
+              <a:buFont typeface="Arial" pitchFamily="34" charset="0"/>
+              <a:buChar char="•"/>
+            </a:pPr>
+            <a:r>
+              <a:rPr lang="de-DE" dirty="0" smtClean="0">
+                <a:sym typeface="Wingdings" pitchFamily="2" charset="2"/>
+              </a:rPr>
+              <a:t>Was machen die da und warum geht das überhaupt???  (Verwirrung)</a:t>
+            </a:r>
+          </a:p>
+          <a:p>
+            <a:pPr marL="285750" indent="-285750">
+              <a:buFont typeface="Arial" pitchFamily="34" charset="0"/>
+              <a:buChar char="•"/>
+            </a:pPr>
+            <a:endParaRPr lang="de-DE" dirty="0" smtClean="0">
+              <a:sym typeface="Wingdings" pitchFamily="2" charset="2"/>
+            </a:endParaRPr>
+          </a:p>
+          <a:p>
+            <a:pPr marL="285750" indent="-285750">
+              <a:buFont typeface="Arial" pitchFamily="34" charset="0"/>
+              <a:buChar char="•"/>
+            </a:pPr>
+            <a:r>
+              <a:rPr lang="de-DE" dirty="0" smtClean="0">
+                <a:sym typeface="Wingdings" pitchFamily="2" charset="2"/>
+              </a:rPr>
+              <a:t>Die machen da was! </a:t>
+            </a:r>
+            <a:r>
+              <a:rPr lang="de-DE" dirty="0">
+                <a:sym typeface="Wingdings" pitchFamily="2" charset="2"/>
+              </a:rPr>
+              <a:t>D</a:t>
+            </a:r>
+            <a:r>
+              <a:rPr lang="de-DE" dirty="0" smtClean="0">
+                <a:sym typeface="Wingdings" pitchFamily="2" charset="2"/>
+              </a:rPr>
+              <a:t>as will ich auch. Ich weiß aber nicht so richtig wie!</a:t>
+            </a:r>
+          </a:p>
+          <a:p>
+            <a:pPr marL="285750" indent="-285750">
+              <a:buFont typeface="Arial" pitchFamily="34" charset="0"/>
+              <a:buChar char="•"/>
+            </a:pPr>
+            <a:endParaRPr lang="de-DE" dirty="0" smtClean="0">
+              <a:sym typeface="Wingdings" pitchFamily="2" charset="2"/>
+            </a:endParaRPr>
+          </a:p>
+          <a:p>
+            <a:pPr marL="285750" indent="-285750">
+              <a:buFont typeface="Arial" pitchFamily="34" charset="0"/>
+              <a:buChar char="•"/>
+            </a:pPr>
+            <a:r>
+              <a:rPr lang="de-DE" dirty="0" smtClean="0">
+                <a:sym typeface="Wingdings" pitchFamily="2" charset="2"/>
+              </a:rPr>
+              <a:t>Ich mache das jetzt auch, aber es ist noch schwierig!</a:t>
+            </a:r>
+          </a:p>
+          <a:p>
+            <a:pPr marL="285750" indent="-285750">
+              <a:buFont typeface="Arial" pitchFamily="34" charset="0"/>
+              <a:buChar char="•"/>
+            </a:pPr>
+            <a:endParaRPr lang="de-DE" dirty="0">
+              <a:sym typeface="Wingdings" pitchFamily="2" charset="2"/>
+            </a:endParaRPr>
+          </a:p>
+          <a:p>
+            <a:pPr marL="285750" indent="-285750">
+              <a:buFont typeface="Arial" pitchFamily="34" charset="0"/>
+              <a:buChar char="•"/>
+            </a:pPr>
+            <a:r>
+              <a:rPr lang="de-DE" dirty="0" smtClean="0">
+                <a:sym typeface="Wingdings" pitchFamily="2" charset="2"/>
+              </a:rPr>
+              <a:t>Ich mache das jetzt auch und zwar ganz selbstverständlich!</a:t>
+            </a:r>
+          </a:p>
+          <a:p>
+            <a:pPr marL="285750" indent="-285750">
+              <a:buFont typeface="Arial" pitchFamily="34" charset="0"/>
+              <a:buChar char="•"/>
+            </a:pPr>
+            <a:endParaRPr lang="de-DE" dirty="0"/>
+          </a:p>
+        </p:txBody>
+      </p:sp>
+    </p:spTree>
+    <p:extLst>
+      <p:ext uri="{BB962C8B-B14F-4D97-AF65-F5344CB8AC3E}">
+        <p14:creationId xmlns:p14="http://schemas.microsoft.com/office/powerpoint/2010/main" val="4274948650"/>
+      </p:ext>
+    </p:extLst>
+  </p:cSld>
+  <p:clrMapOvr>
+    <a:masterClrMapping/>
+  </p:clrMapOvr>
+  <p:timing>
+    <p:tnLst>
+      <p:par>
+        <p:cTn id="1" dur="indefinite" restart="never" nodeType="tmRoot"/>
+      </p:par>
+    </p:tnLst>
   </p:timing>
 </p:sld>
 </file>

--- a/Clojure Vortrag .NET User Group.pptx
+++ b/Clojure Vortrag .NET User Group.pptx
@@ -232,7 +232,7 @@
           <a:p>
             <a:fld id="{58A9EE8F-FFE1-47DD-9EB3-5670B774654C}" type="datetimeFigureOut">
               <a:rPr lang="de-DE" smtClean="0"/>
-              <a:t>24.09.2013</a:t>
+              <a:t>25.09.2013</a:t>
             </a:fld>
             <a:endParaRPr lang="de-DE"/>
           </a:p>
@@ -298,7 +298,7 @@
           <a:p>
             <a:fld id="{C97CDCA7-D373-48AA-BEEE-CC8D4007D189}" type="slidenum">
               <a:rPr lang="de-DE" smtClean="0"/>
-              <a:t>‹Nr.›</a:t>
+              <a:t>‹#›</a:t>
             </a:fld>
             <a:endParaRPr lang="de-DE"/>
           </a:p>
@@ -504,7 +504,7 @@
           <a:p>
             <a:fld id="{ED9750E0-CE15-4EC1-B1D0-C2B3694DFCFC}" type="datetimeFigureOut">
               <a:rPr lang="de-DE" smtClean="0"/>
-              <a:t>24.09.2013</a:t>
+              <a:t>25.09.2013</a:t>
             </a:fld>
             <a:endParaRPr lang="de-DE"/>
           </a:p>
@@ -527,7 +527,7 @@
           <a:p>
             <a:fld id="{739125D8-FD85-4FE8-A7C4-126F06AA89EA}" type="slidenum">
               <a:rPr lang="de-DE" smtClean="0"/>
-              <a:t>‹Nr.›</a:t>
+              <a:t>‹#›</a:t>
             </a:fld>
             <a:endParaRPr lang="de-DE"/>
           </a:p>
@@ -681,7 +681,7 @@
           <a:p>
             <a:fld id="{ED9750E0-CE15-4EC1-B1D0-C2B3694DFCFC}" type="datetimeFigureOut">
               <a:rPr lang="de-DE" smtClean="0"/>
-              <a:t>24.09.2013</a:t>
+              <a:t>25.09.2013</a:t>
             </a:fld>
             <a:endParaRPr lang="de-DE"/>
           </a:p>
@@ -723,7 +723,7 @@
           <a:p>
             <a:fld id="{739125D8-FD85-4FE8-A7C4-126F06AA89EA}" type="slidenum">
               <a:rPr lang="de-DE" smtClean="0"/>
-              <a:t>‹Nr.›</a:t>
+              <a:t>‹#›</a:t>
             </a:fld>
             <a:endParaRPr lang="de-DE"/>
           </a:p>
@@ -879,7 +879,7 @@
           <a:p>
             <a:fld id="{ED9750E0-CE15-4EC1-B1D0-C2B3694DFCFC}" type="datetimeFigureOut">
               <a:rPr lang="de-DE" smtClean="0"/>
-              <a:t>24.09.2013</a:t>
+              <a:t>25.09.2013</a:t>
             </a:fld>
             <a:endParaRPr lang="de-DE"/>
           </a:p>
@@ -921,7 +921,7 @@
           <a:p>
             <a:fld id="{739125D8-FD85-4FE8-A7C4-126F06AA89EA}" type="slidenum">
               <a:rPr lang="de-DE" smtClean="0"/>
-              <a:t>‹Nr.›</a:t>
+              <a:t>‹#›</a:t>
             </a:fld>
             <a:endParaRPr lang="de-DE"/>
           </a:p>
@@ -1033,7 +1033,7 @@
           <a:p>
             <a:fld id="{ED9750E0-CE15-4EC1-B1D0-C2B3694DFCFC}" type="datetimeFigureOut">
               <a:rPr lang="de-DE" smtClean="0"/>
-              <a:t>24.09.2013</a:t>
+              <a:t>25.09.2013</a:t>
             </a:fld>
             <a:endParaRPr lang="de-DE"/>
           </a:p>
@@ -1056,7 +1056,7 @@
           <a:p>
             <a:fld id="{739125D8-FD85-4FE8-A7C4-126F06AA89EA}" type="slidenum">
               <a:rPr lang="de-DE" smtClean="0"/>
-              <a:t>‹Nr.›</a:t>
+              <a:t>‹#›</a:t>
             </a:fld>
             <a:endParaRPr lang="de-DE"/>
           </a:p>
@@ -1308,7 +1308,7 @@
           <a:p>
             <a:fld id="{ED9750E0-CE15-4EC1-B1D0-C2B3694DFCFC}" type="datetimeFigureOut">
               <a:rPr lang="de-DE" smtClean="0"/>
-              <a:t>24.09.2013</a:t>
+              <a:t>25.09.2013</a:t>
             </a:fld>
             <a:endParaRPr lang="de-DE"/>
           </a:p>
@@ -1331,7 +1331,7 @@
           <a:p>
             <a:fld id="{739125D8-FD85-4FE8-A7C4-126F06AA89EA}" type="slidenum">
               <a:rPr lang="de-DE" smtClean="0"/>
-              <a:t>‹Nr.›</a:t>
+              <a:t>‹#›</a:t>
             </a:fld>
             <a:endParaRPr lang="de-DE"/>
           </a:p>
@@ -1607,7 +1607,7 @@
           <a:p>
             <a:fld id="{ED9750E0-CE15-4EC1-B1D0-C2B3694DFCFC}" type="datetimeFigureOut">
               <a:rPr lang="de-DE" smtClean="0"/>
-              <a:t>24.09.2013</a:t>
+              <a:t>25.09.2013</a:t>
             </a:fld>
             <a:endParaRPr lang="de-DE"/>
           </a:p>
@@ -1630,7 +1630,7 @@
           <a:p>
             <a:fld id="{739125D8-FD85-4FE8-A7C4-126F06AA89EA}" type="slidenum">
               <a:rPr lang="de-DE" smtClean="0"/>
-              <a:t>‹Nr.›</a:t>
+              <a:t>‹#›</a:t>
             </a:fld>
             <a:endParaRPr lang="de-DE"/>
           </a:p>
@@ -2049,7 +2049,7 @@
           <a:p>
             <a:fld id="{ED9750E0-CE15-4EC1-B1D0-C2B3694DFCFC}" type="datetimeFigureOut">
               <a:rPr lang="de-DE" smtClean="0"/>
-              <a:t>24.09.2013</a:t>
+              <a:t>25.09.2013</a:t>
             </a:fld>
             <a:endParaRPr lang="de-DE"/>
           </a:p>
@@ -2072,7 +2072,7 @@
           <a:p>
             <a:fld id="{739125D8-FD85-4FE8-A7C4-126F06AA89EA}" type="slidenum">
               <a:rPr lang="de-DE" smtClean="0"/>
-              <a:t>‹Nr.›</a:t>
+              <a:t>‹#›</a:t>
             </a:fld>
             <a:endParaRPr lang="de-DE"/>
           </a:p>
@@ -2156,7 +2156,7 @@
           <a:p>
             <a:fld id="{ED9750E0-CE15-4EC1-B1D0-C2B3694DFCFC}" type="datetimeFigureOut">
               <a:rPr lang="de-DE" smtClean="0"/>
-              <a:t>24.09.2013</a:t>
+              <a:t>25.09.2013</a:t>
             </a:fld>
             <a:endParaRPr lang="de-DE"/>
           </a:p>
@@ -2202,7 +2202,7 @@
           <a:p>
             <a:fld id="{739125D8-FD85-4FE8-A7C4-126F06AA89EA}" type="slidenum">
               <a:rPr lang="de-DE" smtClean="0"/>
-              <a:t>‹Nr.›</a:t>
+              <a:t>‹#›</a:t>
             </a:fld>
             <a:endParaRPr lang="de-DE"/>
           </a:p>
@@ -2276,7 +2276,7 @@
           <a:p>
             <a:fld id="{ED9750E0-CE15-4EC1-B1D0-C2B3694DFCFC}" type="datetimeFigureOut">
               <a:rPr lang="de-DE" smtClean="0"/>
-              <a:t>24.09.2013</a:t>
+              <a:t>25.09.2013</a:t>
             </a:fld>
             <a:endParaRPr lang="de-DE"/>
           </a:p>
@@ -2318,7 +2318,7 @@
           <a:p>
             <a:fld id="{739125D8-FD85-4FE8-A7C4-126F06AA89EA}" type="slidenum">
               <a:rPr lang="de-DE" smtClean="0"/>
-              <a:t>‹Nr.›</a:t>
+              <a:t>‹#›</a:t>
             </a:fld>
             <a:endParaRPr lang="de-DE"/>
           </a:p>
@@ -2561,7 +2561,7 @@
           <a:p>
             <a:fld id="{ED9750E0-CE15-4EC1-B1D0-C2B3694DFCFC}" type="datetimeFigureOut">
               <a:rPr lang="de-DE" smtClean="0"/>
-              <a:t>24.09.2013</a:t>
+              <a:t>25.09.2013</a:t>
             </a:fld>
             <a:endParaRPr lang="de-DE"/>
           </a:p>
@@ -2584,7 +2584,7 @@
           <a:p>
             <a:fld id="{739125D8-FD85-4FE8-A7C4-126F06AA89EA}" type="slidenum">
               <a:rPr lang="de-DE" smtClean="0"/>
-              <a:t>‹Nr.›</a:t>
+              <a:t>‹#›</a:t>
             </a:fld>
             <a:endParaRPr lang="de-DE"/>
           </a:p>
@@ -2832,7 +2832,7 @@
           <a:p>
             <a:fld id="{ED9750E0-CE15-4EC1-B1D0-C2B3694DFCFC}" type="datetimeFigureOut">
               <a:rPr lang="de-DE" smtClean="0"/>
-              <a:t>24.09.2013</a:t>
+              <a:t>25.09.2013</a:t>
             </a:fld>
             <a:endParaRPr lang="de-DE"/>
           </a:p>
@@ -2855,7 +2855,7 @@
           <a:p>
             <a:fld id="{739125D8-FD85-4FE8-A7C4-126F06AA89EA}" type="slidenum">
               <a:rPr lang="de-DE" smtClean="0"/>
-              <a:t>‹Nr.›</a:t>
+              <a:t>‹#›</a:t>
             </a:fld>
             <a:endParaRPr lang="de-DE"/>
           </a:p>
@@ -3052,7 +3052,7 @@
           <a:p>
             <a:fld id="{ED9750E0-CE15-4EC1-B1D0-C2B3694DFCFC}" type="datetimeFigureOut">
               <a:rPr lang="de-DE" smtClean="0"/>
-              <a:t>24.09.2013</a:t>
+              <a:t>25.09.2013</a:t>
             </a:fld>
             <a:endParaRPr lang="de-DE"/>
           </a:p>
@@ -3128,7 +3128,7 @@
           <a:p>
             <a:fld id="{739125D8-FD85-4FE8-A7C4-126F06AA89EA}" type="slidenum">
               <a:rPr lang="de-DE" smtClean="0"/>
-              <a:t>‹Nr.›</a:t>
+              <a:t>‹#›</a:t>
             </a:fld>
             <a:endParaRPr lang="de-DE"/>
           </a:p>

--- a/Clojure Vortrag .NET User Group.pptx
+++ b/Clojure Vortrag .NET User Group.pptx
@@ -5,7 +5,7 @@
     <p:sldMasterId id="2147483660" r:id="rId1"/>
   </p:sldMasterIdLst>
   <p:handoutMasterIdLst>
-    <p:handoutMasterId r:id="rId43"/>
+    <p:handoutMasterId r:id="rId46"/>
   </p:handoutMasterIdLst>
   <p:sldIdLst>
     <p:sldId id="256" r:id="rId2"/>
@@ -46,9 +46,12 @@
     <p:sldId id="299" r:id="rId37"/>
     <p:sldId id="300" r:id="rId38"/>
     <p:sldId id="301" r:id="rId39"/>
-    <p:sldId id="302" r:id="rId40"/>
-    <p:sldId id="303" r:id="rId41"/>
-    <p:sldId id="266" r:id="rId42"/>
+    <p:sldId id="305" r:id="rId40"/>
+    <p:sldId id="306" r:id="rId41"/>
+    <p:sldId id="302" r:id="rId42"/>
+    <p:sldId id="303" r:id="rId43"/>
+    <p:sldId id="304" r:id="rId44"/>
+    <p:sldId id="266" r:id="rId45"/>
   </p:sldIdLst>
   <p:sldSz cx="9144000" cy="6858000" type="screen4x3"/>
   <p:notesSz cx="6794500" cy="9931400"/>
@@ -232,7 +235,7 @@
           <a:p>
             <a:fld id="{58A9EE8F-FFE1-47DD-9EB3-5670B774654C}" type="datetimeFigureOut">
               <a:rPr lang="de-DE" smtClean="0"/>
-              <a:t>25.09.2013</a:t>
+              <a:t>26.09.2013</a:t>
             </a:fld>
             <a:endParaRPr lang="de-DE"/>
           </a:p>
@@ -504,7 +507,7 @@
           <a:p>
             <a:fld id="{ED9750E0-CE15-4EC1-B1D0-C2B3694DFCFC}" type="datetimeFigureOut">
               <a:rPr lang="de-DE" smtClean="0"/>
-              <a:t>25.09.2013</a:t>
+              <a:t>26.09.2013</a:t>
             </a:fld>
             <a:endParaRPr lang="de-DE"/>
           </a:p>
@@ -681,7 +684,7 @@
           <a:p>
             <a:fld id="{ED9750E0-CE15-4EC1-B1D0-C2B3694DFCFC}" type="datetimeFigureOut">
               <a:rPr lang="de-DE" smtClean="0"/>
-              <a:t>25.09.2013</a:t>
+              <a:t>26.09.2013</a:t>
             </a:fld>
             <a:endParaRPr lang="de-DE"/>
           </a:p>
@@ -879,7 +882,7 @@
           <a:p>
             <a:fld id="{ED9750E0-CE15-4EC1-B1D0-C2B3694DFCFC}" type="datetimeFigureOut">
               <a:rPr lang="de-DE" smtClean="0"/>
-              <a:t>25.09.2013</a:t>
+              <a:t>26.09.2013</a:t>
             </a:fld>
             <a:endParaRPr lang="de-DE"/>
           </a:p>
@@ -1033,7 +1036,7 @@
           <a:p>
             <a:fld id="{ED9750E0-CE15-4EC1-B1D0-C2B3694DFCFC}" type="datetimeFigureOut">
               <a:rPr lang="de-DE" smtClean="0"/>
-              <a:t>25.09.2013</a:t>
+              <a:t>26.09.2013</a:t>
             </a:fld>
             <a:endParaRPr lang="de-DE"/>
           </a:p>
@@ -1308,7 +1311,7 @@
           <a:p>
             <a:fld id="{ED9750E0-CE15-4EC1-B1D0-C2B3694DFCFC}" type="datetimeFigureOut">
               <a:rPr lang="de-DE" smtClean="0"/>
-              <a:t>25.09.2013</a:t>
+              <a:t>26.09.2013</a:t>
             </a:fld>
             <a:endParaRPr lang="de-DE"/>
           </a:p>
@@ -1607,7 +1610,7 @@
           <a:p>
             <a:fld id="{ED9750E0-CE15-4EC1-B1D0-C2B3694DFCFC}" type="datetimeFigureOut">
               <a:rPr lang="de-DE" smtClean="0"/>
-              <a:t>25.09.2013</a:t>
+              <a:t>26.09.2013</a:t>
             </a:fld>
             <a:endParaRPr lang="de-DE"/>
           </a:p>
@@ -2049,7 +2052,7 @@
           <a:p>
             <a:fld id="{ED9750E0-CE15-4EC1-B1D0-C2B3694DFCFC}" type="datetimeFigureOut">
               <a:rPr lang="de-DE" smtClean="0"/>
-              <a:t>25.09.2013</a:t>
+              <a:t>26.09.2013</a:t>
             </a:fld>
             <a:endParaRPr lang="de-DE"/>
           </a:p>
@@ -2156,7 +2159,7 @@
           <a:p>
             <a:fld id="{ED9750E0-CE15-4EC1-B1D0-C2B3694DFCFC}" type="datetimeFigureOut">
               <a:rPr lang="de-DE" smtClean="0"/>
-              <a:t>25.09.2013</a:t>
+              <a:t>26.09.2013</a:t>
             </a:fld>
             <a:endParaRPr lang="de-DE"/>
           </a:p>
@@ -2276,7 +2279,7 @@
           <a:p>
             <a:fld id="{ED9750E0-CE15-4EC1-B1D0-C2B3694DFCFC}" type="datetimeFigureOut">
               <a:rPr lang="de-DE" smtClean="0"/>
-              <a:t>25.09.2013</a:t>
+              <a:t>26.09.2013</a:t>
             </a:fld>
             <a:endParaRPr lang="de-DE"/>
           </a:p>
@@ -2561,7 +2564,7 @@
           <a:p>
             <a:fld id="{ED9750E0-CE15-4EC1-B1D0-C2B3694DFCFC}" type="datetimeFigureOut">
               <a:rPr lang="de-DE" smtClean="0"/>
-              <a:t>25.09.2013</a:t>
+              <a:t>26.09.2013</a:t>
             </a:fld>
             <a:endParaRPr lang="de-DE"/>
           </a:p>
@@ -2832,7 +2835,7 @@
           <a:p>
             <a:fld id="{ED9750E0-CE15-4EC1-B1D0-C2B3694DFCFC}" type="datetimeFigureOut">
               <a:rPr lang="de-DE" smtClean="0"/>
-              <a:t>25.09.2013</a:t>
+              <a:t>26.09.2013</a:t>
             </a:fld>
             <a:endParaRPr lang="de-DE"/>
           </a:p>
@@ -3052,7 +3055,7 @@
           <a:p>
             <a:fld id="{ED9750E0-CE15-4EC1-B1D0-C2B3694DFCFC}" type="datetimeFigureOut">
               <a:rPr lang="de-DE" smtClean="0"/>
-              <a:t>25.09.2013</a:t>
+              <a:t>26.09.2013</a:t>
             </a:fld>
             <a:endParaRPr lang="de-DE"/>
           </a:p>
@@ -13773,6 +13776,13 @@
   <p:clrMapOvr>
     <a:masterClrMapping/>
   </p:clrMapOvr>
+  <p:timing>
+    <p:tnLst>
+      <p:par>
+        <p:cTn id="1" dur="indefinite" restart="never" nodeType="tmRoot"/>
+      </p:par>
+    </p:tnLst>
+  </p:timing>
 </p:sld>
 </file>
 
@@ -13840,7 +13850,7 @@
         <p:spPr>
           <a:xfrm>
             <a:off x="755576" y="3093028"/>
-            <a:ext cx="7704856" cy="4247317"/>
+            <a:ext cx="7704856" cy="3970318"/>
           </a:xfrm>
           <a:prstGeom prst="rect">
             <a:avLst/>
@@ -13881,24 +13891,10 @@
               <a:buChar char="•"/>
             </a:pPr>
             <a:r>
-              <a:rPr lang="de-DE" dirty="0" err="1"/>
-              <a:t>m</a:t>
-            </a:r>
-            <a:r>
-              <a:rPr lang="de-DE" dirty="0" err="1" smtClean="0"/>
-              <a:t>acroexpand</a:t>
+              <a:rPr lang="de-DE" dirty="0" err="1" smtClean="0"/>
+              <a:t>macroexpand</a:t>
             </a:r>
             <a:endParaRPr lang="de-DE" dirty="0" smtClean="0"/>
-          </a:p>
-          <a:p>
-            <a:pPr marL="285750" indent="-285750">
-              <a:buFont typeface="Arial" pitchFamily="34" charset="0"/>
-              <a:buChar char="•"/>
-            </a:pPr>
-            <a:r>
-              <a:rPr lang="de-DE" dirty="0" smtClean="0"/>
-              <a:t> macroexpand-1</a:t>
-            </a:r>
           </a:p>
           <a:p>
             <a:pPr marL="285750" indent="-285750">
@@ -14077,6 +14073,13 @@
   <p:clrMapOvr>
     <a:masterClrMapping/>
   </p:clrMapOvr>
+  <p:timing>
+    <p:tnLst>
+      <p:par>
+        <p:cTn id="1" dur="indefinite" restart="never" nodeType="tmRoot"/>
+      </p:par>
+    </p:tnLst>
+  </p:timing>
 </p:sld>
 </file>
 
@@ -14258,6 +14261,13 @@
   <p:clrMapOvr>
     <a:masterClrMapping/>
   </p:clrMapOvr>
+  <p:timing>
+    <p:tnLst>
+      <p:par>
+        <p:cTn id="1" dur="indefinite" restart="never" nodeType="tmRoot"/>
+      </p:par>
+    </p:tnLst>
+  </p:timing>
 </p:sld>
 </file>
 
@@ -14681,6 +14691,13 @@
   <p:clrMapOvr>
     <a:masterClrMapping/>
   </p:clrMapOvr>
+  <p:timing>
+    <p:tnLst>
+      <p:par>
+        <p:cTn id="1" dur="indefinite" restart="never" nodeType="tmRoot"/>
+      </p:par>
+    </p:tnLst>
+  </p:timing>
 </p:sld>
 </file>
 
@@ -14703,14 +14720,14 @@
       </p:grpSpPr>
       <p:sp>
         <p:nvSpPr>
-          <p:cNvPr id="4" name="Textfeld 3"/>
+          <p:cNvPr id="4" name="TextBox 3"/>
           <p:cNvSpPr txBox="1"/>
           <p:nvPr/>
         </p:nvSpPr>
         <p:spPr>
           <a:xfrm>
-            <a:off x="755576" y="764704"/>
-            <a:ext cx="4104456" cy="2031325"/>
+            <a:off x="395536" y="476672"/>
+            <a:ext cx="8208912" cy="5355312"/>
           </a:xfrm>
           <a:prstGeom prst="rect">
             <a:avLst/>
@@ -14725,65 +14742,211 @@
           <a:p>
             <a:r>
               <a:rPr lang="de-DE" dirty="0" smtClean="0"/>
-              <a:t>Beispiel Applikationen in Visual Studio</a:t>
-            </a:r>
-          </a:p>
-          <a:p>
-            <a:endParaRPr lang="de-DE" dirty="0"/>
-          </a:p>
-          <a:p>
-            <a:r>
-              <a:rPr lang="de-DE" dirty="0" smtClean="0"/>
-              <a:t>Game </a:t>
-            </a:r>
-            <a:r>
-              <a:rPr lang="de-DE" dirty="0" err="1" smtClean="0"/>
-              <a:t>of</a:t>
-            </a:r>
-            <a:r>
-              <a:rPr lang="de-DE" dirty="0" smtClean="0"/>
-              <a:t> Life</a:t>
-            </a:r>
-          </a:p>
-          <a:p>
-            <a:endParaRPr lang="de-DE" dirty="0"/>
-          </a:p>
-          <a:p>
-            <a:r>
-              <a:rPr lang="de-DE" dirty="0" smtClean="0"/>
-              <a:t>Word Shuffle</a:t>
-            </a:r>
-          </a:p>
-          <a:p>
-            <a:endParaRPr lang="de-DE" dirty="0"/>
-          </a:p>
-          <a:p>
-            <a:r>
-              <a:rPr lang="de-DE" dirty="0" smtClean="0"/>
-              <a:t>Daten </a:t>
-            </a:r>
-            <a:r>
-              <a:rPr lang="de-DE" dirty="0" err="1" smtClean="0"/>
-              <a:t>crunchen</a:t>
-            </a:r>
-            <a:r>
-              <a:rPr lang="de-DE" dirty="0" smtClean="0"/>
-              <a:t> File und Datenbank</a:t>
-            </a:r>
-            <a:endParaRPr lang="de-DE" dirty="0"/>
+              <a:t>Schreiben eines eigenen Makros</a:t>
+            </a:r>
+          </a:p>
+          <a:p>
+            <a:endParaRPr lang="de-DE" dirty="0" smtClean="0"/>
+          </a:p>
+          <a:p>
+            <a:r>
+              <a:rPr lang="de-DE" dirty="0" smtClean="0"/>
+              <a:t>(</a:t>
+            </a:r>
+            <a:r>
+              <a:rPr lang="de-DE" dirty="0" err="1"/>
+              <a:t>defmacro</a:t>
+            </a:r>
+            <a:r>
+              <a:rPr lang="de-DE" dirty="0"/>
+              <a:t> </a:t>
+            </a:r>
+            <a:r>
+              <a:rPr lang="de-DE" dirty="0" err="1"/>
+              <a:t>dbg</a:t>
+            </a:r>
+            <a:r>
+              <a:rPr lang="de-DE" dirty="0"/>
+              <a:t> [x] </a:t>
+            </a:r>
+          </a:p>
+          <a:p>
+            <a:r>
+              <a:rPr lang="nn-NO" dirty="0"/>
+              <a:t>  `(let [x# ~x] (println "dbg:" '~x "=" x#) x</a:t>
+            </a:r>
+            <a:r>
+              <a:rPr lang="nn-NO" dirty="0" smtClean="0"/>
+              <a:t>#))</a:t>
+            </a:r>
+          </a:p>
+          <a:p>
+            <a:endParaRPr lang="nn-NO" dirty="0" smtClean="0"/>
+          </a:p>
+          <a:p>
+            <a:r>
+              <a:rPr lang="nn-NO" dirty="0" smtClean="0"/>
+              <a:t>(dbg (* 2 </a:t>
+            </a:r>
+            <a:r>
+              <a:rPr lang="nn-NO" dirty="0"/>
+              <a:t>3))	; dbg: (+ 2 3) = 5</a:t>
+            </a:r>
+            <a:endParaRPr lang="nn-NO" dirty="0" smtClean="0"/>
+          </a:p>
+          <a:p>
+            <a:endParaRPr lang="nn-NO" dirty="0"/>
+          </a:p>
+          <a:p>
+            <a:pPr marL="285750" indent="-285750">
+              <a:buFont typeface="Arial" pitchFamily="34" charset="0"/>
+              <a:buChar char="•"/>
+            </a:pPr>
+            <a:r>
+              <a:rPr lang="nn-NO" dirty="0" smtClean="0"/>
+              <a:t>Macro heißt dbg</a:t>
+            </a:r>
+          </a:p>
+          <a:p>
+            <a:pPr marL="285750" indent="-285750">
+              <a:buFont typeface="Arial" pitchFamily="34" charset="0"/>
+              <a:buChar char="•"/>
+            </a:pPr>
+            <a:r>
+              <a:rPr lang="nn-NO" dirty="0" smtClean="0"/>
+              <a:t>Hat ein Parameter x    -&gt;   (* 2 3)</a:t>
+            </a:r>
+          </a:p>
+          <a:p>
+            <a:pPr marL="285750" indent="-285750">
+              <a:buFont typeface="Arial" pitchFamily="34" charset="0"/>
+              <a:buChar char="•"/>
+            </a:pPr>
+            <a:r>
+              <a:rPr lang="nn-NO" dirty="0" smtClean="0"/>
+              <a:t>Der Backtick leitet eine Schablone ein</a:t>
+            </a:r>
+          </a:p>
+          <a:p>
+            <a:pPr marL="285750" indent="-285750">
+              <a:buFont typeface="Arial" pitchFamily="34" charset="0"/>
+              <a:buChar char="•"/>
+            </a:pPr>
+            <a:r>
+              <a:rPr lang="nn-NO" dirty="0" smtClean="0"/>
+              <a:t>~x unterbricht die Schablone und setzt den Wert selber ein ~x    -&gt; 6</a:t>
+            </a:r>
+          </a:p>
+          <a:p>
+            <a:pPr marL="285750" indent="-285750">
+              <a:buFont typeface="Arial" pitchFamily="34" charset="0"/>
+              <a:buChar char="•"/>
+            </a:pPr>
+            <a:r>
+              <a:rPr lang="nn-NO" dirty="0" smtClean="0"/>
+              <a:t>x# erzeugt einen innerhalb des Macros eindeutigen Bezeichner. Macros können so geschachtelt werden. x#   </a:t>
+            </a:r>
+            <a:r>
+              <a:rPr lang="nn-NO" dirty="0"/>
+              <a:t>-&gt; </a:t>
+            </a:r>
+            <a:r>
+              <a:rPr lang="nn-NO" dirty="0" smtClean="0"/>
+              <a:t>x</a:t>
+            </a:r>
+            <a:r>
+              <a:rPr lang="nn-NO" dirty="0"/>
+              <a:t>__8__auto</a:t>
+            </a:r>
+            <a:r>
+              <a:rPr lang="nn-NO" dirty="0" smtClean="0"/>
+              <a:t>__   -&gt; 6</a:t>
+            </a:r>
+          </a:p>
+          <a:p>
+            <a:pPr marL="285750" indent="-285750">
+              <a:buFont typeface="Arial" pitchFamily="34" charset="0"/>
+              <a:buChar char="•"/>
+            </a:pPr>
+            <a:r>
+              <a:rPr lang="nn-NO" dirty="0"/>
+              <a:t>'~</a:t>
+            </a:r>
+            <a:r>
+              <a:rPr lang="nn-NO" dirty="0" smtClean="0"/>
+              <a:t>x setzt den Wert wieder selber ein, aber durch den Quote wir er nicht ausgewertet. </a:t>
+            </a:r>
+            <a:r>
+              <a:rPr lang="nn-NO" dirty="0"/>
+              <a:t>'~</a:t>
+            </a:r>
+            <a:r>
+              <a:rPr lang="nn-NO" dirty="0" smtClean="0"/>
+              <a:t>x -&gt; (* 2 3)</a:t>
+            </a:r>
+          </a:p>
+          <a:p>
+            <a:pPr marL="285750" indent="-285750">
+              <a:buFont typeface="Arial" pitchFamily="34" charset="0"/>
+              <a:buChar char="•"/>
+            </a:pPr>
+            <a:r>
+              <a:rPr lang="nn-NO" dirty="0"/>
+              <a:t>Das println </a:t>
+            </a:r>
+            <a:r>
+              <a:rPr lang="nn-NO" dirty="0" smtClean="0"/>
+              <a:t>gibt folgende aus -  &gt;      dbg:(+ </a:t>
+            </a:r>
+            <a:r>
+              <a:rPr lang="nn-NO" dirty="0"/>
+              <a:t>2 3) = </a:t>
+            </a:r>
+            <a:r>
+              <a:rPr lang="nn-NO" dirty="0" smtClean="0"/>
+              <a:t>5 </a:t>
+            </a:r>
+          </a:p>
+          <a:p>
+            <a:pPr marL="285750" indent="-285750">
+              <a:buFont typeface="Arial" pitchFamily="34" charset="0"/>
+              <a:buChar char="•"/>
+            </a:pPr>
+            <a:r>
+              <a:rPr lang="nn-NO" dirty="0" smtClean="0"/>
+              <a:t>Die lezte Anweisung des Makros ist x#    -&gt; 6</a:t>
+            </a:r>
+          </a:p>
+          <a:p>
+            <a:pPr marL="285750" indent="-285750">
+              <a:buFont typeface="Arial" pitchFamily="34" charset="0"/>
+              <a:buChar char="•"/>
+            </a:pPr>
+            <a:r>
+              <a:rPr lang="nn-NO" dirty="0" smtClean="0"/>
+              <a:t>Dieser Wert wird zurückgegeben. Das Makro erzeugt also nur den Seiteneffekt der Konsolen Ausgabe, beeinflußt das Programm aber nicht!</a:t>
+            </a:r>
+            <a:endParaRPr lang="de-DE" dirty="0" smtClean="0"/>
           </a:p>
         </p:txBody>
       </p:sp>
     </p:spTree>
     <p:extLst>
       <p:ext uri="{BB962C8B-B14F-4D97-AF65-F5344CB8AC3E}">
-        <p14:creationId xmlns:p14="http://schemas.microsoft.com/office/powerpoint/2010/main" val="573607304"/>
+        <p14:creationId xmlns:p14="http://schemas.microsoft.com/office/powerpoint/2010/main" val="3387688208"/>
       </p:ext>
     </p:extLst>
   </p:cSld>
   <p:clrMapOvr>
     <a:masterClrMapping/>
   </p:clrMapOvr>
+  <p:timing>
+    <p:tnLst>
+      <p:par>
+        <p:cTn id="1" dur="indefinite" restart="never" nodeType="tmRoot"/>
+      </p:par>
+    </p:tnLst>
+  </p:timing>
 </p:sld>
 </file>
 
@@ -15306,6 +15469,507 @@
           <a:chExt cx="0" cy="0"/>
         </a:xfrm>
       </p:grpSpPr>
+      <p:pic>
+        <p:nvPicPr>
+          <p:cNvPr id="1026" name="Picture 2"/>
+          <p:cNvPicPr>
+            <a:picLocks noChangeAspect="1" noChangeArrowheads="1"/>
+          </p:cNvPicPr>
+          <p:nvPr/>
+        </p:nvPicPr>
+        <p:blipFill>
+          <a:blip r:embed="rId2">
+            <a:extLst>
+              <a:ext uri="{28A0092B-C50C-407E-A947-70E740481C1C}">
+                <a14:useLocalDpi xmlns:a14="http://schemas.microsoft.com/office/drawing/2010/main" val="0"/>
+              </a:ext>
+            </a:extLst>
+          </a:blip>
+          <a:srcRect/>
+          <a:stretch>
+            <a:fillRect/>
+          </a:stretch>
+        </p:blipFill>
+        <p:spPr bwMode="auto">
+          <a:xfrm>
+            <a:off x="971599" y="3212976"/>
+            <a:ext cx="6181725" cy="2133600"/>
+          </a:xfrm>
+          <a:prstGeom prst="rect">
+            <a:avLst/>
+          </a:prstGeom>
+          <a:noFill/>
+          <a:ln>
+            <a:noFill/>
+          </a:ln>
+          <a:effectLst/>
+          <a:extLst>
+            <a:ext uri="{909E8E84-426E-40DD-AFC4-6F175D3DCCD1}">
+              <a14:hiddenFill xmlns:a14="http://schemas.microsoft.com/office/drawing/2010/main">
+                <a:solidFill>
+                  <a:schemeClr val="accent1"/>
+                </a:solidFill>
+              </a14:hiddenFill>
+            </a:ext>
+            <a:ext uri="{91240B29-F687-4F45-9708-019B960494DF}">
+              <a14:hiddenLine xmlns:a14="http://schemas.microsoft.com/office/drawing/2010/main" w="9525">
+                <a:solidFill>
+                  <a:schemeClr val="tx1"/>
+                </a:solidFill>
+                <a:miter lim="800000"/>
+                <a:headEnd/>
+                <a:tailEnd/>
+              </a14:hiddenLine>
+            </a:ext>
+            <a:ext uri="{AF507438-7753-43E0-B8FC-AC1667EBCBE1}">
+              <a14:hiddenEffects xmlns:a14="http://schemas.microsoft.com/office/drawing/2010/main">
+                <a:effectLst>
+                  <a:outerShdw dist="35921" dir="2700000" algn="ctr" rotWithShape="0">
+                    <a:schemeClr val="bg2"/>
+                  </a:outerShdw>
+                </a:effectLst>
+              </a14:hiddenEffects>
+            </a:ext>
+          </a:extLst>
+        </p:spPr>
+      </p:pic>
+      <p:sp>
+        <p:nvSpPr>
+          <p:cNvPr id="4" name="TextBox 3"/>
+          <p:cNvSpPr txBox="1"/>
+          <p:nvPr/>
+        </p:nvSpPr>
+        <p:spPr>
+          <a:xfrm>
+            <a:off x="323528" y="476672"/>
+            <a:ext cx="7920880" cy="1754326"/>
+          </a:xfrm>
+          <a:prstGeom prst="rect">
+            <a:avLst/>
+          </a:prstGeom>
+          <a:noFill/>
+        </p:spPr>
+        <p:txBody>
+          <a:bodyPr wrap="square" rtlCol="0">
+            <a:spAutoFit/>
+          </a:bodyPr>
+          <a:lstStyle/>
+          <a:p>
+            <a:r>
+              <a:rPr lang="de-DE" dirty="0" smtClean="0"/>
+              <a:t>Wo finde ich die </a:t>
+            </a:r>
+            <a:r>
+              <a:rPr lang="de-DE" dirty="0" err="1" smtClean="0"/>
+              <a:t>Macro</a:t>
+            </a:r>
+            <a:r>
+              <a:rPr lang="de-DE" dirty="0" smtClean="0"/>
+              <a:t> Zeichen auf meiner Tastatur</a:t>
+            </a:r>
+          </a:p>
+          <a:p>
+            <a:endParaRPr lang="de-DE" dirty="0"/>
+          </a:p>
+          <a:p>
+            <a:pPr marL="285750" indent="-285750">
+              <a:buFont typeface="Arial" pitchFamily="34" charset="0"/>
+              <a:buChar char="•"/>
+            </a:pPr>
+            <a:r>
+              <a:rPr lang="de-DE" dirty="0" err="1"/>
+              <a:t>q</a:t>
+            </a:r>
+            <a:r>
+              <a:rPr lang="de-DE" dirty="0" err="1" smtClean="0"/>
+              <a:t>uote</a:t>
+            </a:r>
+            <a:r>
+              <a:rPr lang="de-DE" dirty="0" smtClean="0"/>
+              <a:t>  ‘ 		-&gt;	Taste 1 mit </a:t>
+            </a:r>
+            <a:r>
+              <a:rPr lang="de-DE" dirty="0" err="1" smtClean="0"/>
+              <a:t>Shift</a:t>
+            </a:r>
+            <a:endParaRPr lang="de-DE" dirty="0" smtClean="0"/>
+          </a:p>
+          <a:p>
+            <a:pPr marL="285750" indent="-285750">
+              <a:buFont typeface="Arial" pitchFamily="34" charset="0"/>
+              <a:buChar char="•"/>
+            </a:pPr>
+            <a:r>
+              <a:rPr lang="de-DE" dirty="0" smtClean="0"/>
+              <a:t>syntax</a:t>
+            </a:r>
+            <a:r>
+              <a:rPr lang="de-DE" dirty="0"/>
+              <a:t>-</a:t>
+            </a:r>
+            <a:r>
+              <a:rPr lang="de-DE" dirty="0" err="1" smtClean="0"/>
+              <a:t>quoute</a:t>
+            </a:r>
+            <a:r>
+              <a:rPr lang="de-DE" dirty="0" smtClean="0"/>
+              <a:t> `		-&gt;	Taste 2 mit </a:t>
+            </a:r>
+            <a:r>
+              <a:rPr lang="de-DE" dirty="0" err="1" smtClean="0"/>
+              <a:t>Shift</a:t>
+            </a:r>
+            <a:endParaRPr lang="de-DE" dirty="0" smtClean="0"/>
+          </a:p>
+          <a:p>
+            <a:pPr marL="285750" indent="-285750">
+              <a:buFont typeface="Arial" pitchFamily="34" charset="0"/>
+              <a:buChar char="•"/>
+            </a:pPr>
+            <a:r>
+              <a:rPr lang="de-DE" dirty="0" smtClean="0"/>
+              <a:t> </a:t>
+            </a:r>
+            <a:r>
+              <a:rPr lang="de-DE" dirty="0" err="1" smtClean="0"/>
+              <a:t>unquoute</a:t>
+            </a:r>
+            <a:r>
+              <a:rPr lang="de-DE" dirty="0" smtClean="0"/>
+              <a:t> ~		-&gt;	Taste 3 mit </a:t>
+            </a:r>
+            <a:r>
+              <a:rPr lang="de-DE" dirty="0" err="1" smtClean="0"/>
+              <a:t>AltGr</a:t>
+            </a:r>
+            <a:endParaRPr lang="de-DE" dirty="0" smtClean="0"/>
+          </a:p>
+          <a:p>
+            <a:pPr marL="285750" indent="-285750">
+              <a:buFont typeface="Arial" pitchFamily="34" charset="0"/>
+              <a:buChar char="•"/>
+            </a:pPr>
+            <a:r>
+              <a:rPr lang="de-DE" dirty="0" err="1" smtClean="0"/>
+              <a:t>Unquote-splicing</a:t>
+            </a:r>
+            <a:r>
+              <a:rPr lang="de-DE" dirty="0" smtClean="0"/>
+              <a:t> ~@	-&gt;                </a:t>
+            </a:r>
+            <a:r>
+              <a:rPr lang="de-DE" dirty="0" err="1" smtClean="0"/>
+              <a:t>nocmal</a:t>
+            </a:r>
+            <a:r>
+              <a:rPr lang="de-DE" dirty="0" smtClean="0"/>
+              <a:t> </a:t>
+            </a:r>
+            <a:r>
+              <a:rPr lang="de-DE" dirty="0" err="1" smtClean="0"/>
+              <a:t>unquote</a:t>
+            </a:r>
+            <a:r>
+              <a:rPr lang="de-DE" dirty="0" smtClean="0"/>
+              <a:t> + @ Taste 4</a:t>
+            </a:r>
+          </a:p>
+        </p:txBody>
+      </p:sp>
+      <p:sp>
+        <p:nvSpPr>
+          <p:cNvPr id="8" name="TextBox 7"/>
+          <p:cNvSpPr txBox="1"/>
+          <p:nvPr/>
+        </p:nvSpPr>
+        <p:spPr>
+          <a:xfrm>
+            <a:off x="6384940" y="4095110"/>
+            <a:ext cx="265166" cy="369332"/>
+          </a:xfrm>
+          <a:prstGeom prst="rect">
+            <a:avLst/>
+          </a:prstGeom>
+          <a:noFill/>
+        </p:spPr>
+        <p:txBody>
+          <a:bodyPr wrap="square" rtlCol="0">
+            <a:spAutoFit/>
+          </a:bodyPr>
+          <a:lstStyle/>
+          <a:p>
+            <a:r>
+              <a:rPr lang="de-DE" dirty="0" smtClean="0">
+                <a:solidFill>
+                  <a:srgbClr val="FF0000"/>
+                </a:solidFill>
+              </a:rPr>
+              <a:t>1</a:t>
+            </a:r>
+            <a:endParaRPr lang="de-DE" dirty="0">
+              <a:solidFill>
+                <a:srgbClr val="FF0000"/>
+              </a:solidFill>
+            </a:endParaRPr>
+          </a:p>
+        </p:txBody>
+      </p:sp>
+      <p:sp>
+        <p:nvSpPr>
+          <p:cNvPr id="13" name="TextBox 12"/>
+          <p:cNvSpPr txBox="1"/>
+          <p:nvPr/>
+        </p:nvSpPr>
+        <p:spPr>
+          <a:xfrm>
+            <a:off x="6002205" y="3231818"/>
+            <a:ext cx="265166" cy="369332"/>
+          </a:xfrm>
+          <a:prstGeom prst="rect">
+            <a:avLst/>
+          </a:prstGeom>
+          <a:noFill/>
+        </p:spPr>
+        <p:txBody>
+          <a:bodyPr wrap="square" rtlCol="0">
+            <a:spAutoFit/>
+          </a:bodyPr>
+          <a:lstStyle/>
+          <a:p>
+            <a:r>
+              <a:rPr lang="de-DE" dirty="0">
+                <a:solidFill>
+                  <a:srgbClr val="FF0000"/>
+                </a:solidFill>
+              </a:rPr>
+              <a:t>2</a:t>
+            </a:r>
+            <a:endParaRPr lang="de-DE" dirty="0">
+              <a:solidFill>
+                <a:srgbClr val="FF0000"/>
+              </a:solidFill>
+            </a:endParaRPr>
+          </a:p>
+        </p:txBody>
+      </p:sp>
+      <p:sp>
+        <p:nvSpPr>
+          <p:cNvPr id="14" name="TextBox 13"/>
+          <p:cNvSpPr txBox="1"/>
+          <p:nvPr/>
+        </p:nvSpPr>
+        <p:spPr>
+          <a:xfrm>
+            <a:off x="6303174" y="3601150"/>
+            <a:ext cx="265166" cy="369332"/>
+          </a:xfrm>
+          <a:prstGeom prst="rect">
+            <a:avLst/>
+          </a:prstGeom>
+          <a:noFill/>
+        </p:spPr>
+        <p:txBody>
+          <a:bodyPr wrap="square" rtlCol="0">
+            <a:spAutoFit/>
+          </a:bodyPr>
+          <a:lstStyle/>
+          <a:p>
+            <a:r>
+              <a:rPr lang="de-DE" dirty="0" smtClean="0">
+                <a:solidFill>
+                  <a:srgbClr val="FF0000"/>
+                </a:solidFill>
+              </a:rPr>
+              <a:t>3</a:t>
+            </a:r>
+          </a:p>
+        </p:txBody>
+      </p:sp>
+      <p:sp>
+        <p:nvSpPr>
+          <p:cNvPr id="15" name="TextBox 14"/>
+          <p:cNvSpPr txBox="1"/>
+          <p:nvPr/>
+        </p:nvSpPr>
+        <p:spPr>
+          <a:xfrm>
+            <a:off x="1835696" y="3601150"/>
+            <a:ext cx="265166" cy="369332"/>
+          </a:xfrm>
+          <a:prstGeom prst="rect">
+            <a:avLst/>
+          </a:prstGeom>
+          <a:noFill/>
+        </p:spPr>
+        <p:txBody>
+          <a:bodyPr wrap="square" rtlCol="0">
+            <a:spAutoFit/>
+          </a:bodyPr>
+          <a:lstStyle/>
+          <a:p>
+            <a:r>
+              <a:rPr lang="de-DE" dirty="0">
+                <a:solidFill>
+                  <a:srgbClr val="FF0000"/>
+                </a:solidFill>
+              </a:rPr>
+              <a:t>4</a:t>
+            </a:r>
+            <a:endParaRPr lang="de-DE" dirty="0" smtClean="0">
+              <a:solidFill>
+                <a:srgbClr val="FF0000"/>
+              </a:solidFill>
+            </a:endParaRPr>
+          </a:p>
+        </p:txBody>
+      </p:sp>
+    </p:spTree>
+    <p:extLst>
+      <p:ext uri="{BB962C8B-B14F-4D97-AF65-F5344CB8AC3E}">
+        <p14:creationId xmlns:p14="http://schemas.microsoft.com/office/powerpoint/2010/main" val="28614900"/>
+      </p:ext>
+    </p:extLst>
+  </p:cSld>
+  <p:clrMapOvr>
+    <a:masterClrMapping/>
+  </p:clrMapOvr>
+  <p:timing>
+    <p:tnLst>
+      <p:par>
+        <p:cTn id="1" dur="indefinite" restart="never" nodeType="tmRoot"/>
+      </p:par>
+    </p:tnLst>
+  </p:timing>
+</p:sld>
+</file>
+
+<file path=ppt/slides/slide41.xml><?xml version="1.0" encoding="utf-8"?>
+<p:sld xmlns:a="http://schemas.openxmlformats.org/drawingml/2006/main" xmlns:r="http://schemas.openxmlformats.org/officeDocument/2006/relationships" xmlns:p="http://schemas.openxmlformats.org/presentationml/2006/main">
+  <p:cSld>
+    <p:spTree>
+      <p:nvGrpSpPr>
+        <p:cNvPr id="1" name=""/>
+        <p:cNvGrpSpPr/>
+        <p:nvPr/>
+      </p:nvGrpSpPr>
+      <p:grpSpPr>
+        <a:xfrm>
+          <a:off x="0" y="0"/>
+          <a:ext cx="0" cy="0"/>
+          <a:chOff x="0" y="0"/>
+          <a:chExt cx="0" cy="0"/>
+        </a:xfrm>
+      </p:grpSpPr>
+      <p:sp>
+        <p:nvSpPr>
+          <p:cNvPr id="4" name="Textfeld 3"/>
+          <p:cNvSpPr txBox="1"/>
+          <p:nvPr/>
+        </p:nvSpPr>
+        <p:spPr>
+          <a:xfrm>
+            <a:off x="755576" y="764704"/>
+            <a:ext cx="4104456" cy="2031325"/>
+          </a:xfrm>
+          <a:prstGeom prst="rect">
+            <a:avLst/>
+          </a:prstGeom>
+          <a:noFill/>
+        </p:spPr>
+        <p:txBody>
+          <a:bodyPr wrap="square" rtlCol="0">
+            <a:spAutoFit/>
+          </a:bodyPr>
+          <a:lstStyle/>
+          <a:p>
+            <a:r>
+              <a:rPr lang="de-DE" dirty="0" smtClean="0"/>
+              <a:t>Beispiel Applikationen in Visual Studio</a:t>
+            </a:r>
+          </a:p>
+          <a:p>
+            <a:endParaRPr lang="de-DE" dirty="0"/>
+          </a:p>
+          <a:p>
+            <a:r>
+              <a:rPr lang="de-DE" dirty="0" smtClean="0"/>
+              <a:t>Game </a:t>
+            </a:r>
+            <a:r>
+              <a:rPr lang="de-DE" dirty="0" err="1" smtClean="0"/>
+              <a:t>of</a:t>
+            </a:r>
+            <a:r>
+              <a:rPr lang="de-DE" dirty="0" smtClean="0"/>
+              <a:t> Life</a:t>
+            </a:r>
+          </a:p>
+          <a:p>
+            <a:endParaRPr lang="de-DE" dirty="0"/>
+          </a:p>
+          <a:p>
+            <a:r>
+              <a:rPr lang="de-DE" dirty="0" smtClean="0"/>
+              <a:t>Word Shuffle</a:t>
+            </a:r>
+          </a:p>
+          <a:p>
+            <a:endParaRPr lang="de-DE" dirty="0"/>
+          </a:p>
+          <a:p>
+            <a:r>
+              <a:rPr lang="de-DE" dirty="0" smtClean="0"/>
+              <a:t>Daten </a:t>
+            </a:r>
+            <a:r>
+              <a:rPr lang="de-DE" dirty="0" err="1" smtClean="0"/>
+              <a:t>crunchen</a:t>
+            </a:r>
+            <a:r>
+              <a:rPr lang="de-DE" dirty="0" smtClean="0"/>
+              <a:t> File und Datenbank</a:t>
+            </a:r>
+            <a:endParaRPr lang="de-DE" dirty="0"/>
+          </a:p>
+        </p:txBody>
+      </p:sp>
+    </p:spTree>
+    <p:extLst>
+      <p:ext uri="{BB962C8B-B14F-4D97-AF65-F5344CB8AC3E}">
+        <p14:creationId xmlns:p14="http://schemas.microsoft.com/office/powerpoint/2010/main" val="573607304"/>
+      </p:ext>
+    </p:extLst>
+  </p:cSld>
+  <p:clrMapOvr>
+    <a:masterClrMapping/>
+  </p:clrMapOvr>
+  <p:timing>
+    <p:tnLst>
+      <p:par>
+        <p:cTn id="1" dur="indefinite" restart="never" nodeType="tmRoot"/>
+      </p:par>
+    </p:tnLst>
+  </p:timing>
+</p:sld>
+</file>
+
+<file path=ppt/slides/slide42.xml><?xml version="1.0" encoding="utf-8"?>
+<p:sld xmlns:a="http://schemas.openxmlformats.org/drawingml/2006/main" xmlns:r="http://schemas.openxmlformats.org/officeDocument/2006/relationships" xmlns:p="http://schemas.openxmlformats.org/presentationml/2006/main">
+  <p:cSld>
+    <p:spTree>
+      <p:nvGrpSpPr>
+        <p:cNvPr id="1" name=""/>
+        <p:cNvGrpSpPr/>
+        <p:nvPr/>
+      </p:nvGrpSpPr>
+      <p:grpSpPr>
+        <a:xfrm>
+          <a:off x="0" y="0"/>
+          <a:ext cx="0" cy="0"/>
+          <a:chOff x="0" y="0"/>
+          <a:chExt cx="0" cy="0"/>
+        </a:xfrm>
+      </p:grpSpPr>
       <p:sp>
         <p:nvSpPr>
           <p:cNvPr id="4" name="Textfeld 3"/>
@@ -15368,10 +16032,268 @@
   <p:clrMapOvr>
     <a:masterClrMapping/>
   </p:clrMapOvr>
+  <p:timing>
+    <p:tnLst>
+      <p:par>
+        <p:cTn id="1" dur="indefinite" restart="never" nodeType="tmRoot"/>
+      </p:par>
+    </p:tnLst>
+  </p:timing>
 </p:sld>
 </file>
 
-<file path=ppt/slides/slide41.xml><?xml version="1.0" encoding="utf-8"?>
+<file path=ppt/slides/slide43.xml><?xml version="1.0" encoding="utf-8"?>
+<p:sld xmlns:a="http://schemas.openxmlformats.org/drawingml/2006/main" xmlns:r="http://schemas.openxmlformats.org/officeDocument/2006/relationships" xmlns:p="http://schemas.openxmlformats.org/presentationml/2006/main">
+  <p:cSld>
+    <p:spTree>
+      <p:nvGrpSpPr>
+        <p:cNvPr id="1" name=""/>
+        <p:cNvGrpSpPr/>
+        <p:nvPr/>
+      </p:nvGrpSpPr>
+      <p:grpSpPr>
+        <a:xfrm>
+          <a:off x="0" y="0"/>
+          <a:ext cx="0" cy="0"/>
+          <a:chOff x="0" y="0"/>
+          <a:chExt cx="0" cy="0"/>
+        </a:xfrm>
+      </p:grpSpPr>
+      <p:sp>
+        <p:nvSpPr>
+          <p:cNvPr id="4" name="TextBox 3"/>
+          <p:cNvSpPr txBox="1"/>
+          <p:nvPr/>
+        </p:nvSpPr>
+        <p:spPr>
+          <a:xfrm>
+            <a:off x="611560" y="548680"/>
+            <a:ext cx="4968552" cy="369332"/>
+          </a:xfrm>
+          <a:prstGeom prst="rect">
+            <a:avLst/>
+          </a:prstGeom>
+          <a:noFill/>
+        </p:spPr>
+        <p:txBody>
+          <a:bodyPr wrap="square" rtlCol="0">
+            <a:spAutoFit/>
+          </a:bodyPr>
+          <a:lstStyle/>
+          <a:p>
+            <a:r>
+              <a:rPr lang="de-DE" dirty="0" smtClean="0"/>
+              <a:t>Link und </a:t>
+            </a:r>
+            <a:r>
+              <a:rPr lang="de-DE" dirty="0" err="1" smtClean="0"/>
+              <a:t>Resourcen</a:t>
+            </a:r>
+            <a:r>
+              <a:rPr lang="de-DE" dirty="0" smtClean="0"/>
+              <a:t> Sammlung</a:t>
+            </a:r>
+            <a:endParaRPr lang="de-DE" dirty="0"/>
+          </a:p>
+        </p:txBody>
+      </p:sp>
+      <p:sp>
+        <p:nvSpPr>
+          <p:cNvPr id="5" name="TextBox 4"/>
+          <p:cNvSpPr txBox="1"/>
+          <p:nvPr/>
+        </p:nvSpPr>
+        <p:spPr>
+          <a:xfrm>
+            <a:off x="611560" y="1268760"/>
+            <a:ext cx="8136904" cy="5078313"/>
+          </a:xfrm>
+          <a:prstGeom prst="rect">
+            <a:avLst/>
+          </a:prstGeom>
+          <a:noFill/>
+        </p:spPr>
+        <p:txBody>
+          <a:bodyPr wrap="square" rtlCol="0">
+            <a:spAutoFit/>
+          </a:bodyPr>
+          <a:lstStyle/>
+          <a:p>
+            <a:r>
+              <a:rPr lang="de-DE" dirty="0" smtClean="0"/>
+              <a:t>Links</a:t>
+            </a:r>
+            <a:endParaRPr lang="de-DE" dirty="0">
+              <a:hlinkClick r:id="rId2"/>
+            </a:endParaRPr>
+          </a:p>
+          <a:p>
+            <a:r>
+              <a:rPr lang="de-DE" dirty="0" smtClean="0">
+                <a:hlinkClick r:id="rId2"/>
+              </a:rPr>
+              <a:t>http</a:t>
+            </a:r>
+            <a:r>
+              <a:rPr lang="de-DE" dirty="0">
+                <a:hlinkClick r:id="rId2"/>
+              </a:rPr>
+              <a:t>://clojure.org/</a:t>
+            </a:r>
+          </a:p>
+          <a:p>
+            <a:r>
+              <a:rPr lang="de-DE" dirty="0" smtClean="0">
+                <a:hlinkClick r:id="rId2"/>
+              </a:rPr>
+              <a:t>http</a:t>
+            </a:r>
+            <a:r>
+              <a:rPr lang="de-DE" dirty="0">
+                <a:hlinkClick r:id="rId2"/>
+              </a:rPr>
+              <a:t>://clojuredocs.org</a:t>
+            </a:r>
+            <a:r>
+              <a:rPr lang="de-DE" dirty="0" smtClean="0">
+                <a:hlinkClick r:id="rId2"/>
+              </a:rPr>
+              <a:t>/</a:t>
+            </a:r>
+            <a:endParaRPr lang="de-DE" dirty="0" smtClean="0"/>
+          </a:p>
+          <a:p>
+            <a:r>
+              <a:rPr lang="de-DE" dirty="0">
+                <a:hlinkClick r:id="rId3"/>
+              </a:rPr>
+              <a:t>https://</a:t>
+            </a:r>
+            <a:r>
+              <a:rPr lang="de-DE" dirty="0" smtClean="0">
+                <a:hlinkClick r:id="rId3"/>
+              </a:rPr>
+              <a:t>github.com/clojure/clojure-clr/wiki</a:t>
+            </a:r>
+            <a:endParaRPr lang="de-DE" dirty="0" smtClean="0"/>
+          </a:p>
+          <a:p>
+            <a:r>
+              <a:rPr lang="de-DE" dirty="0">
+                <a:hlinkClick r:id="rId4"/>
+              </a:rPr>
+              <a:t>http://planet.clojure.in</a:t>
+            </a:r>
+            <a:r>
+              <a:rPr lang="de-DE" dirty="0" smtClean="0">
+                <a:hlinkClick r:id="rId4"/>
+              </a:rPr>
+              <a:t>/</a:t>
+            </a:r>
+            <a:endParaRPr lang="de-DE" dirty="0" smtClean="0"/>
+          </a:p>
+          <a:p>
+            <a:endParaRPr lang="de-DE" dirty="0"/>
+          </a:p>
+          <a:p>
+            <a:r>
+              <a:rPr lang="de-DE" dirty="0" err="1" smtClean="0"/>
+              <a:t>Resourcen</a:t>
+            </a:r>
+            <a:endParaRPr lang="de-DE" dirty="0" smtClean="0"/>
+          </a:p>
+          <a:p>
+            <a:r>
+              <a:rPr lang="de-DE" dirty="0">
+                <a:hlinkClick r:id="rId5"/>
+              </a:rPr>
+              <a:t>https://github.com/thomasschulte</a:t>
+            </a:r>
+            <a:r>
+              <a:rPr lang="de-DE" dirty="0" smtClean="0">
+                <a:hlinkClick r:id="rId5"/>
+              </a:rPr>
+              <a:t>/</a:t>
+            </a:r>
+            <a:endParaRPr lang="de-DE" dirty="0" smtClean="0"/>
+          </a:p>
+          <a:p>
+            <a:endParaRPr lang="de-DE" dirty="0"/>
+          </a:p>
+          <a:p>
+            <a:r>
+              <a:rPr lang="de-DE" dirty="0" smtClean="0"/>
+              <a:t>Videos</a:t>
+            </a:r>
+          </a:p>
+          <a:p>
+            <a:r>
+              <a:rPr lang="de-DE" dirty="0">
+                <a:hlinkClick r:id="rId6"/>
+              </a:rPr>
+              <a:t>http://</a:t>
+            </a:r>
+            <a:r>
+              <a:rPr lang="de-DE" dirty="0" smtClean="0">
+                <a:hlinkClick r:id="rId6"/>
+              </a:rPr>
+              <a:t>www.infoq.com/presentations/Simple-Made-Easy</a:t>
+            </a:r>
+            <a:endParaRPr lang="de-DE" dirty="0" smtClean="0"/>
+          </a:p>
+          <a:p>
+            <a:r>
+              <a:rPr lang="de-DE" dirty="0">
+                <a:hlinkClick r:id="rId7"/>
+              </a:rPr>
+              <a:t>http://</a:t>
+            </a:r>
+            <a:r>
+              <a:rPr lang="de-DE" dirty="0" smtClean="0">
+                <a:hlinkClick r:id="rId7"/>
+              </a:rPr>
+              <a:t>channel9.msdn.com/Shows/Going+Deep/Expert-to-Expert-Rich-Hickey-and-Brian-Beckman-Inside-Clojure</a:t>
+            </a:r>
+            <a:endParaRPr lang="de-DE" dirty="0" smtClean="0"/>
+          </a:p>
+          <a:p>
+            <a:endParaRPr lang="de-DE" dirty="0"/>
+          </a:p>
+          <a:p>
+            <a:endParaRPr lang="de-DE" dirty="0" smtClean="0"/>
+          </a:p>
+          <a:p>
+            <a:endParaRPr lang="de-DE" dirty="0"/>
+          </a:p>
+          <a:p>
+            <a:endParaRPr lang="de-DE" dirty="0" smtClean="0"/>
+          </a:p>
+          <a:p>
+            <a:endParaRPr lang="de-DE" dirty="0"/>
+          </a:p>
+        </p:txBody>
+      </p:sp>
+    </p:spTree>
+    <p:extLst>
+      <p:ext uri="{BB962C8B-B14F-4D97-AF65-F5344CB8AC3E}">
+        <p14:creationId xmlns:p14="http://schemas.microsoft.com/office/powerpoint/2010/main" val="3411574074"/>
+      </p:ext>
+    </p:extLst>
+  </p:cSld>
+  <p:clrMapOvr>
+    <a:masterClrMapping/>
+  </p:clrMapOvr>
+  <p:timing>
+    <p:tnLst>
+      <p:par>
+        <p:cTn id="1" dur="indefinite" restart="never" nodeType="tmRoot"/>
+      </p:par>
+    </p:tnLst>
+  </p:timing>
+</p:sld>
+</file>
+
+<file path=ppt/slides/slide44.xml><?xml version="1.0" encoding="utf-8"?>
 <p:sld xmlns:a="http://schemas.openxmlformats.org/drawingml/2006/main" xmlns:r="http://schemas.openxmlformats.org/officeDocument/2006/relationships" xmlns:p="http://schemas.openxmlformats.org/presentationml/2006/main">
   <p:cSld>
     <p:spTree>
